--- a/PPTs/Face Anti-Spoofing presentation - BTP work status pre-mid sem.pptx
+++ b/PPTs/Face Anti-Spoofing presentation - BTP work status pre-mid sem.pptx
@@ -3406,7 +3406,7 @@
   <p:cSld>
     <p:spTree>
       <p:nvGrpSpPr>
-        <p:cNvPr id="278" name="Shape 278"/>
+        <p:cNvPr id="277" name="Shape 277"/>
         <p:cNvGrpSpPr/>
         <p:nvPr/>
       </p:nvGrpSpPr>
@@ -3420,7 +3420,7 @@
       </p:grpSpPr>
       <p:sp>
         <p:nvSpPr>
-          <p:cNvPr id="279" name="Google Shape;279;g24116355be2_0_81:notes"/>
+          <p:cNvPr id="278" name="Google Shape;278;g24116355be2_0_81:notes"/>
           <p:cNvSpPr/>
           <p:nvPr>
             <p:ph idx="2" type="sldImg"/>
@@ -3455,7 +3455,7 @@
       </p:sp>
       <p:sp>
         <p:nvSpPr>
-          <p:cNvPr id="280" name="Google Shape;280;g24116355be2_0_81:notes"/>
+          <p:cNvPr id="279" name="Google Shape;279;g24116355be2_0_81:notes"/>
           <p:cNvSpPr txBox="1"/>
           <p:nvPr>
             <p:ph idx="1" type="body"/>
@@ -3505,7 +3505,7 @@
   <p:cSld>
     <p:spTree>
       <p:nvGrpSpPr>
-        <p:cNvPr id="286" name="Shape 286"/>
+        <p:cNvPr id="285" name="Shape 285"/>
         <p:cNvGrpSpPr/>
         <p:nvPr/>
       </p:nvGrpSpPr>
@@ -3519,7 +3519,7 @@
       </p:grpSpPr>
       <p:sp>
         <p:nvSpPr>
-          <p:cNvPr id="287" name="Google Shape;287;g249029ccb36_0_48:notes"/>
+          <p:cNvPr id="286" name="Google Shape;286;g249029ccb36_0_48:notes"/>
           <p:cNvSpPr/>
           <p:nvPr>
             <p:ph idx="2" type="sldImg"/>
@@ -3554,7 +3554,7 @@
       </p:sp>
       <p:sp>
         <p:nvSpPr>
-          <p:cNvPr id="288" name="Google Shape;288;g249029ccb36_0_48:notes"/>
+          <p:cNvPr id="287" name="Google Shape;287;g249029ccb36_0_48:notes"/>
           <p:cNvSpPr txBox="1"/>
           <p:nvPr>
             <p:ph idx="1" type="body"/>
@@ -3604,7 +3604,7 @@
   <p:cSld>
     <p:spTree>
       <p:nvGrpSpPr>
-        <p:cNvPr id="292" name="Shape 292"/>
+        <p:cNvPr id="291" name="Shape 291"/>
         <p:cNvGrpSpPr/>
         <p:nvPr/>
       </p:nvGrpSpPr>
@@ -3618,7 +3618,7 @@
       </p:grpSpPr>
       <p:sp>
         <p:nvSpPr>
-          <p:cNvPr id="293" name="Google Shape;293;g24116355be2_0_57:notes"/>
+          <p:cNvPr id="292" name="Google Shape;292;g24116355be2_0_57:notes"/>
           <p:cNvSpPr/>
           <p:nvPr>
             <p:ph idx="2" type="sldImg"/>
@@ -3653,7 +3653,7 @@
       </p:sp>
       <p:sp>
         <p:nvSpPr>
-          <p:cNvPr id="294" name="Google Shape;294;g24116355be2_0_57:notes"/>
+          <p:cNvPr id="293" name="Google Shape;293;g24116355be2_0_57:notes"/>
           <p:cNvSpPr txBox="1"/>
           <p:nvPr>
             <p:ph idx="1" type="body"/>
@@ -3703,7 +3703,7 @@
   <p:cSld>
     <p:spTree>
       <p:nvGrpSpPr>
-        <p:cNvPr id="299" name="Shape 299"/>
+        <p:cNvPr id="298" name="Shape 298"/>
         <p:cNvGrpSpPr/>
         <p:nvPr/>
       </p:nvGrpSpPr>
@@ -3717,7 +3717,7 @@
       </p:grpSpPr>
       <p:sp>
         <p:nvSpPr>
-          <p:cNvPr id="300" name="Google Shape;300;g24116355be2_0_66:notes"/>
+          <p:cNvPr id="299" name="Google Shape;299;g24116355be2_0_66:notes"/>
           <p:cNvSpPr/>
           <p:nvPr>
             <p:ph idx="2" type="sldImg"/>
@@ -3752,7 +3752,7 @@
       </p:sp>
       <p:sp>
         <p:nvSpPr>
-          <p:cNvPr id="301" name="Google Shape;301;g24116355be2_0_66:notes"/>
+          <p:cNvPr id="300" name="Google Shape;300;g24116355be2_0_66:notes"/>
           <p:cNvSpPr txBox="1"/>
           <p:nvPr>
             <p:ph idx="1" type="body"/>
@@ -3802,7 +3802,7 @@
   <p:cSld>
     <p:spTree>
       <p:nvGrpSpPr>
-        <p:cNvPr id="306" name="Shape 306"/>
+        <p:cNvPr id="305" name="Shape 305"/>
         <p:cNvGrpSpPr/>
         <p:nvPr/>
       </p:nvGrpSpPr>
@@ -3816,7 +3816,7 @@
       </p:grpSpPr>
       <p:sp>
         <p:nvSpPr>
-          <p:cNvPr id="307" name="Google Shape;307;g24116355be2_0_73:notes"/>
+          <p:cNvPr id="306" name="Google Shape;306;g24116355be2_0_73:notes"/>
           <p:cNvSpPr/>
           <p:nvPr>
             <p:ph idx="2" type="sldImg"/>
@@ -3851,7 +3851,7 @@
       </p:sp>
       <p:sp>
         <p:nvSpPr>
-          <p:cNvPr id="308" name="Google Shape;308;g24116355be2_0_73:notes"/>
+          <p:cNvPr id="307" name="Google Shape;307;g24116355be2_0_73:notes"/>
           <p:cNvSpPr txBox="1"/>
           <p:nvPr>
             <p:ph idx="1" type="body"/>
@@ -3901,7 +3901,7 @@
   <p:cSld>
     <p:spTree>
       <p:nvGrpSpPr>
-        <p:cNvPr id="314" name="Shape 314"/>
+        <p:cNvPr id="313" name="Shape 313"/>
         <p:cNvGrpSpPr/>
         <p:nvPr/>
       </p:nvGrpSpPr>
@@ -3915,7 +3915,7 @@
       </p:grpSpPr>
       <p:sp>
         <p:nvSpPr>
-          <p:cNvPr id="315" name="Google Shape;315;g249029ccb36_0_25:notes"/>
+          <p:cNvPr id="314" name="Google Shape;314;g249029ccb36_0_25:notes"/>
           <p:cNvSpPr/>
           <p:nvPr>
             <p:ph idx="2" type="sldImg"/>
@@ -3950,7 +3950,7 @@
       </p:sp>
       <p:sp>
         <p:nvSpPr>
-          <p:cNvPr id="316" name="Google Shape;316;g249029ccb36_0_25:notes"/>
+          <p:cNvPr id="315" name="Google Shape;315;g249029ccb36_0_25:notes"/>
           <p:cNvSpPr txBox="1"/>
           <p:nvPr>
             <p:ph idx="1" type="body"/>
@@ -4099,7 +4099,7 @@
   <p:cSld>
     <p:spTree>
       <p:nvGrpSpPr>
-        <p:cNvPr id="320" name="Shape 320"/>
+        <p:cNvPr id="319" name="Shape 319"/>
         <p:cNvGrpSpPr/>
         <p:nvPr/>
       </p:nvGrpSpPr>
@@ -4113,7 +4113,7 @@
       </p:grpSpPr>
       <p:sp>
         <p:nvSpPr>
-          <p:cNvPr id="321" name="Google Shape;321;g249029ccb36_0_32:notes"/>
+          <p:cNvPr id="320" name="Google Shape;320;g249029ccb36_0_32:notes"/>
           <p:cNvSpPr/>
           <p:nvPr>
             <p:ph idx="2" type="sldImg"/>
@@ -4148,7 +4148,7 @@
       </p:sp>
       <p:sp>
         <p:nvSpPr>
-          <p:cNvPr id="322" name="Google Shape;322;g249029ccb36_0_32:notes"/>
+          <p:cNvPr id="321" name="Google Shape;321;g249029ccb36_0_32:notes"/>
           <p:cNvSpPr txBox="1"/>
           <p:nvPr>
             <p:ph idx="1" type="body"/>
@@ -4198,7 +4198,7 @@
   <p:cSld>
     <p:spTree>
       <p:nvGrpSpPr>
-        <p:cNvPr id="328" name="Shape 328"/>
+        <p:cNvPr id="327" name="Shape 327"/>
         <p:cNvGrpSpPr/>
         <p:nvPr/>
       </p:nvGrpSpPr>
@@ -4212,7 +4212,7 @@
       </p:grpSpPr>
       <p:sp>
         <p:nvSpPr>
-          <p:cNvPr id="329" name="Google Shape;329;g249029ccb36_0_39:notes"/>
+          <p:cNvPr id="328" name="Google Shape;328;g249029ccb36_0_39:notes"/>
           <p:cNvSpPr/>
           <p:nvPr>
             <p:ph idx="2" type="sldImg"/>
@@ -4247,7 +4247,7 @@
       </p:sp>
       <p:sp>
         <p:nvSpPr>
-          <p:cNvPr id="330" name="Google Shape;330;g249029ccb36_0_39:notes"/>
+          <p:cNvPr id="329" name="Google Shape;329;g249029ccb36_0_39:notes"/>
           <p:cNvSpPr txBox="1"/>
           <p:nvPr>
             <p:ph idx="1" type="body"/>
@@ -4297,7 +4297,7 @@
   <p:cSld>
     <p:spTree>
       <p:nvGrpSpPr>
-        <p:cNvPr id="335" name="Shape 335"/>
+        <p:cNvPr id="334" name="Shape 334"/>
         <p:cNvGrpSpPr/>
         <p:nvPr/>
       </p:nvGrpSpPr>
@@ -4311,7 +4311,7 @@
       </p:grpSpPr>
       <p:sp>
         <p:nvSpPr>
-          <p:cNvPr id="336" name="Google Shape;336;g26e03241cb5_0_164:notes"/>
+          <p:cNvPr id="335" name="Google Shape;335;g26e03241cb5_0_164:notes"/>
           <p:cNvSpPr/>
           <p:nvPr>
             <p:ph idx="2" type="sldImg"/>
@@ -4346,7 +4346,7 @@
       </p:sp>
       <p:sp>
         <p:nvSpPr>
-          <p:cNvPr id="337" name="Google Shape;337;g26e03241cb5_0_164:notes"/>
+          <p:cNvPr id="336" name="Google Shape;336;g26e03241cb5_0_164:notes"/>
           <p:cNvSpPr txBox="1"/>
           <p:nvPr>
             <p:ph idx="1" type="body"/>
@@ -4396,7 +4396,7 @@
   <p:cSld>
     <p:spTree>
       <p:nvGrpSpPr>
-        <p:cNvPr id="341" name="Shape 341"/>
+        <p:cNvPr id="340" name="Shape 340"/>
         <p:cNvGrpSpPr/>
         <p:nvPr/>
       </p:nvGrpSpPr>
@@ -4410,7 +4410,7 @@
       </p:grpSpPr>
       <p:sp>
         <p:nvSpPr>
-          <p:cNvPr id="342" name="Google Shape;342;g26e03241cb5_0_173:notes"/>
+          <p:cNvPr id="341" name="Google Shape;341;g26e03241cb5_0_173:notes"/>
           <p:cNvSpPr/>
           <p:nvPr>
             <p:ph idx="2" type="sldImg"/>
@@ -4445,7 +4445,7 @@
       </p:sp>
       <p:sp>
         <p:nvSpPr>
-          <p:cNvPr id="343" name="Google Shape;343;g26e03241cb5_0_173:notes"/>
+          <p:cNvPr id="342" name="Google Shape;342;g26e03241cb5_0_173:notes"/>
           <p:cNvSpPr txBox="1"/>
           <p:nvPr>
             <p:ph idx="1" type="body"/>
@@ -14489,7 +14489,7 @@
             </a:pPr>
             <a:r>
               <a:rPr lang="en" sz="1700"/>
-              <a:t>Training loss and accuracy: OULU-NPU (can still continue training after 5epochs)</a:t>
+              <a:t>Training loss and accuracy: OULU-NPU (best val accuracy after 8 epochs)</a:t>
             </a:r>
             <a:endParaRPr sz="1500"/>
           </a:p>
@@ -14526,8 +14526,8 @@
         </p:blipFill>
         <p:spPr>
           <a:xfrm>
-            <a:off x="623888" y="1433588"/>
-            <a:ext cx="7896225" cy="2638425"/>
+            <a:off x="454950" y="1983601"/>
+            <a:ext cx="8234101" cy="1176300"/>
           </a:xfrm>
           <a:prstGeom prst="rect">
             <a:avLst/>
@@ -14642,7 +14642,7 @@
             </a:r>
             <a:r>
               <a:rPr lang="en" sz="1700"/>
-              <a:t>: OULU-NPU after 5 epochs</a:t>
+              <a:t>: OULU-NPU after 8 epochs</a:t>
             </a:r>
             <a:endParaRPr sz="1500"/>
           </a:p>
@@ -14679,36 +14679,8 @@
         </p:blipFill>
         <p:spPr>
           <a:xfrm>
-            <a:off x="1295400" y="2846175"/>
-            <a:ext cx="5608175" cy="1239025"/>
-          </a:xfrm>
-          <a:prstGeom prst="rect">
-            <a:avLst/>
-          </a:prstGeom>
-          <a:noFill/>
-          <a:ln>
-            <a:noFill/>
-          </a:ln>
-        </p:spPr>
-      </p:pic>
-      <p:pic>
-        <p:nvPicPr>
-          <p:cNvPr id="277" name="Google Shape;277;p45"/>
-          <p:cNvPicPr preferRelativeResize="0"/>
-          <p:nvPr/>
-        </p:nvPicPr>
-        <p:blipFill>
-          <a:blip r:embed="rId4">
-            <a:alphaModFix/>
-          </a:blip>
-          <a:stretch>
-            <a:fillRect/>
-          </a:stretch>
-        </p:blipFill>
-        <p:spPr>
-          <a:xfrm>
-            <a:off x="1295401" y="1749276"/>
-            <a:ext cx="5608175" cy="810187"/>
+            <a:off x="2162175" y="2105025"/>
+            <a:ext cx="4819650" cy="933450"/>
           </a:xfrm>
           <a:prstGeom prst="rect">
             <a:avLst/>
@@ -14732,7 +14704,7 @@
   <p:cSld>
     <p:spTree>
       <p:nvGrpSpPr>
-        <p:cNvPr id="281" name="Shape 281"/>
+        <p:cNvPr id="280" name="Shape 280"/>
         <p:cNvGrpSpPr/>
         <p:nvPr/>
       </p:nvGrpSpPr>
@@ -14746,7 +14718,7 @@
       </p:grpSpPr>
       <p:sp>
         <p:nvSpPr>
-          <p:cNvPr id="282" name="Google Shape;282;p46"/>
+          <p:cNvPr id="281" name="Google Shape;281;p46"/>
           <p:cNvSpPr txBox="1"/>
           <p:nvPr>
             <p:ph type="title"/>
@@ -14803,7 +14775,7 @@
       </p:sp>
       <p:sp>
         <p:nvSpPr>
-          <p:cNvPr id="283" name="Google Shape;283;p46"/>
+          <p:cNvPr id="282" name="Google Shape;282;p46"/>
           <p:cNvSpPr txBox="1"/>
           <p:nvPr>
             <p:ph idx="1" type="body"/>
@@ -14858,7 +14830,7 @@
       </p:sp>
       <p:pic>
         <p:nvPicPr>
-          <p:cNvPr id="284" name="Google Shape;284;p46"/>
+          <p:cNvPr id="283" name="Google Shape;283;p46"/>
           <p:cNvPicPr preferRelativeResize="0"/>
           <p:nvPr/>
         </p:nvPicPr>
@@ -14885,7 +14857,7 @@
       </p:pic>
       <p:sp>
         <p:nvSpPr>
-          <p:cNvPr id="285" name="Google Shape;285;p46"/>
+          <p:cNvPr id="284" name="Google Shape;284;p46"/>
           <p:cNvSpPr txBox="1"/>
           <p:nvPr/>
         </p:nvSpPr>
@@ -14938,7 +14910,7 @@
   <p:cSld>
     <p:spTree>
       <p:nvGrpSpPr>
-        <p:cNvPr id="289" name="Shape 289"/>
+        <p:cNvPr id="288" name="Shape 288"/>
         <p:cNvGrpSpPr/>
         <p:nvPr/>
       </p:nvGrpSpPr>
@@ -14952,7 +14924,7 @@
       </p:grpSpPr>
       <p:sp>
         <p:nvSpPr>
-          <p:cNvPr id="290" name="Google Shape;290;p47"/>
+          <p:cNvPr id="289" name="Google Shape;289;p47"/>
           <p:cNvSpPr txBox="1"/>
           <p:nvPr>
             <p:ph type="title"/>
@@ -15009,7 +14981,7 @@
       </p:sp>
       <p:sp>
         <p:nvSpPr>
-          <p:cNvPr id="291" name="Google Shape;291;p47"/>
+          <p:cNvPr id="290" name="Google Shape;290;p47"/>
           <p:cNvSpPr txBox="1"/>
           <p:nvPr>
             <p:ph idx="1" type="body"/>
@@ -15140,7 +15112,7 @@
   <p:cSld>
     <p:spTree>
       <p:nvGrpSpPr>
-        <p:cNvPr id="295" name="Shape 295"/>
+        <p:cNvPr id="294" name="Shape 294"/>
         <p:cNvGrpSpPr/>
         <p:nvPr/>
       </p:nvGrpSpPr>
@@ -15154,7 +15126,7 @@
       </p:grpSpPr>
       <p:sp>
         <p:nvSpPr>
-          <p:cNvPr id="296" name="Google Shape;296;p48"/>
+          <p:cNvPr id="295" name="Google Shape;295;p48"/>
           <p:cNvSpPr txBox="1"/>
           <p:nvPr>
             <p:ph type="title"/>
@@ -15211,7 +15183,7 @@
       </p:sp>
       <p:sp>
         <p:nvSpPr>
-          <p:cNvPr id="297" name="Google Shape;297;p48"/>
+          <p:cNvPr id="296" name="Google Shape;296;p48"/>
           <p:cNvSpPr txBox="1"/>
           <p:nvPr>
             <p:ph idx="1" type="body"/>
@@ -15282,7 +15254,7 @@
       </p:sp>
       <p:pic>
         <p:nvPicPr>
-          <p:cNvPr id="298" name="Google Shape;298;p48"/>
+          <p:cNvPr id="297" name="Google Shape;297;p48"/>
           <p:cNvPicPr preferRelativeResize="0"/>
           <p:nvPr/>
         </p:nvPicPr>
@@ -15321,7 +15293,7 @@
   <p:cSld>
     <p:spTree>
       <p:nvGrpSpPr>
-        <p:cNvPr id="302" name="Shape 302"/>
+        <p:cNvPr id="301" name="Shape 301"/>
         <p:cNvGrpSpPr/>
         <p:nvPr/>
       </p:nvGrpSpPr>
@@ -15335,7 +15307,7 @@
       </p:grpSpPr>
       <p:sp>
         <p:nvSpPr>
-          <p:cNvPr id="303" name="Google Shape;303;p49"/>
+          <p:cNvPr id="302" name="Google Shape;302;p49"/>
           <p:cNvSpPr txBox="1"/>
           <p:nvPr>
             <p:ph type="title"/>
@@ -15392,7 +15364,7 @@
       </p:sp>
       <p:sp>
         <p:nvSpPr>
-          <p:cNvPr id="304" name="Google Shape;304;p49"/>
+          <p:cNvPr id="303" name="Google Shape;303;p49"/>
           <p:cNvSpPr txBox="1"/>
           <p:nvPr>
             <p:ph idx="1" type="body"/>
@@ -15478,7 +15450,7 @@
       </p:sp>
       <p:pic>
         <p:nvPicPr>
-          <p:cNvPr id="305" name="Google Shape;305;p49"/>
+          <p:cNvPr id="304" name="Google Shape;304;p49"/>
           <p:cNvPicPr preferRelativeResize="0"/>
           <p:nvPr/>
         </p:nvPicPr>
@@ -15517,7 +15489,7 @@
   <p:cSld>
     <p:spTree>
       <p:nvGrpSpPr>
-        <p:cNvPr id="309" name="Shape 309"/>
+        <p:cNvPr id="308" name="Shape 308"/>
         <p:cNvGrpSpPr/>
         <p:nvPr/>
       </p:nvGrpSpPr>
@@ -15531,7 +15503,7 @@
       </p:grpSpPr>
       <p:sp>
         <p:nvSpPr>
-          <p:cNvPr id="310" name="Google Shape;310;p50"/>
+          <p:cNvPr id="309" name="Google Shape;309;p50"/>
           <p:cNvSpPr txBox="1"/>
           <p:nvPr>
             <p:ph type="title"/>
@@ -15572,7 +15544,7 @@
       </p:sp>
       <p:sp>
         <p:nvSpPr>
-          <p:cNvPr id="311" name="Google Shape;311;p50"/>
+          <p:cNvPr id="310" name="Google Shape;310;p50"/>
           <p:cNvSpPr txBox="1"/>
           <p:nvPr>
             <p:ph idx="1" type="body"/>
@@ -15666,7 +15638,7 @@
       </p:sp>
       <p:pic>
         <p:nvPicPr>
-          <p:cNvPr id="312" name="Google Shape;312;p50"/>
+          <p:cNvPr id="311" name="Google Shape;311;p50"/>
           <p:cNvPicPr preferRelativeResize="0"/>
           <p:nvPr/>
         </p:nvPicPr>
@@ -15694,7 +15666,7 @@
       </p:pic>
       <p:sp>
         <p:nvSpPr>
-          <p:cNvPr id="313" name="Google Shape;313;p50"/>
+          <p:cNvPr id="312" name="Google Shape;312;p50"/>
           <p:cNvSpPr/>
           <p:nvPr/>
         </p:nvSpPr>
@@ -15752,7 +15724,7 @@
   <p:cSld>
     <p:spTree>
       <p:nvGrpSpPr>
-        <p:cNvPr id="317" name="Shape 317"/>
+        <p:cNvPr id="316" name="Shape 316"/>
         <p:cNvGrpSpPr/>
         <p:nvPr/>
       </p:nvGrpSpPr>
@@ -15766,7 +15738,7 @@
       </p:grpSpPr>
       <p:sp>
         <p:nvSpPr>
-          <p:cNvPr id="318" name="Google Shape;318;p51"/>
+          <p:cNvPr id="317" name="Google Shape;317;p51"/>
           <p:cNvSpPr txBox="1"/>
           <p:nvPr>
             <p:ph type="title"/>
@@ -15807,7 +15779,7 @@
       </p:sp>
       <p:sp>
         <p:nvSpPr>
-          <p:cNvPr id="319" name="Google Shape;319;p51"/>
+          <p:cNvPr id="318" name="Google Shape;318;p51"/>
           <p:cNvSpPr txBox="1"/>
           <p:nvPr>
             <p:ph idx="1" type="body"/>
@@ -16111,7 +16083,7 @@
   <p:cSld>
     <p:spTree>
       <p:nvGrpSpPr>
-        <p:cNvPr id="323" name="Shape 323"/>
+        <p:cNvPr id="322" name="Shape 322"/>
         <p:cNvGrpSpPr/>
         <p:nvPr/>
       </p:nvGrpSpPr>
@@ -16125,7 +16097,7 @@
       </p:grpSpPr>
       <p:sp>
         <p:nvSpPr>
-          <p:cNvPr id="324" name="Google Shape;324;p52"/>
+          <p:cNvPr id="323" name="Google Shape;323;p52"/>
           <p:cNvSpPr txBox="1"/>
           <p:nvPr>
             <p:ph type="title"/>
@@ -16166,7 +16138,7 @@
       </p:sp>
       <p:sp>
         <p:nvSpPr>
-          <p:cNvPr id="325" name="Google Shape;325;p52"/>
+          <p:cNvPr id="324" name="Google Shape;324;p52"/>
           <p:cNvSpPr txBox="1"/>
           <p:nvPr>
             <p:ph idx="1" type="body"/>
@@ -16306,7 +16278,7 @@
       </p:sp>
       <p:pic>
         <p:nvPicPr>
-          <p:cNvPr id="326" name="Google Shape;326;p52"/>
+          <p:cNvPr id="325" name="Google Shape;325;p52"/>
           <p:cNvPicPr preferRelativeResize="0"/>
           <p:nvPr/>
         </p:nvPicPr>
@@ -16334,7 +16306,7 @@
       </p:pic>
       <p:pic>
         <p:nvPicPr>
-          <p:cNvPr id="327" name="Google Shape;327;p52"/>
+          <p:cNvPr id="326" name="Google Shape;326;p52"/>
           <p:cNvPicPr preferRelativeResize="0"/>
           <p:nvPr/>
         </p:nvPicPr>
@@ -16372,7 +16344,7 @@
   <p:cSld>
     <p:spTree>
       <p:nvGrpSpPr>
-        <p:cNvPr id="331" name="Shape 331"/>
+        <p:cNvPr id="330" name="Shape 330"/>
         <p:cNvGrpSpPr/>
         <p:nvPr/>
       </p:nvGrpSpPr>
@@ -16386,7 +16358,7 @@
       </p:grpSpPr>
       <p:sp>
         <p:nvSpPr>
-          <p:cNvPr id="332" name="Google Shape;332;p53"/>
+          <p:cNvPr id="331" name="Google Shape;331;p53"/>
           <p:cNvSpPr txBox="1"/>
           <p:nvPr>
             <p:ph type="title"/>
@@ -16427,7 +16399,7 @@
       </p:sp>
       <p:sp>
         <p:nvSpPr>
-          <p:cNvPr id="333" name="Google Shape;333;p53"/>
+          <p:cNvPr id="332" name="Google Shape;332;p53"/>
           <p:cNvSpPr txBox="1"/>
           <p:nvPr>
             <p:ph idx="1" type="body"/>
@@ -16506,7 +16478,7 @@
       </p:sp>
       <p:pic>
         <p:nvPicPr>
-          <p:cNvPr id="334" name="Google Shape;334;p53"/>
+          <p:cNvPr id="333" name="Google Shape;333;p53"/>
           <p:cNvPicPr preferRelativeResize="0"/>
           <p:nvPr/>
         </p:nvPicPr>
@@ -16545,7 +16517,7 @@
   <p:cSld>
     <p:spTree>
       <p:nvGrpSpPr>
-        <p:cNvPr id="338" name="Shape 338"/>
+        <p:cNvPr id="337" name="Shape 337"/>
         <p:cNvGrpSpPr/>
         <p:nvPr/>
       </p:nvGrpSpPr>
@@ -16559,7 +16531,7 @@
       </p:grpSpPr>
       <p:sp>
         <p:nvSpPr>
-          <p:cNvPr id="339" name="Google Shape;339;p54"/>
+          <p:cNvPr id="338" name="Google Shape;338;p54"/>
           <p:cNvSpPr txBox="1"/>
           <p:nvPr>
             <p:ph type="title"/>
@@ -16600,7 +16572,7 @@
       </p:sp>
       <p:sp>
         <p:nvSpPr>
-          <p:cNvPr id="340" name="Google Shape;340;p54"/>
+          <p:cNvPr id="339" name="Google Shape;339;p54"/>
           <p:cNvSpPr txBox="1"/>
           <p:nvPr>
             <p:ph idx="1" type="body"/>
@@ -16609,7 +16581,7 @@
         <p:spPr>
           <a:xfrm>
             <a:off x="311700" y="770650"/>
-            <a:ext cx="8520600" cy="3798600"/>
+            <a:ext cx="8520600" cy="4141500"/>
           </a:xfrm>
           <a:prstGeom prst="rect">
             <a:avLst/>
@@ -16617,7 +16589,7 @@
         </p:spPr>
         <p:txBody>
           <a:bodyPr anchorCtr="0" anchor="t" bIns="91425" lIns="91425" spcFirstLastPara="1" rIns="91425" wrap="square" tIns="91425">
-            <a:normAutofit lnSpcReduction="10000"/>
+            <a:normAutofit lnSpcReduction="20000"/>
           </a:bodyPr>
           <a:lstStyle/>
           <a:p>
@@ -16865,6 +16837,32 @@
             </a:r>
             <a:endParaRPr sz="1600"/>
           </a:p>
+          <a:p>
+            <a:pPr indent="-330200" lvl="0" marL="457200" rtl="0" algn="l">
+              <a:spcBef>
+                <a:spcPts val="0"/>
+              </a:spcBef>
+              <a:spcAft>
+                <a:spcPts val="0"/>
+              </a:spcAft>
+              <a:buSzPts val="1600"/>
+              <a:buAutoNum type="arabicPeriod"/>
+            </a:pPr>
+            <a:r>
+              <a:rPr lang="en" sz="1600" u="sng">
+                <a:solidFill>
+                  <a:schemeClr val="hlink"/>
+                </a:solidFill>
+                <a:hlinkClick r:id="rId12"/>
+              </a:rPr>
+              <a:t>https://github.com/pineapple45/anti-face-spoofing-techniques/blob/master/Siamese-Network-Anti-spoofing/DataGeneration.ipynb</a:t>
+            </a:r>
+            <a:r>
+              <a:rPr lang="en" sz="1600"/>
+              <a:t> </a:t>
+            </a:r>
+            <a:endParaRPr sz="1600"/>
+          </a:p>
         </p:txBody>
       </p:sp>
     </p:spTree>
@@ -16880,7 +16878,7 @@
   <p:cSld>
     <p:spTree>
       <p:nvGrpSpPr>
-        <p:cNvPr id="344" name="Shape 344"/>
+        <p:cNvPr id="343" name="Shape 343"/>
         <p:cNvGrpSpPr/>
         <p:nvPr/>
       </p:nvGrpSpPr>
@@ -16894,7 +16892,7 @@
       </p:grpSpPr>
       <p:sp>
         <p:nvSpPr>
-          <p:cNvPr id="345" name="Google Shape;345;p55"/>
+          <p:cNvPr id="344" name="Google Shape;344;p55"/>
           <p:cNvSpPr txBox="1"/>
           <p:nvPr>
             <p:ph type="title"/>
@@ -16935,7 +16933,7 @@
       </p:sp>
       <p:sp>
         <p:nvSpPr>
-          <p:cNvPr id="346" name="Google Shape;346;p55"/>
+          <p:cNvPr id="345" name="Google Shape;345;p55"/>
           <p:cNvSpPr txBox="1"/>
           <p:nvPr>
             <p:ph idx="1" type="body"/>
@@ -18425,6 +18423,285 @@
 </file>
 
 <file path=ppt/theme/theme1.xml><?xml version="1.0" encoding="utf-8"?>
+<a:theme xmlns:a="http://schemas.openxmlformats.org/drawingml/2006/main" xmlns:r="http://schemas.openxmlformats.org/officeDocument/2006/relationships" name="Simple Light">
+  <a:themeElements>
+    <a:clrScheme name="Simple Light">
+      <a:dk1>
+        <a:srgbClr val="000000"/>
+      </a:dk1>
+      <a:lt1>
+        <a:srgbClr val="FFFFFF"/>
+      </a:lt1>
+      <a:dk2>
+        <a:srgbClr val="595959"/>
+      </a:dk2>
+      <a:lt2>
+        <a:srgbClr val="EEEEEE"/>
+      </a:lt2>
+      <a:accent1>
+        <a:srgbClr val="4285F4"/>
+      </a:accent1>
+      <a:accent2>
+        <a:srgbClr val="212121"/>
+      </a:accent2>
+      <a:accent3>
+        <a:srgbClr val="78909C"/>
+      </a:accent3>
+      <a:accent4>
+        <a:srgbClr val="FFAB40"/>
+      </a:accent4>
+      <a:accent5>
+        <a:srgbClr val="0097A7"/>
+      </a:accent5>
+      <a:accent6>
+        <a:srgbClr val="EEFF41"/>
+      </a:accent6>
+      <a:hlink>
+        <a:srgbClr val="0097A7"/>
+      </a:hlink>
+      <a:folHlink>
+        <a:srgbClr val="0097A7"/>
+      </a:folHlink>
+    </a:clrScheme>
+    <a:fontScheme name="Office">
+      <a:majorFont>
+        <a:latin typeface="Arial"/>
+        <a:ea typeface=""/>
+        <a:cs typeface=""/>
+        <a:font script="Jpan" typeface="ＭＳ Ｐゴシック"/>
+        <a:font script="Hang" typeface="맑은 고딕"/>
+        <a:font script="Hans" typeface="宋体"/>
+        <a:font script="Hant" typeface="新細明體"/>
+        <a:font script="Arab" typeface="Times New Roman"/>
+        <a:font script="Hebr" typeface="Times New Roman"/>
+        <a:font script="Thai" typeface="Angsana New"/>
+        <a:font script="Ethi" typeface="Nyala"/>
+        <a:font script="Beng" typeface="Vrinda"/>
+        <a:font script="Gujr" typeface="Shruti"/>
+        <a:font script="Khmr" typeface="MoolBoran"/>
+        <a:font script="Knda" typeface="Tunga"/>
+        <a:font script="Guru" typeface="Raavi"/>
+        <a:font script="Cans" typeface="Euphemia"/>
+        <a:font script="Cher" typeface="Plantagenet Cherokee"/>
+        <a:font script="Yiii" typeface="Microsoft Yi Baiti"/>
+        <a:font script="Tibt" typeface="Microsoft Himalaya"/>
+        <a:font script="Thaa" typeface="MV Boli"/>
+        <a:font script="Deva" typeface="Mangal"/>
+        <a:font script="Telu" typeface="Gautami"/>
+        <a:font script="Taml" typeface="Latha"/>
+        <a:font script="Syrc" typeface="Estrangelo Edessa"/>
+        <a:font script="Orya" typeface="Kalinga"/>
+        <a:font script="Mlym" typeface="Kartika"/>
+        <a:font script="Laoo" typeface="DokChampa"/>
+        <a:font script="Sinh" typeface="Iskoola Pota"/>
+        <a:font script="Mong" typeface="Mongolian Baiti"/>
+        <a:font script="Viet" typeface="Times New Roman"/>
+        <a:font script="Uigh" typeface="Microsoft Uighur"/>
+        <a:font script="Geor" typeface="Sylfaen"/>
+      </a:majorFont>
+      <a:minorFont>
+        <a:latin typeface="Arial"/>
+        <a:ea typeface=""/>
+        <a:cs typeface=""/>
+        <a:font script="Jpan" typeface="ＭＳ Ｐゴシック"/>
+        <a:font script="Hang" typeface="맑은 고딕"/>
+        <a:font script="Hans" typeface="宋体"/>
+        <a:font script="Hant" typeface="新細明體"/>
+        <a:font script="Arab" typeface="Arial"/>
+        <a:font script="Hebr" typeface="Arial"/>
+        <a:font script="Thai" typeface="Cordia New"/>
+        <a:font script="Ethi" typeface="Nyala"/>
+        <a:font script="Beng" typeface="Vrinda"/>
+        <a:font script="Gujr" typeface="Shruti"/>
+        <a:font script="Khmr" typeface="DaunPenh"/>
+        <a:font script="Knda" typeface="Tunga"/>
+        <a:font script="Guru" typeface="Raavi"/>
+        <a:font script="Cans" typeface="Euphemia"/>
+        <a:font script="Cher" typeface="Plantagenet Cherokee"/>
+        <a:font script="Yiii" typeface="Microsoft Yi Baiti"/>
+        <a:font script="Tibt" typeface="Microsoft Himalaya"/>
+        <a:font script="Thaa" typeface="MV Boli"/>
+        <a:font script="Deva" typeface="Mangal"/>
+        <a:font script="Telu" typeface="Gautami"/>
+        <a:font script="Taml" typeface="Latha"/>
+        <a:font script="Syrc" typeface="Estrangelo Edessa"/>
+        <a:font script="Orya" typeface="Kalinga"/>
+        <a:font script="Mlym" typeface="Kartika"/>
+        <a:font script="Laoo" typeface="DokChampa"/>
+        <a:font script="Sinh" typeface="Iskoola Pota"/>
+        <a:font script="Mong" typeface="Mongolian Baiti"/>
+        <a:font script="Viet" typeface="Arial"/>
+        <a:font script="Uigh" typeface="Microsoft Uighur"/>
+        <a:font script="Geor" typeface="Sylfaen"/>
+      </a:minorFont>
+    </a:fontScheme>
+    <a:fmtScheme name="Office">
+      <a:fillStyleLst>
+        <a:solidFill>
+          <a:schemeClr val="phClr"/>
+        </a:solidFill>
+        <a:gradFill rotWithShape="1">
+          <a:gsLst>
+            <a:gs pos="0">
+              <a:schemeClr val="phClr">
+                <a:tint val="50000"/>
+                <a:satMod val="300000"/>
+              </a:schemeClr>
+            </a:gs>
+            <a:gs pos="35000">
+              <a:schemeClr val="phClr">
+                <a:tint val="37000"/>
+                <a:satMod val="300000"/>
+              </a:schemeClr>
+            </a:gs>
+            <a:gs pos="100000">
+              <a:schemeClr val="phClr">
+                <a:tint val="15000"/>
+                <a:satMod val="350000"/>
+              </a:schemeClr>
+            </a:gs>
+          </a:gsLst>
+          <a:lin ang="16200000" scaled="1"/>
+        </a:gradFill>
+        <a:gradFill rotWithShape="1">
+          <a:gsLst>
+            <a:gs pos="0">
+              <a:schemeClr val="phClr">
+                <a:tint val="100000"/>
+                <a:shade val="100000"/>
+                <a:satMod val="130000"/>
+              </a:schemeClr>
+            </a:gs>
+            <a:gs pos="100000">
+              <a:schemeClr val="phClr">
+                <a:tint val="50000"/>
+                <a:shade val="100000"/>
+                <a:satMod val="350000"/>
+              </a:schemeClr>
+            </a:gs>
+          </a:gsLst>
+          <a:lin ang="16200000" scaled="0"/>
+        </a:gradFill>
+      </a:fillStyleLst>
+      <a:lnStyleLst>
+        <a:ln w="9525" cap="flat" cmpd="sng" algn="ctr">
+          <a:solidFill>
+            <a:schemeClr val="phClr">
+              <a:shade val="95000"/>
+              <a:satMod val="105000"/>
+            </a:schemeClr>
+          </a:solidFill>
+          <a:prstDash val="solid"/>
+        </a:ln>
+        <a:ln w="25400" cap="flat" cmpd="sng" algn="ctr">
+          <a:solidFill>
+            <a:schemeClr val="phClr"/>
+          </a:solidFill>
+          <a:prstDash val="solid"/>
+        </a:ln>
+        <a:ln w="38100" cap="flat" cmpd="sng" algn="ctr">
+          <a:solidFill>
+            <a:schemeClr val="phClr"/>
+          </a:solidFill>
+          <a:prstDash val="solid"/>
+        </a:ln>
+      </a:lnStyleLst>
+      <a:effectStyleLst>
+        <a:effectStyle>
+          <a:effectLst>
+            <a:outerShdw blurRad="40000" dist="20000" dir="5400000" rotWithShape="0">
+              <a:srgbClr val="000000">
+                <a:alpha val="38000"/>
+              </a:srgbClr>
+            </a:outerShdw>
+          </a:effectLst>
+        </a:effectStyle>
+        <a:effectStyle>
+          <a:effectLst>
+            <a:outerShdw blurRad="40000" dist="23000" dir="5400000" rotWithShape="0">
+              <a:srgbClr val="000000">
+                <a:alpha val="35000"/>
+              </a:srgbClr>
+            </a:outerShdw>
+          </a:effectLst>
+        </a:effectStyle>
+        <a:effectStyle>
+          <a:effectLst>
+            <a:outerShdw blurRad="40000" dist="23000" dir="5400000" rotWithShape="0">
+              <a:srgbClr val="000000">
+                <a:alpha val="35000"/>
+              </a:srgbClr>
+            </a:outerShdw>
+          </a:effectLst>
+          <a:scene3d>
+            <a:camera prst="orthographicFront">
+              <a:rot lat="0" lon="0" rev="0"/>
+            </a:camera>
+            <a:lightRig rig="threePt" dir="t">
+              <a:rot lat="0" lon="0" rev="1200000"/>
+            </a:lightRig>
+          </a:scene3d>
+          <a:sp3d>
+            <a:bevelT w="63500" h="25400"/>
+          </a:sp3d>
+        </a:effectStyle>
+      </a:effectStyleLst>
+      <a:bgFillStyleLst>
+        <a:solidFill>
+          <a:schemeClr val="phClr"/>
+        </a:solidFill>
+        <a:gradFill rotWithShape="1">
+          <a:gsLst>
+            <a:gs pos="0">
+              <a:schemeClr val="phClr">
+                <a:tint val="40000"/>
+                <a:satMod val="350000"/>
+              </a:schemeClr>
+            </a:gs>
+            <a:gs pos="40000">
+              <a:schemeClr val="phClr">
+                <a:tint val="45000"/>
+                <a:shade val="99000"/>
+                <a:satMod val="350000"/>
+              </a:schemeClr>
+            </a:gs>
+            <a:gs pos="100000">
+              <a:schemeClr val="phClr">
+                <a:shade val="20000"/>
+                <a:satMod val="255000"/>
+              </a:schemeClr>
+            </a:gs>
+          </a:gsLst>
+          <a:path path="circle">
+            <a:fillToRect l="50000" t="-80000" r="50000" b="180000"/>
+          </a:path>
+        </a:gradFill>
+        <a:gradFill rotWithShape="1">
+          <a:gsLst>
+            <a:gs pos="0">
+              <a:schemeClr val="phClr">
+                <a:tint val="80000"/>
+                <a:satMod val="300000"/>
+              </a:schemeClr>
+            </a:gs>
+            <a:gs pos="100000">
+              <a:schemeClr val="phClr">
+                <a:shade val="30000"/>
+                <a:satMod val="200000"/>
+              </a:schemeClr>
+            </a:gs>
+          </a:gsLst>
+          <a:path path="circle">
+            <a:fillToRect l="50000" t="50000" r="50000" b="50000"/>
+          </a:path>
+        </a:gradFill>
+      </a:bgFillStyleLst>
+    </a:fmtScheme>
+  </a:themeElements>
+</a:theme>
+</file>
+
+<file path=ppt/theme/theme2.xml><?xml version="1.0" encoding="utf-8"?>
 <a:theme xmlns:a="http://schemas.openxmlformats.org/drawingml/2006/main" xmlns:r="http://schemas.openxmlformats.org/officeDocument/2006/relationships">
   <a:themeElements>
     <a:clrScheme name="Default">
@@ -18701,283 +18978,4 @@
     </a:fmtScheme>
   </a:themeElements>
 </a:theme>
-</file>
-
-<file path=ppt/theme/theme2.xml><?xml version="1.0" encoding="utf-8"?>
-<a:theme xmlns:a="http://schemas.openxmlformats.org/drawingml/2006/main" xmlns:r="http://schemas.openxmlformats.org/officeDocument/2006/relationships" name="Simple Light">
-  <a:themeElements>
-    <a:clrScheme name="Simple Light">
-      <a:dk1>
-        <a:srgbClr val="000000"/>
-      </a:dk1>
-      <a:lt1>
-        <a:srgbClr val="FFFFFF"/>
-      </a:lt1>
-      <a:dk2>
-        <a:srgbClr val="595959"/>
-      </a:dk2>
-      <a:lt2>
-        <a:srgbClr val="EEEEEE"/>
-      </a:lt2>
-      <a:accent1>
-        <a:srgbClr val="4285F4"/>
-      </a:accent1>
-      <a:accent2>
-        <a:srgbClr val="212121"/>
-      </a:accent2>
-      <a:accent3>
-        <a:srgbClr val="78909C"/>
-      </a:accent3>
-      <a:accent4>
-        <a:srgbClr val="FFAB40"/>
-      </a:accent4>
-      <a:accent5>
-        <a:srgbClr val="0097A7"/>
-      </a:accent5>
-      <a:accent6>
-        <a:srgbClr val="EEFF41"/>
-      </a:accent6>
-      <a:hlink>
-        <a:srgbClr val="0097A7"/>
-      </a:hlink>
-      <a:folHlink>
-        <a:srgbClr val="0097A7"/>
-      </a:folHlink>
-    </a:clrScheme>
-    <a:fontScheme name="Office">
-      <a:majorFont>
-        <a:latin typeface="Arial"/>
-        <a:ea typeface=""/>
-        <a:cs typeface=""/>
-        <a:font script="Jpan" typeface="ＭＳ Ｐゴシック"/>
-        <a:font script="Hang" typeface="맑은 고딕"/>
-        <a:font script="Hans" typeface="宋体"/>
-        <a:font script="Hant" typeface="新細明體"/>
-        <a:font script="Arab" typeface="Times New Roman"/>
-        <a:font script="Hebr" typeface="Times New Roman"/>
-        <a:font script="Thai" typeface="Angsana New"/>
-        <a:font script="Ethi" typeface="Nyala"/>
-        <a:font script="Beng" typeface="Vrinda"/>
-        <a:font script="Gujr" typeface="Shruti"/>
-        <a:font script="Khmr" typeface="MoolBoran"/>
-        <a:font script="Knda" typeface="Tunga"/>
-        <a:font script="Guru" typeface="Raavi"/>
-        <a:font script="Cans" typeface="Euphemia"/>
-        <a:font script="Cher" typeface="Plantagenet Cherokee"/>
-        <a:font script="Yiii" typeface="Microsoft Yi Baiti"/>
-        <a:font script="Tibt" typeface="Microsoft Himalaya"/>
-        <a:font script="Thaa" typeface="MV Boli"/>
-        <a:font script="Deva" typeface="Mangal"/>
-        <a:font script="Telu" typeface="Gautami"/>
-        <a:font script="Taml" typeface="Latha"/>
-        <a:font script="Syrc" typeface="Estrangelo Edessa"/>
-        <a:font script="Orya" typeface="Kalinga"/>
-        <a:font script="Mlym" typeface="Kartika"/>
-        <a:font script="Laoo" typeface="DokChampa"/>
-        <a:font script="Sinh" typeface="Iskoola Pota"/>
-        <a:font script="Mong" typeface="Mongolian Baiti"/>
-        <a:font script="Viet" typeface="Times New Roman"/>
-        <a:font script="Uigh" typeface="Microsoft Uighur"/>
-        <a:font script="Geor" typeface="Sylfaen"/>
-      </a:majorFont>
-      <a:minorFont>
-        <a:latin typeface="Arial"/>
-        <a:ea typeface=""/>
-        <a:cs typeface=""/>
-        <a:font script="Jpan" typeface="ＭＳ Ｐゴシック"/>
-        <a:font script="Hang" typeface="맑은 고딕"/>
-        <a:font script="Hans" typeface="宋体"/>
-        <a:font script="Hant" typeface="新細明體"/>
-        <a:font script="Arab" typeface="Arial"/>
-        <a:font script="Hebr" typeface="Arial"/>
-        <a:font script="Thai" typeface="Cordia New"/>
-        <a:font script="Ethi" typeface="Nyala"/>
-        <a:font script="Beng" typeface="Vrinda"/>
-        <a:font script="Gujr" typeface="Shruti"/>
-        <a:font script="Khmr" typeface="DaunPenh"/>
-        <a:font script="Knda" typeface="Tunga"/>
-        <a:font script="Guru" typeface="Raavi"/>
-        <a:font script="Cans" typeface="Euphemia"/>
-        <a:font script="Cher" typeface="Plantagenet Cherokee"/>
-        <a:font script="Yiii" typeface="Microsoft Yi Baiti"/>
-        <a:font script="Tibt" typeface="Microsoft Himalaya"/>
-        <a:font script="Thaa" typeface="MV Boli"/>
-        <a:font script="Deva" typeface="Mangal"/>
-        <a:font script="Telu" typeface="Gautami"/>
-        <a:font script="Taml" typeface="Latha"/>
-        <a:font script="Syrc" typeface="Estrangelo Edessa"/>
-        <a:font script="Orya" typeface="Kalinga"/>
-        <a:font script="Mlym" typeface="Kartika"/>
-        <a:font script="Laoo" typeface="DokChampa"/>
-        <a:font script="Sinh" typeface="Iskoola Pota"/>
-        <a:font script="Mong" typeface="Mongolian Baiti"/>
-        <a:font script="Viet" typeface="Arial"/>
-        <a:font script="Uigh" typeface="Microsoft Uighur"/>
-        <a:font script="Geor" typeface="Sylfaen"/>
-      </a:minorFont>
-    </a:fontScheme>
-    <a:fmtScheme name="Office">
-      <a:fillStyleLst>
-        <a:solidFill>
-          <a:schemeClr val="phClr"/>
-        </a:solidFill>
-        <a:gradFill rotWithShape="1">
-          <a:gsLst>
-            <a:gs pos="0">
-              <a:schemeClr val="phClr">
-                <a:tint val="50000"/>
-                <a:satMod val="300000"/>
-              </a:schemeClr>
-            </a:gs>
-            <a:gs pos="35000">
-              <a:schemeClr val="phClr">
-                <a:tint val="37000"/>
-                <a:satMod val="300000"/>
-              </a:schemeClr>
-            </a:gs>
-            <a:gs pos="100000">
-              <a:schemeClr val="phClr">
-                <a:tint val="15000"/>
-                <a:satMod val="350000"/>
-              </a:schemeClr>
-            </a:gs>
-          </a:gsLst>
-          <a:lin ang="16200000" scaled="1"/>
-        </a:gradFill>
-        <a:gradFill rotWithShape="1">
-          <a:gsLst>
-            <a:gs pos="0">
-              <a:schemeClr val="phClr">
-                <a:tint val="100000"/>
-                <a:shade val="100000"/>
-                <a:satMod val="130000"/>
-              </a:schemeClr>
-            </a:gs>
-            <a:gs pos="100000">
-              <a:schemeClr val="phClr">
-                <a:tint val="50000"/>
-                <a:shade val="100000"/>
-                <a:satMod val="350000"/>
-              </a:schemeClr>
-            </a:gs>
-          </a:gsLst>
-          <a:lin ang="16200000" scaled="0"/>
-        </a:gradFill>
-      </a:fillStyleLst>
-      <a:lnStyleLst>
-        <a:ln w="9525" cap="flat" cmpd="sng" algn="ctr">
-          <a:solidFill>
-            <a:schemeClr val="phClr">
-              <a:shade val="95000"/>
-              <a:satMod val="105000"/>
-            </a:schemeClr>
-          </a:solidFill>
-          <a:prstDash val="solid"/>
-        </a:ln>
-        <a:ln w="25400" cap="flat" cmpd="sng" algn="ctr">
-          <a:solidFill>
-            <a:schemeClr val="phClr"/>
-          </a:solidFill>
-          <a:prstDash val="solid"/>
-        </a:ln>
-        <a:ln w="38100" cap="flat" cmpd="sng" algn="ctr">
-          <a:solidFill>
-            <a:schemeClr val="phClr"/>
-          </a:solidFill>
-          <a:prstDash val="solid"/>
-        </a:ln>
-      </a:lnStyleLst>
-      <a:effectStyleLst>
-        <a:effectStyle>
-          <a:effectLst>
-            <a:outerShdw blurRad="40000" dist="20000" dir="5400000" rotWithShape="0">
-              <a:srgbClr val="000000">
-                <a:alpha val="38000"/>
-              </a:srgbClr>
-            </a:outerShdw>
-          </a:effectLst>
-        </a:effectStyle>
-        <a:effectStyle>
-          <a:effectLst>
-            <a:outerShdw blurRad="40000" dist="23000" dir="5400000" rotWithShape="0">
-              <a:srgbClr val="000000">
-                <a:alpha val="35000"/>
-              </a:srgbClr>
-            </a:outerShdw>
-          </a:effectLst>
-        </a:effectStyle>
-        <a:effectStyle>
-          <a:effectLst>
-            <a:outerShdw blurRad="40000" dist="23000" dir="5400000" rotWithShape="0">
-              <a:srgbClr val="000000">
-                <a:alpha val="35000"/>
-              </a:srgbClr>
-            </a:outerShdw>
-          </a:effectLst>
-          <a:scene3d>
-            <a:camera prst="orthographicFront">
-              <a:rot lat="0" lon="0" rev="0"/>
-            </a:camera>
-            <a:lightRig rig="threePt" dir="t">
-              <a:rot lat="0" lon="0" rev="1200000"/>
-            </a:lightRig>
-          </a:scene3d>
-          <a:sp3d>
-            <a:bevelT w="63500" h="25400"/>
-          </a:sp3d>
-        </a:effectStyle>
-      </a:effectStyleLst>
-      <a:bgFillStyleLst>
-        <a:solidFill>
-          <a:schemeClr val="phClr"/>
-        </a:solidFill>
-        <a:gradFill rotWithShape="1">
-          <a:gsLst>
-            <a:gs pos="0">
-              <a:schemeClr val="phClr">
-                <a:tint val="40000"/>
-                <a:satMod val="350000"/>
-              </a:schemeClr>
-            </a:gs>
-            <a:gs pos="40000">
-              <a:schemeClr val="phClr">
-                <a:tint val="45000"/>
-                <a:shade val="99000"/>
-                <a:satMod val="350000"/>
-              </a:schemeClr>
-            </a:gs>
-            <a:gs pos="100000">
-              <a:schemeClr val="phClr">
-                <a:shade val="20000"/>
-                <a:satMod val="255000"/>
-              </a:schemeClr>
-            </a:gs>
-          </a:gsLst>
-          <a:path path="circle">
-            <a:fillToRect l="50000" t="-80000" r="50000" b="180000"/>
-          </a:path>
-        </a:gradFill>
-        <a:gradFill rotWithShape="1">
-          <a:gsLst>
-            <a:gs pos="0">
-              <a:schemeClr val="phClr">
-                <a:tint val="80000"/>
-                <a:satMod val="300000"/>
-              </a:schemeClr>
-            </a:gs>
-            <a:gs pos="100000">
-              <a:schemeClr val="phClr">
-                <a:shade val="30000"/>
-                <a:satMod val="200000"/>
-              </a:schemeClr>
-            </a:gs>
-          </a:gsLst>
-          <a:path path="circle">
-            <a:fillToRect l="50000" t="50000" r="50000" b="50000"/>
-          </a:path>
-        </a:gradFill>
-      </a:bgFillStyleLst>
-    </a:fmtScheme>
-  </a:themeElements>
-</a:theme>
 </file>
--- a/PPTs/Face Anti-Spoofing presentation - BTP work status pre-mid sem.pptx
+++ b/PPTs/Face Anti-Spoofing presentation - BTP work status pre-mid sem.pptx
@@ -51,6 +51,10 @@
     <p:sldId id="296" r:id="rId46"/>
     <p:sldId id="297" r:id="rId47"/>
     <p:sldId id="298" r:id="rId48"/>
+    <p:sldId id="299" r:id="rId49"/>
+    <p:sldId id="300" r:id="rId50"/>
+    <p:sldId id="301" r:id="rId51"/>
+    <p:sldId id="302" r:id="rId52"/>
   </p:sldIdLst>
   <p:sldSz cy="5143500" cx="9144000"/>
   <p:notesSz cx="6858000" cy="9144000"/>
@@ -846,7 +850,7 @@
       </p:grpSpPr>
       <p:sp>
         <p:nvSpPr>
-          <p:cNvPr id="112" name="Google Shape;112;g26e03241cb5_0_10:notes"/>
+          <p:cNvPr id="112" name="Google Shape;112;g2867692f1c1_0_4:notes"/>
           <p:cNvSpPr/>
           <p:nvPr>
             <p:ph idx="2" type="sldImg"/>
@@ -881,7 +885,7 @@
       </p:sp>
       <p:sp>
         <p:nvSpPr>
-          <p:cNvPr id="113" name="Google Shape;113;g26e03241cb5_0_10:notes"/>
+          <p:cNvPr id="113" name="Google Shape;113;g2867692f1c1_0_4:notes"/>
           <p:cNvSpPr txBox="1"/>
           <p:nvPr>
             <p:ph idx="1" type="body"/>
@@ -931,7 +935,7 @@
   <p:cSld>
     <p:spTree>
       <p:nvGrpSpPr>
-        <p:cNvPr id="117" name="Shape 117"/>
+        <p:cNvPr id="118" name="Shape 118"/>
         <p:cNvGrpSpPr/>
         <p:nvPr/>
       </p:nvGrpSpPr>
@@ -945,7 +949,7 @@
       </p:grpSpPr>
       <p:sp>
         <p:nvSpPr>
-          <p:cNvPr id="118" name="Google Shape;118;g26e03241cb5_0_115:notes"/>
+          <p:cNvPr id="119" name="Google Shape;119;g26e03241cb5_0_10:notes"/>
           <p:cNvSpPr/>
           <p:nvPr>
             <p:ph idx="2" type="sldImg"/>
@@ -980,7 +984,7 @@
       </p:sp>
       <p:sp>
         <p:nvSpPr>
-          <p:cNvPr id="119" name="Google Shape;119;g26e03241cb5_0_115:notes"/>
+          <p:cNvPr id="120" name="Google Shape;120;g26e03241cb5_0_10:notes"/>
           <p:cNvSpPr txBox="1"/>
           <p:nvPr>
             <p:ph idx="1" type="body"/>
@@ -1044,7 +1048,7 @@
       </p:grpSpPr>
       <p:sp>
         <p:nvSpPr>
-          <p:cNvPr id="125" name="Google Shape;125;g26e03241cb5_0_132:notes"/>
+          <p:cNvPr id="125" name="Google Shape;125;g26e03241cb5_0_115:notes"/>
           <p:cNvSpPr/>
           <p:nvPr>
             <p:ph idx="2" type="sldImg"/>
@@ -1079,7 +1083,7 @@
       </p:sp>
       <p:sp>
         <p:nvSpPr>
-          <p:cNvPr id="126" name="Google Shape;126;g26e03241cb5_0_132:notes"/>
+          <p:cNvPr id="126" name="Google Shape;126;g26e03241cb5_0_115:notes"/>
           <p:cNvSpPr txBox="1"/>
           <p:nvPr>
             <p:ph idx="1" type="body"/>
@@ -1143,7 +1147,7 @@
       </p:grpSpPr>
       <p:sp>
         <p:nvSpPr>
-          <p:cNvPr id="132" name="Google Shape;132;g24116355be2_0_98:notes"/>
+          <p:cNvPr id="132" name="Google Shape;132;g26e03241cb5_0_132:notes"/>
           <p:cNvSpPr/>
           <p:nvPr>
             <p:ph idx="2" type="sldImg"/>
@@ -1178,7 +1182,7 @@
       </p:sp>
       <p:sp>
         <p:nvSpPr>
-          <p:cNvPr id="133" name="Google Shape;133;g24116355be2_0_98:notes"/>
+          <p:cNvPr id="133" name="Google Shape;133;g26e03241cb5_0_132:notes"/>
           <p:cNvSpPr txBox="1"/>
           <p:nvPr>
             <p:ph idx="1" type="body"/>
@@ -1228,7 +1232,7 @@
   <p:cSld>
     <p:spTree>
       <p:nvGrpSpPr>
-        <p:cNvPr id="139" name="Shape 139"/>
+        <p:cNvPr id="138" name="Shape 138"/>
         <p:cNvGrpSpPr/>
         <p:nvPr/>
       </p:nvGrpSpPr>
@@ -1242,7 +1246,7 @@
       </p:grpSpPr>
       <p:sp>
         <p:nvSpPr>
-          <p:cNvPr id="140" name="Google Shape;140;g26e03241cb5_0_138:notes"/>
+          <p:cNvPr id="139" name="Google Shape;139;g24116355be2_0_98:notes"/>
           <p:cNvSpPr/>
           <p:nvPr>
             <p:ph idx="2" type="sldImg"/>
@@ -1277,7 +1281,7 @@
       </p:sp>
       <p:sp>
         <p:nvSpPr>
-          <p:cNvPr id="141" name="Google Shape;141;g26e03241cb5_0_138:notes"/>
+          <p:cNvPr id="140" name="Google Shape;140;g24116355be2_0_98:notes"/>
           <p:cNvSpPr txBox="1"/>
           <p:nvPr>
             <p:ph idx="1" type="body"/>
@@ -1327,7 +1331,7 @@
   <p:cSld>
     <p:spTree>
       <p:nvGrpSpPr>
-        <p:cNvPr id="147" name="Shape 147"/>
+        <p:cNvPr id="146" name="Shape 146"/>
         <p:cNvGrpSpPr/>
         <p:nvPr/>
       </p:nvGrpSpPr>
@@ -1341,7 +1345,7 @@
       </p:grpSpPr>
       <p:sp>
         <p:nvSpPr>
-          <p:cNvPr id="148" name="Google Shape;148;g24116355be2_0_119:notes"/>
+          <p:cNvPr id="147" name="Google Shape;147;g26e03241cb5_0_138:notes"/>
           <p:cNvSpPr/>
           <p:nvPr>
             <p:ph idx="2" type="sldImg"/>
@@ -1376,7 +1380,7 @@
       </p:sp>
       <p:sp>
         <p:nvSpPr>
-          <p:cNvPr id="149" name="Google Shape;149;g24116355be2_0_119:notes"/>
+          <p:cNvPr id="148" name="Google Shape;148;g26e03241cb5_0_138:notes"/>
           <p:cNvSpPr txBox="1"/>
           <p:nvPr>
             <p:ph idx="1" type="body"/>
@@ -1426,7 +1430,7 @@
   <p:cSld>
     <p:spTree>
       <p:nvGrpSpPr>
-        <p:cNvPr id="153" name="Shape 153"/>
+        <p:cNvPr id="154" name="Shape 154"/>
         <p:cNvGrpSpPr/>
         <p:nvPr/>
       </p:nvGrpSpPr>
@@ -1440,7 +1444,7 @@
       </p:grpSpPr>
       <p:sp>
         <p:nvSpPr>
-          <p:cNvPr id="154" name="Google Shape;154;g24116355be2_0_127:notes"/>
+          <p:cNvPr id="155" name="Google Shape;155;g24116355be2_0_119:notes"/>
           <p:cNvSpPr/>
           <p:nvPr>
             <p:ph idx="2" type="sldImg"/>
@@ -1475,7 +1479,7 @@
       </p:sp>
       <p:sp>
         <p:nvSpPr>
-          <p:cNvPr id="155" name="Google Shape;155;g24116355be2_0_127:notes"/>
+          <p:cNvPr id="156" name="Google Shape;156;g24116355be2_0_119:notes"/>
           <p:cNvSpPr txBox="1"/>
           <p:nvPr>
             <p:ph idx="1" type="body"/>
@@ -1539,7 +1543,7 @@
       </p:grpSpPr>
       <p:sp>
         <p:nvSpPr>
-          <p:cNvPr id="161" name="Google Shape;161;g24116355be2_0_135:notes"/>
+          <p:cNvPr id="161" name="Google Shape;161;g24116355be2_0_127:notes"/>
           <p:cNvSpPr/>
           <p:nvPr>
             <p:ph idx="2" type="sldImg"/>
@@ -1574,7 +1578,7 @@
       </p:sp>
       <p:sp>
         <p:nvSpPr>
-          <p:cNvPr id="162" name="Google Shape;162;g24116355be2_0_135:notes"/>
+          <p:cNvPr id="162" name="Google Shape;162;g24116355be2_0_127:notes"/>
           <p:cNvSpPr txBox="1"/>
           <p:nvPr>
             <p:ph idx="1" type="body"/>
@@ -1624,7 +1628,7 @@
   <p:cSld>
     <p:spTree>
       <p:nvGrpSpPr>
-        <p:cNvPr id="166" name="Shape 166"/>
+        <p:cNvPr id="167" name="Shape 167"/>
         <p:cNvGrpSpPr/>
         <p:nvPr/>
       </p:nvGrpSpPr>
@@ -1638,7 +1642,7 @@
       </p:grpSpPr>
       <p:sp>
         <p:nvSpPr>
-          <p:cNvPr id="167" name="Google Shape;167;g249029ccb36_0_89:notes"/>
+          <p:cNvPr id="168" name="Google Shape;168;g24116355be2_0_135:notes"/>
           <p:cNvSpPr/>
           <p:nvPr>
             <p:ph idx="2" type="sldImg"/>
@@ -1673,7 +1677,7 @@
       </p:sp>
       <p:sp>
         <p:nvSpPr>
-          <p:cNvPr id="168" name="Google Shape;168;g249029ccb36_0_89:notes"/>
+          <p:cNvPr id="169" name="Google Shape;169;g24116355be2_0_135:notes"/>
           <p:cNvSpPr txBox="1"/>
           <p:nvPr>
             <p:ph idx="1" type="body"/>
@@ -1723,7 +1727,7 @@
   <p:cSld>
     <p:spTree>
       <p:nvGrpSpPr>
-        <p:cNvPr id="171" name="Shape 171"/>
+        <p:cNvPr id="173" name="Shape 173"/>
         <p:cNvGrpSpPr/>
         <p:nvPr/>
       </p:nvGrpSpPr>
@@ -1737,7 +1741,7 @@
       </p:grpSpPr>
       <p:sp>
         <p:nvSpPr>
-          <p:cNvPr id="172" name="Google Shape;172;g249029ccb36_0_59:notes"/>
+          <p:cNvPr id="174" name="Google Shape;174;g249029ccb36_0_89:notes"/>
           <p:cNvSpPr/>
           <p:nvPr>
             <p:ph idx="2" type="sldImg"/>
@@ -1772,7 +1776,7 @@
       </p:sp>
       <p:sp>
         <p:nvSpPr>
-          <p:cNvPr id="173" name="Google Shape;173;g249029ccb36_0_59:notes"/>
+          <p:cNvPr id="175" name="Google Shape;175;g249029ccb36_0_89:notes"/>
           <p:cNvSpPr txBox="1"/>
           <p:nvPr>
             <p:ph idx="1" type="body"/>
@@ -1935,7 +1939,7 @@
       </p:grpSpPr>
       <p:sp>
         <p:nvSpPr>
-          <p:cNvPr id="179" name="Google Shape;179;g249029ccb36_0_68:notes"/>
+          <p:cNvPr id="179" name="Google Shape;179;g249029ccb36_0_59:notes"/>
           <p:cNvSpPr/>
           <p:nvPr>
             <p:ph idx="2" type="sldImg"/>
@@ -1970,7 +1974,7 @@
       </p:sp>
       <p:sp>
         <p:nvSpPr>
-          <p:cNvPr id="180" name="Google Shape;180;g249029ccb36_0_68:notes"/>
+          <p:cNvPr id="180" name="Google Shape;180;g249029ccb36_0_59:notes"/>
           <p:cNvSpPr txBox="1"/>
           <p:nvPr>
             <p:ph idx="1" type="body"/>
@@ -2034,7 +2038,7 @@
       </p:grpSpPr>
       <p:sp>
         <p:nvSpPr>
-          <p:cNvPr id="186" name="Google Shape;186;g249029ccb36_0_77:notes"/>
+          <p:cNvPr id="186" name="Google Shape;186;g249029ccb36_0_68:notes"/>
           <p:cNvSpPr/>
           <p:nvPr>
             <p:ph idx="2" type="sldImg"/>
@@ -2069,7 +2073,7 @@
       </p:sp>
       <p:sp>
         <p:nvSpPr>
-          <p:cNvPr id="187" name="Google Shape;187;g249029ccb36_0_77:notes"/>
+          <p:cNvPr id="187" name="Google Shape;187;g249029ccb36_0_68:notes"/>
           <p:cNvSpPr txBox="1"/>
           <p:nvPr>
             <p:ph idx="1" type="body"/>
@@ -2119,7 +2123,7 @@
   <p:cSld>
     <p:spTree>
       <p:nvGrpSpPr>
-        <p:cNvPr id="191" name="Shape 191"/>
+        <p:cNvPr id="192" name="Shape 192"/>
         <p:cNvGrpSpPr/>
         <p:nvPr/>
       </p:nvGrpSpPr>
@@ -2133,7 +2137,7 @@
       </p:grpSpPr>
       <p:sp>
         <p:nvSpPr>
-          <p:cNvPr id="192" name="Google Shape;192;g249029ccb36_0_83:notes"/>
+          <p:cNvPr id="193" name="Google Shape;193;g249029ccb36_0_77:notes"/>
           <p:cNvSpPr/>
           <p:nvPr>
             <p:ph idx="2" type="sldImg"/>
@@ -2168,7 +2172,7 @@
       </p:sp>
       <p:sp>
         <p:nvSpPr>
-          <p:cNvPr id="193" name="Google Shape;193;g249029ccb36_0_83:notes"/>
+          <p:cNvPr id="194" name="Google Shape;194;g249029ccb36_0_77:notes"/>
           <p:cNvSpPr txBox="1"/>
           <p:nvPr>
             <p:ph idx="1" type="body"/>
@@ -2232,7 +2236,7 @@
       </p:grpSpPr>
       <p:sp>
         <p:nvSpPr>
-          <p:cNvPr id="199" name="Google Shape;199;g249029ccb36_0_94:notes"/>
+          <p:cNvPr id="199" name="Google Shape;199;g249029ccb36_0_83:notes"/>
           <p:cNvSpPr/>
           <p:nvPr>
             <p:ph idx="2" type="sldImg"/>
@@ -2267,7 +2271,7 @@
       </p:sp>
       <p:sp>
         <p:nvSpPr>
-          <p:cNvPr id="200" name="Google Shape;200;g249029ccb36_0_94:notes"/>
+          <p:cNvPr id="200" name="Google Shape;200;g249029ccb36_0_83:notes"/>
           <p:cNvSpPr txBox="1"/>
           <p:nvPr>
             <p:ph idx="1" type="body"/>
@@ -2317,7 +2321,7 @@
   <p:cSld>
     <p:spTree>
       <p:nvGrpSpPr>
-        <p:cNvPr id="209" name="Shape 209"/>
+        <p:cNvPr id="205" name="Shape 205"/>
         <p:cNvGrpSpPr/>
         <p:nvPr/>
       </p:nvGrpSpPr>
@@ -2331,7 +2335,7 @@
       </p:grpSpPr>
       <p:sp>
         <p:nvSpPr>
-          <p:cNvPr id="210" name="Google Shape;210;g249029ccb36_0_101:notes"/>
+          <p:cNvPr id="206" name="Google Shape;206;g249029ccb36_0_94:notes"/>
           <p:cNvSpPr/>
           <p:nvPr>
             <p:ph idx="2" type="sldImg"/>
@@ -2366,7 +2370,7 @@
       </p:sp>
       <p:sp>
         <p:nvSpPr>
-          <p:cNvPr id="211" name="Google Shape;211;g249029ccb36_0_101:notes"/>
+          <p:cNvPr id="207" name="Google Shape;207;g249029ccb36_0_94:notes"/>
           <p:cNvSpPr txBox="1"/>
           <p:nvPr>
             <p:ph idx="1" type="body"/>
@@ -2416,7 +2420,7 @@
   <p:cSld>
     <p:spTree>
       <p:nvGrpSpPr>
-        <p:cNvPr id="215" name="Shape 215"/>
+        <p:cNvPr id="216" name="Shape 216"/>
         <p:cNvGrpSpPr/>
         <p:nvPr/>
       </p:nvGrpSpPr>
@@ -2430,7 +2434,7 @@
       </p:grpSpPr>
       <p:sp>
         <p:nvSpPr>
-          <p:cNvPr id="216" name="Google Shape;216;g249029ccb36_0_107:notes"/>
+          <p:cNvPr id="217" name="Google Shape;217;g249029ccb36_0_101:notes"/>
           <p:cNvSpPr/>
           <p:nvPr>
             <p:ph idx="2" type="sldImg"/>
@@ -2465,7 +2469,7 @@
       </p:sp>
       <p:sp>
         <p:nvSpPr>
-          <p:cNvPr id="217" name="Google Shape;217;g249029ccb36_0_107:notes"/>
+          <p:cNvPr id="218" name="Google Shape;218;g249029ccb36_0_101:notes"/>
           <p:cNvSpPr txBox="1"/>
           <p:nvPr>
             <p:ph idx="1" type="body"/>
@@ -2515,7 +2519,7 @@
   <p:cSld>
     <p:spTree>
       <p:nvGrpSpPr>
-        <p:cNvPr id="221" name="Shape 221"/>
+        <p:cNvPr id="222" name="Shape 222"/>
         <p:cNvGrpSpPr/>
         <p:nvPr/>
       </p:nvGrpSpPr>
@@ -2529,7 +2533,7 @@
       </p:grpSpPr>
       <p:sp>
         <p:nvSpPr>
-          <p:cNvPr id="222" name="Google Shape;222;g249029ccb36_0_116:notes"/>
+          <p:cNvPr id="223" name="Google Shape;223;g249029ccb36_0_107:notes"/>
           <p:cNvSpPr/>
           <p:nvPr>
             <p:ph idx="2" type="sldImg"/>
@@ -2564,7 +2568,7 @@
       </p:sp>
       <p:sp>
         <p:nvSpPr>
-          <p:cNvPr id="223" name="Google Shape;223;g249029ccb36_0_116:notes"/>
+          <p:cNvPr id="224" name="Google Shape;224;g249029ccb36_0_107:notes"/>
           <p:cNvSpPr txBox="1"/>
           <p:nvPr>
             <p:ph idx="1" type="body"/>
@@ -2614,7 +2618,7 @@
   <p:cSld>
     <p:spTree>
       <p:nvGrpSpPr>
-        <p:cNvPr id="229" name="Shape 229"/>
+        <p:cNvPr id="228" name="Shape 228"/>
         <p:cNvGrpSpPr/>
         <p:nvPr/>
       </p:nvGrpSpPr>
@@ -2628,7 +2632,7 @@
       </p:grpSpPr>
       <p:sp>
         <p:nvSpPr>
-          <p:cNvPr id="230" name="Google Shape;230;g249029ccb36_0_126:notes"/>
+          <p:cNvPr id="229" name="Google Shape;229;g249029ccb36_0_116:notes"/>
           <p:cNvSpPr/>
           <p:nvPr>
             <p:ph idx="2" type="sldImg"/>
@@ -2663,7 +2667,7 @@
       </p:sp>
       <p:sp>
         <p:nvSpPr>
-          <p:cNvPr id="231" name="Google Shape;231;g249029ccb36_0_126:notes"/>
+          <p:cNvPr id="230" name="Google Shape;230;g249029ccb36_0_116:notes"/>
           <p:cNvSpPr txBox="1"/>
           <p:nvPr>
             <p:ph idx="1" type="body"/>
@@ -2727,7 +2731,7 @@
       </p:grpSpPr>
       <p:sp>
         <p:nvSpPr>
-          <p:cNvPr id="237" name="Google Shape;237;g249029ccb36_0_136:notes"/>
+          <p:cNvPr id="237" name="Google Shape;237;g249029ccb36_0_126:notes"/>
           <p:cNvSpPr/>
           <p:nvPr>
             <p:ph idx="2" type="sldImg"/>
@@ -2762,7 +2766,7 @@
       </p:sp>
       <p:sp>
         <p:nvSpPr>
-          <p:cNvPr id="238" name="Google Shape;238;g249029ccb36_0_136:notes"/>
+          <p:cNvPr id="238" name="Google Shape;238;g249029ccb36_0_126:notes"/>
           <p:cNvSpPr txBox="1"/>
           <p:nvPr>
             <p:ph idx="1" type="body"/>
@@ -2812,7 +2816,7 @@
   <p:cSld>
     <p:spTree>
       <p:nvGrpSpPr>
-        <p:cNvPr id="242" name="Shape 242"/>
+        <p:cNvPr id="243" name="Shape 243"/>
         <p:cNvGrpSpPr/>
         <p:nvPr/>
       </p:nvGrpSpPr>
@@ -2826,7 +2830,7 @@
       </p:grpSpPr>
       <p:sp>
         <p:nvSpPr>
-          <p:cNvPr id="243" name="Google Shape;243;g249029ccb36_0_144:notes"/>
+          <p:cNvPr id="244" name="Google Shape;244;g249029ccb36_0_136:notes"/>
           <p:cNvSpPr/>
           <p:nvPr>
             <p:ph idx="2" type="sldImg"/>
@@ -2861,7 +2865,7 @@
       </p:sp>
       <p:sp>
         <p:nvSpPr>
-          <p:cNvPr id="244" name="Google Shape;244;g249029ccb36_0_144:notes"/>
+          <p:cNvPr id="245" name="Google Shape;245;g249029ccb36_0_136:notes"/>
           <p:cNvSpPr txBox="1"/>
           <p:nvPr>
             <p:ph idx="1" type="body"/>
@@ -3010,7 +3014,7 @@
   <p:cSld>
     <p:spTree>
       <p:nvGrpSpPr>
-        <p:cNvPr id="251" name="Shape 251"/>
+        <p:cNvPr id="249" name="Shape 249"/>
         <p:cNvGrpSpPr/>
         <p:nvPr/>
       </p:nvGrpSpPr>
@@ -3024,7 +3028,7 @@
       </p:grpSpPr>
       <p:sp>
         <p:nvSpPr>
-          <p:cNvPr id="252" name="Google Shape;252;g24116355be2_0_26:notes"/>
+          <p:cNvPr id="250" name="Google Shape;250;g249029ccb36_0_144:notes"/>
           <p:cNvSpPr/>
           <p:nvPr>
             <p:ph idx="2" type="sldImg"/>
@@ -3059,7 +3063,7 @@
       </p:sp>
       <p:sp>
         <p:nvSpPr>
-          <p:cNvPr id="253" name="Google Shape;253;g24116355be2_0_26:notes"/>
+          <p:cNvPr id="251" name="Google Shape;251;g249029ccb36_0_144:notes"/>
           <p:cNvSpPr txBox="1"/>
           <p:nvPr>
             <p:ph idx="1" type="body"/>
@@ -3109,7 +3113,7 @@
   <p:cSld>
     <p:spTree>
       <p:nvGrpSpPr>
-        <p:cNvPr id="256" name="Shape 256"/>
+        <p:cNvPr id="258" name="Shape 258"/>
         <p:cNvGrpSpPr/>
         <p:nvPr/>
       </p:nvGrpSpPr>
@@ -3123,7 +3127,7 @@
       </p:grpSpPr>
       <p:sp>
         <p:nvSpPr>
-          <p:cNvPr id="257" name="Google Shape;257;g24116355be2_0_38:notes"/>
+          <p:cNvPr id="259" name="Google Shape;259;g24116355be2_0_26:notes"/>
           <p:cNvSpPr/>
           <p:nvPr>
             <p:ph idx="2" type="sldImg"/>
@@ -3158,7 +3162,7 @@
       </p:sp>
       <p:sp>
         <p:nvSpPr>
-          <p:cNvPr id="258" name="Google Shape;258;g24116355be2_0_38:notes"/>
+          <p:cNvPr id="260" name="Google Shape;260;g24116355be2_0_26:notes"/>
           <p:cNvSpPr txBox="1"/>
           <p:nvPr>
             <p:ph idx="1" type="body"/>
@@ -3222,7 +3226,7 @@
       </p:grpSpPr>
       <p:sp>
         <p:nvSpPr>
-          <p:cNvPr id="264" name="Google Shape;264;g24116355be2_0_44:notes"/>
+          <p:cNvPr id="264" name="Google Shape;264;g2867692f1c1_0_12:notes"/>
           <p:cNvSpPr/>
           <p:nvPr>
             <p:ph idx="2" type="sldImg"/>
@@ -3257,7 +3261,7 @@
       </p:sp>
       <p:sp>
         <p:nvSpPr>
-          <p:cNvPr id="265" name="Google Shape;265;g24116355be2_0_44:notes"/>
+          <p:cNvPr id="265" name="Google Shape;265;g2867692f1c1_0_12:notes"/>
           <p:cNvSpPr txBox="1"/>
           <p:nvPr>
             <p:ph idx="1" type="body"/>
@@ -3307,7 +3311,7 @@
   <p:cSld>
     <p:spTree>
       <p:nvGrpSpPr>
-        <p:cNvPr id="270" name="Shape 270"/>
+        <p:cNvPr id="268" name="Shape 268"/>
         <p:cNvGrpSpPr/>
         <p:nvPr/>
       </p:nvGrpSpPr>
@@ -3321,7 +3325,7 @@
       </p:grpSpPr>
       <p:sp>
         <p:nvSpPr>
-          <p:cNvPr id="271" name="Google Shape;271;g249029ccb36_0_18:notes"/>
+          <p:cNvPr id="269" name="Google Shape;269;g24116355be2_0_38:notes"/>
           <p:cNvSpPr/>
           <p:nvPr>
             <p:ph idx="2" type="sldImg"/>
@@ -3356,7 +3360,7 @@
       </p:sp>
       <p:sp>
         <p:nvSpPr>
-          <p:cNvPr id="272" name="Google Shape;272;g249029ccb36_0_18:notes"/>
+          <p:cNvPr id="270" name="Google Shape;270;g24116355be2_0_38:notes"/>
           <p:cNvSpPr txBox="1"/>
           <p:nvPr>
             <p:ph idx="1" type="body"/>
@@ -3406,7 +3410,7 @@
   <p:cSld>
     <p:spTree>
       <p:nvGrpSpPr>
-        <p:cNvPr id="277" name="Shape 277"/>
+        <p:cNvPr id="275" name="Shape 275"/>
         <p:cNvGrpSpPr/>
         <p:nvPr/>
       </p:nvGrpSpPr>
@@ -3420,7 +3424,7 @@
       </p:grpSpPr>
       <p:sp>
         <p:nvSpPr>
-          <p:cNvPr id="278" name="Google Shape;278;g24116355be2_0_81:notes"/>
+          <p:cNvPr id="276" name="Google Shape;276;g24116355be2_0_44:notes"/>
           <p:cNvSpPr/>
           <p:nvPr>
             <p:ph idx="2" type="sldImg"/>
@@ -3455,7 +3459,7 @@
       </p:sp>
       <p:sp>
         <p:nvSpPr>
-          <p:cNvPr id="279" name="Google Shape;279;g24116355be2_0_81:notes"/>
+          <p:cNvPr id="277" name="Google Shape;277;g24116355be2_0_44:notes"/>
           <p:cNvSpPr txBox="1"/>
           <p:nvPr>
             <p:ph idx="1" type="body"/>
@@ -3505,7 +3509,7 @@
   <p:cSld>
     <p:spTree>
       <p:nvGrpSpPr>
-        <p:cNvPr id="285" name="Shape 285"/>
+        <p:cNvPr id="282" name="Shape 282"/>
         <p:cNvGrpSpPr/>
         <p:nvPr/>
       </p:nvGrpSpPr>
@@ -3519,7 +3523,7 @@
       </p:grpSpPr>
       <p:sp>
         <p:nvSpPr>
-          <p:cNvPr id="286" name="Google Shape;286;g249029ccb36_0_48:notes"/>
+          <p:cNvPr id="283" name="Google Shape;283;g249029ccb36_0_18:notes"/>
           <p:cNvSpPr/>
           <p:nvPr>
             <p:ph idx="2" type="sldImg"/>
@@ -3554,7 +3558,7 @@
       </p:sp>
       <p:sp>
         <p:nvSpPr>
-          <p:cNvPr id="287" name="Google Shape;287;g249029ccb36_0_48:notes"/>
+          <p:cNvPr id="284" name="Google Shape;284;g249029ccb36_0_18:notes"/>
           <p:cNvSpPr txBox="1"/>
           <p:nvPr>
             <p:ph idx="1" type="body"/>
@@ -3604,7 +3608,7 @@
   <p:cSld>
     <p:spTree>
       <p:nvGrpSpPr>
-        <p:cNvPr id="291" name="Shape 291"/>
+        <p:cNvPr id="289" name="Shape 289"/>
         <p:cNvGrpSpPr/>
         <p:nvPr/>
       </p:nvGrpSpPr>
@@ -3618,7 +3622,7 @@
       </p:grpSpPr>
       <p:sp>
         <p:nvSpPr>
-          <p:cNvPr id="292" name="Google Shape;292;g24116355be2_0_57:notes"/>
+          <p:cNvPr id="290" name="Google Shape;290;g2867692f1c1_0_16:notes"/>
           <p:cNvSpPr/>
           <p:nvPr>
             <p:ph idx="2" type="sldImg"/>
@@ -3653,7 +3657,7 @@
       </p:sp>
       <p:sp>
         <p:nvSpPr>
-          <p:cNvPr id="293" name="Google Shape;293;g24116355be2_0_57:notes"/>
+          <p:cNvPr id="291" name="Google Shape;291;g2867692f1c1_0_16:notes"/>
           <p:cNvSpPr txBox="1"/>
           <p:nvPr>
             <p:ph idx="1" type="body"/>
@@ -3703,7 +3707,7 @@
   <p:cSld>
     <p:spTree>
       <p:nvGrpSpPr>
-        <p:cNvPr id="298" name="Shape 298"/>
+        <p:cNvPr id="294" name="Shape 294"/>
         <p:cNvGrpSpPr/>
         <p:nvPr/>
       </p:nvGrpSpPr>
@@ -3717,7 +3721,7 @@
       </p:grpSpPr>
       <p:sp>
         <p:nvSpPr>
-          <p:cNvPr id="299" name="Google Shape;299;g24116355be2_0_66:notes"/>
+          <p:cNvPr id="295" name="Google Shape;295;g24116355be2_0_81:notes"/>
           <p:cNvSpPr/>
           <p:nvPr>
             <p:ph idx="2" type="sldImg"/>
@@ -3752,7 +3756,7 @@
       </p:sp>
       <p:sp>
         <p:nvSpPr>
-          <p:cNvPr id="300" name="Google Shape;300;g24116355be2_0_66:notes"/>
+          <p:cNvPr id="296" name="Google Shape;296;g24116355be2_0_81:notes"/>
           <p:cNvSpPr txBox="1"/>
           <p:nvPr>
             <p:ph idx="1" type="body"/>
@@ -3802,7 +3806,7 @@
   <p:cSld>
     <p:spTree>
       <p:nvGrpSpPr>
-        <p:cNvPr id="305" name="Shape 305"/>
+        <p:cNvPr id="302" name="Shape 302"/>
         <p:cNvGrpSpPr/>
         <p:nvPr/>
       </p:nvGrpSpPr>
@@ -3816,7 +3820,7 @@
       </p:grpSpPr>
       <p:sp>
         <p:nvSpPr>
-          <p:cNvPr id="306" name="Google Shape;306;g24116355be2_0_73:notes"/>
+          <p:cNvPr id="303" name="Google Shape;303;g249029ccb36_0_48:notes"/>
           <p:cNvSpPr/>
           <p:nvPr>
             <p:ph idx="2" type="sldImg"/>
@@ -3851,7 +3855,7 @@
       </p:sp>
       <p:sp>
         <p:nvSpPr>
-          <p:cNvPr id="307" name="Google Shape;307;g24116355be2_0_73:notes"/>
+          <p:cNvPr id="304" name="Google Shape;304;g249029ccb36_0_48:notes"/>
           <p:cNvSpPr txBox="1"/>
           <p:nvPr>
             <p:ph idx="1" type="body"/>
@@ -3901,7 +3905,7 @@
   <p:cSld>
     <p:spTree>
       <p:nvGrpSpPr>
-        <p:cNvPr id="313" name="Shape 313"/>
+        <p:cNvPr id="308" name="Shape 308"/>
         <p:cNvGrpSpPr/>
         <p:nvPr/>
       </p:nvGrpSpPr>
@@ -3915,7 +3919,7 @@
       </p:grpSpPr>
       <p:sp>
         <p:nvSpPr>
-          <p:cNvPr id="314" name="Google Shape;314;g249029ccb36_0_25:notes"/>
+          <p:cNvPr id="309" name="Google Shape;309;g24116355be2_0_57:notes"/>
           <p:cNvSpPr/>
           <p:nvPr>
             <p:ph idx="2" type="sldImg"/>
@@ -3950,7 +3954,7 @@
       </p:sp>
       <p:sp>
         <p:nvSpPr>
-          <p:cNvPr id="315" name="Google Shape;315;g249029ccb36_0_25:notes"/>
+          <p:cNvPr id="310" name="Google Shape;310;g24116355be2_0_57:notes"/>
           <p:cNvSpPr txBox="1"/>
           <p:nvPr>
             <p:ph idx="1" type="body"/>
@@ -4099,7 +4103,7 @@
   <p:cSld>
     <p:spTree>
       <p:nvGrpSpPr>
-        <p:cNvPr id="319" name="Shape 319"/>
+        <p:cNvPr id="315" name="Shape 315"/>
         <p:cNvGrpSpPr/>
         <p:nvPr/>
       </p:nvGrpSpPr>
@@ -4113,7 +4117,7 @@
       </p:grpSpPr>
       <p:sp>
         <p:nvSpPr>
-          <p:cNvPr id="320" name="Google Shape;320;g249029ccb36_0_32:notes"/>
+          <p:cNvPr id="316" name="Google Shape;316;g24116355be2_0_66:notes"/>
           <p:cNvSpPr/>
           <p:nvPr>
             <p:ph idx="2" type="sldImg"/>
@@ -4148,7 +4152,7 @@
       </p:sp>
       <p:sp>
         <p:nvSpPr>
-          <p:cNvPr id="321" name="Google Shape;321;g249029ccb36_0_32:notes"/>
+          <p:cNvPr id="317" name="Google Shape;317;g24116355be2_0_66:notes"/>
           <p:cNvSpPr txBox="1"/>
           <p:nvPr>
             <p:ph idx="1" type="body"/>
@@ -4198,7 +4202,7 @@
   <p:cSld>
     <p:spTree>
       <p:nvGrpSpPr>
-        <p:cNvPr id="327" name="Shape 327"/>
+        <p:cNvPr id="322" name="Shape 322"/>
         <p:cNvGrpSpPr/>
         <p:nvPr/>
       </p:nvGrpSpPr>
@@ -4212,7 +4216,7 @@
       </p:grpSpPr>
       <p:sp>
         <p:nvSpPr>
-          <p:cNvPr id="328" name="Google Shape;328;g249029ccb36_0_39:notes"/>
+          <p:cNvPr id="323" name="Google Shape;323;g24116355be2_0_73:notes"/>
           <p:cNvSpPr/>
           <p:nvPr>
             <p:ph idx="2" type="sldImg"/>
@@ -4247,7 +4251,7 @@
       </p:sp>
       <p:sp>
         <p:nvSpPr>
-          <p:cNvPr id="329" name="Google Shape;329;g249029ccb36_0_39:notes"/>
+          <p:cNvPr id="324" name="Google Shape;324;g24116355be2_0_73:notes"/>
           <p:cNvSpPr txBox="1"/>
           <p:nvPr>
             <p:ph idx="1" type="body"/>
@@ -4297,7 +4301,7 @@
   <p:cSld>
     <p:spTree>
       <p:nvGrpSpPr>
-        <p:cNvPr id="334" name="Shape 334"/>
+        <p:cNvPr id="330" name="Shape 330"/>
         <p:cNvGrpSpPr/>
         <p:nvPr/>
       </p:nvGrpSpPr>
@@ -4311,7 +4315,7 @@
       </p:grpSpPr>
       <p:sp>
         <p:nvSpPr>
-          <p:cNvPr id="335" name="Google Shape;335;g26e03241cb5_0_164:notes"/>
+          <p:cNvPr id="331" name="Google Shape;331;g249029ccb36_0_25:notes"/>
           <p:cNvSpPr/>
           <p:nvPr>
             <p:ph idx="2" type="sldImg"/>
@@ -4346,7 +4350,7 @@
       </p:sp>
       <p:sp>
         <p:nvSpPr>
-          <p:cNvPr id="336" name="Google Shape;336;g26e03241cb5_0_164:notes"/>
+          <p:cNvPr id="332" name="Google Shape;332;g249029ccb36_0_25:notes"/>
           <p:cNvSpPr txBox="1"/>
           <p:nvPr>
             <p:ph idx="1" type="body"/>
@@ -4396,7 +4400,7 @@
   <p:cSld>
     <p:spTree>
       <p:nvGrpSpPr>
-        <p:cNvPr id="340" name="Shape 340"/>
+        <p:cNvPr id="336" name="Shape 336"/>
         <p:cNvGrpSpPr/>
         <p:nvPr/>
       </p:nvGrpSpPr>
@@ -4410,7 +4414,7 @@
       </p:grpSpPr>
       <p:sp>
         <p:nvSpPr>
-          <p:cNvPr id="341" name="Google Shape;341;g26e03241cb5_0_173:notes"/>
+          <p:cNvPr id="337" name="Google Shape;337;g249029ccb36_0_32:notes"/>
           <p:cNvSpPr/>
           <p:nvPr>
             <p:ph idx="2" type="sldImg"/>
@@ -4445,7 +4449,403 @@
       </p:sp>
       <p:sp>
         <p:nvSpPr>
-          <p:cNvPr id="342" name="Google Shape;342;g26e03241cb5_0_173:notes"/>
+          <p:cNvPr id="338" name="Google Shape;338;g249029ccb36_0_32:notes"/>
+          <p:cNvSpPr txBox="1"/>
+          <p:nvPr>
+            <p:ph idx="1" type="body"/>
+          </p:nvPr>
+        </p:nvSpPr>
+        <p:spPr>
+          <a:xfrm>
+            <a:off x="685800" y="4343400"/>
+            <a:ext cx="5486400" cy="4114800"/>
+          </a:xfrm>
+          <a:prstGeom prst="rect">
+            <a:avLst/>
+          </a:prstGeom>
+        </p:spPr>
+        <p:txBody>
+          <a:bodyPr anchorCtr="0" anchor="t" bIns="91425" lIns="91425" spcFirstLastPara="1" rIns="91425" wrap="square" tIns="91425">
+            <a:noAutofit/>
+          </a:bodyPr>
+          <a:lstStyle/>
+          <a:p>
+            <a:pPr indent="0" lvl="0" marL="0" rtl="0" algn="l">
+              <a:spcBef>
+                <a:spcPts val="0"/>
+              </a:spcBef>
+              <a:spcAft>
+                <a:spcPts val="0"/>
+              </a:spcAft>
+              <a:buNone/>
+            </a:pPr>
+            <a:r>
+              <a:t/>
+            </a:r>
+            <a:endParaRPr/>
+          </a:p>
+        </p:txBody>
+      </p:sp>
+    </p:spTree>
+  </p:cSld>
+  <p:clrMapOvr>
+    <a:masterClrMapping/>
+  </p:clrMapOvr>
+</p:notes>
+</file>
+
+<file path=ppt/notesSlides/notesSlide44.xml><?xml version="1.0" encoding="utf-8"?>
+<p:notes xmlns:a="http://schemas.openxmlformats.org/drawingml/2006/main" xmlns:r="http://schemas.openxmlformats.org/officeDocument/2006/relationships" xmlns:mc="http://schemas.openxmlformats.org/markup-compatibility/2006" xmlns:mv="urn:schemas-microsoft-com:mac:vml" xmlns:p="http://schemas.openxmlformats.org/presentationml/2006/main" xmlns:c="http://schemas.openxmlformats.org/drawingml/2006/chart" xmlns:dgm="http://schemas.openxmlformats.org/drawingml/2006/diagram" xmlns:o="urn:schemas-microsoft-com:office:office" xmlns:v="urn:schemas-microsoft-com:vml" xmlns:pvml="urn:schemas-microsoft-com:office:powerpoint" xmlns:com="http://schemas.openxmlformats.org/drawingml/2006/compatibility" xmlns:p14="http://schemas.microsoft.com/office/powerpoint/2010/main" xmlns:p15="http://schemas.microsoft.com/office/powerpoint/2012/main" xmlns:ahyp="http://schemas.microsoft.com/office/drawing/2018/hyperlinkcolor" showMasterPhAnim="0" showMasterSp="0">
+  <p:cSld>
+    <p:spTree>
+      <p:nvGrpSpPr>
+        <p:cNvPr id="344" name="Shape 344"/>
+        <p:cNvGrpSpPr/>
+        <p:nvPr/>
+      </p:nvGrpSpPr>
+      <p:grpSpPr>
+        <a:xfrm>
+          <a:off x="0" y="0"/>
+          <a:ext cx="0" cy="0"/>
+          <a:chOff x="0" y="0"/>
+          <a:chExt cx="0" cy="0"/>
+        </a:xfrm>
+      </p:grpSpPr>
+      <p:sp>
+        <p:nvSpPr>
+          <p:cNvPr id="345" name="Google Shape;345;g249029ccb36_0_39:notes"/>
+          <p:cNvSpPr/>
+          <p:nvPr>
+            <p:ph idx="2" type="sldImg"/>
+          </p:nvPr>
+        </p:nvSpPr>
+        <p:spPr>
+          <a:xfrm>
+            <a:off x="381300" y="685800"/>
+            <a:ext cx="6096000" cy="3429000"/>
+          </a:xfrm>
+          <a:custGeom>
+            <a:rect b="b" l="l" r="r" t="t"/>
+            <a:pathLst>
+              <a:path extrusionOk="0" h="120000" w="120000">
+                <a:moveTo>
+                  <a:pt x="0" y="0"/>
+                </a:moveTo>
+                <a:lnTo>
+                  <a:pt x="120000" y="0"/>
+                </a:lnTo>
+                <a:lnTo>
+                  <a:pt x="120000" y="120000"/>
+                </a:lnTo>
+                <a:lnTo>
+                  <a:pt x="0" y="120000"/>
+                </a:lnTo>
+                <a:close/>
+              </a:path>
+            </a:pathLst>
+          </a:custGeom>
+        </p:spPr>
+      </p:sp>
+      <p:sp>
+        <p:nvSpPr>
+          <p:cNvPr id="346" name="Google Shape;346;g249029ccb36_0_39:notes"/>
+          <p:cNvSpPr txBox="1"/>
+          <p:nvPr>
+            <p:ph idx="1" type="body"/>
+          </p:nvPr>
+        </p:nvSpPr>
+        <p:spPr>
+          <a:xfrm>
+            <a:off x="685800" y="4343400"/>
+            <a:ext cx="5486400" cy="4114800"/>
+          </a:xfrm>
+          <a:prstGeom prst="rect">
+            <a:avLst/>
+          </a:prstGeom>
+        </p:spPr>
+        <p:txBody>
+          <a:bodyPr anchorCtr="0" anchor="t" bIns="91425" lIns="91425" spcFirstLastPara="1" rIns="91425" wrap="square" tIns="91425">
+            <a:noAutofit/>
+          </a:bodyPr>
+          <a:lstStyle/>
+          <a:p>
+            <a:pPr indent="0" lvl="0" marL="0" rtl="0" algn="l">
+              <a:spcBef>
+                <a:spcPts val="0"/>
+              </a:spcBef>
+              <a:spcAft>
+                <a:spcPts val="0"/>
+              </a:spcAft>
+              <a:buNone/>
+            </a:pPr>
+            <a:r>
+              <a:t/>
+            </a:r>
+            <a:endParaRPr/>
+          </a:p>
+        </p:txBody>
+      </p:sp>
+    </p:spTree>
+  </p:cSld>
+  <p:clrMapOvr>
+    <a:masterClrMapping/>
+  </p:clrMapOvr>
+</p:notes>
+</file>
+
+<file path=ppt/notesSlides/notesSlide45.xml><?xml version="1.0" encoding="utf-8"?>
+<p:notes xmlns:a="http://schemas.openxmlformats.org/drawingml/2006/main" xmlns:r="http://schemas.openxmlformats.org/officeDocument/2006/relationships" xmlns:mc="http://schemas.openxmlformats.org/markup-compatibility/2006" xmlns:mv="urn:schemas-microsoft-com:mac:vml" xmlns:p="http://schemas.openxmlformats.org/presentationml/2006/main" xmlns:c="http://schemas.openxmlformats.org/drawingml/2006/chart" xmlns:dgm="http://schemas.openxmlformats.org/drawingml/2006/diagram" xmlns:o="urn:schemas-microsoft-com:office:office" xmlns:v="urn:schemas-microsoft-com:vml" xmlns:pvml="urn:schemas-microsoft-com:office:powerpoint" xmlns:com="http://schemas.openxmlformats.org/drawingml/2006/compatibility" xmlns:p14="http://schemas.microsoft.com/office/powerpoint/2010/main" xmlns:p15="http://schemas.microsoft.com/office/powerpoint/2012/main" xmlns:ahyp="http://schemas.microsoft.com/office/drawing/2018/hyperlinkcolor" showMasterPhAnim="0" showMasterSp="0">
+  <p:cSld>
+    <p:spTree>
+      <p:nvGrpSpPr>
+        <p:cNvPr id="351" name="Shape 351"/>
+        <p:cNvGrpSpPr/>
+        <p:nvPr/>
+      </p:nvGrpSpPr>
+      <p:grpSpPr>
+        <a:xfrm>
+          <a:off x="0" y="0"/>
+          <a:ext cx="0" cy="0"/>
+          <a:chOff x="0" y="0"/>
+          <a:chExt cx="0" cy="0"/>
+        </a:xfrm>
+      </p:grpSpPr>
+      <p:sp>
+        <p:nvSpPr>
+          <p:cNvPr id="352" name="Google Shape;352;g26e03241cb5_0_164:notes"/>
+          <p:cNvSpPr/>
+          <p:nvPr>
+            <p:ph idx="2" type="sldImg"/>
+          </p:nvPr>
+        </p:nvSpPr>
+        <p:spPr>
+          <a:xfrm>
+            <a:off x="381300" y="685800"/>
+            <a:ext cx="6096000" cy="3429000"/>
+          </a:xfrm>
+          <a:custGeom>
+            <a:rect b="b" l="l" r="r" t="t"/>
+            <a:pathLst>
+              <a:path extrusionOk="0" h="120000" w="120000">
+                <a:moveTo>
+                  <a:pt x="0" y="0"/>
+                </a:moveTo>
+                <a:lnTo>
+                  <a:pt x="120000" y="0"/>
+                </a:lnTo>
+                <a:lnTo>
+                  <a:pt x="120000" y="120000"/>
+                </a:lnTo>
+                <a:lnTo>
+                  <a:pt x="0" y="120000"/>
+                </a:lnTo>
+                <a:close/>
+              </a:path>
+            </a:pathLst>
+          </a:custGeom>
+        </p:spPr>
+      </p:sp>
+      <p:sp>
+        <p:nvSpPr>
+          <p:cNvPr id="353" name="Google Shape;353;g26e03241cb5_0_164:notes"/>
+          <p:cNvSpPr txBox="1"/>
+          <p:nvPr>
+            <p:ph idx="1" type="body"/>
+          </p:nvPr>
+        </p:nvSpPr>
+        <p:spPr>
+          <a:xfrm>
+            <a:off x="685800" y="4343400"/>
+            <a:ext cx="5486400" cy="4114800"/>
+          </a:xfrm>
+          <a:prstGeom prst="rect">
+            <a:avLst/>
+          </a:prstGeom>
+        </p:spPr>
+        <p:txBody>
+          <a:bodyPr anchorCtr="0" anchor="t" bIns="91425" lIns="91425" spcFirstLastPara="1" rIns="91425" wrap="square" tIns="91425">
+            <a:noAutofit/>
+          </a:bodyPr>
+          <a:lstStyle/>
+          <a:p>
+            <a:pPr indent="0" lvl="0" marL="0" rtl="0" algn="l">
+              <a:spcBef>
+                <a:spcPts val="0"/>
+              </a:spcBef>
+              <a:spcAft>
+                <a:spcPts val="0"/>
+              </a:spcAft>
+              <a:buNone/>
+            </a:pPr>
+            <a:r>
+              <a:t/>
+            </a:r>
+            <a:endParaRPr/>
+          </a:p>
+        </p:txBody>
+      </p:sp>
+    </p:spTree>
+  </p:cSld>
+  <p:clrMapOvr>
+    <a:masterClrMapping/>
+  </p:clrMapOvr>
+</p:notes>
+</file>
+
+<file path=ppt/notesSlides/notesSlide46.xml><?xml version="1.0" encoding="utf-8"?>
+<p:notes xmlns:a="http://schemas.openxmlformats.org/drawingml/2006/main" xmlns:r="http://schemas.openxmlformats.org/officeDocument/2006/relationships" xmlns:mc="http://schemas.openxmlformats.org/markup-compatibility/2006" xmlns:mv="urn:schemas-microsoft-com:mac:vml" xmlns:p="http://schemas.openxmlformats.org/presentationml/2006/main" xmlns:c="http://schemas.openxmlformats.org/drawingml/2006/chart" xmlns:dgm="http://schemas.openxmlformats.org/drawingml/2006/diagram" xmlns:o="urn:schemas-microsoft-com:office:office" xmlns:v="urn:schemas-microsoft-com:vml" xmlns:pvml="urn:schemas-microsoft-com:office:powerpoint" xmlns:com="http://schemas.openxmlformats.org/drawingml/2006/compatibility" xmlns:p14="http://schemas.microsoft.com/office/powerpoint/2010/main" xmlns:p15="http://schemas.microsoft.com/office/powerpoint/2012/main" xmlns:ahyp="http://schemas.microsoft.com/office/drawing/2018/hyperlinkcolor" showMasterPhAnim="0" showMasterSp="0">
+  <p:cSld>
+    <p:spTree>
+      <p:nvGrpSpPr>
+        <p:cNvPr id="357" name="Shape 357"/>
+        <p:cNvGrpSpPr/>
+        <p:nvPr/>
+      </p:nvGrpSpPr>
+      <p:grpSpPr>
+        <a:xfrm>
+          <a:off x="0" y="0"/>
+          <a:ext cx="0" cy="0"/>
+          <a:chOff x="0" y="0"/>
+          <a:chExt cx="0" cy="0"/>
+        </a:xfrm>
+      </p:grpSpPr>
+      <p:sp>
+        <p:nvSpPr>
+          <p:cNvPr id="358" name="Google Shape;358;g2867692f1c1_0_24:notes"/>
+          <p:cNvSpPr/>
+          <p:nvPr>
+            <p:ph idx="2" type="sldImg"/>
+          </p:nvPr>
+        </p:nvSpPr>
+        <p:spPr>
+          <a:xfrm>
+            <a:off x="381300" y="685800"/>
+            <a:ext cx="6096000" cy="3429000"/>
+          </a:xfrm>
+          <a:custGeom>
+            <a:rect b="b" l="l" r="r" t="t"/>
+            <a:pathLst>
+              <a:path extrusionOk="0" h="120000" w="120000">
+                <a:moveTo>
+                  <a:pt x="0" y="0"/>
+                </a:moveTo>
+                <a:lnTo>
+                  <a:pt x="120000" y="0"/>
+                </a:lnTo>
+                <a:lnTo>
+                  <a:pt x="120000" y="120000"/>
+                </a:lnTo>
+                <a:lnTo>
+                  <a:pt x="0" y="120000"/>
+                </a:lnTo>
+                <a:close/>
+              </a:path>
+            </a:pathLst>
+          </a:custGeom>
+        </p:spPr>
+      </p:sp>
+      <p:sp>
+        <p:nvSpPr>
+          <p:cNvPr id="359" name="Google Shape;359;g2867692f1c1_0_24:notes"/>
+          <p:cNvSpPr txBox="1"/>
+          <p:nvPr>
+            <p:ph idx="1" type="body"/>
+          </p:nvPr>
+        </p:nvSpPr>
+        <p:spPr>
+          <a:xfrm>
+            <a:off x="685800" y="4343400"/>
+            <a:ext cx="5486400" cy="4114800"/>
+          </a:xfrm>
+          <a:prstGeom prst="rect">
+            <a:avLst/>
+          </a:prstGeom>
+        </p:spPr>
+        <p:txBody>
+          <a:bodyPr anchorCtr="0" anchor="t" bIns="91425" lIns="91425" spcFirstLastPara="1" rIns="91425" wrap="square" tIns="91425">
+            <a:noAutofit/>
+          </a:bodyPr>
+          <a:lstStyle/>
+          <a:p>
+            <a:pPr indent="0" lvl="0" marL="0" rtl="0" algn="l">
+              <a:spcBef>
+                <a:spcPts val="0"/>
+              </a:spcBef>
+              <a:spcAft>
+                <a:spcPts val="0"/>
+              </a:spcAft>
+              <a:buNone/>
+            </a:pPr>
+            <a:r>
+              <a:t/>
+            </a:r>
+            <a:endParaRPr/>
+          </a:p>
+        </p:txBody>
+      </p:sp>
+    </p:spTree>
+  </p:cSld>
+  <p:clrMapOvr>
+    <a:masterClrMapping/>
+  </p:clrMapOvr>
+</p:notes>
+</file>
+
+<file path=ppt/notesSlides/notesSlide47.xml><?xml version="1.0" encoding="utf-8"?>
+<p:notes xmlns:a="http://schemas.openxmlformats.org/drawingml/2006/main" xmlns:r="http://schemas.openxmlformats.org/officeDocument/2006/relationships" xmlns:mc="http://schemas.openxmlformats.org/markup-compatibility/2006" xmlns:mv="urn:schemas-microsoft-com:mac:vml" xmlns:p="http://schemas.openxmlformats.org/presentationml/2006/main" xmlns:c="http://schemas.openxmlformats.org/drawingml/2006/chart" xmlns:dgm="http://schemas.openxmlformats.org/drawingml/2006/diagram" xmlns:o="urn:schemas-microsoft-com:office:office" xmlns:v="urn:schemas-microsoft-com:vml" xmlns:pvml="urn:schemas-microsoft-com:office:powerpoint" xmlns:com="http://schemas.openxmlformats.org/drawingml/2006/compatibility" xmlns:p14="http://schemas.microsoft.com/office/powerpoint/2010/main" xmlns:p15="http://schemas.microsoft.com/office/powerpoint/2012/main" xmlns:ahyp="http://schemas.microsoft.com/office/drawing/2018/hyperlinkcolor" showMasterPhAnim="0" showMasterSp="0">
+  <p:cSld>
+    <p:spTree>
+      <p:nvGrpSpPr>
+        <p:cNvPr id="363" name="Shape 363"/>
+        <p:cNvGrpSpPr/>
+        <p:nvPr/>
+      </p:nvGrpSpPr>
+      <p:grpSpPr>
+        <a:xfrm>
+          <a:off x="0" y="0"/>
+          <a:ext cx="0" cy="0"/>
+          <a:chOff x="0" y="0"/>
+          <a:chExt cx="0" cy="0"/>
+        </a:xfrm>
+      </p:grpSpPr>
+      <p:sp>
+        <p:nvSpPr>
+          <p:cNvPr id="364" name="Google Shape;364;g26e03241cb5_0_173:notes"/>
+          <p:cNvSpPr/>
+          <p:nvPr>
+            <p:ph idx="2" type="sldImg"/>
+          </p:nvPr>
+        </p:nvSpPr>
+        <p:spPr>
+          <a:xfrm>
+            <a:off x="381300" y="685800"/>
+            <a:ext cx="6096000" cy="3429000"/>
+          </a:xfrm>
+          <a:custGeom>
+            <a:rect b="b" l="l" r="r" t="t"/>
+            <a:pathLst>
+              <a:path extrusionOk="0" h="120000" w="120000">
+                <a:moveTo>
+                  <a:pt x="0" y="0"/>
+                </a:moveTo>
+                <a:lnTo>
+                  <a:pt x="120000" y="0"/>
+                </a:lnTo>
+                <a:lnTo>
+                  <a:pt x="120000" y="120000"/>
+                </a:lnTo>
+                <a:lnTo>
+                  <a:pt x="0" y="120000"/>
+                </a:lnTo>
+                <a:close/>
+              </a:path>
+            </a:pathLst>
+          </a:custGeom>
+        </p:spPr>
+      </p:sp>
+      <p:sp>
+        <p:nvSpPr>
+          <p:cNvPr id="365" name="Google Shape;365;g26e03241cb5_0_173:notes"/>
           <p:cNvSpPr txBox="1"/>
           <p:nvPr>
             <p:ph idx="1" type="body"/>
@@ -9805,7 +10205,7 @@
         </p:nvSpPr>
         <p:spPr>
           <a:xfrm>
-            <a:off x="311700" y="276550"/>
+            <a:off x="311700" y="254100"/>
             <a:ext cx="8520600" cy="572700"/>
           </a:xfrm>
           <a:prstGeom prst="rect">
@@ -9825,12 +10225,11 @@
               <a:spcAft>
                 <a:spcPts val="0"/>
               </a:spcAft>
-              <a:buSzPts val="990"/>
               <a:buNone/>
             </a:pPr>
             <a:r>
               <a:rPr lang="en" sz="1920"/>
-              <a:t>Deep Pixel-wise Binary Supervision for Face Presentation Attack Detection</a:t>
+              <a:t>Searching Central Difference Convolutional Networks for Face Anti-Spoofing</a:t>
             </a:r>
             <a:endParaRPr sz="1920"/>
           </a:p>
@@ -9846,8 +10245,8 @@
         </p:nvSpPr>
         <p:spPr>
           <a:xfrm>
-            <a:off x="311700" y="936600"/>
-            <a:ext cx="8520600" cy="3632400"/>
+            <a:off x="311700" y="914150"/>
+            <a:ext cx="8520600" cy="4065300"/>
           </a:xfrm>
           <a:prstGeom prst="rect">
             <a:avLst/>
@@ -9855,7 +10254,7 @@
         </p:spPr>
         <p:txBody>
           <a:bodyPr anchorCtr="0" anchor="t" bIns="91425" lIns="91425" spcFirstLastPara="1" rIns="91425" wrap="square" tIns="91425">
-            <a:normAutofit/>
+            <a:noAutofit/>
           </a:bodyPr>
           <a:lstStyle/>
           <a:p>
@@ -9866,30 +10265,227 @@
               <a:spcAft>
                 <a:spcPts val="0"/>
               </a:spcAft>
-              <a:buNone/>
-            </a:pPr>
-            <a:r>
-              <a:rPr lang="en" sz="1700"/>
-              <a:t>Datasets used</a:t>
-            </a:r>
-            <a:endParaRPr sz="1700"/>
-          </a:p>
-          <a:p>
-            <a:pPr indent="-336550" lvl="0" marL="457200" rtl="0" algn="l">
+              <a:buClr>
+                <a:schemeClr val="dk1"/>
+              </a:buClr>
+              <a:buSzPts val="358"/>
+              <a:buFont typeface="Arial"/>
+              <a:buNone/>
+            </a:pPr>
+            <a:r>
+              <a:rPr lang="en" sz="1205">
+                <a:solidFill>
+                  <a:schemeClr val="dk1"/>
+                </a:solidFill>
+              </a:rPr>
+              <a:t>Contrast Depth Loss Implementation:</a:t>
+            </a:r>
+            <a:endParaRPr sz="1205">
+              <a:solidFill>
+                <a:schemeClr val="dk1"/>
+              </a:solidFill>
+            </a:endParaRPr>
+          </a:p>
+          <a:p>
+            <a:pPr indent="0" lvl="0" marL="0" rtl="0" algn="l">
               <a:spcBef>
                 <a:spcPts val="1200"/>
               </a:spcBef>
               <a:spcAft>
                 <a:spcPts val="0"/>
               </a:spcAft>
-              <a:buSzPts val="1700"/>
+              <a:buClr>
+                <a:schemeClr val="dk1"/>
+              </a:buClr>
+              <a:buSzPts val="358"/>
+              <a:buFont typeface="Arial"/>
+              <a:buNone/>
+            </a:pPr>
+            <a:r>
+              <a:t/>
+            </a:r>
+            <a:endParaRPr sz="1205">
+              <a:solidFill>
+                <a:schemeClr val="dk1"/>
+              </a:solidFill>
+            </a:endParaRPr>
+          </a:p>
+          <a:p>
+            <a:pPr indent="0" lvl="0" marL="0" rtl="0" algn="l">
+              <a:spcBef>
+                <a:spcPts val="1200"/>
+              </a:spcBef>
+              <a:spcAft>
+                <a:spcPts val="0"/>
+              </a:spcAft>
+              <a:buClr>
+                <a:schemeClr val="dk1"/>
+              </a:buClr>
+              <a:buSzPts val="358"/>
+              <a:buFont typeface="Arial"/>
+              <a:buNone/>
+            </a:pPr>
+            <a:r>
+              <a:t/>
+            </a:r>
+            <a:endParaRPr sz="1205">
+              <a:solidFill>
+                <a:schemeClr val="dk1"/>
+              </a:solidFill>
+            </a:endParaRPr>
+          </a:p>
+          <a:p>
+            <a:pPr indent="0" lvl="0" marL="0" rtl="0" algn="l">
+              <a:spcBef>
+                <a:spcPts val="1200"/>
+              </a:spcBef>
+              <a:spcAft>
+                <a:spcPts val="0"/>
+              </a:spcAft>
+              <a:buClr>
+                <a:schemeClr val="dk1"/>
+              </a:buClr>
+              <a:buSzPts val="358"/>
+              <a:buFont typeface="Arial"/>
+              <a:buNone/>
+            </a:pPr>
+            <a:r>
+              <a:t/>
+            </a:r>
+            <a:endParaRPr sz="1205">
+              <a:solidFill>
+                <a:schemeClr val="dk1"/>
+              </a:solidFill>
+            </a:endParaRPr>
+          </a:p>
+          <a:p>
+            <a:pPr indent="0" lvl="0" marL="0" rtl="0" algn="l">
+              <a:spcBef>
+                <a:spcPts val="1200"/>
+              </a:spcBef>
+              <a:spcAft>
+                <a:spcPts val="0"/>
+              </a:spcAft>
+              <a:buClr>
+                <a:schemeClr val="dk1"/>
+              </a:buClr>
+              <a:buSzPts val="358"/>
+              <a:buFont typeface="Arial"/>
+              <a:buNone/>
+            </a:pPr>
+            <a:r>
+              <a:t/>
+            </a:r>
+            <a:endParaRPr sz="1205">
+              <a:solidFill>
+                <a:schemeClr val="dk1"/>
+              </a:solidFill>
+            </a:endParaRPr>
+          </a:p>
+          <a:p>
+            <a:pPr indent="0" lvl="0" marL="0" rtl="0" algn="l">
+              <a:spcBef>
+                <a:spcPts val="1200"/>
+              </a:spcBef>
+              <a:spcAft>
+                <a:spcPts val="0"/>
+              </a:spcAft>
+              <a:buClr>
+                <a:schemeClr val="dk1"/>
+              </a:buClr>
+              <a:buSzPts val="358"/>
+              <a:buFont typeface="Arial"/>
+              <a:buNone/>
+            </a:pPr>
+            <a:r>
+              <a:t/>
+            </a:r>
+            <a:endParaRPr sz="1205">
+              <a:solidFill>
+                <a:schemeClr val="dk1"/>
+              </a:solidFill>
+            </a:endParaRPr>
+          </a:p>
+          <a:p>
+            <a:pPr indent="0" lvl="0" marL="0" rtl="0" algn="l">
+              <a:spcBef>
+                <a:spcPts val="1200"/>
+              </a:spcBef>
+              <a:spcAft>
+                <a:spcPts val="0"/>
+              </a:spcAft>
+              <a:buClr>
+                <a:schemeClr val="dk1"/>
+              </a:buClr>
+              <a:buSzPts val="358"/>
+              <a:buFont typeface="Arial"/>
+              <a:buNone/>
+            </a:pPr>
+            <a:r>
+              <a:t/>
+            </a:r>
+            <a:endParaRPr sz="1205">
+              <a:solidFill>
+                <a:schemeClr val="dk1"/>
+              </a:solidFill>
+            </a:endParaRPr>
+          </a:p>
+          <a:p>
+            <a:pPr indent="0" lvl="0" marL="0" rtl="0" algn="l">
+              <a:spcBef>
+                <a:spcPts val="1200"/>
+              </a:spcBef>
+              <a:spcAft>
+                <a:spcPts val="0"/>
+              </a:spcAft>
+              <a:buClr>
+                <a:schemeClr val="dk1"/>
+              </a:buClr>
+              <a:buSzPts val="358"/>
+              <a:buFont typeface="Arial"/>
+              <a:buNone/>
+            </a:pPr>
+            <a:r>
+              <a:rPr lang="en" sz="1205">
+                <a:solidFill>
+                  <a:schemeClr val="dk1"/>
+                </a:solidFill>
+              </a:rPr>
+              <a:t>A simple convolution with the above kernel is performed, giving an output designed to detect specific features in an image.</a:t>
+            </a:r>
+            <a:endParaRPr sz="1205">
+              <a:solidFill>
+                <a:schemeClr val="dk1"/>
+              </a:solidFill>
+            </a:endParaRPr>
+          </a:p>
+          <a:p>
+            <a:pPr indent="-305174" lvl="0" marL="457200" rtl="0" algn="l">
+              <a:spcBef>
+                <a:spcPts val="1200"/>
+              </a:spcBef>
+              <a:spcAft>
+                <a:spcPts val="0"/>
+              </a:spcAft>
+              <a:buClr>
+                <a:schemeClr val="dk1"/>
+              </a:buClr>
+              <a:buSzPts val="1206"/>
               <a:buChar char="●"/>
             </a:pPr>
             <a:r>
-              <a:rPr lang="en" sz="1700"/>
-              <a:t>Replay-Mobile and OULU-NPU datasets were used</a:t>
-            </a:r>
-            <a:endParaRPr sz="1700"/>
+              <a:rPr lang="en" sz="1205">
+                <a:solidFill>
+                  <a:schemeClr val="dk1"/>
+                </a:solidFill>
+              </a:rPr>
+              <a:t>Vertical Edge Detection, Horizontal Edge Detection, Diagonal Edge Detection, Vertical Line Detection, Line Detection (45-degree Angle), Corner Detection, Spot Detection</a:t>
+            </a:r>
+            <a:endParaRPr sz="1205">
+              <a:solidFill>
+                <a:schemeClr val="dk1"/>
+              </a:solidFill>
+            </a:endParaRPr>
           </a:p>
           <a:p>
             <a:pPr indent="0" lvl="0" marL="0" rtl="0" algn="l">
@@ -9899,38 +10495,101 @@
               <a:spcAft>
                 <a:spcPts val="0"/>
               </a:spcAft>
-              <a:buNone/>
-            </a:pPr>
-            <a:r>
-              <a:rPr lang="en" sz="1700"/>
-              <a:t>Paper:</a:t>
-            </a:r>
-            <a:endParaRPr sz="1700"/>
-          </a:p>
-          <a:p>
-            <a:pPr indent="-336550" lvl="0" marL="457200" rtl="0" algn="l">
+              <a:buClr>
+                <a:schemeClr val="dk1"/>
+              </a:buClr>
+              <a:buSzPts val="358"/>
+              <a:buFont typeface="Arial"/>
+              <a:buNone/>
+            </a:pPr>
+            <a:r>
+              <a:rPr lang="en" sz="1205">
+                <a:solidFill>
+                  <a:schemeClr val="dk1"/>
+                </a:solidFill>
+              </a:rPr>
+              <a:t>The above output is then used to compute the contrastive depth loss (using MSE) and added to Pixel wise binary supervision loss (also using MSE) to compute the total loss for training the model.</a:t>
+            </a:r>
+            <a:endParaRPr sz="1205">
+              <a:solidFill>
+                <a:schemeClr val="dk1"/>
+              </a:solidFill>
+            </a:endParaRPr>
+          </a:p>
+          <a:p>
+            <a:pPr indent="0" lvl="0" marL="0" rtl="0" algn="l">
               <a:spcBef>
                 <a:spcPts val="1200"/>
               </a:spcBef>
               <a:spcAft>
                 <a:spcPts val="0"/>
               </a:spcAft>
-              <a:buSzPts val="1700"/>
-              <a:buChar char="●"/>
-            </a:pPr>
-            <a:r>
-              <a:rPr lang="en" sz="1700" u="sng">
-                <a:solidFill>
-                  <a:schemeClr val="hlink"/>
-                </a:solidFill>
-                <a:hlinkClick r:id="rId3"/>
-              </a:rPr>
-              <a:t>https://ieeexplore.ieee.org/stamp/stamp.jsp?tp=&amp;arnumber=8987370</a:t>
-            </a:r>
-            <a:endParaRPr sz="1700"/>
+              <a:buClr>
+                <a:schemeClr val="dk1"/>
+              </a:buClr>
+              <a:buSzPts val="358"/>
+              <a:buFont typeface="Arial"/>
+              <a:buNone/>
+            </a:pPr>
+            <a:r>
+              <a:t/>
+            </a:r>
+            <a:endParaRPr sz="1205">
+              <a:solidFill>
+                <a:schemeClr val="dk1"/>
+              </a:solidFill>
+            </a:endParaRPr>
+          </a:p>
+          <a:p>
+            <a:pPr indent="0" lvl="0" marL="0" rtl="0" algn="l">
+              <a:spcBef>
+                <a:spcPts val="1200"/>
+              </a:spcBef>
+              <a:spcAft>
+                <a:spcPts val="1200"/>
+              </a:spcAft>
+              <a:buSzPts val="358"/>
+              <a:buNone/>
+            </a:pPr>
+            <a:r>
+              <a:t/>
+            </a:r>
+            <a:endParaRPr sz="552">
+              <a:solidFill>
+                <a:schemeClr val="dk1"/>
+              </a:solidFill>
+            </a:endParaRPr>
           </a:p>
         </p:txBody>
       </p:sp>
+      <p:pic>
+        <p:nvPicPr>
+          <p:cNvPr id="117" name="Google Shape;117;p22"/>
+          <p:cNvPicPr preferRelativeResize="0"/>
+          <p:nvPr/>
+        </p:nvPicPr>
+        <p:blipFill>
+          <a:blip r:embed="rId3">
+            <a:alphaModFix/>
+          </a:blip>
+          <a:stretch>
+            <a:fillRect/>
+          </a:stretch>
+        </p:blipFill>
+        <p:spPr>
+          <a:xfrm>
+            <a:off x="1339262" y="1236200"/>
+            <a:ext cx="6465474" cy="2173875"/>
+          </a:xfrm>
+          <a:prstGeom prst="rect">
+            <a:avLst/>
+          </a:prstGeom>
+          <a:noFill/>
+          <a:ln>
+            <a:noFill/>
+          </a:ln>
+        </p:spPr>
+      </p:pic>
     </p:spTree>
   </p:cSld>
   <p:clrMapOvr>
@@ -9944,7 +10603,7 @@
   <p:cSld>
     <p:spTree>
       <p:nvGrpSpPr>
-        <p:cNvPr id="120" name="Shape 120"/>
+        <p:cNvPr id="121" name="Shape 121"/>
         <p:cNvGrpSpPr/>
         <p:nvPr/>
       </p:nvGrpSpPr>
@@ -9958,7 +10617,7 @@
       </p:grpSpPr>
       <p:sp>
         <p:nvSpPr>
-          <p:cNvPr id="121" name="Google Shape;121;p23"/>
+          <p:cNvPr id="122" name="Google Shape;122;p23"/>
           <p:cNvSpPr txBox="1"/>
           <p:nvPr>
             <p:ph type="title"/>
@@ -9999,7 +10658,7 @@
       </p:sp>
       <p:sp>
         <p:nvSpPr>
-          <p:cNvPr id="122" name="Google Shape;122;p23"/>
+          <p:cNvPr id="123" name="Google Shape;123;p23"/>
           <p:cNvSpPr txBox="1"/>
           <p:nvPr>
             <p:ph idx="1" type="body"/>
@@ -10030,55 +10689,68 @@
               <a:buNone/>
             </a:pPr>
             <a:r>
-              <a:t/>
+              <a:rPr lang="en" sz="1700"/>
+              <a:t>Datasets used</a:t>
             </a:r>
             <a:endParaRPr sz="1700"/>
           </a:p>
           <a:p>
-            <a:pPr indent="0" lvl="0" marL="0" rtl="0" algn="l">
+            <a:pPr indent="-336550" lvl="0" marL="457200" rtl="0" algn="l">
               <a:spcBef>
                 <a:spcPts val="1200"/>
               </a:spcBef>
               <a:spcAft>
+                <a:spcPts val="0"/>
+              </a:spcAft>
+              <a:buSzPts val="1700"/>
+              <a:buChar char="●"/>
+            </a:pPr>
+            <a:r>
+              <a:rPr lang="en" sz="1700"/>
+              <a:t>Replay-Mobile and OULU-NPU datasets were used</a:t>
+            </a:r>
+            <a:endParaRPr sz="1700"/>
+          </a:p>
+          <a:p>
+            <a:pPr indent="0" lvl="0" marL="0" rtl="0" algn="l">
+              <a:spcBef>
                 <a:spcPts val="1200"/>
-              </a:spcAft>
-              <a:buNone/>
-            </a:pPr>
-            <a:r>
-              <a:t/>
+              </a:spcBef>
+              <a:spcAft>
+                <a:spcPts val="0"/>
+              </a:spcAft>
+              <a:buNone/>
+            </a:pPr>
+            <a:r>
+              <a:rPr lang="en" sz="1700"/>
+              <a:t>Paper:</a:t>
             </a:r>
             <a:endParaRPr sz="1700"/>
           </a:p>
+          <a:p>
+            <a:pPr indent="-336550" lvl="0" marL="457200" rtl="0" algn="l">
+              <a:spcBef>
+                <a:spcPts val="1200"/>
+              </a:spcBef>
+              <a:spcAft>
+                <a:spcPts val="0"/>
+              </a:spcAft>
+              <a:buSzPts val="1700"/>
+              <a:buChar char="●"/>
+            </a:pPr>
+            <a:r>
+              <a:rPr lang="en" sz="1700" u="sng">
+                <a:solidFill>
+                  <a:schemeClr val="hlink"/>
+                </a:solidFill>
+                <a:hlinkClick r:id="rId3"/>
+              </a:rPr>
+              <a:t>https://ieeexplore.ieee.org/stamp/stamp.jsp?tp=&amp;arnumber=8987370</a:t>
+            </a:r>
+            <a:endParaRPr sz="1700"/>
+          </a:p>
         </p:txBody>
       </p:sp>
-      <p:pic>
-        <p:nvPicPr>
-          <p:cNvPr id="123" name="Google Shape;123;p23"/>
-          <p:cNvPicPr preferRelativeResize="0"/>
-          <p:nvPr/>
-        </p:nvPicPr>
-        <p:blipFill>
-          <a:blip r:embed="rId3">
-            <a:alphaModFix/>
-          </a:blip>
-          <a:stretch>
-            <a:fillRect/>
-          </a:stretch>
-        </p:blipFill>
-        <p:spPr>
-          <a:xfrm>
-            <a:off x="1766175" y="849250"/>
-            <a:ext cx="5344875" cy="4068475"/>
-          </a:xfrm>
-          <a:prstGeom prst="rect">
-            <a:avLst/>
-          </a:prstGeom>
-          <a:noFill/>
-          <a:ln>
-            <a:noFill/>
-          </a:ln>
-        </p:spPr>
-      </p:pic>
     </p:spTree>
   </p:cSld>
   <p:clrMapOvr>
@@ -10188,51 +10860,6 @@
                 <a:spcPts val="1200"/>
               </a:spcBef>
               <a:spcAft>
-                <a:spcPts val="0"/>
-              </a:spcAft>
-              <a:buNone/>
-            </a:pPr>
-            <a:r>
-              <a:t/>
-            </a:r>
-            <a:endParaRPr sz="1700"/>
-          </a:p>
-          <a:p>
-            <a:pPr indent="0" lvl="0" marL="0" rtl="0" algn="l">
-              <a:spcBef>
-                <a:spcPts val="1200"/>
-              </a:spcBef>
-              <a:spcAft>
-                <a:spcPts val="0"/>
-              </a:spcAft>
-              <a:buNone/>
-            </a:pPr>
-            <a:r>
-              <a:t/>
-            </a:r>
-            <a:endParaRPr sz="1700"/>
-          </a:p>
-          <a:p>
-            <a:pPr indent="0" lvl="0" marL="0" rtl="0" algn="l">
-              <a:spcBef>
-                <a:spcPts val="1200"/>
-              </a:spcBef>
-              <a:spcAft>
-                <a:spcPts val="0"/>
-              </a:spcAft>
-              <a:buNone/>
-            </a:pPr>
-            <a:r>
-              <a:t/>
-            </a:r>
-            <a:endParaRPr sz="1700"/>
-          </a:p>
-          <a:p>
-            <a:pPr indent="0" lvl="0" marL="0" rtl="0" algn="l">
-              <a:spcBef>
-                <a:spcPts val="1200"/>
-              </a:spcBef>
-              <a:spcAft>
                 <a:spcPts val="1200"/>
               </a:spcAft>
               <a:buNone/>
@@ -10260,8 +10887,8 @@
         </p:blipFill>
         <p:spPr>
           <a:xfrm>
-            <a:off x="651488" y="1099749"/>
-            <a:ext cx="7841025" cy="3737875"/>
+            <a:off x="1766175" y="849250"/>
+            <a:ext cx="5344875" cy="4068475"/>
           </a:xfrm>
           <a:prstGeom prst="rect">
             <a:avLst/>
@@ -10453,8 +11080,8 @@
         </p:blipFill>
         <p:spPr>
           <a:xfrm>
-            <a:off x="657100" y="829761"/>
-            <a:ext cx="7829799" cy="3846075"/>
+            <a:off x="651488" y="1099749"/>
+            <a:ext cx="7841025" cy="3737875"/>
           </a:xfrm>
           <a:prstGeom prst="rect">
             <a:avLst/>
@@ -10465,65 +11092,6 @@
           </a:ln>
         </p:spPr>
       </p:pic>
-      <p:sp>
-        <p:nvSpPr>
-          <p:cNvPr id="138" name="Google Shape;138;p25"/>
-          <p:cNvSpPr txBox="1"/>
-          <p:nvPr/>
-        </p:nvSpPr>
-        <p:spPr>
-          <a:xfrm>
-            <a:off x="395300" y="4777400"/>
-            <a:ext cx="8243100" cy="269400"/>
-          </a:xfrm>
-          <a:prstGeom prst="rect">
-            <a:avLst/>
-          </a:prstGeom>
-          <a:noFill/>
-          <a:ln>
-            <a:noFill/>
-          </a:ln>
-        </p:spPr>
-        <p:txBody>
-          <a:bodyPr anchorCtr="0" anchor="t" bIns="91425" lIns="91425" spcFirstLastPara="1" rIns="91425" wrap="square" tIns="91425">
-            <a:noAutofit/>
-          </a:bodyPr>
-          <a:lstStyle/>
-          <a:p>
-            <a:pPr indent="0" lvl="0" marL="0" rtl="0" algn="l">
-              <a:spcBef>
-                <a:spcPts val="0"/>
-              </a:spcBef>
-              <a:spcAft>
-                <a:spcPts val="0"/>
-              </a:spcAft>
-              <a:buNone/>
-            </a:pPr>
-            <a:r>
-              <a:rPr lang="en">
-                <a:solidFill>
-                  <a:schemeClr val="dk1"/>
-                </a:solidFill>
-              </a:rPr>
-              <a:t>Image reference: </a:t>
-            </a:r>
-            <a:r>
-              <a:rPr lang="en" u="sng">
-                <a:solidFill>
-                  <a:schemeClr val="hlink"/>
-                </a:solidFill>
-                <a:hlinkClick r:id="rId4"/>
-              </a:rPr>
-              <a:t>https://pytorch.org/hub/pytorch_vision_densenet/</a:t>
-            </a:r>
-            <a:endParaRPr>
-              <a:solidFill>
-                <a:schemeClr val="dk1"/>
-              </a:solidFill>
-            </a:endParaRPr>
-          </a:p>
-        </p:txBody>
-      </p:sp>
     </p:spTree>
   </p:cSld>
   <p:clrMapOvr>
@@ -10537,7 +11105,7 @@
   <p:cSld>
     <p:spTree>
       <p:nvGrpSpPr>
-        <p:cNvPr id="142" name="Shape 142"/>
+        <p:cNvPr id="141" name="Shape 141"/>
         <p:cNvGrpSpPr/>
         <p:nvPr/>
       </p:nvGrpSpPr>
@@ -10551,7 +11119,7 @@
       </p:grpSpPr>
       <p:sp>
         <p:nvSpPr>
-          <p:cNvPr id="143" name="Google Shape;143;p26"/>
+          <p:cNvPr id="142" name="Google Shape;142;p26"/>
           <p:cNvSpPr txBox="1"/>
           <p:nvPr>
             <p:ph type="title"/>
@@ -10592,7 +11160,7 @@
       </p:sp>
       <p:sp>
         <p:nvSpPr>
-          <p:cNvPr id="144" name="Google Shape;144;p26"/>
+          <p:cNvPr id="143" name="Google Shape;143;p26"/>
           <p:cNvSpPr txBox="1"/>
           <p:nvPr>
             <p:ph idx="1" type="body"/>
@@ -10623,25 +11191,22 @@
               <a:buNone/>
             </a:pPr>
             <a:r>
-              <a:rPr lang="en" sz="1700"/>
-              <a:t>Binary loss (Bona fide or PA)</a:t>
+              <a:t/>
             </a:r>
             <a:endParaRPr sz="1700"/>
           </a:p>
           <a:p>
-            <a:pPr indent="-336550" lvl="0" marL="457200" rtl="0" algn="l">
+            <a:pPr indent="0" lvl="0" marL="0" rtl="0" algn="l">
               <a:spcBef>
                 <a:spcPts val="1200"/>
               </a:spcBef>
               <a:spcAft>
                 <a:spcPts val="0"/>
               </a:spcAft>
-              <a:buSzPts val="1700"/>
-              <a:buChar char="●"/>
-            </a:pPr>
-            <a:r>
-              <a:rPr lang="en" sz="1700"/>
-              <a:t>Loss 2 in architecture shown</a:t>
+              <a:buNone/>
+            </a:pPr>
+            <a:r>
+              <a:t/>
             </a:r>
             <a:endParaRPr sz="1700"/>
           </a:p>
@@ -10656,25 +11221,7 @@
               <a:buNone/>
             </a:pPr>
             <a:r>
-              <a:rPr lang="en" sz="1700"/>
-              <a:t>Pixel-wise-binary loss (depth loss)</a:t>
-            </a:r>
-            <a:endParaRPr sz="1700"/>
-          </a:p>
-          <a:p>
-            <a:pPr indent="-336550" lvl="0" marL="457200" rtl="0" algn="l">
-              <a:spcBef>
-                <a:spcPts val="1200"/>
-              </a:spcBef>
-              <a:spcAft>
-                <a:spcPts val="0"/>
-              </a:spcAft>
-              <a:buSzPts val="1700"/>
-              <a:buChar char="●"/>
-            </a:pPr>
-            <a:r>
-              <a:rPr lang="en" sz="1700"/>
-              <a:t>Loss 1 in architecture shown</a:t>
+              <a:t/>
             </a:r>
             <a:endParaRPr sz="1700"/>
           </a:p>
@@ -10712,7 +11259,7 @@
       </p:sp>
       <p:pic>
         <p:nvPicPr>
-          <p:cNvPr id="145" name="Google Shape;145;p26"/>
+          <p:cNvPr id="144" name="Google Shape;144;p26"/>
           <p:cNvPicPr preferRelativeResize="0"/>
           <p:nvPr/>
         </p:nvPicPr>
@@ -10726,8 +11273,8 @@
         </p:blipFill>
         <p:spPr>
           <a:xfrm>
-            <a:off x="4152547" y="936600"/>
-            <a:ext cx="4373524" cy="2310025"/>
+            <a:off x="657100" y="829761"/>
+            <a:ext cx="7829799" cy="3846075"/>
           </a:xfrm>
           <a:prstGeom prst="rect">
             <a:avLst/>
@@ -10738,24 +11285,16 @@
           </a:ln>
         </p:spPr>
       </p:pic>
-      <p:pic>
-        <p:nvPicPr>
-          <p:cNvPr id="146" name="Google Shape;146;p26"/>
-          <p:cNvPicPr preferRelativeResize="0"/>
+      <p:sp>
+        <p:nvSpPr>
+          <p:cNvPr id="145" name="Google Shape;145;p26"/>
+          <p:cNvSpPr txBox="1"/>
           <p:nvPr/>
-        </p:nvPicPr>
-        <p:blipFill>
-          <a:blip r:embed="rId4">
-            <a:alphaModFix/>
-          </a:blip>
-          <a:stretch>
-            <a:fillRect/>
-          </a:stretch>
-        </p:blipFill>
-        <p:spPr>
-          <a:xfrm>
-            <a:off x="3893647" y="3333975"/>
-            <a:ext cx="4632426" cy="1436875"/>
+        </p:nvSpPr>
+        <p:spPr>
+          <a:xfrm>
+            <a:off x="395300" y="4777400"/>
+            <a:ext cx="8243100" cy="269400"/>
           </a:xfrm>
           <a:prstGeom prst="rect">
             <a:avLst/>
@@ -10765,7 +11304,46 @@
             <a:noFill/>
           </a:ln>
         </p:spPr>
-      </p:pic>
+        <p:txBody>
+          <a:bodyPr anchorCtr="0" anchor="t" bIns="91425" lIns="91425" spcFirstLastPara="1" rIns="91425" wrap="square" tIns="91425">
+            <a:noAutofit/>
+          </a:bodyPr>
+          <a:lstStyle/>
+          <a:p>
+            <a:pPr indent="0" lvl="0" marL="0" rtl="0" algn="l">
+              <a:spcBef>
+                <a:spcPts val="0"/>
+              </a:spcBef>
+              <a:spcAft>
+                <a:spcPts val="0"/>
+              </a:spcAft>
+              <a:buNone/>
+            </a:pPr>
+            <a:r>
+              <a:rPr lang="en">
+                <a:solidFill>
+                  <a:schemeClr val="dk1"/>
+                </a:solidFill>
+              </a:rPr>
+              <a:t>Image reference: </a:t>
+            </a:r>
+            <a:r>
+              <a:rPr lang="en" u="sng">
+                <a:solidFill>
+                  <a:schemeClr val="hlink"/>
+                </a:solidFill>
+                <a:hlinkClick r:id="rId4"/>
+              </a:rPr>
+              <a:t>https://pytorch.org/hub/pytorch_vision_densenet/</a:t>
+            </a:r>
+            <a:endParaRPr>
+              <a:solidFill>
+                <a:schemeClr val="dk1"/>
+              </a:solidFill>
+            </a:endParaRPr>
+          </a:p>
+        </p:txBody>
+      </p:sp>
     </p:spTree>
   </p:cSld>
   <p:clrMapOvr>
@@ -10779,7 +11357,7 @@
   <p:cSld>
     <p:spTree>
       <p:nvGrpSpPr>
-        <p:cNvPr id="150" name="Shape 150"/>
+        <p:cNvPr id="149" name="Shape 149"/>
         <p:cNvGrpSpPr/>
         <p:nvPr/>
       </p:nvGrpSpPr>
@@ -10793,7 +11371,7 @@
       </p:grpSpPr>
       <p:sp>
         <p:nvSpPr>
-          <p:cNvPr id="151" name="Google Shape;151;p27"/>
+          <p:cNvPr id="150" name="Google Shape;150;p27"/>
           <p:cNvSpPr txBox="1"/>
           <p:nvPr>
             <p:ph type="title"/>
@@ -10801,7 +11379,7 @@
         </p:nvSpPr>
         <p:spPr>
           <a:xfrm>
-            <a:off x="311700" y="254100"/>
+            <a:off x="311700" y="276550"/>
             <a:ext cx="8520600" cy="572700"/>
           </a:xfrm>
           <a:prstGeom prst="rect">
@@ -10821,19 +11399,20 @@
               <a:spcAft>
                 <a:spcPts val="0"/>
               </a:spcAft>
-              <a:buNone/>
-            </a:pPr>
-            <a:r>
-              <a:rPr lang="en" sz="1820"/>
-              <a:t>On the Effectiveness of Vision Transformers for Zero-shot Face Anti-Spoofing</a:t>
-            </a:r>
-            <a:endParaRPr sz="1820"/>
+              <a:buSzPts val="990"/>
+              <a:buNone/>
+            </a:pPr>
+            <a:r>
+              <a:rPr lang="en" sz="1920"/>
+              <a:t>Deep Pixel-wise Binary Supervision for Face Presentation Attack Detection</a:t>
+            </a:r>
+            <a:endParaRPr sz="1920"/>
           </a:p>
         </p:txBody>
       </p:sp>
       <p:sp>
         <p:nvSpPr>
-          <p:cNvPr id="152" name="Google Shape;152;p27"/>
+          <p:cNvPr id="151" name="Google Shape;151;p27"/>
           <p:cNvSpPr txBox="1"/>
           <p:nvPr>
             <p:ph idx="1" type="body"/>
@@ -10841,8 +11420,8 @@
         </p:nvSpPr>
         <p:spPr>
           <a:xfrm>
-            <a:off x="311700" y="914150"/>
-            <a:ext cx="8520600" cy="3654600"/>
+            <a:off x="311700" y="936600"/>
+            <a:ext cx="8520600" cy="3632400"/>
           </a:xfrm>
           <a:prstGeom prst="rect">
             <a:avLst/>
@@ -10865,7 +11444,7 @@
             </a:pPr>
             <a:r>
               <a:rPr lang="en" sz="1700"/>
-              <a:t>Datasets used</a:t>
+              <a:t>Binary loss (Bona fide or PA)</a:t>
             </a:r>
             <a:endParaRPr sz="1700"/>
           </a:p>
@@ -10882,7 +11461,7 @@
             </a:pPr>
             <a:r>
               <a:rPr lang="en" sz="1700"/>
-              <a:t>HQ-WMCA and SiW-M datasets used</a:t>
+              <a:t>Loss 2 in architecture shown</a:t>
             </a:r>
             <a:endParaRPr sz="1700"/>
           </a:p>
@@ -10898,7 +11477,7 @@
             </a:pPr>
             <a:r>
               <a:rPr lang="en" sz="1700"/>
-              <a:t>Paper:</a:t>
+              <a:t>Pixel-wise-binary loss (depth loss)</a:t>
             </a:r>
             <a:endParaRPr sz="1700"/>
           </a:p>
@@ -10914,18 +11493,99 @@
               <a:buChar char="●"/>
             </a:pPr>
             <a:r>
-              <a:rPr lang="en" sz="1700" u="sng">
-                <a:solidFill>
-                  <a:schemeClr val="hlink"/>
-                </a:solidFill>
-                <a:hlinkClick r:id="rId3"/>
-              </a:rPr>
-              <a:t>https://ieeexplore.ieee.org/stamp/stamp.jsp?tp=&amp;arnumber=9484333</a:t>
+              <a:rPr lang="en" sz="1700"/>
+              <a:t>Loss 1 in architecture shown</a:t>
             </a:r>
             <a:endParaRPr sz="1700"/>
           </a:p>
+          <a:p>
+            <a:pPr indent="0" lvl="0" marL="0" rtl="0" algn="l">
+              <a:spcBef>
+                <a:spcPts val="1200"/>
+              </a:spcBef>
+              <a:spcAft>
+                <a:spcPts val="0"/>
+              </a:spcAft>
+              <a:buNone/>
+            </a:pPr>
+            <a:r>
+              <a:t/>
+            </a:r>
+            <a:endParaRPr sz="1700"/>
+          </a:p>
+          <a:p>
+            <a:pPr indent="0" lvl="0" marL="0" rtl="0" algn="l">
+              <a:spcBef>
+                <a:spcPts val="1200"/>
+              </a:spcBef>
+              <a:spcAft>
+                <a:spcPts val="1200"/>
+              </a:spcAft>
+              <a:buNone/>
+            </a:pPr>
+            <a:r>
+              <a:t/>
+            </a:r>
+            <a:endParaRPr sz="1700"/>
+          </a:p>
         </p:txBody>
       </p:sp>
+      <p:pic>
+        <p:nvPicPr>
+          <p:cNvPr id="152" name="Google Shape;152;p27"/>
+          <p:cNvPicPr preferRelativeResize="0"/>
+          <p:nvPr/>
+        </p:nvPicPr>
+        <p:blipFill>
+          <a:blip r:embed="rId3">
+            <a:alphaModFix/>
+          </a:blip>
+          <a:stretch>
+            <a:fillRect/>
+          </a:stretch>
+        </p:blipFill>
+        <p:spPr>
+          <a:xfrm>
+            <a:off x="4152547" y="936600"/>
+            <a:ext cx="4373524" cy="2310025"/>
+          </a:xfrm>
+          <a:prstGeom prst="rect">
+            <a:avLst/>
+          </a:prstGeom>
+          <a:noFill/>
+          <a:ln>
+            <a:noFill/>
+          </a:ln>
+        </p:spPr>
+      </p:pic>
+      <p:pic>
+        <p:nvPicPr>
+          <p:cNvPr id="153" name="Google Shape;153;p27"/>
+          <p:cNvPicPr preferRelativeResize="0"/>
+          <p:nvPr/>
+        </p:nvPicPr>
+        <p:blipFill>
+          <a:blip r:embed="rId4">
+            <a:alphaModFix/>
+          </a:blip>
+          <a:stretch>
+            <a:fillRect/>
+          </a:stretch>
+        </p:blipFill>
+        <p:spPr>
+          <a:xfrm>
+            <a:off x="3893647" y="3333975"/>
+            <a:ext cx="4632426" cy="1436875"/>
+          </a:xfrm>
+          <a:prstGeom prst="rect">
+            <a:avLst/>
+          </a:prstGeom>
+          <a:noFill/>
+          <a:ln>
+            <a:noFill/>
+          </a:ln>
+        </p:spPr>
+      </p:pic>
     </p:spTree>
   </p:cSld>
   <p:clrMapOvr>
@@ -10939,7 +11599,7 @@
   <p:cSld>
     <p:spTree>
       <p:nvGrpSpPr>
-        <p:cNvPr id="156" name="Shape 156"/>
+        <p:cNvPr id="157" name="Shape 157"/>
         <p:cNvGrpSpPr/>
         <p:nvPr/>
       </p:nvGrpSpPr>
@@ -10953,7 +11613,7 @@
       </p:grpSpPr>
       <p:sp>
         <p:nvSpPr>
-          <p:cNvPr id="157" name="Google Shape;157;p28"/>
+          <p:cNvPr id="158" name="Google Shape;158;p28"/>
           <p:cNvSpPr txBox="1"/>
           <p:nvPr>
             <p:ph type="title"/>
@@ -10993,7 +11653,7 @@
       </p:sp>
       <p:sp>
         <p:nvSpPr>
-          <p:cNvPr id="158" name="Google Shape;158;p28"/>
+          <p:cNvPr id="159" name="Google Shape;159;p28"/>
           <p:cNvSpPr txBox="1"/>
           <p:nvPr>
             <p:ph idx="1" type="body"/>
@@ -11010,7 +11670,7 @@
         </p:spPr>
         <p:txBody>
           <a:bodyPr anchorCtr="0" anchor="t" bIns="91425" lIns="91425" spcFirstLastPara="1" rIns="91425" wrap="square" tIns="91425">
-            <a:normAutofit lnSpcReduction="20000"/>
+            <a:normAutofit/>
           </a:bodyPr>
           <a:lstStyle/>
           <a:p>
@@ -11025,8 +11685,54 @@
             </a:pPr>
             <a:r>
               <a:rPr lang="en" sz="1700"/>
-              <a:t>ViT used : </a:t>
-            </a:r>
+              <a:t>Datasets used</a:t>
+            </a:r>
+            <a:endParaRPr sz="1700"/>
+          </a:p>
+          <a:p>
+            <a:pPr indent="-336550" lvl="0" marL="457200" rtl="0" algn="l">
+              <a:spcBef>
+                <a:spcPts val="1200"/>
+              </a:spcBef>
+              <a:spcAft>
+                <a:spcPts val="0"/>
+              </a:spcAft>
+              <a:buSzPts val="1700"/>
+              <a:buChar char="●"/>
+            </a:pPr>
+            <a:r>
+              <a:rPr lang="en" sz="1700"/>
+              <a:t>HQ-WMCA and SiW-M datasets used</a:t>
+            </a:r>
+            <a:endParaRPr sz="1700"/>
+          </a:p>
+          <a:p>
+            <a:pPr indent="0" lvl="0" marL="0" rtl="0" algn="l">
+              <a:spcBef>
+                <a:spcPts val="1200"/>
+              </a:spcBef>
+              <a:spcAft>
+                <a:spcPts val="0"/>
+              </a:spcAft>
+              <a:buNone/>
+            </a:pPr>
+            <a:r>
+              <a:rPr lang="en" sz="1700"/>
+              <a:t>Paper:</a:t>
+            </a:r>
+            <a:endParaRPr sz="1700"/>
+          </a:p>
+          <a:p>
+            <a:pPr indent="-336550" lvl="0" marL="457200" rtl="0" algn="l">
+              <a:spcBef>
+                <a:spcPts val="1200"/>
+              </a:spcBef>
+              <a:spcAft>
+                <a:spcPts val="0"/>
+              </a:spcAft>
+              <a:buSzPts val="1700"/>
+              <a:buChar char="●"/>
+            </a:pPr>
             <a:r>
               <a:rPr lang="en" sz="1700" u="sng">
                 <a:solidFill>
@@ -11034,181 +11740,12 @@
                 </a:solidFill>
                 <a:hlinkClick r:id="rId3"/>
               </a:rPr>
-              <a:t>https://github.com/google-research/vision_transformer</a:t>
+              <a:t>https://ieeexplore.ieee.org/stamp/stamp.jsp?tp=&amp;arnumber=9484333</a:t>
             </a:r>
             <a:endParaRPr sz="1700"/>
           </a:p>
-          <a:p>
-            <a:pPr indent="0" lvl="0" marL="0" rtl="0" algn="l">
-              <a:spcBef>
-                <a:spcPts val="1200"/>
-              </a:spcBef>
-              <a:spcAft>
-                <a:spcPts val="0"/>
-              </a:spcAft>
-              <a:buNone/>
-            </a:pPr>
-            <a:r>
-              <a:rPr lang="en" sz="1700"/>
-              <a:t>(</a:t>
-            </a:r>
-            <a:r>
-              <a:rPr lang="en" sz="1700" u="sng">
-                <a:solidFill>
-                  <a:schemeClr val="hlink"/>
-                </a:solidFill>
-                <a:hlinkClick r:id="rId4"/>
-              </a:rPr>
-              <a:t>https://arxiv.org/abs/2010.11929</a:t>
-            </a:r>
-            <a:r>
-              <a:rPr lang="en" sz="1700"/>
-              <a:t>)</a:t>
-            </a:r>
-            <a:endParaRPr sz="1700"/>
-          </a:p>
-          <a:p>
-            <a:pPr indent="-336550" lvl="0" marL="457200" rtl="0" algn="l">
-              <a:spcBef>
-                <a:spcPts val="1200"/>
-              </a:spcBef>
-              <a:spcAft>
-                <a:spcPts val="0"/>
-              </a:spcAft>
-              <a:buSzPts val="1700"/>
-              <a:buChar char="●"/>
-            </a:pPr>
-            <a:r>
-              <a:rPr lang="en" sz="1700"/>
-              <a:t>The last layer is replaced  with a </a:t>
-            </a:r>
-            <a:endParaRPr sz="1700"/>
-          </a:p>
-          <a:p>
-            <a:pPr indent="0" lvl="0" marL="457200" rtl="0" algn="l">
-              <a:spcBef>
-                <a:spcPts val="1200"/>
-              </a:spcBef>
-              <a:spcAft>
-                <a:spcPts val="0"/>
-              </a:spcAft>
-              <a:buNone/>
-            </a:pPr>
-            <a:r>
-              <a:rPr lang="en" sz="1700"/>
-              <a:t>fully connected layer with one output node </a:t>
-            </a:r>
-            <a:endParaRPr sz="1700"/>
-          </a:p>
-          <a:p>
-            <a:pPr indent="0" lvl="0" marL="457200" rtl="0" algn="l">
-              <a:spcBef>
-                <a:spcPts val="1200"/>
-              </a:spcBef>
-              <a:spcAft>
-                <a:spcPts val="0"/>
-              </a:spcAft>
-              <a:buNone/>
-            </a:pPr>
-            <a:r>
-              <a:rPr lang="en" sz="1700"/>
-              <a:t>and the model is fine-tuned using BCE loss. </a:t>
-            </a:r>
-            <a:endParaRPr sz="1700"/>
-          </a:p>
-          <a:p>
-            <a:pPr indent="-336550" lvl="0" marL="457200" rtl="0" algn="l">
-              <a:spcBef>
-                <a:spcPts val="1200"/>
-              </a:spcBef>
-              <a:spcAft>
-                <a:spcPts val="0"/>
-              </a:spcAft>
-              <a:buSzPts val="1700"/>
-              <a:buChar char="●"/>
-            </a:pPr>
-            <a:r>
-              <a:rPr lang="en" sz="1700"/>
-              <a:t>The training and evaluation components </a:t>
-            </a:r>
-            <a:endParaRPr sz="1700"/>
-          </a:p>
-          <a:p>
-            <a:pPr indent="0" lvl="0" marL="457200" rtl="0" algn="l">
-              <a:spcBef>
-                <a:spcPts val="1200"/>
-              </a:spcBef>
-              <a:spcAft>
-                <a:spcPts val="0"/>
-              </a:spcAft>
-              <a:buNone/>
-            </a:pPr>
-            <a:r>
-              <a:rPr lang="en" sz="1700"/>
-              <a:t>were implemented using the Bob2 library.</a:t>
-            </a:r>
-            <a:endParaRPr sz="1700"/>
-          </a:p>
-          <a:p>
-            <a:pPr indent="0" lvl="0" marL="0" rtl="0" algn="l">
-              <a:spcBef>
-                <a:spcPts val="1200"/>
-              </a:spcBef>
-              <a:spcAft>
-                <a:spcPts val="0"/>
-              </a:spcAft>
-              <a:buNone/>
-            </a:pPr>
-            <a:r>
-              <a:t/>
-            </a:r>
-            <a:endParaRPr sz="1700"/>
-          </a:p>
-          <a:p>
-            <a:pPr indent="0" lvl="0" marL="0" rtl="0" algn="l">
-              <a:spcBef>
-                <a:spcPts val="1200"/>
-              </a:spcBef>
-              <a:spcAft>
-                <a:spcPts val="1200"/>
-              </a:spcAft>
-              <a:buNone/>
-            </a:pPr>
-            <a:r>
-              <a:t/>
-            </a:r>
-            <a:endParaRPr sz="1700"/>
-          </a:p>
         </p:txBody>
       </p:sp>
-      <p:pic>
-        <p:nvPicPr>
-          <p:cNvPr id="159" name="Google Shape;159;p28"/>
-          <p:cNvPicPr preferRelativeResize="0"/>
-          <p:nvPr/>
-        </p:nvPicPr>
-        <p:blipFill>
-          <a:blip r:embed="rId5">
-            <a:alphaModFix/>
-          </a:blip>
-          <a:stretch>
-            <a:fillRect/>
-          </a:stretch>
-        </p:blipFill>
-        <p:spPr>
-          <a:xfrm>
-            <a:off x="5190676" y="1678375"/>
-            <a:ext cx="3454599" cy="2890375"/>
-          </a:xfrm>
-          <a:prstGeom prst="rect">
-            <a:avLst/>
-          </a:prstGeom>
-          <a:noFill/>
-          <a:ln>
-            <a:noFill/>
-          </a:ln>
-        </p:spPr>
-      </p:pic>
     </p:spTree>
   </p:cSld>
   <p:clrMapOvr>
@@ -11293,13 +11830,67 @@
         </p:spPr>
         <p:txBody>
           <a:bodyPr anchorCtr="0" anchor="t" bIns="91425" lIns="91425" spcFirstLastPara="1" rIns="91425" wrap="square" tIns="91425">
-            <a:normAutofit/>
+            <a:normAutofit lnSpcReduction="20000"/>
           </a:bodyPr>
           <a:lstStyle/>
           <a:p>
+            <a:pPr indent="0" lvl="0" marL="0" rtl="0" algn="l">
+              <a:spcBef>
+                <a:spcPts val="0"/>
+              </a:spcBef>
+              <a:spcAft>
+                <a:spcPts val="0"/>
+              </a:spcAft>
+              <a:buNone/>
+            </a:pPr>
+            <a:r>
+              <a:rPr lang="en" sz="1700"/>
+              <a:t>ViT used : </a:t>
+            </a:r>
+            <a:r>
+              <a:rPr lang="en" sz="1700" u="sng">
+                <a:solidFill>
+                  <a:schemeClr val="hlink"/>
+                </a:solidFill>
+                <a:hlinkClick r:id="rId3"/>
+              </a:rPr>
+              <a:t>https://github.com/google-research/vision_transformer</a:t>
+            </a:r>
+            <a:endParaRPr sz="1700"/>
+          </a:p>
+          <a:p>
+            <a:pPr indent="0" lvl="0" marL="0" rtl="0" algn="l">
+              <a:spcBef>
+                <a:spcPts val="1200"/>
+              </a:spcBef>
+              <a:spcAft>
+                <a:spcPts val="0"/>
+              </a:spcAft>
+              <a:buNone/>
+            </a:pPr>
+            <a:r>
+              <a:rPr lang="en" sz="1700"/>
+              <a:t>(</a:t>
+            </a:r>
+            <a:r>
+              <a:rPr lang="en" sz="1700" u="sng">
+                <a:solidFill>
+                  <a:schemeClr val="hlink"/>
+                </a:solidFill>
+                <a:hlinkClick r:id="rId4"/>
+              </a:rPr>
+              <a:t>https://arxiv.org/abs/2010.11929</a:t>
+            </a:r>
+            <a:r>
+              <a:rPr lang="en" sz="1700"/>
+              <a:t>)</a:t>
+            </a:r>
+            <a:endParaRPr sz="1700"/>
+          </a:p>
+          <a:p>
             <a:pPr indent="-336550" lvl="0" marL="457200" rtl="0" algn="l">
               <a:spcBef>
-                <a:spcPts val="0"/>
+                <a:spcPts val="1200"/>
               </a:spcBef>
               <a:spcAft>
                 <a:spcPts val="0"/>
@@ -11309,14 +11900,46 @@
             </a:pPr>
             <a:r>
               <a:rPr lang="en" sz="1700"/>
-              <a:t>For training, the pre-trained vision transformer model is taken and the final classification head is removed. </a:t>
+              <a:t>The last layer is replaced  with a </a:t>
             </a:r>
             <a:endParaRPr sz="1700"/>
           </a:p>
           <a:p>
+            <a:pPr indent="0" lvl="0" marL="457200" rtl="0" algn="l">
+              <a:spcBef>
+                <a:spcPts val="1200"/>
+              </a:spcBef>
+              <a:spcAft>
+                <a:spcPts val="0"/>
+              </a:spcAft>
+              <a:buNone/>
+            </a:pPr>
+            <a:r>
+              <a:rPr lang="en" sz="1700"/>
+              <a:t>fully connected layer with one output node </a:t>
+            </a:r>
+            <a:endParaRPr sz="1700"/>
+          </a:p>
+          <a:p>
+            <a:pPr indent="0" lvl="0" marL="457200" rtl="0" algn="l">
+              <a:spcBef>
+                <a:spcPts val="1200"/>
+              </a:spcBef>
+              <a:spcAft>
+                <a:spcPts val="0"/>
+              </a:spcAft>
+              <a:buNone/>
+            </a:pPr>
+            <a:r>
+              <a:rPr lang="en" sz="1700"/>
+              <a:t>and the model is fine-tuned using BCE loss. </a:t>
+            </a:r>
+            <a:endParaRPr sz="1700"/>
+          </a:p>
+          <a:p>
             <a:pPr indent="-336550" lvl="0" marL="457200" rtl="0" algn="l">
               <a:spcBef>
-                <a:spcPts val="0"/>
+                <a:spcPts val="1200"/>
               </a:spcBef>
               <a:spcAft>
                 <a:spcPts val="0"/>
@@ -11326,24 +11949,23 @@
             </a:pPr>
             <a:r>
               <a:rPr lang="en" sz="1700"/>
-              <a:t>A new fully connected layer is added on top of the embedding followed by a sigmoid layer and trained with BCE loss.</a:t>
+              <a:t>The training and evaluation components </a:t>
             </a:r>
             <a:endParaRPr sz="1700"/>
           </a:p>
           <a:p>
-            <a:pPr indent="-336550" lvl="0" marL="457200" rtl="0" algn="l">
-              <a:spcBef>
-                <a:spcPts val="0"/>
-              </a:spcBef>
-              <a:spcAft>
-                <a:spcPts val="0"/>
-              </a:spcAft>
-              <a:buSzPts val="1700"/>
-              <a:buChar char="●"/>
+            <a:pPr indent="0" lvl="0" marL="457200" rtl="0" algn="l">
+              <a:spcBef>
+                <a:spcPts val="1200"/>
+              </a:spcBef>
+              <a:spcAft>
+                <a:spcPts val="0"/>
+              </a:spcAft>
+              <a:buNone/>
             </a:pPr>
             <a:r>
               <a:rPr lang="en" sz="1700"/>
-              <a:t>“Adapting only the FC layer achieves the best results.”</a:t>
+              <a:t>were implemented using the Bob2 library.</a:t>
             </a:r>
             <a:endParaRPr sz="1700"/>
           </a:p>
@@ -11358,8 +11980,7 @@
               <a:buNone/>
             </a:pPr>
             <a:r>
-              <a:rPr lang="en" sz="1700"/>
-              <a:t>Self-attention as opposed to convolutions helps to attend to all pairwise interactions in the lower layers.</a:t>
+              <a:t/>
             </a:r>
             <a:endParaRPr sz="1700"/>
           </a:p>
@@ -11380,6 +12001,34 @@
           </a:p>
         </p:txBody>
       </p:sp>
+      <p:pic>
+        <p:nvPicPr>
+          <p:cNvPr id="166" name="Google Shape;166;p29"/>
+          <p:cNvPicPr preferRelativeResize="0"/>
+          <p:nvPr/>
+        </p:nvPicPr>
+        <p:blipFill>
+          <a:blip r:embed="rId5">
+            <a:alphaModFix/>
+          </a:blip>
+          <a:stretch>
+            <a:fillRect/>
+          </a:stretch>
+        </p:blipFill>
+        <p:spPr>
+          <a:xfrm>
+            <a:off x="5190676" y="1678375"/>
+            <a:ext cx="3454599" cy="2890375"/>
+          </a:xfrm>
+          <a:prstGeom prst="rect">
+            <a:avLst/>
+          </a:prstGeom>
+          <a:noFill/>
+          <a:ln>
+            <a:noFill/>
+          </a:ln>
+        </p:spPr>
+      </p:pic>
     </p:spTree>
   </p:cSld>
   <p:clrMapOvr>
@@ -11393,7 +12042,7 @@
   <p:cSld>
     <p:spTree>
       <p:nvGrpSpPr>
-        <p:cNvPr id="169" name="Shape 169"/>
+        <p:cNvPr id="170" name="Shape 170"/>
         <p:cNvGrpSpPr/>
         <p:nvPr/>
       </p:nvGrpSpPr>
@@ -11407,7 +12056,7 @@
       </p:grpSpPr>
       <p:sp>
         <p:nvSpPr>
-          <p:cNvPr id="170" name="Google Shape;170;p30"/>
+          <p:cNvPr id="171" name="Google Shape;171;p30"/>
           <p:cNvSpPr txBox="1"/>
           <p:nvPr>
             <p:ph type="title"/>
@@ -11415,33 +12064,139 @@
         </p:nvSpPr>
         <p:spPr>
           <a:xfrm>
-            <a:off x="311700" y="2150850"/>
-            <a:ext cx="8520600" cy="841800"/>
+            <a:off x="311700" y="254100"/>
+            <a:ext cx="8520600" cy="572700"/>
           </a:xfrm>
           <a:prstGeom prst="rect">
             <a:avLst/>
           </a:prstGeom>
         </p:spPr>
         <p:txBody>
-          <a:bodyPr anchorCtr="0" anchor="ctr" bIns="91425" lIns="91425" spcFirstLastPara="1" rIns="91425" wrap="square" tIns="91425">
+          <a:bodyPr anchorCtr="0" anchor="t" bIns="91425" lIns="91425" spcFirstLastPara="1" rIns="91425" wrap="square" tIns="91425">
+            <a:noAutofit/>
+          </a:bodyPr>
+          <a:lstStyle/>
+          <a:p>
+            <a:pPr indent="0" lvl="0" marL="0" rtl="0" algn="l">
+              <a:spcBef>
+                <a:spcPts val="0"/>
+              </a:spcBef>
+              <a:spcAft>
+                <a:spcPts val="0"/>
+              </a:spcAft>
+              <a:buNone/>
+            </a:pPr>
+            <a:r>
+              <a:rPr lang="en" sz="1820"/>
+              <a:t>On the Effectiveness of Vision Transformers for Zero-shot Face Anti-Spoofing</a:t>
+            </a:r>
+            <a:endParaRPr sz="1820"/>
+          </a:p>
+        </p:txBody>
+      </p:sp>
+      <p:sp>
+        <p:nvSpPr>
+          <p:cNvPr id="172" name="Google Shape;172;p30"/>
+          <p:cNvSpPr txBox="1"/>
+          <p:nvPr>
+            <p:ph idx="1" type="body"/>
+          </p:nvPr>
+        </p:nvSpPr>
+        <p:spPr>
+          <a:xfrm>
+            <a:off x="311700" y="914150"/>
+            <a:ext cx="8520600" cy="3654600"/>
+          </a:xfrm>
+          <a:prstGeom prst="rect">
+            <a:avLst/>
+          </a:prstGeom>
+        </p:spPr>
+        <p:txBody>
+          <a:bodyPr anchorCtr="0" anchor="t" bIns="91425" lIns="91425" spcFirstLastPara="1" rIns="91425" wrap="square" tIns="91425">
             <a:normAutofit/>
           </a:bodyPr>
           <a:lstStyle/>
           <a:p>
-            <a:pPr indent="0" lvl="0" marL="0" rtl="0" algn="ctr">
-              <a:spcBef>
-                <a:spcPts val="0"/>
-              </a:spcBef>
-              <a:spcAft>
-                <a:spcPts val="0"/>
-              </a:spcAft>
-              <a:buNone/>
-            </a:pPr>
-            <a:r>
-              <a:rPr lang="en"/>
-              <a:t>Dataset</a:t>
-            </a:r>
-            <a:endParaRPr/>
+            <a:pPr indent="-336550" lvl="0" marL="457200" rtl="0" algn="l">
+              <a:spcBef>
+                <a:spcPts val="0"/>
+              </a:spcBef>
+              <a:spcAft>
+                <a:spcPts val="0"/>
+              </a:spcAft>
+              <a:buSzPts val="1700"/>
+              <a:buChar char="●"/>
+            </a:pPr>
+            <a:r>
+              <a:rPr lang="en" sz="1700"/>
+              <a:t>For training, the pre-trained vision transformer model is taken and the final classification head is removed. </a:t>
+            </a:r>
+            <a:endParaRPr sz="1700"/>
+          </a:p>
+          <a:p>
+            <a:pPr indent="-336550" lvl="0" marL="457200" rtl="0" algn="l">
+              <a:spcBef>
+                <a:spcPts val="0"/>
+              </a:spcBef>
+              <a:spcAft>
+                <a:spcPts val="0"/>
+              </a:spcAft>
+              <a:buSzPts val="1700"/>
+              <a:buChar char="●"/>
+            </a:pPr>
+            <a:r>
+              <a:rPr lang="en" sz="1700"/>
+              <a:t>A new fully connected layer is added on top of the embedding followed by a sigmoid layer and trained with BCE loss.</a:t>
+            </a:r>
+            <a:endParaRPr sz="1700"/>
+          </a:p>
+          <a:p>
+            <a:pPr indent="-336550" lvl="0" marL="457200" rtl="0" algn="l">
+              <a:spcBef>
+                <a:spcPts val="0"/>
+              </a:spcBef>
+              <a:spcAft>
+                <a:spcPts val="0"/>
+              </a:spcAft>
+              <a:buSzPts val="1700"/>
+              <a:buChar char="●"/>
+            </a:pPr>
+            <a:r>
+              <a:rPr lang="en" sz="1700"/>
+              <a:t>“Adapting only the FC layer achieves the best results.”</a:t>
+            </a:r>
+            <a:endParaRPr sz="1700"/>
+          </a:p>
+          <a:p>
+            <a:pPr indent="0" lvl="0" marL="0" rtl="0" algn="l">
+              <a:spcBef>
+                <a:spcPts val="1200"/>
+              </a:spcBef>
+              <a:spcAft>
+                <a:spcPts val="0"/>
+              </a:spcAft>
+              <a:buNone/>
+            </a:pPr>
+            <a:r>
+              <a:rPr lang="en" sz="1700"/>
+              <a:t>Self-attention as opposed to convolutions helps to attend to all pairwise interactions in the lower layers.</a:t>
+            </a:r>
+            <a:endParaRPr sz="1700"/>
+          </a:p>
+          <a:p>
+            <a:pPr indent="0" lvl="0" marL="0" rtl="0" algn="l">
+              <a:spcBef>
+                <a:spcPts val="1200"/>
+              </a:spcBef>
+              <a:spcAft>
+                <a:spcPts val="1200"/>
+              </a:spcAft>
+              <a:buNone/>
+            </a:pPr>
+            <a:r>
+              <a:t/>
+            </a:r>
+            <a:endParaRPr sz="1700"/>
           </a:p>
         </p:txBody>
       </p:sp>
@@ -11458,7 +12213,7 @@
   <p:cSld>
     <p:spTree>
       <p:nvGrpSpPr>
-        <p:cNvPr id="174" name="Shape 174"/>
+        <p:cNvPr id="176" name="Shape 176"/>
         <p:cNvGrpSpPr/>
         <p:nvPr/>
       </p:nvGrpSpPr>
@@ -11472,7 +12227,7 @@
       </p:grpSpPr>
       <p:sp>
         <p:nvSpPr>
-          <p:cNvPr id="175" name="Google Shape;175;p31"/>
+          <p:cNvPr id="177" name="Google Shape;177;p31"/>
           <p:cNvSpPr txBox="1"/>
           <p:nvPr>
             <p:ph type="title"/>
@@ -11480,185 +12235,36 @@
         </p:nvSpPr>
         <p:spPr>
           <a:xfrm>
-            <a:off x="311700" y="254100"/>
-            <a:ext cx="8520600" cy="572700"/>
+            <a:off x="311700" y="2150850"/>
+            <a:ext cx="8520600" cy="841800"/>
           </a:xfrm>
           <a:prstGeom prst="rect">
             <a:avLst/>
           </a:prstGeom>
         </p:spPr>
         <p:txBody>
-          <a:bodyPr anchorCtr="0" anchor="t" bIns="91425" lIns="91425" spcFirstLastPara="1" rIns="91425" wrap="square" tIns="91425">
-            <a:noAutofit/>
-          </a:bodyPr>
-          <a:lstStyle/>
-          <a:p>
-            <a:pPr indent="0" lvl="0" marL="0" rtl="0" algn="l">
-              <a:spcBef>
-                <a:spcPts val="0"/>
-              </a:spcBef>
-              <a:spcAft>
-                <a:spcPts val="0"/>
-              </a:spcAft>
-              <a:buNone/>
-            </a:pPr>
-            <a:r>
-              <a:rPr lang="en" sz="1820"/>
-              <a:t>OULU-NPU dataset and preprocessing</a:t>
-            </a:r>
-            <a:endParaRPr sz="1820"/>
-          </a:p>
-        </p:txBody>
-      </p:sp>
-      <p:sp>
-        <p:nvSpPr>
-          <p:cNvPr id="176" name="Google Shape;176;p31"/>
-          <p:cNvSpPr txBox="1"/>
-          <p:nvPr>
-            <p:ph idx="1" type="body"/>
-          </p:nvPr>
-        </p:nvSpPr>
-        <p:spPr>
-          <a:xfrm>
-            <a:off x="311700" y="914150"/>
-            <a:ext cx="8520600" cy="3654600"/>
-          </a:xfrm>
-          <a:prstGeom prst="rect">
-            <a:avLst/>
-          </a:prstGeom>
-        </p:spPr>
-        <p:txBody>
-          <a:bodyPr anchorCtr="0" anchor="t" bIns="91425" lIns="91425" spcFirstLastPara="1" rIns="91425" wrap="square" tIns="91425">
+          <a:bodyPr anchorCtr="0" anchor="ctr" bIns="91425" lIns="91425" spcFirstLastPara="1" rIns="91425" wrap="square" tIns="91425">
             <a:normAutofit/>
           </a:bodyPr>
           <a:lstStyle/>
           <a:p>
-            <a:pPr indent="0" lvl="0" marL="0" rtl="0" algn="l">
-              <a:spcBef>
-                <a:spcPts val="0"/>
-              </a:spcBef>
-              <a:spcAft>
-                <a:spcPts val="0"/>
-              </a:spcAft>
-              <a:buNone/>
-            </a:pPr>
-            <a:r>
-              <a:rPr lang="en" sz="1700"/>
-              <a:t>A mobile face presentation attack database with real-world variations</a:t>
-            </a:r>
-            <a:endParaRPr sz="1700"/>
-          </a:p>
-          <a:p>
-            <a:pPr indent="-336550" lvl="0" marL="457200" rtl="0" algn="l">
-              <a:spcBef>
-                <a:spcPts val="1200"/>
-              </a:spcBef>
-              <a:spcAft>
-                <a:spcPts val="0"/>
-              </a:spcAft>
-              <a:buSzPts val="1700"/>
-              <a:buChar char="●"/>
-            </a:pPr>
-            <a:r>
-              <a:rPr lang="en" sz="1700"/>
-              <a:t>4950 real access and attack videos that were </a:t>
-            </a:r>
-            <a:endParaRPr sz="1700"/>
-          </a:p>
-          <a:p>
-            <a:pPr indent="-336550" lvl="0" marL="457200" rtl="0" algn="l">
-              <a:spcBef>
-                <a:spcPts val="0"/>
-              </a:spcBef>
-              <a:spcAft>
-                <a:spcPts val="0"/>
-              </a:spcAft>
-              <a:buSzPts val="1700"/>
-              <a:buChar char="●"/>
-            </a:pPr>
-            <a:r>
-              <a:rPr lang="en" sz="1700"/>
-              <a:t>recorded using front facing cameras of six different smartphones</a:t>
-            </a:r>
-            <a:endParaRPr sz="1700"/>
-          </a:p>
-          <a:p>
-            <a:pPr indent="-336550" lvl="0" marL="457200" rtl="0" algn="l">
-              <a:spcBef>
-                <a:spcPts val="0"/>
-              </a:spcBef>
-              <a:spcAft>
-                <a:spcPts val="0"/>
-              </a:spcAft>
-              <a:buSzPts val="1700"/>
-              <a:buChar char="●"/>
-            </a:pPr>
-            <a:r>
-              <a:rPr lang="en" sz="1700"/>
-              <a:t>video length was limited to five seconds</a:t>
-            </a:r>
-            <a:endParaRPr sz="1700"/>
-          </a:p>
-          <a:p>
-            <a:pPr indent="0" lvl="0" marL="0" rtl="0" algn="l">
-              <a:spcBef>
-                <a:spcPts val="1200"/>
-              </a:spcBef>
-              <a:spcAft>
-                <a:spcPts val="0"/>
-              </a:spcAft>
-              <a:buNone/>
-            </a:pPr>
-            <a:r>
-              <a:t/>
-            </a:r>
-            <a:endParaRPr sz="1700"/>
-          </a:p>
-          <a:p>
-            <a:pPr indent="0" lvl="0" marL="0" rtl="0" algn="l">
-              <a:spcBef>
-                <a:spcPts val="1200"/>
-              </a:spcBef>
-              <a:spcAft>
-                <a:spcPts val="1200"/>
-              </a:spcAft>
-              <a:buNone/>
-            </a:pPr>
-            <a:r>
-              <a:t/>
-            </a:r>
-            <a:endParaRPr sz="1700"/>
+            <a:pPr indent="0" lvl="0" marL="0" rtl="0" algn="ctr">
+              <a:spcBef>
+                <a:spcPts val="0"/>
+              </a:spcBef>
+              <a:spcAft>
+                <a:spcPts val="0"/>
+              </a:spcAft>
+              <a:buNone/>
+            </a:pPr>
+            <a:r>
+              <a:rPr lang="en"/>
+              <a:t>Dataset</a:t>
+            </a:r>
+            <a:endParaRPr/>
           </a:p>
         </p:txBody>
       </p:sp>
-      <p:pic>
-        <p:nvPicPr>
-          <p:cNvPr id="177" name="Google Shape;177;p31"/>
-          <p:cNvPicPr preferRelativeResize="0"/>
-          <p:nvPr/>
-        </p:nvPicPr>
-        <p:blipFill>
-          <a:blip r:embed="rId3">
-            <a:alphaModFix/>
-          </a:blip>
-          <a:stretch>
-            <a:fillRect/>
-          </a:stretch>
-        </p:blipFill>
-        <p:spPr>
-          <a:xfrm>
-            <a:off x="1100125" y="2443550"/>
-            <a:ext cx="6943725" cy="1866900"/>
-          </a:xfrm>
-          <a:prstGeom prst="rect">
-            <a:avLst/>
-          </a:prstGeom>
-          <a:noFill/>
-          <a:ln>
-            <a:noFill/>
-          </a:ln>
-        </p:spPr>
-      </p:pic>
     </p:spTree>
   </p:cSld>
   <p:clrMapOvr>
@@ -11811,7 +12417,7 @@
         <p:spPr>
           <a:xfrm>
             <a:off x="311700" y="914150"/>
-            <a:ext cx="8520600" cy="3654600"/>
+            <a:ext cx="8520600" cy="4087800"/>
           </a:xfrm>
           <a:prstGeom prst="rect">
             <a:avLst/>
@@ -11819,7 +12425,7 @@
         </p:spPr>
         <p:txBody>
           <a:bodyPr anchorCtr="0" anchor="t" bIns="91425" lIns="91425" spcFirstLastPara="1" rIns="91425" wrap="square" tIns="91425">
-            <a:normAutofit/>
+            <a:normAutofit lnSpcReduction="10000"/>
           </a:bodyPr>
           <a:lstStyle/>
           <a:p>
@@ -11834,27 +12440,62 @@
             </a:pPr>
             <a:r>
               <a:rPr lang="en" sz="1700"/>
-              <a:t>In addition to the video files, the eye locations for each video is also given as text files</a:t>
+              <a:t>A mobile face presentation attack database with real-world variations</a:t>
             </a:r>
             <a:endParaRPr sz="1700"/>
           </a:p>
           <a:p>
-            <a:pPr indent="0" lvl="0" marL="0" rtl="0" algn="l">
+            <a:pPr indent="-336550" lvl="0" marL="457200" rtl="0" algn="l">
               <a:spcBef>
                 <a:spcPts val="1200"/>
               </a:spcBef>
               <a:spcAft>
                 <a:spcPts val="0"/>
               </a:spcAft>
-              <a:buNone/>
+              <a:buSzPts val="1700"/>
+              <a:buChar char="●"/>
             </a:pPr>
             <a:r>
               <a:rPr lang="en" sz="1700"/>
-              <a:t>num_frame, x_eye_left, y_eye_left, x_eye_right, y_eye_right</a:t>
+              <a:t>4950 real access and attack videos that were </a:t>
             </a:r>
             <a:endParaRPr sz="1700"/>
           </a:p>
           <a:p>
+            <a:pPr indent="-336550" lvl="0" marL="457200" rtl="0" algn="l">
+              <a:spcBef>
+                <a:spcPts val="0"/>
+              </a:spcBef>
+              <a:spcAft>
+                <a:spcPts val="0"/>
+              </a:spcAft>
+              <a:buSzPts val="1700"/>
+              <a:buChar char="●"/>
+            </a:pPr>
+            <a:r>
+              <a:rPr lang="en" sz="1700"/>
+              <a:t>recorded using front facing cameras of six different smartphones</a:t>
+            </a:r>
+            <a:endParaRPr sz="1700"/>
+          </a:p>
+          <a:p>
+            <a:pPr indent="-336550" lvl="0" marL="457200" rtl="0" algn="l">
+              <a:spcBef>
+                <a:spcPts val="0"/>
+              </a:spcBef>
+              <a:spcAft>
+                <a:spcPts val="0"/>
+              </a:spcAft>
+              <a:buSzPts val="1700"/>
+              <a:buChar char="●"/>
+            </a:pPr>
+            <a:r>
+              <a:rPr lang="en" sz="1700"/>
+              <a:t>video length was limited to five seconds</a:t>
+            </a:r>
+            <a:endParaRPr sz="1700"/>
+          </a:p>
+          <a:p>
             <a:pPr indent="0" lvl="0" marL="0" rtl="0" algn="l">
               <a:spcBef>
                 <a:spcPts val="1200"/>
@@ -11920,12 +12561,41 @@
                 <a:spcPts val="1200"/>
               </a:spcBef>
               <a:spcAft>
+                <a:spcPts val="0"/>
+              </a:spcAft>
+              <a:buNone/>
+            </a:pPr>
+            <a:r>
+              <a:t/>
+            </a:r>
+            <a:endParaRPr sz="1700"/>
+          </a:p>
+          <a:p>
+            <a:pPr indent="0" lvl="0" marL="0" rtl="0" algn="l">
+              <a:spcBef>
                 <a:spcPts val="1200"/>
-              </a:spcAft>
-              <a:buNone/>
-            </a:pPr>
-            <a:r>
-              <a:t/>
+              </a:spcBef>
+              <a:spcAft>
+                <a:spcPts val="1200"/>
+              </a:spcAft>
+              <a:buNone/>
+            </a:pPr>
+            <a:r>
+              <a:rPr lang="en" sz="1700"/>
+              <a:t>Dataset Link: </a:t>
+            </a:r>
+            <a:r>
+              <a:rPr lang="en" sz="1700" u="sng">
+                <a:solidFill>
+                  <a:schemeClr val="hlink"/>
+                </a:solidFill>
+                <a:hlinkClick r:id="rId3"/>
+              </a:rPr>
+              <a:t>https://sites.google.com/site/oulunpudatabase/</a:t>
+            </a:r>
+            <a:r>
+              <a:rPr lang="en" sz="1700"/>
+              <a:t> </a:t>
             </a:r>
             <a:endParaRPr sz="1700"/>
           </a:p>
@@ -11938,7 +12608,7 @@
           <p:nvPr/>
         </p:nvPicPr>
         <p:blipFill>
-          <a:blip r:embed="rId3">
+          <a:blip r:embed="rId4">
             <a:alphaModFix/>
           </a:blip>
           <a:stretch>
@@ -11947,8 +12617,8 @@
         </p:blipFill>
         <p:spPr>
           <a:xfrm>
-            <a:off x="405412" y="2027299"/>
-            <a:ext cx="8333174" cy="1544975"/>
+            <a:off x="1100125" y="2443550"/>
+            <a:ext cx="6943725" cy="1866900"/>
           </a:xfrm>
           <a:prstGeom prst="rect">
             <a:avLst/>
@@ -12058,58 +12728,53 @@
             </a:pPr>
             <a:r>
               <a:rPr lang="en" sz="1700"/>
-              <a:t>For each subject we have 5 files</a:t>
+              <a:t>In addition to the video files, the eye locations for each video is also given as text files</a:t>
             </a:r>
             <a:endParaRPr sz="1700"/>
           </a:p>
           <a:p>
-            <a:pPr indent="-336550" lvl="0" marL="457200" rtl="0" algn="l">
+            <a:pPr indent="0" lvl="0" marL="0" rtl="0" algn="l">
               <a:spcBef>
                 <a:spcPts val="1200"/>
               </a:spcBef>
               <a:spcAft>
                 <a:spcPts val="0"/>
               </a:spcAft>
-              <a:buSzPts val="1700"/>
-              <a:buChar char="●"/>
+              <a:buNone/>
             </a:pPr>
             <a:r>
               <a:rPr lang="en" sz="1700"/>
-              <a:t>1 - real</a:t>
+              <a:t>num_frame, x_eye_left, y_eye_left, x_eye_right, y_eye_right</a:t>
             </a:r>
             <a:endParaRPr sz="1700"/>
           </a:p>
           <a:p>
-            <a:pPr indent="-336550" lvl="0" marL="457200" rtl="0" algn="l">
-              <a:spcBef>
-                <a:spcPts val="0"/>
-              </a:spcBef>
-              <a:spcAft>
-                <a:spcPts val="0"/>
-              </a:spcAft>
-              <a:buSzPts val="1700"/>
-              <a:buChar char="●"/>
-            </a:pPr>
-            <a:r>
-              <a:rPr lang="en" sz="1700"/>
-              <a:t>2,3 - print attacks (printed photo on a paper was fixed or hand-held)</a:t>
+            <a:pPr indent="0" lvl="0" marL="0" rtl="0" algn="l">
+              <a:spcBef>
+                <a:spcPts val="1200"/>
+              </a:spcBef>
+              <a:spcAft>
+                <a:spcPts val="0"/>
+              </a:spcAft>
+              <a:buNone/>
+            </a:pPr>
+            <a:r>
+              <a:t/>
             </a:r>
             <a:endParaRPr sz="1700"/>
           </a:p>
           <a:p>
-            <a:pPr indent="-336550" lvl="0" marL="457200" rtl="0" algn="l">
-              <a:spcBef>
-                <a:spcPts val="0"/>
-              </a:spcBef>
-              <a:spcAft>
-                <a:spcPts val="0"/>
-              </a:spcAft>
-              <a:buSzPts val="1700"/>
-              <a:buChar char="●"/>
-            </a:pPr>
-            <a:r>
-              <a:rPr lang="en" sz="1700"/>
-              <a:t>4,5 - replay attacks (a recording of the person in a device was fixed or hand-held)</a:t>
+            <a:pPr indent="0" lvl="0" marL="0" rtl="0" algn="l">
+              <a:spcBef>
+                <a:spcPts val="1200"/>
+              </a:spcBef>
+              <a:spcAft>
+                <a:spcPts val="0"/>
+              </a:spcAft>
+              <a:buNone/>
+            </a:pPr>
+            <a:r>
+              <a:t/>
             </a:r>
             <a:endParaRPr sz="1700"/>
           </a:p>
@@ -12119,7 +12784,22 @@
                 <a:spcPts val="1200"/>
               </a:spcBef>
               <a:spcAft>
+                <a:spcPts val="0"/>
+              </a:spcAft>
+              <a:buNone/>
+            </a:pPr>
+            <a:r>
+              <a:t/>
+            </a:r>
+            <a:endParaRPr sz="1700"/>
+          </a:p>
+          <a:p>
+            <a:pPr indent="0" lvl="0" marL="0" rtl="0" algn="l">
+              <a:spcBef>
                 <a:spcPts val="1200"/>
+              </a:spcBef>
+              <a:spcAft>
+                <a:spcPts val="0"/>
               </a:spcAft>
               <a:buNone/>
             </a:pPr>
@@ -12128,8 +12808,51 @@
             </a:r>
             <a:endParaRPr sz="1700"/>
           </a:p>
+          <a:p>
+            <a:pPr indent="0" lvl="0" marL="0" rtl="0" algn="l">
+              <a:spcBef>
+                <a:spcPts val="1200"/>
+              </a:spcBef>
+              <a:spcAft>
+                <a:spcPts val="1200"/>
+              </a:spcAft>
+              <a:buNone/>
+            </a:pPr>
+            <a:r>
+              <a:t/>
+            </a:r>
+            <a:endParaRPr sz="1700"/>
+          </a:p>
         </p:txBody>
       </p:sp>
+      <p:pic>
+        <p:nvPicPr>
+          <p:cNvPr id="191" name="Google Shape;191;p33"/>
+          <p:cNvPicPr preferRelativeResize="0"/>
+          <p:nvPr/>
+        </p:nvPicPr>
+        <p:blipFill>
+          <a:blip r:embed="rId3">
+            <a:alphaModFix/>
+          </a:blip>
+          <a:stretch>
+            <a:fillRect/>
+          </a:stretch>
+        </p:blipFill>
+        <p:spPr>
+          <a:xfrm>
+            <a:off x="405412" y="2027299"/>
+            <a:ext cx="8333174" cy="1544975"/>
+          </a:xfrm>
+          <a:prstGeom prst="rect">
+            <a:avLst/>
+          </a:prstGeom>
+          <a:noFill/>
+          <a:ln>
+            <a:noFill/>
+          </a:ln>
+        </p:spPr>
+      </p:pic>
     </p:spTree>
   </p:cSld>
   <p:clrMapOvr>
@@ -12143,7 +12866,7 @@
   <p:cSld>
     <p:spTree>
       <p:nvGrpSpPr>
-        <p:cNvPr id="194" name="Shape 194"/>
+        <p:cNvPr id="195" name="Shape 195"/>
         <p:cNvGrpSpPr/>
         <p:nvPr/>
       </p:nvGrpSpPr>
@@ -12157,7 +12880,7 @@
       </p:grpSpPr>
       <p:sp>
         <p:nvSpPr>
-          <p:cNvPr id="195" name="Google Shape;195;p34"/>
+          <p:cNvPr id="196" name="Google Shape;196;p34"/>
           <p:cNvSpPr txBox="1"/>
           <p:nvPr>
             <p:ph type="title"/>
@@ -12197,7 +12920,7 @@
       </p:sp>
       <p:sp>
         <p:nvSpPr>
-          <p:cNvPr id="196" name="Google Shape;196;p34"/>
+          <p:cNvPr id="197" name="Google Shape;197;p34"/>
           <p:cNvSpPr txBox="1"/>
           <p:nvPr>
             <p:ph idx="1" type="body"/>
@@ -12205,8 +12928,8 @@
         </p:nvSpPr>
         <p:spPr>
           <a:xfrm>
-            <a:off x="311700" y="734475"/>
-            <a:ext cx="8520600" cy="3834300"/>
+            <a:off x="311700" y="914150"/>
+            <a:ext cx="8520600" cy="3654600"/>
           </a:xfrm>
           <a:prstGeom prst="rect">
             <a:avLst/>
@@ -12229,17 +12952,68 @@
             </a:pPr>
             <a:r>
               <a:rPr lang="en" sz="1700"/>
-              <a:t>4 evaluation protocols, usually used in papers using this dataset</a:t>
+              <a:t>For each subject we have 5 files</a:t>
             </a:r>
             <a:endParaRPr sz="1700"/>
           </a:p>
           <a:p>
-            <a:pPr indent="0" lvl="0" marL="0" rtl="0" algn="l">
+            <a:pPr indent="-336550" lvl="0" marL="457200" rtl="0" algn="l">
               <a:spcBef>
                 <a:spcPts val="1200"/>
               </a:spcBef>
               <a:spcAft>
+                <a:spcPts val="0"/>
+              </a:spcAft>
+              <a:buSzPts val="1700"/>
+              <a:buChar char="●"/>
+            </a:pPr>
+            <a:r>
+              <a:rPr lang="en" sz="1700"/>
+              <a:t>1 - real</a:t>
+            </a:r>
+            <a:endParaRPr sz="1700"/>
+          </a:p>
+          <a:p>
+            <a:pPr indent="-336550" lvl="0" marL="457200" rtl="0" algn="l">
+              <a:spcBef>
+                <a:spcPts val="0"/>
+              </a:spcBef>
+              <a:spcAft>
+                <a:spcPts val="0"/>
+              </a:spcAft>
+              <a:buSzPts val="1700"/>
+              <a:buChar char="●"/>
+            </a:pPr>
+            <a:r>
+              <a:rPr lang="en" sz="1700"/>
+              <a:t>2,3 - print attacks (printed photo on a paper was fixed or hand-held)</a:t>
+            </a:r>
+            <a:endParaRPr sz="1700"/>
+          </a:p>
+          <a:p>
+            <a:pPr indent="-336550" lvl="0" marL="457200" rtl="0" algn="l">
+              <a:spcBef>
+                <a:spcPts val="0"/>
+              </a:spcBef>
+              <a:spcAft>
+                <a:spcPts val="0"/>
+              </a:spcAft>
+              <a:buSzPts val="1700"/>
+              <a:buChar char="●"/>
+            </a:pPr>
+            <a:r>
+              <a:rPr lang="en" sz="1700"/>
+              <a:t>4,5 - replay attacks (a recording of the person in a device was fixed or hand-held)</a:t>
+            </a:r>
+            <a:endParaRPr sz="1700"/>
+          </a:p>
+          <a:p>
+            <a:pPr indent="0" lvl="0" marL="0" rtl="0" algn="l">
+              <a:spcBef>
                 <a:spcPts val="1200"/>
+              </a:spcBef>
+              <a:spcAft>
+                <a:spcPts val="1200"/>
               </a:spcAft>
               <a:buNone/>
             </a:pPr>
@@ -12250,34 +13024,6 @@
           </a:p>
         </p:txBody>
       </p:sp>
-      <p:pic>
-        <p:nvPicPr>
-          <p:cNvPr id="197" name="Google Shape;197;p34"/>
-          <p:cNvPicPr preferRelativeResize="0"/>
-          <p:nvPr/>
-        </p:nvPicPr>
-        <p:blipFill>
-          <a:blip r:embed="rId3">
-            <a:alphaModFix/>
-          </a:blip>
-          <a:stretch>
-            <a:fillRect/>
-          </a:stretch>
-        </p:blipFill>
-        <p:spPr>
-          <a:xfrm>
-            <a:off x="953438" y="1179650"/>
-            <a:ext cx="7237126" cy="3478425"/>
-          </a:xfrm>
-          <a:prstGeom prst="rect">
-            <a:avLst/>
-          </a:prstGeom>
-          <a:noFill/>
-          <a:ln>
-            <a:noFill/>
-          </a:ln>
-        </p:spPr>
-      </p:pic>
     </p:spTree>
   </p:cSld>
   <p:clrMapOvr>
@@ -12353,8 +13099,8 @@
         </p:nvSpPr>
         <p:spPr>
           <a:xfrm>
-            <a:off x="311700" y="717500"/>
-            <a:ext cx="8520600" cy="3976500"/>
+            <a:off x="311700" y="734475"/>
+            <a:ext cx="8520600" cy="3834300"/>
           </a:xfrm>
           <a:prstGeom prst="rect">
             <a:avLst/>
@@ -12371,13 +13117,28 @@
                 <a:spcPts val="0"/>
               </a:spcBef>
               <a:spcAft>
+                <a:spcPts val="0"/>
+              </a:spcAft>
+              <a:buNone/>
+            </a:pPr>
+            <a:r>
+              <a:rPr lang="en" sz="1700"/>
+              <a:t>4 evaluation protocols, usually used in papers using this dataset</a:t>
+            </a:r>
+            <a:endParaRPr sz="1700"/>
+          </a:p>
+          <a:p>
+            <a:pPr indent="0" lvl="0" marL="0" rtl="0" algn="l">
+              <a:spcBef>
                 <a:spcPts val="1200"/>
-              </a:spcAft>
-              <a:buNone/>
-            </a:pPr>
-            <a:r>
-              <a:rPr lang="en" sz="1700"/>
-              <a:t>Example from dataset                                      What we finally need   </a:t>
+              </a:spcBef>
+              <a:spcAft>
+                <a:spcPts val="1200"/>
+              </a:spcAft>
+              <a:buNone/>
+            </a:pPr>
+            <a:r>
+              <a:t/>
             </a:r>
             <a:endParaRPr sz="1700"/>
           </a:p>
@@ -12399,8 +13160,8 @@
         </p:blipFill>
         <p:spPr>
           <a:xfrm>
-            <a:off x="538050" y="1054125"/>
-            <a:ext cx="2100700" cy="3514649"/>
+            <a:off x="953438" y="1179650"/>
+            <a:ext cx="7237126" cy="3478425"/>
           </a:xfrm>
           <a:prstGeom prst="rect">
             <a:avLst/>
@@ -12411,180 +13172,6 @@
           </a:ln>
         </p:spPr>
       </p:pic>
-      <p:pic>
-        <p:nvPicPr>
-          <p:cNvPr id="205" name="Google Shape;205;p35"/>
-          <p:cNvPicPr preferRelativeResize="0"/>
-          <p:nvPr/>
-        </p:nvPicPr>
-        <p:blipFill>
-          <a:blip r:embed="rId4">
-            <a:alphaModFix/>
-          </a:blip>
-          <a:stretch>
-            <a:fillRect/>
-          </a:stretch>
-        </p:blipFill>
-        <p:spPr>
-          <a:xfrm>
-            <a:off x="4171150" y="1735070"/>
-            <a:ext cx="4661149" cy="2373425"/>
-          </a:xfrm>
-          <a:prstGeom prst="rect">
-            <a:avLst/>
-          </a:prstGeom>
-          <a:noFill/>
-          <a:ln>
-            <a:noFill/>
-          </a:ln>
-        </p:spPr>
-      </p:pic>
-      <p:sp>
-        <p:nvSpPr>
-          <p:cNvPr id="206" name="Google Shape;206;p35"/>
-          <p:cNvSpPr/>
-          <p:nvPr/>
-        </p:nvSpPr>
-        <p:spPr>
-          <a:xfrm>
-            <a:off x="2746800" y="2651700"/>
-            <a:ext cx="1290300" cy="389100"/>
-          </a:xfrm>
-          <a:prstGeom prst="rightArrow">
-            <a:avLst>
-              <a:gd fmla="val 50000" name="adj1"/>
-              <a:gd fmla="val 50000" name="adj2"/>
-            </a:avLst>
-          </a:prstGeom>
-          <a:solidFill>
-            <a:schemeClr val="accent6"/>
-          </a:solidFill>
-          <a:ln cap="flat" cmpd="sng" w="9525">
-            <a:solidFill>
-              <a:schemeClr val="dk2"/>
-            </a:solidFill>
-            <a:prstDash val="solid"/>
-            <a:round/>
-            <a:headEnd len="sm" w="sm" type="none"/>
-            <a:tailEnd len="sm" w="sm" type="none"/>
-          </a:ln>
-        </p:spPr>
-        <p:txBody>
-          <a:bodyPr anchorCtr="0" anchor="ctr" bIns="91425" lIns="91425" spcFirstLastPara="1" rIns="91425" wrap="square" tIns="91425">
-            <a:noAutofit/>
-          </a:bodyPr>
-          <a:lstStyle/>
-          <a:p>
-            <a:pPr indent="0" lvl="0" marL="0" rtl="0" algn="ctr">
-              <a:spcBef>
-                <a:spcPts val="0"/>
-              </a:spcBef>
-              <a:spcAft>
-                <a:spcPts val="0"/>
-              </a:spcAft>
-              <a:buNone/>
-            </a:pPr>
-            <a:r>
-              <a:t/>
-            </a:r>
-            <a:endParaRPr/>
-          </a:p>
-        </p:txBody>
-      </p:sp>
-      <p:sp>
-        <p:nvSpPr>
-          <p:cNvPr id="207" name="Google Shape;207;p35"/>
-          <p:cNvSpPr/>
-          <p:nvPr/>
-        </p:nvSpPr>
-        <p:spPr>
-          <a:xfrm>
-            <a:off x="2846250" y="870025"/>
-            <a:ext cx="1091400" cy="128400"/>
-          </a:xfrm>
-          <a:prstGeom prst="rightArrow">
-            <a:avLst>
-              <a:gd fmla="val 50000" name="adj1"/>
-              <a:gd fmla="val 50000" name="adj2"/>
-            </a:avLst>
-          </a:prstGeom>
-          <a:solidFill>
-            <a:schemeClr val="accent2"/>
-          </a:solidFill>
-          <a:ln cap="flat" cmpd="sng" w="9525">
-            <a:solidFill>
-              <a:schemeClr val="dk2"/>
-            </a:solidFill>
-            <a:prstDash val="solid"/>
-            <a:round/>
-            <a:headEnd len="sm" w="sm" type="none"/>
-            <a:tailEnd len="sm" w="sm" type="none"/>
-          </a:ln>
-        </p:spPr>
-        <p:txBody>
-          <a:bodyPr anchorCtr="0" anchor="ctr" bIns="91425" lIns="91425" spcFirstLastPara="1" rIns="91425" wrap="square" tIns="91425">
-            <a:noAutofit/>
-          </a:bodyPr>
-          <a:lstStyle/>
-          <a:p>
-            <a:pPr indent="0" lvl="0" marL="0" rtl="0" algn="ctr">
-              <a:spcBef>
-                <a:spcPts val="0"/>
-              </a:spcBef>
-              <a:spcAft>
-                <a:spcPts val="0"/>
-              </a:spcAft>
-              <a:buNone/>
-            </a:pPr>
-            <a:r>
-              <a:t/>
-            </a:r>
-            <a:endParaRPr/>
-          </a:p>
-        </p:txBody>
-      </p:sp>
-      <p:sp>
-        <p:nvSpPr>
-          <p:cNvPr id="208" name="Google Shape;208;p35"/>
-          <p:cNvSpPr txBox="1"/>
-          <p:nvPr/>
-        </p:nvSpPr>
-        <p:spPr>
-          <a:xfrm>
-            <a:off x="912950" y="4568775"/>
-            <a:ext cx="1350900" cy="389100"/>
-          </a:xfrm>
-          <a:prstGeom prst="rect">
-            <a:avLst/>
-          </a:prstGeom>
-          <a:noFill/>
-          <a:ln>
-            <a:noFill/>
-          </a:ln>
-        </p:spPr>
-        <p:txBody>
-          <a:bodyPr anchorCtr="0" anchor="t" bIns="91425" lIns="91425" spcFirstLastPara="1" rIns="91425" wrap="square" tIns="91425">
-            <a:noAutofit/>
-          </a:bodyPr>
-          <a:lstStyle/>
-          <a:p>
-            <a:pPr indent="0" lvl="0" marL="0" rtl="0" algn="l">
-              <a:spcBef>
-                <a:spcPts val="0"/>
-              </a:spcBef>
-              <a:spcAft>
-                <a:spcPts val="0"/>
-              </a:spcAft>
-              <a:buNone/>
-            </a:pPr>
-            <a:r>
-              <a:rPr lang="en"/>
-              <a:t>1_1_01_1.avi</a:t>
-            </a:r>
-            <a:endParaRPr/>
-          </a:p>
-        </p:txBody>
-      </p:sp>
     </p:spTree>
   </p:cSld>
   <p:clrMapOvr>
@@ -12598,7 +13185,7 @@
   <p:cSld>
     <p:spTree>
       <p:nvGrpSpPr>
-        <p:cNvPr id="212" name="Shape 212"/>
+        <p:cNvPr id="208" name="Shape 208"/>
         <p:cNvGrpSpPr/>
         <p:nvPr/>
       </p:nvGrpSpPr>
@@ -12612,7 +13199,7 @@
       </p:grpSpPr>
       <p:sp>
         <p:nvSpPr>
-          <p:cNvPr id="213" name="Google Shape;213;p36"/>
+          <p:cNvPr id="209" name="Google Shape;209;p36"/>
           <p:cNvSpPr txBox="1"/>
           <p:nvPr>
             <p:ph type="title"/>
@@ -12652,7 +13239,7 @@
       </p:sp>
       <p:sp>
         <p:nvSpPr>
-          <p:cNvPr id="214" name="Google Shape;214;p36"/>
+          <p:cNvPr id="210" name="Google Shape;210;p36"/>
           <p:cNvSpPr txBox="1"/>
           <p:nvPr>
             <p:ph idx="1" type="body"/>
@@ -12660,8 +13247,8 @@
         </p:nvSpPr>
         <p:spPr>
           <a:xfrm>
-            <a:off x="311700" y="734475"/>
-            <a:ext cx="8520600" cy="3834300"/>
+            <a:off x="311700" y="717500"/>
+            <a:ext cx="8520600" cy="3976500"/>
           </a:xfrm>
           <a:prstGeom prst="rect">
             <a:avLst/>
@@ -12673,106 +13260,222 @@
           </a:bodyPr>
           <a:lstStyle/>
           <a:p>
-            <a:pPr indent="-336550" lvl="0" marL="457200" rtl="0" algn="l">
-              <a:spcBef>
-                <a:spcPts val="0"/>
-              </a:spcBef>
-              <a:spcAft>
-                <a:spcPts val="0"/>
-              </a:spcAft>
-              <a:buSzPts val="1700"/>
-              <a:buChar char="●"/>
+            <a:pPr indent="0" lvl="0" marL="0" rtl="0" algn="l">
+              <a:spcBef>
+                <a:spcPts val="0"/>
+              </a:spcBef>
+              <a:spcAft>
+                <a:spcPts val="1200"/>
+              </a:spcAft>
+              <a:buNone/>
             </a:pPr>
             <a:r>
               <a:rPr lang="en" sz="1700"/>
-              <a:t>Typically we use a fixed frame division rate (near to the video’s frame rate) to split the video files into images. </a:t>
+              <a:t>Example from dataset                                      What we finally need   </a:t>
             </a:r>
             <a:endParaRPr sz="1700"/>
           </a:p>
-          <a:p>
-            <a:pPr indent="-336550" lvl="0" marL="457200" rtl="0" algn="l">
-              <a:spcBef>
-                <a:spcPts val="0"/>
-              </a:spcBef>
-              <a:spcAft>
-                <a:spcPts val="0"/>
-              </a:spcAft>
-              <a:buSzPts val="1700"/>
-              <a:buChar char="●"/>
-            </a:pPr>
-            <a:r>
-              <a:rPr lang="en" sz="1700"/>
-              <a:t>But in this case we have txt files with eye coordinates for each frame of the video</a:t>
-            </a:r>
-            <a:endParaRPr sz="1700"/>
-          </a:p>
-          <a:p>
-            <a:pPr indent="-336550" lvl="0" marL="457200" rtl="0" algn="l">
-              <a:spcBef>
-                <a:spcPts val="0"/>
-              </a:spcBef>
-              <a:spcAft>
-                <a:spcPts val="0"/>
-              </a:spcAft>
-              <a:buSzPts val="1700"/>
-              <a:buChar char="●"/>
-            </a:pPr>
-            <a:r>
-              <a:rPr lang="en" sz="1700"/>
-              <a:t>So we can instead get the exact frames from the txt file (avoids duplicates)</a:t>
-            </a:r>
-            <a:endParaRPr sz="1700"/>
-          </a:p>
-          <a:p>
-            <a:pPr indent="-336550" lvl="0" marL="457200" rtl="0" algn="l">
-              <a:spcBef>
-                <a:spcPts val="0"/>
-              </a:spcBef>
-              <a:spcAft>
-                <a:spcPts val="0"/>
-              </a:spcAft>
-              <a:buSzPts val="1700"/>
-              <a:buChar char="●"/>
-            </a:pPr>
-            <a:r>
-              <a:rPr lang="en" sz="1700"/>
-              <a:t>We need to apply face detection algorithm on each image/frame </a:t>
-            </a:r>
-            <a:endParaRPr sz="1700"/>
-          </a:p>
-          <a:p>
-            <a:pPr indent="-336550" lvl="1" marL="800100" rtl="0" algn="l">
-              <a:spcBef>
-                <a:spcPts val="0"/>
-              </a:spcBef>
-              <a:spcAft>
-                <a:spcPts val="0"/>
-              </a:spcAft>
-              <a:buSzPts val="1700"/>
-              <a:buChar char="○"/>
-            </a:pPr>
-            <a:r>
-              <a:rPr lang="en" sz="1700"/>
-              <a:t>Because we don’t want pixel information from the surroundings to affect our training process.</a:t>
-            </a:r>
-            <a:endParaRPr sz="1700"/>
-          </a:p>
-          <a:p>
-            <a:pPr indent="-336550" lvl="1" marL="800100" rtl="0" algn="l">
-              <a:spcBef>
-                <a:spcPts val="0"/>
-              </a:spcBef>
-              <a:spcAft>
-                <a:spcPts val="0"/>
-              </a:spcAft>
-              <a:buSzPts val="1700"/>
-              <a:buChar char="○"/>
-            </a:pPr>
-            <a:r>
-              <a:rPr lang="en" sz="1700"/>
-              <a:t>Opencv’s Haar Cascade Classifier is used</a:t>
-            </a:r>
-            <a:endParaRPr sz="1700"/>
+        </p:txBody>
+      </p:sp>
+      <p:pic>
+        <p:nvPicPr>
+          <p:cNvPr id="211" name="Google Shape;211;p36"/>
+          <p:cNvPicPr preferRelativeResize="0"/>
+          <p:nvPr/>
+        </p:nvPicPr>
+        <p:blipFill>
+          <a:blip r:embed="rId3">
+            <a:alphaModFix/>
+          </a:blip>
+          <a:stretch>
+            <a:fillRect/>
+          </a:stretch>
+        </p:blipFill>
+        <p:spPr>
+          <a:xfrm>
+            <a:off x="538050" y="1054125"/>
+            <a:ext cx="2100700" cy="3514649"/>
+          </a:xfrm>
+          <a:prstGeom prst="rect">
+            <a:avLst/>
+          </a:prstGeom>
+          <a:noFill/>
+          <a:ln>
+            <a:noFill/>
+          </a:ln>
+        </p:spPr>
+      </p:pic>
+      <p:pic>
+        <p:nvPicPr>
+          <p:cNvPr id="212" name="Google Shape;212;p36"/>
+          <p:cNvPicPr preferRelativeResize="0"/>
+          <p:nvPr/>
+        </p:nvPicPr>
+        <p:blipFill>
+          <a:blip r:embed="rId4">
+            <a:alphaModFix/>
+          </a:blip>
+          <a:stretch>
+            <a:fillRect/>
+          </a:stretch>
+        </p:blipFill>
+        <p:spPr>
+          <a:xfrm>
+            <a:off x="4171150" y="1735070"/>
+            <a:ext cx="4661149" cy="2373425"/>
+          </a:xfrm>
+          <a:prstGeom prst="rect">
+            <a:avLst/>
+          </a:prstGeom>
+          <a:noFill/>
+          <a:ln>
+            <a:noFill/>
+          </a:ln>
+        </p:spPr>
+      </p:pic>
+      <p:sp>
+        <p:nvSpPr>
+          <p:cNvPr id="213" name="Google Shape;213;p36"/>
+          <p:cNvSpPr/>
+          <p:nvPr/>
+        </p:nvSpPr>
+        <p:spPr>
+          <a:xfrm>
+            <a:off x="2746800" y="2651700"/>
+            <a:ext cx="1290300" cy="389100"/>
+          </a:xfrm>
+          <a:prstGeom prst="rightArrow">
+            <a:avLst>
+              <a:gd fmla="val 50000" name="adj1"/>
+              <a:gd fmla="val 50000" name="adj2"/>
+            </a:avLst>
+          </a:prstGeom>
+          <a:solidFill>
+            <a:schemeClr val="accent6"/>
+          </a:solidFill>
+          <a:ln cap="flat" cmpd="sng" w="9525">
+            <a:solidFill>
+              <a:schemeClr val="dk2"/>
+            </a:solidFill>
+            <a:prstDash val="solid"/>
+            <a:round/>
+            <a:headEnd len="sm" w="sm" type="none"/>
+            <a:tailEnd len="sm" w="sm" type="none"/>
+          </a:ln>
+        </p:spPr>
+        <p:txBody>
+          <a:bodyPr anchorCtr="0" anchor="ctr" bIns="91425" lIns="91425" spcFirstLastPara="1" rIns="91425" wrap="square" tIns="91425">
+            <a:noAutofit/>
+          </a:bodyPr>
+          <a:lstStyle/>
+          <a:p>
+            <a:pPr indent="0" lvl="0" marL="0" rtl="0" algn="ctr">
+              <a:spcBef>
+                <a:spcPts val="0"/>
+              </a:spcBef>
+              <a:spcAft>
+                <a:spcPts val="0"/>
+              </a:spcAft>
+              <a:buNone/>
+            </a:pPr>
+            <a:r>
+              <a:t/>
+            </a:r>
+            <a:endParaRPr/>
+          </a:p>
+        </p:txBody>
+      </p:sp>
+      <p:sp>
+        <p:nvSpPr>
+          <p:cNvPr id="214" name="Google Shape;214;p36"/>
+          <p:cNvSpPr/>
+          <p:nvPr/>
+        </p:nvSpPr>
+        <p:spPr>
+          <a:xfrm>
+            <a:off x="2846250" y="870025"/>
+            <a:ext cx="1091400" cy="128400"/>
+          </a:xfrm>
+          <a:prstGeom prst="rightArrow">
+            <a:avLst>
+              <a:gd fmla="val 50000" name="adj1"/>
+              <a:gd fmla="val 50000" name="adj2"/>
+            </a:avLst>
+          </a:prstGeom>
+          <a:solidFill>
+            <a:schemeClr val="accent2"/>
+          </a:solidFill>
+          <a:ln cap="flat" cmpd="sng" w="9525">
+            <a:solidFill>
+              <a:schemeClr val="dk2"/>
+            </a:solidFill>
+            <a:prstDash val="solid"/>
+            <a:round/>
+            <a:headEnd len="sm" w="sm" type="none"/>
+            <a:tailEnd len="sm" w="sm" type="none"/>
+          </a:ln>
+        </p:spPr>
+        <p:txBody>
+          <a:bodyPr anchorCtr="0" anchor="ctr" bIns="91425" lIns="91425" spcFirstLastPara="1" rIns="91425" wrap="square" tIns="91425">
+            <a:noAutofit/>
+          </a:bodyPr>
+          <a:lstStyle/>
+          <a:p>
+            <a:pPr indent="0" lvl="0" marL="0" rtl="0" algn="ctr">
+              <a:spcBef>
+                <a:spcPts val="0"/>
+              </a:spcBef>
+              <a:spcAft>
+                <a:spcPts val="0"/>
+              </a:spcAft>
+              <a:buNone/>
+            </a:pPr>
+            <a:r>
+              <a:t/>
+            </a:r>
+            <a:endParaRPr/>
+          </a:p>
+        </p:txBody>
+      </p:sp>
+      <p:sp>
+        <p:nvSpPr>
+          <p:cNvPr id="215" name="Google Shape;215;p36"/>
+          <p:cNvSpPr txBox="1"/>
+          <p:nvPr/>
+        </p:nvSpPr>
+        <p:spPr>
+          <a:xfrm>
+            <a:off x="912950" y="4568775"/>
+            <a:ext cx="1350900" cy="389100"/>
+          </a:xfrm>
+          <a:prstGeom prst="rect">
+            <a:avLst/>
+          </a:prstGeom>
+          <a:noFill/>
+          <a:ln>
+            <a:noFill/>
+          </a:ln>
+        </p:spPr>
+        <p:txBody>
+          <a:bodyPr anchorCtr="0" anchor="t" bIns="91425" lIns="91425" spcFirstLastPara="1" rIns="91425" wrap="square" tIns="91425">
+            <a:noAutofit/>
+          </a:bodyPr>
+          <a:lstStyle/>
+          <a:p>
+            <a:pPr indent="0" lvl="0" marL="0" rtl="0" algn="l">
+              <a:spcBef>
+                <a:spcPts val="0"/>
+              </a:spcBef>
+              <a:spcAft>
+                <a:spcPts val="0"/>
+              </a:spcAft>
+              <a:buNone/>
+            </a:pPr>
+            <a:r>
+              <a:rPr lang="en"/>
+              <a:t>1_1_01_1.avi</a:t>
+            </a:r>
+            <a:endParaRPr/>
           </a:p>
         </p:txBody>
       </p:sp>
@@ -12789,7 +13492,7 @@
   <p:cSld>
     <p:spTree>
       <p:nvGrpSpPr>
-        <p:cNvPr id="218" name="Shape 218"/>
+        <p:cNvPr id="219" name="Shape 219"/>
         <p:cNvGrpSpPr/>
         <p:nvPr/>
       </p:nvGrpSpPr>
@@ -12803,7 +13506,7 @@
       </p:grpSpPr>
       <p:sp>
         <p:nvSpPr>
-          <p:cNvPr id="219" name="Google Shape;219;p37"/>
+          <p:cNvPr id="220" name="Google Shape;220;p37"/>
           <p:cNvSpPr txBox="1"/>
           <p:nvPr>
             <p:ph type="title"/>
@@ -12843,7 +13546,7 @@
       </p:sp>
       <p:sp>
         <p:nvSpPr>
-          <p:cNvPr id="220" name="Google Shape;220;p37"/>
+          <p:cNvPr id="221" name="Google Shape;221;p37"/>
           <p:cNvSpPr txBox="1"/>
           <p:nvPr>
             <p:ph idx="1" type="body"/>
@@ -12864,130 +13567,104 @@
           </a:bodyPr>
           <a:lstStyle/>
           <a:p>
-            <a:pPr indent="0" lvl="0" marL="0" rtl="0" algn="l">
-              <a:spcBef>
-                <a:spcPts val="0"/>
-              </a:spcBef>
-              <a:spcAft>
-                <a:spcPts val="0"/>
-              </a:spcAft>
-              <a:buNone/>
+            <a:pPr indent="-336550" lvl="0" marL="457200" rtl="0" algn="l">
+              <a:spcBef>
+                <a:spcPts val="0"/>
+              </a:spcBef>
+              <a:spcAft>
+                <a:spcPts val="0"/>
+              </a:spcAft>
+              <a:buSzPts val="1700"/>
+              <a:buChar char="●"/>
             </a:pPr>
             <a:r>
               <a:rPr lang="en" sz="1700"/>
-              <a:t>Options for face detection algorithms were (pretrained)</a:t>
+              <a:t>Typically we use a fixed frame division rate (near to the video’s frame rate) to split the video files into images. (number of frames in video ranging in ~500-1000)</a:t>
             </a:r>
             <a:endParaRPr sz="1700"/>
           </a:p>
           <a:p>
-            <a:pPr indent="0" lvl="0" marL="0" rtl="0" algn="l">
-              <a:spcBef>
-                <a:spcPts val="1200"/>
-              </a:spcBef>
-              <a:spcAft>
-                <a:spcPts val="0"/>
-              </a:spcAft>
-              <a:buNone/>
+            <a:pPr indent="-336550" lvl="0" marL="457200" rtl="0" algn="l">
+              <a:spcBef>
+                <a:spcPts val="0"/>
+              </a:spcBef>
+              <a:spcAft>
+                <a:spcPts val="0"/>
+              </a:spcAft>
+              <a:buSzPts val="1700"/>
+              <a:buChar char="●"/>
             </a:pPr>
             <a:r>
               <a:rPr lang="en" sz="1700"/>
-              <a:t>Haar Cascades, MTCNN, Dlib's Face Detector, SSD, YOLO, RetinaNet etc.</a:t>
+              <a:t>But in this case we have txt files with eye coordinates for each frame of the video</a:t>
             </a:r>
             <a:endParaRPr sz="1700"/>
           </a:p>
           <a:p>
-            <a:pPr indent="0" lvl="0" marL="0" rtl="0" algn="l">
-              <a:spcBef>
-                <a:spcPts val="1200"/>
-              </a:spcBef>
-              <a:spcAft>
-                <a:spcPts val="0"/>
-              </a:spcAft>
-              <a:buNone/>
+            <a:pPr indent="-336550" lvl="0" marL="457200" rtl="0" algn="l">
+              <a:spcBef>
+                <a:spcPts val="0"/>
+              </a:spcBef>
+              <a:spcAft>
+                <a:spcPts val="0"/>
+              </a:spcAft>
+              <a:buSzPts val="1700"/>
+              <a:buChar char="●"/>
             </a:pPr>
             <a:r>
               <a:rPr lang="en" sz="1700"/>
-              <a:t>Choosing the right model is a trade off between speed and accuracy.</a:t>
+              <a:t>So we can instead get the exact frames from the txt file (avoids duplicates)</a:t>
             </a:r>
             <a:endParaRPr sz="1700"/>
           </a:p>
           <a:p>
-            <a:pPr indent="0" lvl="0" marL="0" rtl="0" algn="l">
-              <a:spcBef>
-                <a:spcPts val="1200"/>
-              </a:spcBef>
-              <a:spcAft>
-                <a:spcPts val="0"/>
-              </a:spcAft>
-              <a:buNone/>
+            <a:pPr indent="-336550" lvl="0" marL="457200" rtl="0" algn="l">
+              <a:spcBef>
+                <a:spcPts val="0"/>
+              </a:spcBef>
+              <a:spcAft>
+                <a:spcPts val="0"/>
+              </a:spcAft>
+              <a:buSzPts val="1700"/>
+              <a:buChar char="●"/>
             </a:pPr>
             <a:r>
               <a:rPr lang="en" sz="1700"/>
-              <a:t>Haar cascades are generally considered one of the fastest methods for face detection.</a:t>
+              <a:t>We need to apply face detection algorithm on each image/frame </a:t>
             </a:r>
             <a:endParaRPr sz="1700"/>
           </a:p>
           <a:p>
-            <a:pPr indent="0" lvl="0" marL="0" rtl="0" algn="l">
-              <a:spcBef>
-                <a:spcPts val="1200"/>
-              </a:spcBef>
-              <a:spcAft>
-                <a:spcPts val="0"/>
-              </a:spcAft>
-              <a:buNone/>
+            <a:pPr indent="-336550" lvl="1" marL="800100" rtl="0" algn="l">
+              <a:spcBef>
+                <a:spcPts val="0"/>
+              </a:spcBef>
+              <a:spcAft>
+                <a:spcPts val="0"/>
+              </a:spcAft>
+              <a:buSzPts val="1700"/>
+              <a:buChar char="○"/>
             </a:pPr>
             <a:r>
               <a:rPr lang="en" sz="1700"/>
-              <a:t>While it may not be as accurate as MTCNN or SSD or YOLO it is fast</a:t>
+              <a:t>Because we don’t want pixel information from the surroundings to affect our training process.</a:t>
             </a:r>
             <a:endParaRPr sz="1700"/>
           </a:p>
           <a:p>
-            <a:pPr indent="0" lvl="0" marL="0" rtl="0" algn="l">
-              <a:spcBef>
-                <a:spcPts val="1200"/>
-              </a:spcBef>
-              <a:spcAft>
-                <a:spcPts val="0"/>
-              </a:spcAft>
-              <a:buNone/>
-            </a:pPr>
-            <a:r>
-              <a:rPr lang="en" sz="1600"/>
-              <a:t>Haar-like features are simple, rectangular filters used in the Haar cascade object detection </a:t>
-            </a:r>
-            <a:endParaRPr sz="1600"/>
-          </a:p>
-          <a:p>
-            <a:pPr indent="0" lvl="0" marL="0" rtl="0" algn="l">
-              <a:spcBef>
-                <a:spcPts val="1200"/>
-              </a:spcBef>
-              <a:spcAft>
-                <a:spcPts val="0"/>
-              </a:spcAft>
-              <a:buNone/>
+            <a:pPr indent="-336550" lvl="1" marL="800100" rtl="0" algn="l">
+              <a:spcBef>
+                <a:spcPts val="0"/>
+              </a:spcBef>
+              <a:spcAft>
+                <a:spcPts val="0"/>
+              </a:spcAft>
+              <a:buSzPts val="1700"/>
+              <a:buChar char="○"/>
             </a:pPr>
             <a:r>
               <a:rPr lang="en" sz="1700"/>
-              <a:t>Upon testing MTCNN although available through python’s MTCNN library is slow.</a:t>
-            </a:r>
-            <a:endParaRPr sz="1700"/>
-          </a:p>
-          <a:p>
-            <a:pPr indent="0" lvl="0" marL="0" rtl="0" algn="l">
-              <a:spcBef>
-                <a:spcPts val="1200"/>
-              </a:spcBef>
-              <a:spcAft>
-                <a:spcPts val="1200"/>
-              </a:spcAft>
-              <a:buNone/>
-            </a:pPr>
-            <a:r>
-              <a:rPr lang="en" sz="1700"/>
-              <a:t>Others are slightly time consuming to implement or slow.</a:t>
+              <a:t>Opencv’s Haar Cascade Classifier is used</a:t>
             </a:r>
             <a:endParaRPr sz="1700"/>
           </a:p>
@@ -13006,7 +13683,7 @@
   <p:cSld>
     <p:spTree>
       <p:nvGrpSpPr>
-        <p:cNvPr id="224" name="Shape 224"/>
+        <p:cNvPr id="225" name="Shape 225"/>
         <p:cNvGrpSpPr/>
         <p:nvPr/>
       </p:nvGrpSpPr>
@@ -13020,7 +13697,7 @@
       </p:grpSpPr>
       <p:sp>
         <p:nvSpPr>
-          <p:cNvPr id="225" name="Google Shape;225;p38"/>
+          <p:cNvPr id="226" name="Google Shape;226;p38"/>
           <p:cNvSpPr txBox="1"/>
           <p:nvPr>
             <p:ph type="title"/>
@@ -13060,7 +13737,7 @@
       </p:sp>
       <p:sp>
         <p:nvSpPr>
-          <p:cNvPr id="226" name="Google Shape;226;p38"/>
+          <p:cNvPr id="227" name="Google Shape;227;p38"/>
           <p:cNvSpPr txBox="1"/>
           <p:nvPr>
             <p:ph idx="1" type="body"/>
@@ -13069,7 +13746,7 @@
         <p:spPr>
           <a:xfrm>
             <a:off x="311700" y="734475"/>
-            <a:ext cx="8520600" cy="3834300"/>
+            <a:ext cx="8520600" cy="4177800"/>
           </a:xfrm>
           <a:prstGeom prst="rect">
             <a:avLst/>
@@ -13077,7 +13754,7 @@
         </p:spPr>
         <p:txBody>
           <a:bodyPr anchorCtr="0" anchor="t" bIns="91425" lIns="91425" spcFirstLastPara="1" rIns="91425" wrap="square" tIns="91425">
-            <a:normAutofit/>
+            <a:normAutofit lnSpcReduction="10000"/>
           </a:bodyPr>
           <a:lstStyle/>
           <a:p>
@@ -13092,7 +13769,7 @@
             </a:pPr>
             <a:r>
               <a:rPr lang="en" sz="1700"/>
-              <a:t>Haar Cascades was the best available option that could handle the processing in a short time for such a large dataset (OULU-NPU is around 95 Gb).</a:t>
+              <a:t>Options for face detection algorithms were (pretrained)</a:t>
             </a:r>
             <a:endParaRPr sz="1700"/>
           </a:p>
@@ -13102,90 +13779,140 @@
                 <a:spcPts val="1200"/>
               </a:spcBef>
               <a:spcAft>
+                <a:spcPts val="0"/>
+              </a:spcAft>
+              <a:buNone/>
+            </a:pPr>
+            <a:r>
+              <a:rPr lang="en" sz="1700"/>
+              <a:t>Haar Cascades, MTCNN</a:t>
+            </a:r>
+            <a:r>
+              <a:rPr lang="en" sz="1700"/>
+              <a:t>, Dlib's Face Detector</a:t>
+            </a:r>
+            <a:r>
+              <a:rPr lang="en" sz="1700"/>
+              <a:t>, YOLO, LBP, etc.</a:t>
+            </a:r>
+            <a:endParaRPr sz="1700"/>
+          </a:p>
+          <a:p>
+            <a:pPr indent="0" lvl="0" marL="0" rtl="0" algn="l">
+              <a:spcBef>
                 <a:spcPts val="1200"/>
+              </a:spcBef>
+              <a:spcAft>
+                <a:spcPts val="0"/>
               </a:spcAft>
               <a:buNone/>
             </a:pPr>
             <a:r>
               <a:rPr lang="en" sz="1700"/>
-              <a:t>But disadvantage was accuracy (Anomalies as shown below or no detections in image)											</a:t>
+              <a:t>Choosing the right model is a trade off between speed, accuracy and flexibility.</a:t>
             </a:r>
             <a:endParaRPr sz="1700"/>
           </a:p>
-        </p:txBody>
-      </p:sp>
-      <p:pic>
-        <p:nvPicPr>
-          <p:cNvPr id="227" name="Google Shape;227;p38"/>
-          <p:cNvPicPr preferRelativeResize="0"/>
-          <p:nvPr/>
-        </p:nvPicPr>
-        <p:blipFill>
-          <a:blip r:embed="rId3">
-            <a:alphaModFix/>
-          </a:blip>
-          <a:stretch>
-            <a:fillRect/>
-          </a:stretch>
-        </p:blipFill>
-        <p:spPr>
-          <a:xfrm>
-            <a:off x="1900225" y="1861325"/>
-            <a:ext cx="5343525" cy="2781300"/>
-          </a:xfrm>
-          <a:prstGeom prst="rect">
-            <a:avLst/>
-          </a:prstGeom>
-          <a:noFill/>
-          <a:ln>
-            <a:noFill/>
-          </a:ln>
-        </p:spPr>
-      </p:pic>
-      <p:sp>
-        <p:nvSpPr>
-          <p:cNvPr id="228" name="Google Shape;228;p38"/>
-          <p:cNvSpPr/>
-          <p:nvPr/>
-        </p:nvSpPr>
-        <p:spPr>
-          <a:xfrm>
-            <a:off x="5842025" y="2812075"/>
-            <a:ext cx="1179300" cy="876000"/>
-          </a:xfrm>
-          <a:prstGeom prst="ellipse">
-            <a:avLst/>
-          </a:prstGeom>
-          <a:noFill/>
-          <a:ln cap="flat" cmpd="sng" w="9525">
-            <a:solidFill>
-              <a:srgbClr val="FF0000"/>
-            </a:solidFill>
-            <a:prstDash val="solid"/>
-            <a:round/>
-            <a:headEnd len="sm" w="sm" type="none"/>
-            <a:tailEnd len="sm" w="sm" type="none"/>
-          </a:ln>
-        </p:spPr>
-        <p:txBody>
-          <a:bodyPr anchorCtr="0" anchor="ctr" bIns="91425" lIns="91425" spcFirstLastPara="1" rIns="91425" wrap="square" tIns="91425">
-            <a:noAutofit/>
-          </a:bodyPr>
-          <a:lstStyle/>
-          <a:p>
-            <a:pPr indent="0" lvl="0" marL="0" rtl="0" algn="ctr">
-              <a:spcBef>
-                <a:spcPts val="0"/>
-              </a:spcBef>
-              <a:spcAft>
-                <a:spcPts val="0"/>
-              </a:spcAft>
-              <a:buNone/>
-            </a:pPr>
-            <a:r>
-              <a:t/>
-            </a:r>
-            <a:endParaRPr/>
+          <a:p>
+            <a:pPr indent="0" lvl="0" marL="0" rtl="0" algn="l">
+              <a:spcBef>
+                <a:spcPts val="1200"/>
+              </a:spcBef>
+              <a:spcAft>
+                <a:spcPts val="0"/>
+              </a:spcAft>
+              <a:buNone/>
+            </a:pPr>
+            <a:r>
+              <a:rPr lang="en" sz="1700"/>
+              <a:t>Haar cascades are generally considered one of the fastest methods for face detection.</a:t>
+            </a:r>
+            <a:endParaRPr sz="1700"/>
+          </a:p>
+          <a:p>
+            <a:pPr indent="0" lvl="0" marL="0" rtl="0" algn="l">
+              <a:spcBef>
+                <a:spcPts val="1200"/>
+              </a:spcBef>
+              <a:spcAft>
+                <a:spcPts val="0"/>
+              </a:spcAft>
+              <a:buClr>
+                <a:schemeClr val="dk1"/>
+              </a:buClr>
+              <a:buSzPts val="1100"/>
+              <a:buFont typeface="Arial"/>
+              <a:buNone/>
+            </a:pPr>
+            <a:r>
+              <a:rPr lang="en" sz="1600"/>
+              <a:t>Haar-like features are simple, rectangular filters used in the Haar cascade object detection they are edge or line detection features used to make the face detections</a:t>
+            </a:r>
+            <a:endParaRPr sz="1700"/>
+          </a:p>
+          <a:p>
+            <a:pPr indent="0" lvl="0" marL="0" rtl="0" algn="l">
+              <a:spcBef>
+                <a:spcPts val="1200"/>
+              </a:spcBef>
+              <a:spcAft>
+                <a:spcPts val="0"/>
+              </a:spcAft>
+              <a:buNone/>
+            </a:pPr>
+            <a:r>
+              <a:rPr lang="en" sz="1700"/>
+              <a:t>While it may not be as accurate as MTCNN or YOLO it is much faster</a:t>
+            </a:r>
+            <a:endParaRPr sz="1600"/>
+          </a:p>
+          <a:p>
+            <a:pPr indent="0" lvl="0" marL="0" rtl="0" algn="l">
+              <a:spcBef>
+                <a:spcPts val="1200"/>
+              </a:spcBef>
+              <a:spcAft>
+                <a:spcPts val="0"/>
+              </a:spcAft>
+              <a:buNone/>
+            </a:pPr>
+            <a:r>
+              <a:rPr lang="en" sz="1700"/>
+              <a:t>Upon testing MTCNN although available through python’s MTCNN library is very slow.</a:t>
+            </a:r>
+            <a:endParaRPr sz="1700"/>
+          </a:p>
+          <a:p>
+            <a:pPr indent="0" lvl="0" marL="0" rtl="0" algn="l">
+              <a:spcBef>
+                <a:spcPts val="1200"/>
+              </a:spcBef>
+              <a:spcAft>
+                <a:spcPts val="0"/>
+              </a:spcAft>
+              <a:buNone/>
+            </a:pPr>
+            <a:r>
+              <a:rPr lang="en" sz="1700"/>
+              <a:t>Others are slightly time consuming to implement or slow.</a:t>
+            </a:r>
+            <a:endParaRPr sz="1700"/>
+          </a:p>
+          <a:p>
+            <a:pPr indent="0" lvl="0" marL="0" rtl="0" algn="l">
+              <a:spcBef>
+                <a:spcPts val="1200"/>
+              </a:spcBef>
+              <a:spcAft>
+                <a:spcPts val="1200"/>
+              </a:spcAft>
+              <a:buNone/>
+            </a:pPr>
+            <a:r>
+              <a:rPr lang="en" sz="1700"/>
+              <a:t>Haar cascades also captures more area than Dlib and is also more flexible.</a:t>
+            </a:r>
+            <a:endParaRPr sz="1700"/>
           </a:p>
         </p:txBody>
       </p:sp>
@@ -13202,7 +13929,7 @@
   <p:cSld>
     <p:spTree>
       <p:nvGrpSpPr>
-        <p:cNvPr id="232" name="Shape 232"/>
+        <p:cNvPr id="231" name="Shape 231"/>
         <p:cNvGrpSpPr/>
         <p:nvPr/>
       </p:nvGrpSpPr>
@@ -13216,7 +13943,7 @@
       </p:grpSpPr>
       <p:sp>
         <p:nvSpPr>
-          <p:cNvPr id="233" name="Google Shape;233;p39"/>
+          <p:cNvPr id="232" name="Google Shape;232;p39"/>
           <p:cNvSpPr txBox="1"/>
           <p:nvPr>
             <p:ph type="title"/>
@@ -13256,7 +13983,7 @@
       </p:sp>
       <p:sp>
         <p:nvSpPr>
-          <p:cNvPr id="234" name="Google Shape;234;p39"/>
+          <p:cNvPr id="233" name="Google Shape;233;p39"/>
           <p:cNvSpPr txBox="1"/>
           <p:nvPr>
             <p:ph idx="1" type="body"/>
@@ -13265,7 +13992,7 @@
         <p:spPr>
           <a:xfrm>
             <a:off x="311700" y="734475"/>
-            <a:ext cx="8520600" cy="3834300"/>
+            <a:ext cx="8520600" cy="4177800"/>
           </a:xfrm>
           <a:prstGeom prst="rect">
             <a:avLst/>
@@ -13273,7 +14000,7 @@
         </p:spPr>
         <p:txBody>
           <a:bodyPr anchorCtr="0" anchor="t" bIns="91425" lIns="91425" spcFirstLastPara="1" rIns="91425" wrap="square" tIns="91425">
-            <a:normAutofit lnSpcReduction="10000"/>
+            <a:normAutofit/>
           </a:bodyPr>
           <a:lstStyle/>
           <a:p>
@@ -13288,7 +14015,7 @@
             </a:pPr>
             <a:r>
               <a:rPr lang="en" sz="1700"/>
-              <a:t>We can use the eye coordinates in each frame to get an estimate of the face region.</a:t>
+              <a:t>Haar Cascades was the best available option that could handle the processing in a short time for such a large dataset (OULU-NPU is around 95 Gb) and flexible enough to test for the best hyperparameters and capture a large portion of the face.</a:t>
             </a:r>
             <a:endParaRPr sz="1700"/>
           </a:p>
@@ -13298,112 +14025,13 @@
                 <a:spcPts val="1200"/>
               </a:spcBef>
               <a:spcAft>
-                <a:spcPts val="0"/>
-              </a:spcAft>
-              <a:buNone/>
-            </a:pPr>
-            <a:r>
-              <a:t/>
-            </a:r>
-            <a:endParaRPr sz="1700"/>
-          </a:p>
-          <a:p>
-            <a:pPr indent="0" lvl="0" marL="0" rtl="0" algn="l">
-              <a:spcBef>
                 <a:spcPts val="1200"/>
-              </a:spcBef>
-              <a:spcAft>
-                <a:spcPts val="0"/>
-              </a:spcAft>
-              <a:buNone/>
-            </a:pPr>
-            <a:r>
-              <a:t/>
-            </a:r>
-            <a:endParaRPr sz="1700"/>
-          </a:p>
-          <a:p>
-            <a:pPr indent="0" lvl="0" marL="0" rtl="0" algn="l">
-              <a:spcBef>
-                <a:spcPts val="1200"/>
-              </a:spcBef>
-              <a:spcAft>
-                <a:spcPts val="0"/>
-              </a:spcAft>
-              <a:buNone/>
-            </a:pPr>
-            <a:r>
-              <a:t/>
-            </a:r>
-            <a:endParaRPr sz="1700"/>
-          </a:p>
-          <a:p>
-            <a:pPr indent="0" lvl="0" marL="0" rtl="0" algn="l">
-              <a:spcBef>
-                <a:spcPts val="1200"/>
-              </a:spcBef>
-              <a:spcAft>
-                <a:spcPts val="0"/>
-              </a:spcAft>
-              <a:buNone/>
-            </a:pPr>
-            <a:r>
-              <a:t/>
-            </a:r>
-            <a:endParaRPr sz="1700"/>
-          </a:p>
-          <a:p>
-            <a:pPr indent="0" lvl="0" marL="0" rtl="0" algn="l">
-              <a:spcBef>
-                <a:spcPts val="1200"/>
-              </a:spcBef>
-              <a:spcAft>
-                <a:spcPts val="0"/>
               </a:spcAft>
               <a:buNone/>
             </a:pPr>
             <a:r>
               <a:rPr lang="en" sz="1700"/>
-              <a:t>Through extensive testing we can get the right </a:t>
-            </a:r>
-            <a:r>
-              <a:rPr lang="en" sz="1700"/>
-              <a:t>hyperparameters</a:t>
-            </a:r>
-            <a:r>
-              <a:rPr lang="en" sz="1700"/>
-              <a:t> that give least number of anomalous detections / no detections.</a:t>
-            </a:r>
-            <a:endParaRPr sz="1700"/>
-          </a:p>
-          <a:p>
-            <a:pPr indent="0" lvl="0" marL="0" rtl="0" algn="l">
-              <a:spcBef>
-                <a:spcPts val="1200"/>
-              </a:spcBef>
-              <a:spcAft>
-                <a:spcPts val="0"/>
-              </a:spcAft>
-              <a:buNone/>
-            </a:pPr>
-            <a:r>
-              <a:t/>
-            </a:r>
-            <a:endParaRPr sz="1700"/>
-          </a:p>
-          <a:p>
-            <a:pPr indent="0" lvl="0" marL="0" rtl="0" algn="l">
-              <a:spcBef>
-                <a:spcPts val="1200"/>
-              </a:spcBef>
-              <a:spcAft>
-                <a:spcPts val="1200"/>
-              </a:spcAft>
-              <a:buNone/>
-            </a:pPr>
-            <a:r>
-              <a:rPr lang="en" sz="1700"/>
-              <a:t>								</a:t>
+              <a:t>But disadvantage was accuracy (Anomalies as shown below or no detections in image)											</a:t>
             </a:r>
             <a:endParaRPr sz="1700"/>
           </a:p>
@@ -13411,7 +14039,7 @@
       </p:sp>
       <p:pic>
         <p:nvPicPr>
-          <p:cNvPr id="235" name="Google Shape;235;p39"/>
+          <p:cNvPr id="234" name="Google Shape;234;p39"/>
           <p:cNvPicPr preferRelativeResize="0"/>
           <p:nvPr/>
         </p:nvPicPr>
@@ -13425,8 +14053,8 @@
         </p:blipFill>
         <p:spPr>
           <a:xfrm>
-            <a:off x="1447800" y="1514463"/>
-            <a:ext cx="6248400" cy="1057275"/>
+            <a:off x="1900238" y="2130975"/>
+            <a:ext cx="5343525" cy="2781300"/>
           </a:xfrm>
           <a:prstGeom prst="rect">
             <a:avLst/>
@@ -13437,6 +14065,53 @@
           </a:ln>
         </p:spPr>
       </p:pic>
+      <p:sp>
+        <p:nvSpPr>
+          <p:cNvPr id="235" name="Google Shape;235;p39"/>
+          <p:cNvSpPr/>
+          <p:nvPr/>
+        </p:nvSpPr>
+        <p:spPr>
+          <a:xfrm>
+            <a:off x="5842025" y="2812075"/>
+            <a:ext cx="1179300" cy="876000"/>
+          </a:xfrm>
+          <a:prstGeom prst="ellipse">
+            <a:avLst/>
+          </a:prstGeom>
+          <a:noFill/>
+          <a:ln cap="flat" cmpd="sng" w="9525">
+            <a:solidFill>
+              <a:srgbClr val="FF0000"/>
+            </a:solidFill>
+            <a:prstDash val="solid"/>
+            <a:round/>
+            <a:headEnd len="sm" w="sm" type="none"/>
+            <a:tailEnd len="sm" w="sm" type="none"/>
+          </a:ln>
+        </p:spPr>
+        <p:txBody>
+          <a:bodyPr anchorCtr="0" anchor="ctr" bIns="91425" lIns="91425" spcFirstLastPara="1" rIns="91425" wrap="square" tIns="91425">
+            <a:noAutofit/>
+          </a:bodyPr>
+          <a:lstStyle/>
+          <a:p>
+            <a:pPr indent="0" lvl="0" marL="0" rtl="0" algn="ctr">
+              <a:spcBef>
+                <a:spcPts val="0"/>
+              </a:spcBef>
+              <a:spcAft>
+                <a:spcPts val="0"/>
+              </a:spcAft>
+              <a:buNone/>
+            </a:pPr>
+            <a:r>
+              <a:t/>
+            </a:r>
+            <a:endParaRPr/>
+          </a:p>
+        </p:txBody>
+      </p:sp>
     </p:spTree>
   </p:cSld>
   <p:clrMapOvr>
@@ -13532,124 +14207,27 @@
               <a:spcAft>
                 <a:spcPts val="0"/>
               </a:spcAft>
-              <a:buClr>
-                <a:schemeClr val="dk1"/>
-              </a:buClr>
-              <a:buSzPts val="1100"/>
-              <a:buFont typeface="Arial"/>
               <a:buNone/>
             </a:pPr>
             <a:r>
               <a:rPr lang="en" sz="1700"/>
-              <a:t>Haar Cascades: </a:t>
+              <a:t>We can use the eye coordinates in each frame to get an estimate of the face region.</a:t>
             </a:r>
             <a:endParaRPr sz="1700"/>
           </a:p>
           <a:p>
             <a:pPr indent="0" lvl="0" marL="0" rtl="0" algn="l">
-              <a:lnSpc>
-                <a:spcPct val="110795"/>
-              </a:lnSpc>
               <a:spcBef>
                 <a:spcPts val="1200"/>
               </a:spcBef>
               <a:spcAft>
                 <a:spcPts val="0"/>
               </a:spcAft>
-              <a:buClr>
-                <a:schemeClr val="dk1"/>
-              </a:buClr>
-              <a:buSzPts val="1100"/>
-              <a:buFont typeface="Arial"/>
-              <a:buNone/>
-            </a:pPr>
-            <a:r>
-              <a:rPr lang="en" sz="1000">
-                <a:solidFill>
-                  <a:schemeClr val="accent2"/>
-                </a:solidFill>
-              </a:rPr>
-              <a:t>faces </a:t>
-            </a:r>
-            <a:r>
-              <a:rPr b="1" lang="en" sz="1000">
-                <a:solidFill>
-                  <a:schemeClr val="accent2"/>
-                </a:solidFill>
-              </a:rPr>
-              <a:t>=</a:t>
-            </a:r>
-            <a:r>
-              <a:rPr lang="en" sz="1000">
-                <a:solidFill>
-                  <a:schemeClr val="accent2"/>
-                </a:solidFill>
-              </a:rPr>
-              <a:t> face_cascade</a:t>
-            </a:r>
-            <a:r>
-              <a:rPr b="1" lang="en" sz="1000">
-                <a:solidFill>
-                  <a:schemeClr val="accent2"/>
-                </a:solidFill>
-              </a:rPr>
-              <a:t>.</a:t>
-            </a:r>
-            <a:r>
-              <a:rPr lang="en" sz="1000">
-                <a:solidFill>
-                  <a:schemeClr val="accent2"/>
-                </a:solidFill>
-              </a:rPr>
-              <a:t>detectMultiScale(gray_eyes, scale_factor, min_neighbors)</a:t>
-            </a:r>
-            <a:endParaRPr sz="1000">
-              <a:solidFill>
-                <a:schemeClr val="accent2"/>
-              </a:solidFill>
-            </a:endParaRPr>
-          </a:p>
-          <a:p>
-            <a:pPr indent="0" lvl="0" marL="0" rtl="0" algn="l">
-              <a:lnSpc>
-                <a:spcPct val="110795"/>
-              </a:lnSpc>
-              <a:spcBef>
-                <a:spcPts val="0"/>
-              </a:spcBef>
-              <a:spcAft>
-                <a:spcPts val="0"/>
-              </a:spcAft>
-              <a:buClr>
-                <a:schemeClr val="dk1"/>
-              </a:buClr>
-              <a:buSzPts val="1100"/>
-              <a:buFont typeface="Arial"/>
               <a:buNone/>
             </a:pPr>
             <a:r>
               <a:t/>
             </a:r>
-            <a:endParaRPr sz="1000">
-              <a:solidFill>
-                <a:schemeClr val="accent2"/>
-              </a:solidFill>
-            </a:endParaRPr>
-          </a:p>
-          <a:p>
-            <a:pPr indent="0" lvl="0" marL="0" rtl="0" algn="l">
-              <a:spcBef>
-                <a:spcPts val="0"/>
-              </a:spcBef>
-              <a:spcAft>
-                <a:spcPts val="0"/>
-              </a:spcAft>
-              <a:buNone/>
-            </a:pPr>
-            <a:r>
-              <a:rPr lang="en" sz="1700"/>
-              <a:t>scale_factor and min_neighbors are two hyperparameters important for making proper detections in a given frame. (used a customized setting for this as well)</a:t>
-            </a:r>
             <a:endParaRPr sz="1700"/>
           </a:p>
           <a:p>
@@ -13663,8 +14241,7 @@
               <a:buNone/>
             </a:pPr>
             <a:r>
-              <a:rPr lang="en" sz="1700"/>
-              <a:t>Scale_factor: parameter that compensates for objects appearing smaller the farther they are from the camera. When an image is processed at multiple scales, it helps in detecting objects of different sizes in the image</a:t>
+              <a:t/>
             </a:r>
             <a:endParaRPr sz="1700"/>
           </a:p>
@@ -13676,16 +14253,64 @@
               <a:spcAft>
                 <a:spcPts val="0"/>
               </a:spcAft>
-              <a:buClr>
-                <a:schemeClr val="dk1"/>
-              </a:buClr>
-              <a:buSzPts val="1100"/>
-              <a:buFont typeface="Arial"/>
-              <a:buNone/>
-            </a:pPr>
-            <a:r>
-              <a:rPr lang="en" sz="1700"/>
-              <a:t>Min_neighbors: parameter specifies how many neighbors (bounding boxes) a region needs to have in order to be considered a valid detection.</a:t>
+              <a:buNone/>
+            </a:pPr>
+            <a:r>
+              <a:t/>
+            </a:r>
+            <a:endParaRPr sz="1700"/>
+          </a:p>
+          <a:p>
+            <a:pPr indent="0" lvl="0" marL="0" rtl="0" algn="l">
+              <a:spcBef>
+                <a:spcPts val="1200"/>
+              </a:spcBef>
+              <a:spcAft>
+                <a:spcPts val="0"/>
+              </a:spcAft>
+              <a:buNone/>
+            </a:pPr>
+            <a:r>
+              <a:t/>
+            </a:r>
+            <a:endParaRPr sz="1700"/>
+          </a:p>
+          <a:p>
+            <a:pPr indent="0" lvl="0" marL="0" rtl="0" algn="l">
+              <a:spcBef>
+                <a:spcPts val="1200"/>
+              </a:spcBef>
+              <a:spcAft>
+                <a:spcPts val="0"/>
+              </a:spcAft>
+              <a:buNone/>
+            </a:pPr>
+            <a:r>
+              <a:rPr lang="en" sz="1300"/>
+              <a:t>Through extensive testing we can get the right </a:t>
+            </a:r>
+            <a:r>
+              <a:rPr lang="en" sz="1300"/>
+              <a:t>hyperparameters</a:t>
+            </a:r>
+            <a:r>
+              <a:rPr lang="en" sz="1300"/>
+              <a:t> that give least number of anomalous detections.</a:t>
+            </a:r>
+            <a:endParaRPr sz="1300"/>
+          </a:p>
+          <a:p>
+            <a:pPr indent="0" lvl="0" marL="0" rtl="0" algn="l">
+              <a:spcBef>
+                <a:spcPts val="1200"/>
+              </a:spcBef>
+              <a:spcAft>
+                <a:spcPts val="0"/>
+              </a:spcAft>
+              <a:buNone/>
+            </a:pPr>
+            <a:r>
+              <a:t/>
             </a:r>
             <a:endParaRPr sz="1700"/>
           </a:p>
@@ -13707,6 +14332,34 @@
           </a:p>
         </p:txBody>
       </p:sp>
+      <p:pic>
+        <p:nvPicPr>
+          <p:cNvPr id="242" name="Google Shape;242;p40"/>
+          <p:cNvPicPr preferRelativeResize="0"/>
+          <p:nvPr/>
+        </p:nvPicPr>
+        <p:blipFill>
+          <a:blip r:embed="rId3">
+            <a:alphaModFix/>
+          </a:blip>
+          <a:stretch>
+            <a:fillRect/>
+          </a:stretch>
+        </p:blipFill>
+        <p:spPr>
+          <a:xfrm>
+            <a:off x="1447800" y="1514463"/>
+            <a:ext cx="6248400" cy="1057275"/>
+          </a:xfrm>
+          <a:prstGeom prst="rect">
+            <a:avLst/>
+          </a:prstGeom>
+          <a:noFill/>
+          <a:ln>
+            <a:noFill/>
+          </a:ln>
+        </p:spPr>
+      </p:pic>
     </p:spTree>
   </p:cSld>
   <p:clrMapOvr>
@@ -13720,7 +14373,7 @@
   <p:cSld>
     <p:spTree>
       <p:nvGrpSpPr>
-        <p:cNvPr id="245" name="Shape 245"/>
+        <p:cNvPr id="246" name="Shape 246"/>
         <p:cNvGrpSpPr/>
         <p:nvPr/>
       </p:nvGrpSpPr>
@@ -13734,7 +14387,7 @@
       </p:grpSpPr>
       <p:sp>
         <p:nvSpPr>
-          <p:cNvPr id="246" name="Google Shape;246;p41"/>
+          <p:cNvPr id="247" name="Google Shape;247;p41"/>
           <p:cNvSpPr txBox="1"/>
           <p:nvPr>
             <p:ph type="title"/>
@@ -13774,7 +14427,7 @@
       </p:sp>
       <p:sp>
         <p:nvSpPr>
-          <p:cNvPr id="247" name="Google Shape;247;p41"/>
+          <p:cNvPr id="248" name="Google Shape;248;p41"/>
           <p:cNvSpPr txBox="1"/>
           <p:nvPr>
             <p:ph idx="1" type="body"/>
@@ -13791,7 +14444,7 @@
         </p:spPr>
         <p:txBody>
           <a:bodyPr anchorCtr="0" anchor="t" bIns="91425" lIns="91425" spcFirstLastPara="1" rIns="91425" wrap="square" tIns="91425">
-            <a:normAutofit/>
+            <a:normAutofit lnSpcReduction="10000"/>
           </a:bodyPr>
           <a:lstStyle/>
           <a:p>
@@ -13802,27 +14455,155 @@
               <a:spcAft>
                 <a:spcPts val="0"/>
               </a:spcAft>
+              <a:buClr>
+                <a:schemeClr val="dk1"/>
+              </a:buClr>
+              <a:buSzPts val="1100"/>
+              <a:buFont typeface="Arial"/>
               <a:buNone/>
             </a:pPr>
             <a:r>
               <a:rPr lang="en" sz="1700"/>
-              <a:t>The entire pre-processing gave:</a:t>
+              <a:t>Haar Cascades: </a:t>
             </a:r>
             <a:endParaRPr sz="1700"/>
           </a:p>
           <a:p>
             <a:pPr indent="0" lvl="0" marL="0" rtl="0" algn="l">
+              <a:lnSpc>
+                <a:spcPct val="110795"/>
+              </a:lnSpc>
               <a:spcBef>
                 <a:spcPts val="1200"/>
               </a:spcBef>
               <a:spcAft>
                 <a:spcPts val="0"/>
               </a:spcAft>
+              <a:buClr>
+                <a:schemeClr val="dk1"/>
+              </a:buClr>
+              <a:buSzPts val="1100"/>
+              <a:buFont typeface="Arial"/>
+              <a:buNone/>
+            </a:pPr>
+            <a:r>
+              <a:rPr lang="en" sz="1000">
+                <a:solidFill>
+                  <a:schemeClr val="accent2"/>
+                </a:solidFill>
+              </a:rPr>
+              <a:t>faces </a:t>
+            </a:r>
+            <a:r>
+              <a:rPr b="1" lang="en" sz="1000">
+                <a:solidFill>
+                  <a:schemeClr val="accent2"/>
+                </a:solidFill>
+              </a:rPr>
+              <a:t>=</a:t>
+            </a:r>
+            <a:r>
+              <a:rPr lang="en" sz="1000">
+                <a:solidFill>
+                  <a:schemeClr val="accent2"/>
+                </a:solidFill>
+              </a:rPr>
+              <a:t> face_cascade</a:t>
+            </a:r>
+            <a:r>
+              <a:rPr b="1" lang="en" sz="1000">
+                <a:solidFill>
+                  <a:schemeClr val="accent2"/>
+                </a:solidFill>
+              </a:rPr>
+              <a:t>.</a:t>
+            </a:r>
+            <a:r>
+              <a:rPr lang="en" sz="1000">
+                <a:solidFill>
+                  <a:schemeClr val="accent2"/>
+                </a:solidFill>
+              </a:rPr>
+              <a:t>detectMultiScale(gray_eyes, </a:t>
+            </a:r>
+            <a:r>
+              <a:rPr lang="en" sz="1000">
+                <a:solidFill>
+                  <a:srgbClr val="0000FF"/>
+                </a:solidFill>
+              </a:rPr>
+              <a:t>scale_factor</a:t>
+            </a:r>
+            <a:r>
+              <a:rPr lang="en" sz="1000">
+                <a:solidFill>
+                  <a:schemeClr val="accent2"/>
+                </a:solidFill>
+              </a:rPr>
+              <a:t>, </a:t>
+            </a:r>
+            <a:r>
+              <a:rPr lang="en" sz="1000">
+                <a:solidFill>
+                  <a:srgbClr val="FF0000"/>
+                </a:solidFill>
+              </a:rPr>
+              <a:t>min_neighbors</a:t>
+            </a:r>
+            <a:r>
+              <a:rPr lang="en" sz="1000">
+                <a:solidFill>
+                  <a:schemeClr val="accent2"/>
+                </a:solidFill>
+              </a:rPr>
+              <a:t>)</a:t>
+            </a:r>
+            <a:endParaRPr sz="1000">
+              <a:solidFill>
+                <a:schemeClr val="accent2"/>
+              </a:solidFill>
+            </a:endParaRPr>
+          </a:p>
+          <a:p>
+            <a:pPr indent="0" lvl="0" marL="0" rtl="0" algn="l">
+              <a:lnSpc>
+                <a:spcPct val="110795"/>
+              </a:lnSpc>
+              <a:spcBef>
+                <a:spcPts val="0"/>
+              </a:spcBef>
+              <a:spcAft>
+                <a:spcPts val="0"/>
+              </a:spcAft>
+              <a:buClr>
+                <a:schemeClr val="dk1"/>
+              </a:buClr>
+              <a:buSzPts val="1100"/>
+              <a:buFont typeface="Arial"/>
+              <a:buNone/>
+            </a:pPr>
+            <a:r>
+              <a:t/>
+            </a:r>
+            <a:endParaRPr sz="1000">
+              <a:solidFill>
+                <a:schemeClr val="accent2"/>
+              </a:solidFill>
+            </a:endParaRPr>
+          </a:p>
+          <a:p>
+            <a:pPr indent="0" lvl="0" marL="0" rtl="0" algn="l">
+              <a:spcBef>
+                <a:spcPts val="0"/>
+              </a:spcBef>
+              <a:spcAft>
+                <a:spcPts val="0"/>
+              </a:spcAft>
               <a:buNone/>
             </a:pPr>
             <a:r>
               <a:rPr lang="en" sz="1700"/>
-              <a:t>Train: </a:t>
+              <a:t>scale_factor and min_neighbors are two hyperparameters important for making proper detections in a given frame. (used a customized setting for this as well)</a:t>
             </a:r>
             <a:endParaRPr sz="1700"/>
           </a:p>
@@ -13837,7 +14618,16 @@
               <a:buNone/>
             </a:pPr>
             <a:r>
-              <a:t/>
+              <a:rPr lang="en" sz="1700">
+                <a:solidFill>
+                  <a:srgbClr val="0000FF"/>
+                </a:solidFill>
+              </a:rPr>
+              <a:t>Scale_factor</a:t>
+            </a:r>
+            <a:r>
+              <a:rPr lang="en" sz="1700"/>
+              <a:t>: parameter that compensates for objects appearing smaller the farther they are from the camera. When an image is processed at multiple scales, it helps in detecting objects of different sizes in the image. It specifies how much the image size is reduced at each image scale when searching for objects (ranges between 1.01 &amp; 1.5)</a:t>
             </a:r>
             <a:endParaRPr sz="1700"/>
           </a:p>
@@ -13849,11 +14639,24 @@
               <a:spcAft>
                 <a:spcPts val="0"/>
               </a:spcAft>
-              <a:buNone/>
-            </a:pPr>
+              <a:buClr>
+                <a:schemeClr val="dk1"/>
+              </a:buClr>
+              <a:buSzPts val="1100"/>
+              <a:buFont typeface="Arial"/>
+              <a:buNone/>
+            </a:pPr>
+            <a:r>
+              <a:rPr lang="en" sz="1700">
+                <a:solidFill>
+                  <a:srgbClr val="FF0000"/>
+                </a:solidFill>
+              </a:rPr>
+              <a:t>Min_neighbors</a:t>
+            </a:r>
             <a:r>
               <a:rPr lang="en" sz="1700"/>
-              <a:t>Dev: </a:t>
+              <a:t>: parameter specifies how many neighbors (bounding boxes) a region needs to have in order to be considered a valid detection.</a:t>
             </a:r>
             <a:endParaRPr sz="1700"/>
           </a:p>
@@ -13863,133 +14666,18 @@
                 <a:spcPts val="1200"/>
               </a:spcBef>
               <a:spcAft>
-                <a:spcPts val="0"/>
-              </a:spcAft>
-              <a:buNone/>
-            </a:pPr>
-            <a:r>
-              <a:t/>
+                <a:spcPts val="1200"/>
+              </a:spcAft>
+              <a:buNone/>
+            </a:pPr>
+            <a:r>
+              <a:rPr lang="en" sz="1700"/>
+              <a:t>								</a:t>
             </a:r>
             <a:endParaRPr sz="1700"/>
           </a:p>
-          <a:p>
-            <a:pPr indent="0" lvl="0" marL="0" rtl="0" algn="l">
-              <a:spcBef>
-                <a:spcPts val="1200"/>
-              </a:spcBef>
-              <a:spcAft>
-                <a:spcPts val="0"/>
-              </a:spcAft>
-              <a:buNone/>
-            </a:pPr>
-            <a:r>
-              <a:rPr lang="en" sz="1700"/>
-              <a:t>Test: 	</a:t>
-            </a:r>
-            <a:endParaRPr sz="1700"/>
-          </a:p>
-          <a:p>
-            <a:pPr indent="0" lvl="0" marL="0" rtl="0" algn="l">
-              <a:spcBef>
-                <a:spcPts val="1200"/>
-              </a:spcBef>
-              <a:spcAft>
-                <a:spcPts val="1200"/>
-              </a:spcAft>
-              <a:buNone/>
-            </a:pPr>
-            <a:r>
-              <a:rPr lang="en" sz="1700"/>
-              <a:t>					</a:t>
-            </a:r>
-            <a:endParaRPr sz="1700"/>
-          </a:p>
         </p:txBody>
       </p:sp>
-      <p:pic>
-        <p:nvPicPr>
-          <p:cNvPr id="248" name="Google Shape;248;p41"/>
-          <p:cNvPicPr preferRelativeResize="0"/>
-          <p:nvPr/>
-        </p:nvPicPr>
-        <p:blipFill>
-          <a:blip r:embed="rId3">
-            <a:alphaModFix/>
-          </a:blip>
-          <a:stretch>
-            <a:fillRect/>
-          </a:stretch>
-        </p:blipFill>
-        <p:spPr>
-          <a:xfrm>
-            <a:off x="1297875" y="1161175"/>
-            <a:ext cx="5319025" cy="709200"/>
-          </a:xfrm>
-          <a:prstGeom prst="rect">
-            <a:avLst/>
-          </a:prstGeom>
-          <a:noFill/>
-          <a:ln>
-            <a:noFill/>
-          </a:ln>
-        </p:spPr>
-      </p:pic>
-      <p:pic>
-        <p:nvPicPr>
-          <p:cNvPr id="249" name="Google Shape;249;p41"/>
-          <p:cNvPicPr preferRelativeResize="0"/>
-          <p:nvPr/>
-        </p:nvPicPr>
-        <p:blipFill>
-          <a:blip r:embed="rId4">
-            <a:alphaModFix/>
-          </a:blip>
-          <a:stretch>
-            <a:fillRect/>
-          </a:stretch>
-        </p:blipFill>
-        <p:spPr>
-          <a:xfrm>
-            <a:off x="1365275" y="2114900"/>
-            <a:ext cx="5251625" cy="643651"/>
-          </a:xfrm>
-          <a:prstGeom prst="rect">
-            <a:avLst/>
-          </a:prstGeom>
-          <a:noFill/>
-          <a:ln>
-            <a:noFill/>
-          </a:ln>
-        </p:spPr>
-      </p:pic>
-      <p:pic>
-        <p:nvPicPr>
-          <p:cNvPr id="250" name="Google Shape;250;p41"/>
-          <p:cNvPicPr preferRelativeResize="0"/>
-          <p:nvPr/>
-        </p:nvPicPr>
-        <p:blipFill>
-          <a:blip r:embed="rId5">
-            <a:alphaModFix/>
-          </a:blip>
-          <a:stretch>
-            <a:fillRect/>
-          </a:stretch>
-        </p:blipFill>
-        <p:spPr>
-          <a:xfrm>
-            <a:off x="1365275" y="3003075"/>
-            <a:ext cx="5251625" cy="774826"/>
-          </a:xfrm>
-          <a:prstGeom prst="rect">
-            <a:avLst/>
-          </a:prstGeom>
-          <a:noFill/>
-          <a:ln>
-            <a:noFill/>
-          </a:ln>
-        </p:spPr>
-      </p:pic>
     </p:spTree>
   </p:cSld>
   <p:clrMapOvr>
@@ -14096,7 +14784,7 @@
   <p:cSld>
     <p:spTree>
       <p:nvGrpSpPr>
-        <p:cNvPr id="254" name="Shape 254"/>
+        <p:cNvPr id="252" name="Shape 252"/>
         <p:cNvGrpSpPr/>
         <p:nvPr/>
       </p:nvGrpSpPr>
@@ -14110,7 +14798,7 @@
       </p:grpSpPr>
       <p:sp>
         <p:nvSpPr>
-          <p:cNvPr id="255" name="Google Shape;255;p42"/>
+          <p:cNvPr id="253" name="Google Shape;253;p42"/>
           <p:cNvSpPr txBox="1"/>
           <p:nvPr>
             <p:ph type="title"/>
@@ -14118,37 +14806,254 @@
         </p:nvSpPr>
         <p:spPr>
           <a:xfrm>
-            <a:off x="311700" y="2150850"/>
-            <a:ext cx="8520600" cy="841800"/>
+            <a:off x="311700" y="254100"/>
+            <a:ext cx="8520600" cy="572700"/>
           </a:xfrm>
           <a:prstGeom prst="rect">
             <a:avLst/>
           </a:prstGeom>
         </p:spPr>
         <p:txBody>
-          <a:bodyPr anchorCtr="0" anchor="ctr" bIns="91425" lIns="91425" spcFirstLastPara="1" rIns="91425" wrap="square" tIns="91425">
+          <a:bodyPr anchorCtr="0" anchor="t" bIns="91425" lIns="91425" spcFirstLastPara="1" rIns="91425" wrap="square" tIns="91425">
             <a:noAutofit/>
           </a:bodyPr>
           <a:lstStyle/>
           <a:p>
-            <a:pPr indent="0" lvl="0" marL="0" rtl="0" algn="ctr">
-              <a:spcBef>
-                <a:spcPts val="0"/>
-              </a:spcBef>
-              <a:spcAft>
-                <a:spcPts val="0"/>
-              </a:spcAft>
-              <a:buSzPts val="990"/>
-              <a:buNone/>
-            </a:pPr>
-            <a:r>
-              <a:rPr lang="en" sz="1920"/>
-              <a:t>CDCN, DenseNet and ViT experiments</a:t>
-            </a:r>
-            <a:endParaRPr sz="1920"/>
+            <a:pPr indent="0" lvl="0" marL="0" rtl="0" algn="l">
+              <a:spcBef>
+                <a:spcPts val="0"/>
+              </a:spcBef>
+              <a:spcAft>
+                <a:spcPts val="0"/>
+              </a:spcAft>
+              <a:buNone/>
+            </a:pPr>
+            <a:r>
+              <a:rPr lang="en" sz="1820"/>
+              <a:t>OULU-NPU dataset and preprocessing</a:t>
+            </a:r>
+            <a:endParaRPr sz="1820"/>
           </a:p>
         </p:txBody>
       </p:sp>
+      <p:sp>
+        <p:nvSpPr>
+          <p:cNvPr id="254" name="Google Shape;254;p42"/>
+          <p:cNvSpPr txBox="1"/>
+          <p:nvPr>
+            <p:ph idx="1" type="body"/>
+          </p:nvPr>
+        </p:nvSpPr>
+        <p:spPr>
+          <a:xfrm>
+            <a:off x="311700" y="734475"/>
+            <a:ext cx="8520600" cy="3834300"/>
+          </a:xfrm>
+          <a:prstGeom prst="rect">
+            <a:avLst/>
+          </a:prstGeom>
+        </p:spPr>
+        <p:txBody>
+          <a:bodyPr anchorCtr="0" anchor="t" bIns="91425" lIns="91425" spcFirstLastPara="1" rIns="91425" wrap="square" tIns="91425">
+            <a:normAutofit/>
+          </a:bodyPr>
+          <a:lstStyle/>
+          <a:p>
+            <a:pPr indent="0" lvl="0" marL="0" rtl="0" algn="l">
+              <a:spcBef>
+                <a:spcPts val="0"/>
+              </a:spcBef>
+              <a:spcAft>
+                <a:spcPts val="0"/>
+              </a:spcAft>
+              <a:buNone/>
+            </a:pPr>
+            <a:r>
+              <a:rPr lang="en" sz="1700"/>
+              <a:t>The entire pre-processing gave:</a:t>
+            </a:r>
+            <a:endParaRPr sz="1700"/>
+          </a:p>
+          <a:p>
+            <a:pPr indent="0" lvl="0" marL="0" rtl="0" algn="l">
+              <a:spcBef>
+                <a:spcPts val="1200"/>
+              </a:spcBef>
+              <a:spcAft>
+                <a:spcPts val="0"/>
+              </a:spcAft>
+              <a:buNone/>
+            </a:pPr>
+            <a:r>
+              <a:rPr lang="en" sz="1700"/>
+              <a:t>Train: </a:t>
+            </a:r>
+            <a:endParaRPr sz="1700"/>
+          </a:p>
+          <a:p>
+            <a:pPr indent="0" lvl="0" marL="0" rtl="0" algn="l">
+              <a:spcBef>
+                <a:spcPts val="1200"/>
+              </a:spcBef>
+              <a:spcAft>
+                <a:spcPts val="0"/>
+              </a:spcAft>
+              <a:buNone/>
+            </a:pPr>
+            <a:r>
+              <a:t/>
+            </a:r>
+            <a:endParaRPr sz="1700"/>
+          </a:p>
+          <a:p>
+            <a:pPr indent="0" lvl="0" marL="0" rtl="0" algn="l">
+              <a:spcBef>
+                <a:spcPts val="1200"/>
+              </a:spcBef>
+              <a:spcAft>
+                <a:spcPts val="0"/>
+              </a:spcAft>
+              <a:buNone/>
+            </a:pPr>
+            <a:r>
+              <a:rPr lang="en" sz="1700"/>
+              <a:t>Dev: </a:t>
+            </a:r>
+            <a:endParaRPr sz="1700"/>
+          </a:p>
+          <a:p>
+            <a:pPr indent="0" lvl="0" marL="0" rtl="0" algn="l">
+              <a:spcBef>
+                <a:spcPts val="1200"/>
+              </a:spcBef>
+              <a:spcAft>
+                <a:spcPts val="0"/>
+              </a:spcAft>
+              <a:buNone/>
+            </a:pPr>
+            <a:r>
+              <a:t/>
+            </a:r>
+            <a:endParaRPr sz="1700"/>
+          </a:p>
+          <a:p>
+            <a:pPr indent="0" lvl="0" marL="0" rtl="0" algn="l">
+              <a:spcBef>
+                <a:spcPts val="1200"/>
+              </a:spcBef>
+              <a:spcAft>
+                <a:spcPts val="0"/>
+              </a:spcAft>
+              <a:buNone/>
+            </a:pPr>
+            <a:r>
+              <a:rPr lang="en" sz="1700"/>
+              <a:t>Test: 	</a:t>
+            </a:r>
+            <a:endParaRPr sz="1700"/>
+          </a:p>
+          <a:p>
+            <a:pPr indent="0" lvl="0" marL="0" rtl="0" algn="l">
+              <a:spcBef>
+                <a:spcPts val="1200"/>
+              </a:spcBef>
+              <a:spcAft>
+                <a:spcPts val="1200"/>
+              </a:spcAft>
+              <a:buNone/>
+            </a:pPr>
+            <a:r>
+              <a:rPr lang="en" sz="1700"/>
+              <a:t>					</a:t>
+            </a:r>
+            <a:endParaRPr sz="1700"/>
+          </a:p>
+        </p:txBody>
+      </p:sp>
+      <p:pic>
+        <p:nvPicPr>
+          <p:cNvPr id="255" name="Google Shape;255;p42"/>
+          <p:cNvPicPr preferRelativeResize="0"/>
+          <p:nvPr/>
+        </p:nvPicPr>
+        <p:blipFill>
+          <a:blip r:embed="rId3">
+            <a:alphaModFix/>
+          </a:blip>
+          <a:stretch>
+            <a:fillRect/>
+          </a:stretch>
+        </p:blipFill>
+        <p:spPr>
+          <a:xfrm>
+            <a:off x="1297875" y="1161175"/>
+            <a:ext cx="5319025" cy="709200"/>
+          </a:xfrm>
+          <a:prstGeom prst="rect">
+            <a:avLst/>
+          </a:prstGeom>
+          <a:noFill/>
+          <a:ln>
+            <a:noFill/>
+          </a:ln>
+        </p:spPr>
+      </p:pic>
+      <p:pic>
+        <p:nvPicPr>
+          <p:cNvPr id="256" name="Google Shape;256;p42"/>
+          <p:cNvPicPr preferRelativeResize="0"/>
+          <p:nvPr/>
+        </p:nvPicPr>
+        <p:blipFill>
+          <a:blip r:embed="rId4">
+            <a:alphaModFix/>
+          </a:blip>
+          <a:stretch>
+            <a:fillRect/>
+          </a:stretch>
+        </p:blipFill>
+        <p:spPr>
+          <a:xfrm>
+            <a:off x="1365275" y="2114900"/>
+            <a:ext cx="5251625" cy="643651"/>
+          </a:xfrm>
+          <a:prstGeom prst="rect">
+            <a:avLst/>
+          </a:prstGeom>
+          <a:noFill/>
+          <a:ln>
+            <a:noFill/>
+          </a:ln>
+        </p:spPr>
+      </p:pic>
+      <p:pic>
+        <p:nvPicPr>
+          <p:cNvPr id="257" name="Google Shape;257;p42"/>
+          <p:cNvPicPr preferRelativeResize="0"/>
+          <p:nvPr/>
+        </p:nvPicPr>
+        <p:blipFill>
+          <a:blip r:embed="rId5">
+            <a:alphaModFix/>
+          </a:blip>
+          <a:stretch>
+            <a:fillRect/>
+          </a:stretch>
+        </p:blipFill>
+        <p:spPr>
+          <a:xfrm>
+            <a:off x="1365275" y="3003075"/>
+            <a:ext cx="5251625" cy="774826"/>
+          </a:xfrm>
+          <a:prstGeom prst="rect">
+            <a:avLst/>
+          </a:prstGeom>
+          <a:noFill/>
+          <a:ln>
+            <a:noFill/>
+          </a:ln>
+        </p:spPr>
+      </p:pic>
     </p:spTree>
   </p:cSld>
   <p:clrMapOvr>
@@ -14162,7 +15067,7 @@
   <p:cSld>
     <p:spTree>
       <p:nvGrpSpPr>
-        <p:cNvPr id="259" name="Shape 259"/>
+        <p:cNvPr id="261" name="Shape 261"/>
         <p:cNvGrpSpPr/>
         <p:nvPr/>
       </p:nvGrpSpPr>
@@ -14176,7 +15081,7 @@
       </p:grpSpPr>
       <p:sp>
         <p:nvSpPr>
-          <p:cNvPr id="260" name="Google Shape;260;p43"/>
+          <p:cNvPr id="262" name="Google Shape;262;p43"/>
           <p:cNvSpPr txBox="1"/>
           <p:nvPr>
             <p:ph type="title"/>
@@ -14184,20 +15089,20 @@
         </p:nvSpPr>
         <p:spPr>
           <a:xfrm>
-            <a:off x="311700" y="276550"/>
-            <a:ext cx="8520600" cy="572700"/>
+            <a:off x="311700" y="2150850"/>
+            <a:ext cx="8520600" cy="841800"/>
           </a:xfrm>
           <a:prstGeom prst="rect">
             <a:avLst/>
           </a:prstGeom>
         </p:spPr>
         <p:txBody>
-          <a:bodyPr anchorCtr="0" anchor="t" bIns="91425" lIns="91425" spcFirstLastPara="1" rIns="91425" wrap="square" tIns="91425">
+          <a:bodyPr anchorCtr="0" anchor="ctr" bIns="91425" lIns="91425" spcFirstLastPara="1" rIns="91425" wrap="square" tIns="91425">
             <a:noAutofit/>
           </a:bodyPr>
           <a:lstStyle/>
           <a:p>
-            <a:pPr indent="0" lvl="0" marL="0" rtl="0" algn="l">
+            <a:pPr indent="0" lvl="0" marL="0" rtl="0" algn="ctr">
               <a:spcBef>
                 <a:spcPts val="0"/>
               </a:spcBef>
@@ -14209,186 +15114,12 @@
             </a:pPr>
             <a:r>
               <a:rPr lang="en" sz="1920"/>
-              <a:t>DenseNet with CDCN </a:t>
+              <a:t>New Models</a:t>
             </a:r>
             <a:endParaRPr sz="1920"/>
           </a:p>
         </p:txBody>
       </p:sp>
-      <p:sp>
-        <p:nvSpPr>
-          <p:cNvPr id="261" name="Google Shape;261;p43"/>
-          <p:cNvSpPr txBox="1"/>
-          <p:nvPr>
-            <p:ph idx="1" type="body"/>
-          </p:nvPr>
-        </p:nvSpPr>
-        <p:spPr>
-          <a:xfrm>
-            <a:off x="311700" y="936600"/>
-            <a:ext cx="8520600" cy="3632400"/>
-          </a:xfrm>
-          <a:prstGeom prst="rect">
-            <a:avLst/>
-          </a:prstGeom>
-        </p:spPr>
-        <p:txBody>
-          <a:bodyPr anchorCtr="0" anchor="t" bIns="91425" lIns="91425" spcFirstLastPara="1" rIns="91425" wrap="square" tIns="91425">
-            <a:normAutofit/>
-          </a:bodyPr>
-          <a:lstStyle/>
-          <a:p>
-            <a:pPr indent="0" lvl="0" marL="0" rtl="0" algn="l">
-              <a:spcBef>
-                <a:spcPts val="0"/>
-              </a:spcBef>
-              <a:spcAft>
-                <a:spcPts val="0"/>
-              </a:spcAft>
-              <a:buNone/>
-            </a:pPr>
-            <a:r>
-              <a:rPr lang="en" sz="1700"/>
-              <a:t>Replaced the 3x3 kernel nn.conv2D operation with CDC operator</a:t>
-            </a:r>
-            <a:endParaRPr sz="1700"/>
-          </a:p>
-          <a:p>
-            <a:pPr indent="0" lvl="0" marL="0" rtl="0" algn="l">
-              <a:spcBef>
-                <a:spcPts val="1200"/>
-              </a:spcBef>
-              <a:spcAft>
-                <a:spcPts val="0"/>
-              </a:spcAft>
-              <a:buNone/>
-            </a:pPr>
-            <a:r>
-              <a:rPr lang="en" sz="1700"/>
-              <a:t>While leaving the 1x1 kernel operations as normal.</a:t>
-            </a:r>
-            <a:endParaRPr sz="1700"/>
-          </a:p>
-          <a:p>
-            <a:pPr indent="0" lvl="0" marL="0" rtl="0" algn="l">
-              <a:spcBef>
-                <a:spcPts val="1200"/>
-              </a:spcBef>
-              <a:spcAft>
-                <a:spcPts val="0"/>
-              </a:spcAft>
-              <a:buNone/>
-            </a:pPr>
-            <a:r>
-              <a:t/>
-            </a:r>
-            <a:endParaRPr sz="1700"/>
-          </a:p>
-          <a:p>
-            <a:pPr indent="0" lvl="0" marL="0" rtl="0" algn="l">
-              <a:spcBef>
-                <a:spcPts val="1200"/>
-              </a:spcBef>
-              <a:spcAft>
-                <a:spcPts val="0"/>
-              </a:spcAft>
-              <a:buNone/>
-            </a:pPr>
-            <a:r>
-              <a:rPr lang="en" sz="1700"/>
-              <a:t>Modified the Densenet-161 architecture from Pytorch official Github page (</a:t>
-            </a:r>
-            <a:r>
-              <a:rPr lang="en" sz="1700" u="sng">
-                <a:solidFill>
-                  <a:schemeClr val="hlink"/>
-                </a:solidFill>
-                <a:hlinkClick r:id="rId3"/>
-              </a:rPr>
-              <a:t>https://github.com/pytorch/vision/blob/main/torchvision/models/densenet.py#L251</a:t>
-            </a:r>
-            <a:r>
-              <a:rPr lang="en" sz="1700"/>
-              <a:t>) </a:t>
-            </a:r>
-            <a:endParaRPr sz="1700"/>
-          </a:p>
-          <a:p>
-            <a:pPr indent="0" lvl="0" marL="0" rtl="0" algn="l">
-              <a:spcBef>
-                <a:spcPts val="1200"/>
-              </a:spcBef>
-              <a:spcAft>
-                <a:spcPts val="0"/>
-              </a:spcAft>
-              <a:buNone/>
-            </a:pPr>
-            <a:r>
-              <a:t/>
-            </a:r>
-            <a:endParaRPr sz="1700"/>
-          </a:p>
-          <a:p>
-            <a:pPr indent="0" lvl="0" marL="0" rtl="0" algn="l">
-              <a:spcBef>
-                <a:spcPts val="1200"/>
-              </a:spcBef>
-              <a:spcAft>
-                <a:spcPts val="0"/>
-              </a:spcAft>
-              <a:buNone/>
-            </a:pPr>
-            <a:r>
-              <a:t/>
-            </a:r>
-            <a:endParaRPr sz="1700"/>
-          </a:p>
-          <a:p>
-            <a:pPr indent="0" lvl="0" marL="0" rtl="0" algn="l">
-              <a:spcBef>
-                <a:spcPts val="1200"/>
-              </a:spcBef>
-              <a:spcAft>
-                <a:spcPts val="1200"/>
-              </a:spcAft>
-              <a:buNone/>
-            </a:pPr>
-            <a:r>
-              <a:rPr lang="en" sz="1700"/>
-              <a:t>Ran code by modifying and using the training code from CDCN code</a:t>
-            </a:r>
-            <a:endParaRPr sz="1700"/>
-          </a:p>
-        </p:txBody>
-      </p:sp>
-      <p:pic>
-        <p:nvPicPr>
-          <p:cNvPr id="262" name="Google Shape;262;p43"/>
-          <p:cNvPicPr preferRelativeResize="0"/>
-          <p:nvPr/>
-        </p:nvPicPr>
-        <p:blipFill>
-          <a:blip r:embed="rId4">
-            <a:alphaModFix/>
-          </a:blip>
-          <a:stretch>
-            <a:fillRect/>
-          </a:stretch>
-        </p:blipFill>
-        <p:spPr>
-          <a:xfrm>
-            <a:off x="795088" y="3196375"/>
-            <a:ext cx="6296025" cy="704850"/>
-          </a:xfrm>
-          <a:prstGeom prst="rect">
-            <a:avLst/>
-          </a:prstGeom>
-          <a:noFill/>
-          <a:ln>
-            <a:noFill/>
-          </a:ln>
-        </p:spPr>
-      </p:pic>
     </p:spTree>
   </p:cSld>
   <p:clrMapOvr>
@@ -14424,20 +15155,20 @@
         </p:nvSpPr>
         <p:spPr>
           <a:xfrm>
-            <a:off x="311700" y="276550"/>
-            <a:ext cx="8520600" cy="572700"/>
+            <a:off x="311700" y="2150850"/>
+            <a:ext cx="8520600" cy="841800"/>
           </a:xfrm>
           <a:prstGeom prst="rect">
             <a:avLst/>
           </a:prstGeom>
         </p:spPr>
         <p:txBody>
-          <a:bodyPr anchorCtr="0" anchor="t" bIns="91425" lIns="91425" spcFirstLastPara="1" rIns="91425" wrap="square" tIns="91425">
+          <a:bodyPr anchorCtr="0" anchor="ctr" bIns="91425" lIns="91425" spcFirstLastPara="1" rIns="91425" wrap="square" tIns="91425">
             <a:noAutofit/>
           </a:bodyPr>
           <a:lstStyle/>
           <a:p>
-            <a:pPr indent="0" lvl="0" marL="0" rtl="0" algn="l">
+            <a:pPr indent="0" lvl="0" marL="0" rtl="0" algn="ctr">
               <a:spcBef>
                 <a:spcPts val="0"/>
               </a:spcBef>
@@ -14449,95 +15180,12 @@
             </a:pPr>
             <a:r>
               <a:rPr lang="en" sz="1920"/>
-              <a:t>DenseNet with CDCN </a:t>
+              <a:t>CDC-DenseNet</a:t>
             </a:r>
             <a:endParaRPr sz="1920"/>
           </a:p>
         </p:txBody>
       </p:sp>
-      <p:sp>
-        <p:nvSpPr>
-          <p:cNvPr id="268" name="Google Shape;268;p44"/>
-          <p:cNvSpPr txBox="1"/>
-          <p:nvPr>
-            <p:ph idx="1" type="body"/>
-          </p:nvPr>
-        </p:nvSpPr>
-        <p:spPr>
-          <a:xfrm>
-            <a:off x="311700" y="936600"/>
-            <a:ext cx="8520600" cy="3632400"/>
-          </a:xfrm>
-          <a:prstGeom prst="rect">
-            <a:avLst/>
-          </a:prstGeom>
-        </p:spPr>
-        <p:txBody>
-          <a:bodyPr anchorCtr="0" anchor="t" bIns="91425" lIns="91425" spcFirstLastPara="1" rIns="91425" wrap="square" tIns="91425">
-            <a:normAutofit/>
-          </a:bodyPr>
-          <a:lstStyle/>
-          <a:p>
-            <a:pPr indent="0" lvl="0" marL="0" rtl="0" algn="l">
-              <a:spcBef>
-                <a:spcPts val="0"/>
-              </a:spcBef>
-              <a:spcAft>
-                <a:spcPts val="0"/>
-              </a:spcAft>
-              <a:buNone/>
-            </a:pPr>
-            <a:r>
-              <a:rPr lang="en" sz="1700"/>
-              <a:t>Training loss and accuracy: OULU-NPU (best val accuracy after 8 epochs)</a:t>
-            </a:r>
-            <a:endParaRPr sz="1500"/>
-          </a:p>
-          <a:p>
-            <a:pPr indent="0" lvl="0" marL="0" rtl="0" algn="l">
-              <a:spcBef>
-                <a:spcPts val="1200"/>
-              </a:spcBef>
-              <a:spcAft>
-                <a:spcPts val="1200"/>
-              </a:spcAft>
-              <a:buNone/>
-            </a:pPr>
-            <a:r>
-              <a:t/>
-            </a:r>
-            <a:endParaRPr sz="1700"/>
-          </a:p>
-        </p:txBody>
-      </p:sp>
-      <p:pic>
-        <p:nvPicPr>
-          <p:cNvPr id="269" name="Google Shape;269;p44"/>
-          <p:cNvPicPr preferRelativeResize="0"/>
-          <p:nvPr/>
-        </p:nvPicPr>
-        <p:blipFill>
-          <a:blip r:embed="rId3">
-            <a:alphaModFix/>
-          </a:blip>
-          <a:stretch>
-            <a:fillRect/>
-          </a:stretch>
-        </p:blipFill>
-        <p:spPr>
-          <a:xfrm>
-            <a:off x="454950" y="1983601"/>
-            <a:ext cx="8234101" cy="1176300"/>
-          </a:xfrm>
-          <a:prstGeom prst="rect">
-            <a:avLst/>
-          </a:prstGeom>
-          <a:noFill/>
-          <a:ln>
-            <a:noFill/>
-          </a:ln>
-        </p:spPr>
-      </p:pic>
     </p:spTree>
   </p:cSld>
   <p:clrMapOvr>
@@ -14551,7 +15199,7 @@
   <p:cSld>
     <p:spTree>
       <p:nvGrpSpPr>
-        <p:cNvPr id="273" name="Shape 273"/>
+        <p:cNvPr id="271" name="Shape 271"/>
         <p:cNvGrpSpPr/>
         <p:nvPr/>
       </p:nvGrpSpPr>
@@ -14565,7 +15213,7 @@
       </p:grpSpPr>
       <p:sp>
         <p:nvSpPr>
-          <p:cNvPr id="274" name="Google Shape;274;p45"/>
+          <p:cNvPr id="272" name="Google Shape;272;p45"/>
           <p:cNvSpPr txBox="1"/>
           <p:nvPr>
             <p:ph type="title"/>
@@ -14606,7 +15254,7 @@
       </p:sp>
       <p:sp>
         <p:nvSpPr>
-          <p:cNvPr id="275" name="Google Shape;275;p45"/>
+          <p:cNvPr id="273" name="Google Shape;273;p45"/>
           <p:cNvSpPr txBox="1"/>
           <p:nvPr>
             <p:ph idx="1" type="body"/>
@@ -14638,13 +15286,25 @@
             </a:pPr>
             <a:r>
               <a:rPr lang="en" sz="1700"/>
-              <a:t>Test metrics</a:t>
-            </a:r>
+              <a:t>Replaced the 3x3 kernel nn.conv2D operation with CDC operator</a:t>
+            </a:r>
+            <a:endParaRPr sz="1700"/>
+          </a:p>
+          <a:p>
+            <a:pPr indent="0" lvl="0" marL="0" rtl="0" algn="l">
+              <a:spcBef>
+                <a:spcPts val="1200"/>
+              </a:spcBef>
+              <a:spcAft>
+                <a:spcPts val="0"/>
+              </a:spcAft>
+              <a:buNone/>
+            </a:pPr>
             <a:r>
               <a:rPr lang="en" sz="1700"/>
-              <a:t>: OULU-NPU after 8 epochs</a:t>
-            </a:r>
-            <a:endParaRPr sz="1500"/>
+              <a:t>While leaving the 1x1 kernel operations as normal.</a:t>
+            </a:r>
+            <a:endParaRPr sz="1700"/>
           </a:p>
           <a:p>
             <a:pPr indent="0" lvl="0" marL="0" rtl="0" algn="l">
@@ -14652,12 +15312,87 @@
                 <a:spcPts val="1200"/>
               </a:spcBef>
               <a:spcAft>
+                <a:spcPts val="0"/>
+              </a:spcAft>
+              <a:buNone/>
+            </a:pPr>
+            <a:r>
+              <a:t/>
+            </a:r>
+            <a:endParaRPr sz="1700"/>
+          </a:p>
+          <a:p>
+            <a:pPr indent="0" lvl="0" marL="0" rtl="0" algn="l">
+              <a:spcBef>
                 <a:spcPts val="1200"/>
+              </a:spcBef>
+              <a:spcAft>
+                <a:spcPts val="0"/>
+              </a:spcAft>
+              <a:buNone/>
+            </a:pPr>
+            <a:r>
+              <a:rPr lang="en" sz="1700"/>
+              <a:t>Modified the Densenet-161 architecture from Pytorch official Github page (</a:t>
+            </a:r>
+            <a:r>
+              <a:rPr lang="en" sz="1700" u="sng">
+                <a:solidFill>
+                  <a:schemeClr val="hlink"/>
+                </a:solidFill>
+                <a:hlinkClick r:id="rId3"/>
+              </a:rPr>
+              <a:t>https://github.com/pytorch/vision/blob/main/torchvision/models/densenet.py#L251</a:t>
+            </a:r>
+            <a:r>
+              <a:rPr lang="en" sz="1700"/>
+              <a:t>) </a:t>
+            </a:r>
+            <a:endParaRPr sz="1700"/>
+          </a:p>
+          <a:p>
+            <a:pPr indent="0" lvl="0" marL="0" rtl="0" algn="l">
+              <a:spcBef>
+                <a:spcPts val="1200"/>
+              </a:spcBef>
+              <a:spcAft>
+                <a:spcPts val="0"/>
               </a:spcAft>
               <a:buNone/>
             </a:pPr>
             <a:r>
               <a:t/>
+            </a:r>
+            <a:endParaRPr sz="1700"/>
+          </a:p>
+          <a:p>
+            <a:pPr indent="0" lvl="0" marL="0" rtl="0" algn="l">
+              <a:spcBef>
+                <a:spcPts val="1200"/>
+              </a:spcBef>
+              <a:spcAft>
+                <a:spcPts val="0"/>
+              </a:spcAft>
+              <a:buNone/>
+            </a:pPr>
+            <a:r>
+              <a:t/>
+            </a:r>
+            <a:endParaRPr sz="1700"/>
+          </a:p>
+          <a:p>
+            <a:pPr indent="0" lvl="0" marL="0" rtl="0" algn="l">
+              <a:spcBef>
+                <a:spcPts val="1200"/>
+              </a:spcBef>
+              <a:spcAft>
+                <a:spcPts val="1200"/>
+              </a:spcAft>
+              <a:buNone/>
+            </a:pPr>
+            <a:r>
+              <a:rPr lang="en" sz="1700"/>
+              <a:t>Ran code by modifying and using the training code from CDCN code</a:t>
             </a:r>
             <a:endParaRPr sz="1700"/>
           </a:p>
@@ -14665,12 +15400,12 @@
       </p:sp>
       <p:pic>
         <p:nvPicPr>
-          <p:cNvPr id="276" name="Google Shape;276;p45"/>
+          <p:cNvPr id="274" name="Google Shape;274;p45"/>
           <p:cNvPicPr preferRelativeResize="0"/>
           <p:nvPr/>
         </p:nvPicPr>
         <p:blipFill>
-          <a:blip r:embed="rId3">
+          <a:blip r:embed="rId4">
             <a:alphaModFix/>
           </a:blip>
           <a:stretch>
@@ -14679,8 +15414,8 @@
         </p:blipFill>
         <p:spPr>
           <a:xfrm>
-            <a:off x="2162175" y="2105025"/>
-            <a:ext cx="4819650" cy="933450"/>
+            <a:off x="795088" y="3196375"/>
+            <a:ext cx="6296025" cy="704850"/>
           </a:xfrm>
           <a:prstGeom prst="rect">
             <a:avLst/>
@@ -14704,7 +15439,7 @@
   <p:cSld>
     <p:spTree>
       <p:nvGrpSpPr>
-        <p:cNvPr id="280" name="Shape 280"/>
+        <p:cNvPr id="278" name="Shape 278"/>
         <p:cNvGrpSpPr/>
         <p:nvPr/>
       </p:nvGrpSpPr>
@@ -14718,7 +15453,7 @@
       </p:grpSpPr>
       <p:sp>
         <p:nvSpPr>
-          <p:cNvPr id="281" name="Google Shape;281;p46"/>
+          <p:cNvPr id="279" name="Google Shape;279;p46"/>
           <p:cNvSpPr txBox="1"/>
           <p:nvPr>
             <p:ph type="title"/>
@@ -14751,31 +15486,15 @@
             </a:pPr>
             <a:r>
               <a:rPr lang="en" sz="1920"/>
-              <a:t>ViT(Deit) with Densenet backbone using Pixel wise binary supervision</a:t>
+              <a:t>DenseNet with CDCN </a:t>
             </a:r>
             <a:endParaRPr sz="1920"/>
           </a:p>
-          <a:p>
-            <a:pPr indent="0" lvl="0" marL="0" rtl="0" algn="l">
-              <a:spcBef>
-                <a:spcPts val="0"/>
-              </a:spcBef>
-              <a:spcAft>
-                <a:spcPts val="0"/>
-              </a:spcAft>
-              <a:buSzPts val="990"/>
-              <a:buNone/>
-            </a:pPr>
-            <a:r>
-              <a:t/>
-            </a:r>
-            <a:endParaRPr sz="1920"/>
-          </a:p>
         </p:txBody>
       </p:sp>
       <p:sp>
         <p:nvSpPr>
-          <p:cNvPr id="282" name="Google Shape;282;p46"/>
+          <p:cNvPr id="280" name="Google Shape;280;p46"/>
           <p:cNvSpPr txBox="1"/>
           <p:nvPr>
             <p:ph idx="1" type="body"/>
@@ -14783,8 +15502,8 @@
         </p:nvSpPr>
         <p:spPr>
           <a:xfrm>
-            <a:off x="311700" y="849250"/>
-            <a:ext cx="8520600" cy="3972900"/>
+            <a:off x="311700" y="936600"/>
+            <a:ext cx="8520600" cy="3632400"/>
           </a:xfrm>
           <a:prstGeom prst="rect">
             <a:avLst/>
@@ -14807,9 +15526,9 @@
             </a:pPr>
             <a:r>
               <a:rPr lang="en" sz="1700"/>
-              <a:t>Model Diagram</a:t>
-            </a:r>
-            <a:endParaRPr sz="1700"/>
+              <a:t>Training loss and accuracy: OULU-NPU (best val accuracy after 8 epochs)</a:t>
+            </a:r>
+            <a:endParaRPr sz="1500"/>
           </a:p>
           <a:p>
             <a:pPr indent="0" lvl="0" marL="0" rtl="0" algn="l">
@@ -14830,21 +15549,22 @@
       </p:sp>
       <p:pic>
         <p:nvPicPr>
-          <p:cNvPr id="283" name="Google Shape;283;p46"/>
+          <p:cNvPr id="281" name="Google Shape;281;p46"/>
           <p:cNvPicPr preferRelativeResize="0"/>
           <p:nvPr/>
         </p:nvPicPr>
-        <p:blipFill rotWithShape="1">
+        <p:blipFill>
           <a:blip r:embed="rId3">
             <a:alphaModFix/>
           </a:blip>
-          <a:srcRect b="0" l="0" r="0" t="15304"/>
-          <a:stretch/>
+          <a:stretch>
+            <a:fillRect/>
+          </a:stretch>
         </p:blipFill>
         <p:spPr>
           <a:xfrm>
-            <a:off x="584100" y="1565525"/>
-            <a:ext cx="7975800" cy="3182574"/>
+            <a:off x="454950" y="1983601"/>
+            <a:ext cx="8234101" cy="1176300"/>
           </a:xfrm>
           <a:prstGeom prst="rect">
             <a:avLst/>
@@ -14855,48 +15575,6 @@
           </a:ln>
         </p:spPr>
       </p:pic>
-      <p:sp>
-        <p:nvSpPr>
-          <p:cNvPr id="284" name="Google Shape;284;p46"/>
-          <p:cNvSpPr txBox="1"/>
-          <p:nvPr/>
-        </p:nvSpPr>
-        <p:spPr>
-          <a:xfrm>
-            <a:off x="1540800" y="1677800"/>
-            <a:ext cx="2526900" cy="258300"/>
-          </a:xfrm>
-          <a:prstGeom prst="rect">
-            <a:avLst/>
-          </a:prstGeom>
-          <a:noFill/>
-          <a:ln>
-            <a:noFill/>
-          </a:ln>
-        </p:spPr>
-        <p:txBody>
-          <a:bodyPr anchorCtr="0" anchor="t" bIns="91425" lIns="91425" spcFirstLastPara="1" rIns="91425" wrap="square" tIns="91425">
-            <a:noAutofit/>
-          </a:bodyPr>
-          <a:lstStyle/>
-          <a:p>
-            <a:pPr indent="0" lvl="0" marL="0" rtl="0" algn="l">
-              <a:spcBef>
-                <a:spcPts val="0"/>
-              </a:spcBef>
-              <a:spcAft>
-                <a:spcPts val="0"/>
-              </a:spcAft>
-              <a:buNone/>
-            </a:pPr>
-            <a:r>
-              <a:rPr lang="en"/>
-              <a:t>Densenet121 backbone</a:t>
-            </a:r>
-            <a:endParaRPr/>
-          </a:p>
-        </p:txBody>
-      </p:sp>
     </p:spTree>
   </p:cSld>
   <p:clrMapOvr>
@@ -14910,7 +15588,7 @@
   <p:cSld>
     <p:spTree>
       <p:nvGrpSpPr>
-        <p:cNvPr id="288" name="Shape 288"/>
+        <p:cNvPr id="285" name="Shape 285"/>
         <p:cNvGrpSpPr/>
         <p:nvPr/>
       </p:nvGrpSpPr>
@@ -14924,7 +15602,7 @@
       </p:grpSpPr>
       <p:sp>
         <p:nvSpPr>
-          <p:cNvPr id="289" name="Google Shape;289;p47"/>
+          <p:cNvPr id="286" name="Google Shape;286;p47"/>
           <p:cNvSpPr txBox="1"/>
           <p:nvPr>
             <p:ph type="title"/>
@@ -14957,31 +15635,15 @@
             </a:pPr>
             <a:r>
               <a:rPr lang="en" sz="1920"/>
-              <a:t>ViT(Deit) with Densenet backbone using Pixel wise binary supervision</a:t>
+              <a:t>DenseNet with CDCN </a:t>
             </a:r>
             <a:endParaRPr sz="1920"/>
           </a:p>
-          <a:p>
-            <a:pPr indent="0" lvl="0" marL="0" rtl="0" algn="l">
-              <a:spcBef>
-                <a:spcPts val="0"/>
-              </a:spcBef>
-              <a:spcAft>
-                <a:spcPts val="0"/>
-              </a:spcAft>
-              <a:buSzPts val="990"/>
-              <a:buNone/>
-            </a:pPr>
-            <a:r>
-              <a:t/>
-            </a:r>
-            <a:endParaRPr sz="1920"/>
-          </a:p>
         </p:txBody>
       </p:sp>
       <p:sp>
         <p:nvSpPr>
-          <p:cNvPr id="290" name="Google Shape;290;p47"/>
+          <p:cNvPr id="287" name="Google Shape;287;p47"/>
           <p:cNvSpPr txBox="1"/>
           <p:nvPr>
             <p:ph idx="1" type="body"/>
@@ -14989,8 +15651,8 @@
         </p:nvSpPr>
         <p:spPr>
           <a:xfrm>
-            <a:off x="311700" y="849250"/>
-            <a:ext cx="8520600" cy="3972900"/>
+            <a:off x="311700" y="936600"/>
+            <a:ext cx="8520600" cy="3632400"/>
           </a:xfrm>
           <a:prstGeom prst="rect">
             <a:avLst/>
@@ -15013,92 +15675,59 @@
             </a:pPr>
             <a:r>
               <a:rPr lang="en" sz="1700"/>
-              <a:t>Why DeiT was chosen</a:t>
+              <a:t>Test metrics</a:t>
+            </a:r>
+            <a:r>
+              <a:rPr lang="en" sz="1700"/>
+              <a:t>: OULU-NPU after 8 epochs</a:t>
+            </a:r>
+            <a:endParaRPr sz="1500"/>
+          </a:p>
+          <a:p>
+            <a:pPr indent="0" lvl="0" marL="0" rtl="0" algn="l">
+              <a:spcBef>
+                <a:spcPts val="1200"/>
+              </a:spcBef>
+              <a:spcAft>
+                <a:spcPts val="1200"/>
+              </a:spcAft>
+              <a:buNone/>
+            </a:pPr>
+            <a:r>
+              <a:t/>
             </a:r>
             <a:endParaRPr sz="1700"/>
           </a:p>
-          <a:p>
-            <a:pPr indent="0" lvl="0" marL="0" rtl="0" algn="l">
-              <a:spcBef>
-                <a:spcPts val="1200"/>
-              </a:spcBef>
-              <a:spcAft>
-                <a:spcPts val="0"/>
-              </a:spcAft>
-              <a:buNone/>
-            </a:pPr>
-            <a:r>
-              <a:rPr lang="en" sz="1700"/>
-              <a:t>DeiT introduces a more efficient attention mechanism compared to the original ViT</a:t>
-            </a:r>
-            <a:endParaRPr sz="1700"/>
-          </a:p>
-          <a:p>
-            <a:pPr indent="0" lvl="0" marL="0" rtl="0" algn="l">
-              <a:spcBef>
-                <a:spcPts val="1200"/>
-              </a:spcBef>
-              <a:spcAft>
-                <a:spcPts val="0"/>
-              </a:spcAft>
-              <a:buNone/>
-            </a:pPr>
-            <a:r>
-              <a:rPr lang="en" sz="1700"/>
-              <a:t>DeiT is specifically designed to be data-efficient. It demonstrates strong performance with fewer training samples compared to some other ViT models. </a:t>
-            </a:r>
-            <a:endParaRPr sz="1700"/>
-          </a:p>
-          <a:p>
-            <a:pPr indent="0" lvl="0" marL="0" rtl="0" algn="l">
-              <a:spcBef>
-                <a:spcPts val="1200"/>
-              </a:spcBef>
-              <a:spcAft>
-                <a:spcPts val="0"/>
-              </a:spcAft>
-              <a:buNone/>
-            </a:pPr>
-            <a:r>
-              <a:rPr lang="en" sz="1700"/>
-              <a:t>One of the main advantages of the DeiT (Data-efficient Image Transformer) architecture is its efficiency in terms of the number of parameters compared to some other ViT (Vision Transformer) models.</a:t>
-            </a:r>
-            <a:endParaRPr sz="1700"/>
-          </a:p>
-          <a:p>
-            <a:pPr indent="0" lvl="0" marL="0" rtl="0" algn="l">
-              <a:spcBef>
-                <a:spcPts val="1200"/>
-              </a:spcBef>
-              <a:spcAft>
-                <a:spcPts val="0"/>
-              </a:spcAft>
-              <a:buNone/>
-            </a:pPr>
-            <a:r>
-              <a:rPr lang="en" sz="1700"/>
-              <a:t>In tasks where computational resources, memory constraints, or training data availability are limited, the data efficiency of DeiT can be a significant advantage</a:t>
-            </a:r>
-            <a:endParaRPr sz="1700"/>
-          </a:p>
-          <a:p>
-            <a:pPr indent="0" lvl="0" marL="0" rtl="0" algn="l">
-              <a:spcBef>
-                <a:spcPts val="1200"/>
-              </a:spcBef>
-              <a:spcAft>
-                <a:spcPts val="1200"/>
-              </a:spcAft>
-              <a:buNone/>
-            </a:pPr>
-            <a:r>
-              <a:rPr lang="en" sz="1700"/>
-              <a:t>Also the availability and usability of the pretrained DeiT models was a large factor.</a:t>
-            </a:r>
-            <a:endParaRPr sz="1700"/>
-          </a:p>
         </p:txBody>
       </p:sp>
+      <p:pic>
+        <p:nvPicPr>
+          <p:cNvPr id="288" name="Google Shape;288;p47"/>
+          <p:cNvPicPr preferRelativeResize="0"/>
+          <p:nvPr/>
+        </p:nvPicPr>
+        <p:blipFill>
+          <a:blip r:embed="rId3">
+            <a:alphaModFix/>
+          </a:blip>
+          <a:stretch>
+            <a:fillRect/>
+          </a:stretch>
+        </p:blipFill>
+        <p:spPr>
+          <a:xfrm>
+            <a:off x="2162175" y="2105025"/>
+            <a:ext cx="4819650" cy="933450"/>
+          </a:xfrm>
+          <a:prstGeom prst="rect">
+            <a:avLst/>
+          </a:prstGeom>
+          <a:noFill/>
+          <a:ln>
+            <a:noFill/>
+          </a:ln>
+        </p:spPr>
+      </p:pic>
     </p:spTree>
   </p:cSld>
   <p:clrMapOvr>
@@ -15112,7 +15741,7 @@
   <p:cSld>
     <p:spTree>
       <p:nvGrpSpPr>
-        <p:cNvPr id="294" name="Shape 294"/>
+        <p:cNvPr id="292" name="Shape 292"/>
         <p:cNvGrpSpPr/>
         <p:nvPr/>
       </p:nvGrpSpPr>
@@ -15126,7 +15755,7 @@
       </p:grpSpPr>
       <p:sp>
         <p:nvSpPr>
-          <p:cNvPr id="295" name="Google Shape;295;p48"/>
+          <p:cNvPr id="293" name="Google Shape;293;p48"/>
           <p:cNvSpPr txBox="1"/>
           <p:nvPr>
             <p:ph type="title"/>
@@ -15134,20 +15763,20 @@
         </p:nvSpPr>
         <p:spPr>
           <a:xfrm>
-            <a:off x="311700" y="276550"/>
-            <a:ext cx="8520600" cy="572700"/>
+            <a:off x="311700" y="2150850"/>
+            <a:ext cx="8520600" cy="841800"/>
           </a:xfrm>
           <a:prstGeom prst="rect">
             <a:avLst/>
           </a:prstGeom>
         </p:spPr>
         <p:txBody>
-          <a:bodyPr anchorCtr="0" anchor="t" bIns="91425" lIns="91425" spcFirstLastPara="1" rIns="91425" wrap="square" tIns="91425">
+          <a:bodyPr anchorCtr="0" anchor="ctr" bIns="91425" lIns="91425" spcFirstLastPara="1" rIns="91425" wrap="square" tIns="91425">
             <a:noAutofit/>
           </a:bodyPr>
           <a:lstStyle/>
           <a:p>
-            <a:pPr indent="0" lvl="0" marL="0" rtl="0" algn="l">
+            <a:pPr indent="0" lvl="0" marL="0" rtl="0" algn="ctr">
               <a:spcBef>
                 <a:spcPts val="0"/>
               </a:spcBef>
@@ -15159,127 +15788,12 @@
             </a:pPr>
             <a:r>
               <a:rPr lang="en" sz="1920"/>
-              <a:t>ViT(Deit) with Densenet backbone using Pixel wise binary supervision</a:t>
+              <a:t>DenseNet-ViT with Pixel Wise Binary Supervision</a:t>
             </a:r>
             <a:endParaRPr sz="1920"/>
           </a:p>
-          <a:p>
-            <a:pPr indent="0" lvl="0" marL="0" rtl="0" algn="l">
-              <a:spcBef>
-                <a:spcPts val="0"/>
-              </a:spcBef>
-              <a:spcAft>
-                <a:spcPts val="0"/>
-              </a:spcAft>
-              <a:buSzPts val="990"/>
-              <a:buNone/>
-            </a:pPr>
-            <a:r>
-              <a:t/>
-            </a:r>
-            <a:endParaRPr sz="1920"/>
-          </a:p>
         </p:txBody>
       </p:sp>
-      <p:sp>
-        <p:nvSpPr>
-          <p:cNvPr id="296" name="Google Shape;296;p48"/>
-          <p:cNvSpPr txBox="1"/>
-          <p:nvPr>
-            <p:ph idx="1" type="body"/>
-          </p:nvPr>
-        </p:nvSpPr>
-        <p:spPr>
-          <a:xfrm>
-            <a:off x="311700" y="936600"/>
-            <a:ext cx="8520600" cy="3885600"/>
-          </a:xfrm>
-          <a:prstGeom prst="rect">
-            <a:avLst/>
-          </a:prstGeom>
-        </p:spPr>
-        <p:txBody>
-          <a:bodyPr anchorCtr="0" anchor="t" bIns="91425" lIns="91425" spcFirstLastPara="1" rIns="91425" wrap="square" tIns="91425">
-            <a:normAutofit/>
-          </a:bodyPr>
-          <a:lstStyle/>
-          <a:p>
-            <a:pPr indent="0" lvl="0" marL="0" rtl="0" algn="l">
-              <a:spcBef>
-                <a:spcPts val="0"/>
-              </a:spcBef>
-              <a:spcAft>
-                <a:spcPts val="0"/>
-              </a:spcAft>
-              <a:buNone/>
-            </a:pPr>
-            <a:r>
-              <a:rPr lang="en" sz="1700"/>
-              <a:t>We are using the pretrained Densenet121 and DeiT (Data-efficient Image Transformer) </a:t>
-            </a:r>
-            <a:endParaRPr sz="1700"/>
-          </a:p>
-          <a:p>
-            <a:pPr indent="0" lvl="0" marL="0" rtl="0" algn="l">
-              <a:spcBef>
-                <a:spcPts val="1200"/>
-              </a:spcBef>
-              <a:spcAft>
-                <a:spcPts val="0"/>
-              </a:spcAft>
-              <a:buNone/>
-            </a:pPr>
-            <a:r>
-              <a:rPr lang="en" sz="1700"/>
-              <a:t>With the densenet being used as the backbone</a:t>
-            </a:r>
-            <a:endParaRPr sz="1700"/>
-          </a:p>
-          <a:p>
-            <a:pPr indent="0" lvl="0" marL="0" rtl="0" algn="l">
-              <a:spcBef>
-                <a:spcPts val="1200"/>
-              </a:spcBef>
-              <a:spcAft>
-                <a:spcPts val="1200"/>
-              </a:spcAft>
-              <a:buNone/>
-            </a:pPr>
-            <a:r>
-              <a:t/>
-            </a:r>
-            <a:endParaRPr sz="1700"/>
-          </a:p>
-        </p:txBody>
-      </p:sp>
-      <p:pic>
-        <p:nvPicPr>
-          <p:cNvPr id="297" name="Google Shape;297;p48"/>
-          <p:cNvPicPr preferRelativeResize="0"/>
-          <p:nvPr/>
-        </p:nvPicPr>
-        <p:blipFill>
-          <a:blip r:embed="rId3">
-            <a:alphaModFix/>
-          </a:blip>
-          <a:stretch>
-            <a:fillRect/>
-          </a:stretch>
-        </p:blipFill>
-        <p:spPr>
-          <a:xfrm>
-            <a:off x="624412" y="2009076"/>
-            <a:ext cx="7895174" cy="2386375"/>
-          </a:xfrm>
-          <a:prstGeom prst="rect">
-            <a:avLst/>
-          </a:prstGeom>
-          <a:noFill/>
-          <a:ln>
-            <a:noFill/>
-          </a:ln>
-        </p:spPr>
-      </p:pic>
     </p:spTree>
   </p:cSld>
   <p:clrMapOvr>
@@ -15293,7 +15807,7 @@
   <p:cSld>
     <p:spTree>
       <p:nvGrpSpPr>
-        <p:cNvPr id="301" name="Shape 301"/>
+        <p:cNvPr id="297" name="Shape 297"/>
         <p:cNvGrpSpPr/>
         <p:nvPr/>
       </p:nvGrpSpPr>
@@ -15307,7 +15821,7 @@
       </p:grpSpPr>
       <p:sp>
         <p:nvSpPr>
-          <p:cNvPr id="302" name="Google Shape;302;p49"/>
+          <p:cNvPr id="298" name="Google Shape;298;p49"/>
           <p:cNvSpPr txBox="1"/>
           <p:nvPr>
             <p:ph type="title"/>
@@ -15364,7 +15878,7 @@
       </p:sp>
       <p:sp>
         <p:nvSpPr>
-          <p:cNvPr id="303" name="Google Shape;303;p49"/>
+          <p:cNvPr id="299" name="Google Shape;299;p49"/>
           <p:cNvSpPr txBox="1"/>
           <p:nvPr>
             <p:ph idx="1" type="body"/>
@@ -15372,8 +15886,8 @@
         </p:nvSpPr>
         <p:spPr>
           <a:xfrm>
-            <a:off x="311700" y="936600"/>
-            <a:ext cx="8520600" cy="3885600"/>
+            <a:off x="311700" y="849250"/>
+            <a:ext cx="8520600" cy="3972900"/>
           </a:xfrm>
           <a:prstGeom prst="rect">
             <a:avLst/>
@@ -15396,38 +15910,7 @@
             </a:pPr>
             <a:r>
               <a:rPr lang="en" sz="1700"/>
-              <a:t>The intermediate outputs from backbone are used for Pixel wise binary supervision</a:t>
-            </a:r>
-            <a:endParaRPr sz="1700"/>
-          </a:p>
-          <a:p>
-            <a:pPr indent="0" lvl="0" marL="0" rtl="0" algn="l">
-              <a:spcBef>
-                <a:spcPts val="1200"/>
-              </a:spcBef>
-              <a:spcAft>
-                <a:spcPts val="0"/>
-              </a:spcAft>
-              <a:buNone/>
-            </a:pPr>
-            <a:r>
-              <a:rPr lang="en" sz="1700"/>
-              <a:t>And the final output from the ViT is used for binary classification.</a:t>
-            </a:r>
-            <a:endParaRPr sz="1700"/>
-          </a:p>
-          <a:p>
-            <a:pPr indent="0" lvl="0" marL="0" rtl="0" algn="l">
-              <a:spcBef>
-                <a:spcPts val="1200"/>
-              </a:spcBef>
-              <a:spcAft>
-                <a:spcPts val="0"/>
-              </a:spcAft>
-              <a:buNone/>
-            </a:pPr>
-            <a:r>
-              <a:t/>
+              <a:t>Model Diagram</a:t>
             </a:r>
             <a:endParaRPr sz="1700"/>
           </a:p>
@@ -15450,22 +15933,21 @@
       </p:sp>
       <p:pic>
         <p:nvPicPr>
-          <p:cNvPr id="304" name="Google Shape;304;p49"/>
+          <p:cNvPr id="300" name="Google Shape;300;p49"/>
           <p:cNvPicPr preferRelativeResize="0"/>
           <p:nvPr/>
         </p:nvPicPr>
-        <p:blipFill>
+        <p:blipFill rotWithShape="1">
           <a:blip r:embed="rId3">
             <a:alphaModFix/>
           </a:blip>
-          <a:stretch>
-            <a:fillRect/>
-          </a:stretch>
+          <a:srcRect b="0" l="0" r="0" t="15304"/>
+          <a:stretch/>
         </p:blipFill>
         <p:spPr>
           <a:xfrm>
-            <a:off x="1057900" y="1979778"/>
-            <a:ext cx="7131524" cy="2842425"/>
+            <a:off x="584100" y="1565525"/>
+            <a:ext cx="7975800" cy="3182574"/>
           </a:xfrm>
           <a:prstGeom prst="rect">
             <a:avLst/>
@@ -15476,6 +15958,48 @@
           </a:ln>
         </p:spPr>
       </p:pic>
+      <p:sp>
+        <p:nvSpPr>
+          <p:cNvPr id="301" name="Google Shape;301;p49"/>
+          <p:cNvSpPr txBox="1"/>
+          <p:nvPr/>
+        </p:nvSpPr>
+        <p:spPr>
+          <a:xfrm>
+            <a:off x="1540800" y="1677800"/>
+            <a:ext cx="2526900" cy="258300"/>
+          </a:xfrm>
+          <a:prstGeom prst="rect">
+            <a:avLst/>
+          </a:prstGeom>
+          <a:noFill/>
+          <a:ln>
+            <a:noFill/>
+          </a:ln>
+        </p:spPr>
+        <p:txBody>
+          <a:bodyPr anchorCtr="0" anchor="t" bIns="91425" lIns="91425" spcFirstLastPara="1" rIns="91425" wrap="square" tIns="91425">
+            <a:noAutofit/>
+          </a:bodyPr>
+          <a:lstStyle/>
+          <a:p>
+            <a:pPr indent="0" lvl="0" marL="0" rtl="0" algn="l">
+              <a:spcBef>
+                <a:spcPts val="0"/>
+              </a:spcBef>
+              <a:spcAft>
+                <a:spcPts val="0"/>
+              </a:spcAft>
+              <a:buNone/>
+            </a:pPr>
+            <a:r>
+              <a:rPr lang="en"/>
+              <a:t>Densenet121 backbone</a:t>
+            </a:r>
+            <a:endParaRPr/>
+          </a:p>
+        </p:txBody>
+      </p:sp>
     </p:spTree>
   </p:cSld>
   <p:clrMapOvr>
@@ -15489,7 +16013,7 @@
   <p:cSld>
     <p:spTree>
       <p:nvGrpSpPr>
-        <p:cNvPr id="308" name="Shape 308"/>
+        <p:cNvPr id="305" name="Shape 305"/>
         <p:cNvGrpSpPr/>
         <p:nvPr/>
       </p:nvGrpSpPr>
@@ -15503,7 +16027,7 @@
       </p:grpSpPr>
       <p:sp>
         <p:nvSpPr>
-          <p:cNvPr id="309" name="Google Shape;309;p50"/>
+          <p:cNvPr id="306" name="Google Shape;306;p50"/>
           <p:cNvSpPr txBox="1"/>
           <p:nvPr>
             <p:ph type="title"/>
@@ -15540,11 +16064,27 @@
             </a:r>
             <a:endParaRPr sz="1920"/>
           </a:p>
+          <a:p>
+            <a:pPr indent="0" lvl="0" marL="0" rtl="0" algn="l">
+              <a:spcBef>
+                <a:spcPts val="0"/>
+              </a:spcBef>
+              <a:spcAft>
+                <a:spcPts val="0"/>
+              </a:spcAft>
+              <a:buSzPts val="990"/>
+              <a:buNone/>
+            </a:pPr>
+            <a:r>
+              <a:t/>
+            </a:r>
+            <a:endParaRPr sz="1920"/>
+          </a:p>
         </p:txBody>
       </p:sp>
       <p:sp>
         <p:nvSpPr>
-          <p:cNvPr id="310" name="Google Shape;310;p50"/>
+          <p:cNvPr id="307" name="Google Shape;307;p50"/>
           <p:cNvSpPr txBox="1"/>
           <p:nvPr>
             <p:ph idx="1" type="body"/>
@@ -15552,8 +16092,8 @@
         </p:nvSpPr>
         <p:spPr>
           <a:xfrm>
-            <a:off x="311700" y="936600"/>
-            <a:ext cx="8520600" cy="3885600"/>
+            <a:off x="311700" y="849250"/>
+            <a:ext cx="8520600" cy="3972900"/>
           </a:xfrm>
           <a:prstGeom prst="rect">
             <a:avLst/>
@@ -15576,7 +16116,7 @@
             </a:pPr>
             <a:r>
               <a:rPr lang="en" sz="1700"/>
-              <a:t>Loss function: Total loss denoted with a weighted average of the </a:t>
+              <a:t>Why DeiT was chosen</a:t>
             </a:r>
             <a:endParaRPr sz="1700"/>
           </a:p>
@@ -15592,15 +16132,23 @@
             </a:pPr>
             <a:r>
               <a:rPr lang="en" sz="1700"/>
-              <a:t>          </a:t>
-            </a:r>
-            <a:r>
-              <a:rPr lang="en" sz="1500"/>
-              <a:t>final binary classification loss (BCE loss) and pixel-wise binary supervision loss (MSE loss)</a:t>
-            </a:r>
+              <a:t>DeiT introduces a more efficient attention mechanism compared to the original ViT</a:t>
+            </a:r>
+            <a:endParaRPr sz="1700"/>
+          </a:p>
+          <a:p>
+            <a:pPr indent="0" lvl="0" marL="0" rtl="0" algn="l">
+              <a:spcBef>
+                <a:spcPts val="1200"/>
+              </a:spcBef>
+              <a:spcAft>
+                <a:spcPts val="0"/>
+              </a:spcAft>
+              <a:buNone/>
+            </a:pPr>
             <a:r>
               <a:rPr lang="en" sz="1700"/>
-              <a:t> </a:t>
+              <a:t>DeiT is specifically designed to be data-efficient. It demonstrates strong performance with fewer training samples compared to some other ViT models. </a:t>
             </a:r>
             <a:endParaRPr sz="1700"/>
           </a:p>
@@ -15615,7 +16163,8 @@
               <a:buNone/>
             </a:pPr>
             <a:r>
-              <a:t/>
+              <a:rPr lang="en" sz="1700"/>
+              <a:t>One of the main advantages of the DeiT (Data-efficient Image Transformer) architecture is its efficiency in terms of the number of parameters compared to some other ViT (Vision Transformer) models.</a:t>
             </a:r>
             <a:endParaRPr sz="1700"/>
           </a:p>
@@ -15625,89 +16174,31 @@
                 <a:spcPts val="1200"/>
               </a:spcBef>
               <a:spcAft>
+                <a:spcPts val="0"/>
+              </a:spcAft>
+              <a:buNone/>
+            </a:pPr>
+            <a:r>
+              <a:rPr lang="en" sz="1700"/>
+              <a:t>In tasks where computational resources, memory constraints, or training data availability are limited, the data efficiency of DeiT can be a significant advantage</a:t>
+            </a:r>
+            <a:endParaRPr sz="1700"/>
+          </a:p>
+          <a:p>
+            <a:pPr indent="0" lvl="0" marL="0" rtl="0" algn="l">
+              <a:spcBef>
                 <a:spcPts val="1200"/>
-              </a:spcAft>
-              <a:buNone/>
-            </a:pPr>
-            <a:r>
-              <a:t/>
+              </a:spcBef>
+              <a:spcAft>
+                <a:spcPts val="1200"/>
+              </a:spcAft>
+              <a:buNone/>
+            </a:pPr>
+            <a:r>
+              <a:rPr lang="en" sz="1700"/>
+              <a:t>Also the availability and usability of the pretrained DeiT models was a large factor.</a:t>
             </a:r>
             <a:endParaRPr sz="1700"/>
-          </a:p>
-        </p:txBody>
-      </p:sp>
-      <p:pic>
-        <p:nvPicPr>
-          <p:cNvPr id="311" name="Google Shape;311;p50"/>
-          <p:cNvPicPr preferRelativeResize="0"/>
-          <p:nvPr/>
-        </p:nvPicPr>
-        <p:blipFill>
-          <a:blip r:embed="rId3">
-            <a:alphaModFix/>
-          </a:blip>
-          <a:stretch>
-            <a:fillRect/>
-          </a:stretch>
-        </p:blipFill>
-        <p:spPr>
-          <a:xfrm>
-            <a:off x="1170200" y="1904872"/>
-            <a:ext cx="7019225" cy="2869950"/>
-          </a:xfrm>
-          <a:prstGeom prst="rect">
-            <a:avLst/>
-          </a:prstGeom>
-          <a:noFill/>
-          <a:ln>
-            <a:noFill/>
-          </a:ln>
-        </p:spPr>
-      </p:pic>
-      <p:sp>
-        <p:nvSpPr>
-          <p:cNvPr id="312" name="Google Shape;312;p50"/>
-          <p:cNvSpPr/>
-          <p:nvPr/>
-        </p:nvSpPr>
-        <p:spPr>
-          <a:xfrm>
-            <a:off x="1170200" y="4328125"/>
-            <a:ext cx="5154600" cy="370800"/>
-          </a:xfrm>
-          <a:prstGeom prst="rect">
-            <a:avLst/>
-          </a:prstGeom>
-          <a:noFill/>
-          <a:ln cap="flat" cmpd="sng" w="38100">
-            <a:solidFill>
-              <a:srgbClr val="4A86E8"/>
-            </a:solidFill>
-            <a:prstDash val="solid"/>
-            <a:round/>
-            <a:headEnd len="sm" w="sm" type="none"/>
-            <a:tailEnd len="sm" w="sm" type="none"/>
-          </a:ln>
-        </p:spPr>
-        <p:txBody>
-          <a:bodyPr anchorCtr="0" anchor="ctr" bIns="91425" lIns="91425" spcFirstLastPara="1" rIns="91425" wrap="square" tIns="91425">
-            <a:noAutofit/>
-          </a:bodyPr>
-          <a:lstStyle/>
-          <a:p>
-            <a:pPr indent="0" lvl="0" marL="0" rtl="0" algn="ctr">
-              <a:spcBef>
-                <a:spcPts val="0"/>
-              </a:spcBef>
-              <a:spcAft>
-                <a:spcPts val="0"/>
-              </a:spcAft>
-              <a:buNone/>
-            </a:pPr>
-            <a:r>
-              <a:t/>
-            </a:r>
-            <a:endParaRPr/>
           </a:p>
         </p:txBody>
       </p:sp>
@@ -15724,7 +16215,7 @@
   <p:cSld>
     <p:spTree>
       <p:nvGrpSpPr>
-        <p:cNvPr id="316" name="Shape 316"/>
+        <p:cNvPr id="311" name="Shape 311"/>
         <p:cNvGrpSpPr/>
         <p:nvPr/>
       </p:nvGrpSpPr>
@@ -15738,7 +16229,7 @@
       </p:grpSpPr>
       <p:sp>
         <p:nvSpPr>
-          <p:cNvPr id="317" name="Google Shape;317;p51"/>
+          <p:cNvPr id="312" name="Google Shape;312;p51"/>
           <p:cNvSpPr txBox="1"/>
           <p:nvPr>
             <p:ph type="title"/>
@@ -15775,11 +16266,27 @@
             </a:r>
             <a:endParaRPr sz="1920"/>
           </a:p>
+          <a:p>
+            <a:pPr indent="0" lvl="0" marL="0" rtl="0" algn="l">
+              <a:spcBef>
+                <a:spcPts val="0"/>
+              </a:spcBef>
+              <a:spcAft>
+                <a:spcPts val="0"/>
+              </a:spcAft>
+              <a:buSzPts val="990"/>
+              <a:buNone/>
+            </a:pPr>
+            <a:r>
+              <a:t/>
+            </a:r>
+            <a:endParaRPr sz="1920"/>
+          </a:p>
         </p:txBody>
       </p:sp>
       <p:sp>
         <p:nvSpPr>
-          <p:cNvPr id="318" name="Google Shape;318;p51"/>
+          <p:cNvPr id="313" name="Google Shape;313;p51"/>
           <p:cNvSpPr txBox="1"/>
           <p:nvPr>
             <p:ph idx="1" type="body"/>
@@ -15788,7 +16295,7 @@
         <p:spPr>
           <a:xfrm>
             <a:off x="311700" y="936600"/>
-            <a:ext cx="8520600" cy="3632400"/>
+            <a:ext cx="8520600" cy="3885600"/>
           </a:xfrm>
           <a:prstGeom prst="rect">
             <a:avLst/>
@@ -15801,28 +16308,22 @@
           <a:lstStyle/>
           <a:p>
             <a:pPr indent="0" lvl="0" marL="0" rtl="0" algn="l">
-              <a:lnSpc>
-                <a:spcPct val="100000"/>
-              </a:lnSpc>
-              <a:spcBef>
-                <a:spcPts val="0"/>
-              </a:spcBef>
-              <a:spcAft>
-                <a:spcPts val="0"/>
-              </a:spcAft>
-              <a:buNone/>
-            </a:pPr>
-            <a:r>
-              <a:rPr lang="en" sz="1600"/>
-              <a:t>From Replay-attack</a:t>
-            </a:r>
-            <a:endParaRPr sz="1600"/>
-          </a:p>
-          <a:p>
-            <a:pPr indent="0" lvl="0" marL="0" rtl="0" algn="l">
-              <a:lnSpc>
-                <a:spcPct val="100000"/>
-              </a:lnSpc>
+              <a:spcBef>
+                <a:spcPts val="0"/>
+              </a:spcBef>
+              <a:spcAft>
+                <a:spcPts val="0"/>
+              </a:spcAft>
+              <a:buNone/>
+            </a:pPr>
+            <a:r>
+              <a:rPr lang="en" sz="1700"/>
+              <a:t>We are using the pretrained Densenet121 and DeiT (Data-efficient Image Transformer) </a:t>
+            </a:r>
+            <a:endParaRPr sz="1700"/>
+          </a:p>
+          <a:p>
+            <a:pPr indent="0" lvl="0" marL="0" rtl="0" algn="l">
               <a:spcBef>
                 <a:spcPts val="1200"/>
               </a:spcBef>
@@ -15832,10 +16333,10 @@
               <a:buNone/>
             </a:pPr>
             <a:r>
-              <a:rPr lang="en" sz="1600"/>
-              <a:t>Observed that using BCE loss for both losses was better converging as compared to using </a:t>
-            </a:r>
-            <a:endParaRPr sz="1100"/>
+              <a:rPr lang="en" sz="1700"/>
+              <a:t>With the densenet being used as the backbone</a:t>
+            </a:r>
+            <a:endParaRPr sz="1700"/>
           </a:p>
           <a:p>
             <a:pPr indent="0" lvl="0" marL="0" rtl="0" algn="l">
@@ -15843,65 +16344,45 @@
                 <a:spcPts val="1200"/>
               </a:spcBef>
               <a:spcAft>
-                <a:spcPts val="0"/>
-              </a:spcAft>
-              <a:buNone/>
-            </a:pPr>
-            <a:r>
-              <a:rPr lang="en" sz="1700"/>
-              <a:t>MSE for Pixel wise binary supervision loss and </a:t>
+                <a:spcPts val="1200"/>
+              </a:spcAft>
+              <a:buNone/>
+            </a:pPr>
+            <a:r>
+              <a:t/>
             </a:r>
             <a:endParaRPr sz="1700"/>
           </a:p>
-          <a:p>
-            <a:pPr indent="0" lvl="0" marL="0" rtl="0" algn="l">
-              <a:spcBef>
-                <a:spcPts val="1200"/>
-              </a:spcBef>
-              <a:spcAft>
-                <a:spcPts val="0"/>
-              </a:spcAft>
-              <a:buNone/>
-            </a:pPr>
-            <a:r>
-              <a:rPr lang="en" sz="1700"/>
-              <a:t>BCE for Classification loss</a:t>
-            </a:r>
-            <a:endParaRPr sz="1700"/>
-          </a:p>
-          <a:p>
-            <a:pPr indent="0" lvl="0" marL="0" rtl="0" algn="l">
-              <a:spcBef>
-                <a:spcPts val="1200"/>
-              </a:spcBef>
-              <a:spcAft>
-                <a:spcPts val="0"/>
-              </a:spcAft>
-              <a:buNone/>
-            </a:pPr>
-            <a:r>
-              <a:t/>
-            </a:r>
-            <a:endParaRPr sz="1700"/>
-          </a:p>
-          <a:p>
-            <a:pPr indent="0" lvl="0" marL="0" rtl="0" algn="l">
-              <a:spcBef>
-                <a:spcPts val="1200"/>
-              </a:spcBef>
-              <a:spcAft>
-                <a:spcPts val="1200"/>
-              </a:spcAft>
-              <a:buNone/>
-            </a:pPr>
-            <a:r>
-              <a:rPr lang="en" sz="1700"/>
-              <a:t>Theta of 0.3 was an optimal choice using Replay-attack</a:t>
-            </a:r>
-            <a:endParaRPr sz="1700"/>
-          </a:p>
         </p:txBody>
       </p:sp>
+      <p:pic>
+        <p:nvPicPr>
+          <p:cNvPr id="314" name="Google Shape;314;p51"/>
+          <p:cNvPicPr preferRelativeResize="0"/>
+          <p:nvPr/>
+        </p:nvPicPr>
+        <p:blipFill>
+          <a:blip r:embed="rId3">
+            <a:alphaModFix/>
+          </a:blip>
+          <a:stretch>
+            <a:fillRect/>
+          </a:stretch>
+        </p:blipFill>
+        <p:spPr>
+          <a:xfrm>
+            <a:off x="624412" y="2009076"/>
+            <a:ext cx="7895174" cy="2386375"/>
+          </a:xfrm>
+          <a:prstGeom prst="rect">
+            <a:avLst/>
+          </a:prstGeom>
+          <a:noFill/>
+          <a:ln>
+            <a:noFill/>
+          </a:ln>
+        </p:spPr>
+      </p:pic>
     </p:spTree>
   </p:cSld>
   <p:clrMapOvr>
@@ -16083,7 +16564,7 @@
   <p:cSld>
     <p:spTree>
       <p:nvGrpSpPr>
-        <p:cNvPr id="322" name="Shape 322"/>
+        <p:cNvPr id="318" name="Shape 318"/>
         <p:cNvGrpSpPr/>
         <p:nvPr/>
       </p:nvGrpSpPr>
@@ -16097,7 +16578,7 @@
       </p:grpSpPr>
       <p:sp>
         <p:nvSpPr>
-          <p:cNvPr id="323" name="Google Shape;323;p52"/>
+          <p:cNvPr id="319" name="Google Shape;319;p52"/>
           <p:cNvSpPr txBox="1"/>
           <p:nvPr>
             <p:ph type="title"/>
@@ -16134,11 +16615,27 @@
             </a:r>
             <a:endParaRPr sz="1920"/>
           </a:p>
+          <a:p>
+            <a:pPr indent="0" lvl="0" marL="0" rtl="0" algn="l">
+              <a:spcBef>
+                <a:spcPts val="0"/>
+              </a:spcBef>
+              <a:spcAft>
+                <a:spcPts val="0"/>
+              </a:spcAft>
+              <a:buSzPts val="990"/>
+              <a:buNone/>
+            </a:pPr>
+            <a:r>
+              <a:t/>
+            </a:r>
+            <a:endParaRPr sz="1920"/>
+          </a:p>
         </p:txBody>
       </p:sp>
       <p:sp>
         <p:nvSpPr>
-          <p:cNvPr id="324" name="Google Shape;324;p52"/>
+          <p:cNvPr id="320" name="Google Shape;320;p52"/>
           <p:cNvSpPr txBox="1"/>
           <p:nvPr>
             <p:ph idx="1" type="body"/>
@@ -16147,7 +16644,7 @@
         <p:spPr>
           <a:xfrm>
             <a:off x="311700" y="936600"/>
-            <a:ext cx="8520600" cy="3632400"/>
+            <a:ext cx="8520600" cy="3885600"/>
           </a:xfrm>
           <a:prstGeom prst="rect">
             <a:avLst/>
@@ -16160,28 +16657,22 @@
           <a:lstStyle/>
           <a:p>
             <a:pPr indent="0" lvl="0" marL="0" rtl="0" algn="l">
-              <a:lnSpc>
-                <a:spcPct val="100000"/>
-              </a:lnSpc>
-              <a:spcBef>
-                <a:spcPts val="0"/>
-              </a:spcBef>
-              <a:spcAft>
-                <a:spcPts val="0"/>
-              </a:spcAft>
-              <a:buNone/>
-            </a:pPr>
-            <a:r>
-              <a:rPr lang="en" sz="1600"/>
-              <a:t>Training loss and accuracy: OULU-NPU </a:t>
-            </a:r>
-            <a:endParaRPr sz="1600"/>
-          </a:p>
-          <a:p>
-            <a:pPr indent="0" lvl="0" marL="0" rtl="0" algn="l">
-              <a:lnSpc>
-                <a:spcPct val="100000"/>
-              </a:lnSpc>
+              <a:spcBef>
+                <a:spcPts val="0"/>
+              </a:spcBef>
+              <a:spcAft>
+                <a:spcPts val="0"/>
+              </a:spcAft>
+              <a:buNone/>
+            </a:pPr>
+            <a:r>
+              <a:rPr lang="en" sz="1700"/>
+              <a:t>The intermediate outputs from backbone are used for Pixel wise binary supervision</a:t>
+            </a:r>
+            <a:endParaRPr sz="1700"/>
+          </a:p>
+          <a:p>
+            <a:pPr indent="0" lvl="0" marL="0" rtl="0" algn="l">
               <a:spcBef>
                 <a:spcPts val="1200"/>
               </a:spcBef>
@@ -16191,94 +16682,46 @@
               <a:buNone/>
             </a:pPr>
             <a:r>
+              <a:rPr lang="en" sz="1700"/>
+              <a:t>And the final output from the ViT is used for binary classification.</a:t>
+            </a:r>
+            <a:endParaRPr sz="1700"/>
+          </a:p>
+          <a:p>
+            <a:pPr indent="0" lvl="0" marL="0" rtl="0" algn="l">
+              <a:spcBef>
+                <a:spcPts val="1200"/>
+              </a:spcBef>
+              <a:spcAft>
+                <a:spcPts val="0"/>
+              </a:spcAft>
+              <a:buNone/>
+            </a:pPr>
+            <a:r>
               <a:t/>
             </a:r>
-            <a:endParaRPr sz="1600"/>
-          </a:p>
-          <a:p>
-            <a:pPr indent="0" lvl="0" marL="0" rtl="0" algn="l">
-              <a:lnSpc>
-                <a:spcPct val="100000"/>
-              </a:lnSpc>
+            <a:endParaRPr sz="1700"/>
+          </a:p>
+          <a:p>
+            <a:pPr indent="0" lvl="0" marL="0" rtl="0" algn="l">
               <a:spcBef>
                 <a:spcPts val="1200"/>
               </a:spcBef>
               <a:spcAft>
-                <a:spcPts val="0"/>
+                <a:spcPts val="1200"/>
               </a:spcAft>
               <a:buNone/>
             </a:pPr>
             <a:r>
               <a:t/>
             </a:r>
-            <a:endParaRPr sz="1600"/>
-          </a:p>
-          <a:p>
-            <a:pPr indent="0" lvl="0" marL="0" rtl="0" algn="l">
-              <a:lnSpc>
-                <a:spcPct val="100000"/>
-              </a:lnSpc>
-              <a:spcBef>
-                <a:spcPts val="1200"/>
-              </a:spcBef>
-              <a:spcAft>
-                <a:spcPts val="0"/>
-              </a:spcAft>
-              <a:buNone/>
-            </a:pPr>
-            <a:r>
-              <a:t/>
-            </a:r>
-            <a:endParaRPr sz="1600"/>
-          </a:p>
-          <a:p>
-            <a:pPr indent="0" lvl="0" marL="0" rtl="0" algn="l">
-              <a:lnSpc>
-                <a:spcPct val="100000"/>
-              </a:lnSpc>
-              <a:spcBef>
-                <a:spcPts val="1200"/>
-              </a:spcBef>
-              <a:spcAft>
-                <a:spcPts val="0"/>
-              </a:spcAft>
-              <a:buNone/>
-            </a:pPr>
-            <a:r>
-              <a:rPr lang="en" sz="1600"/>
-              <a:t>Tried to decay learning rate after 2 epochs by 0.1 but was starting to overfit even then</a:t>
-            </a:r>
-            <a:endParaRPr sz="1600"/>
-          </a:p>
-          <a:p>
-            <a:pPr indent="0" lvl="0" marL="0" rtl="0" algn="l">
-              <a:lnSpc>
-                <a:spcPct val="100000"/>
-              </a:lnSpc>
-              <a:spcBef>
-                <a:spcPts val="1200"/>
-              </a:spcBef>
-              <a:spcAft>
-                <a:spcPts val="1200"/>
-              </a:spcAft>
-              <a:buClr>
-                <a:schemeClr val="dk1"/>
-              </a:buClr>
-              <a:buSzPts val="1100"/>
-              <a:buFont typeface="Arial"/>
-              <a:buNone/>
-            </a:pPr>
-            <a:r>
-              <a:rPr lang="en" sz="1600"/>
-              <a:t>(More testing required)</a:t>
-            </a:r>
-            <a:endParaRPr sz="1600"/>
+            <a:endParaRPr sz="1700"/>
           </a:p>
         </p:txBody>
       </p:sp>
       <p:pic>
         <p:nvPicPr>
-          <p:cNvPr id="325" name="Google Shape;325;p52"/>
+          <p:cNvPr id="321" name="Google Shape;321;p52"/>
           <p:cNvPicPr preferRelativeResize="0"/>
           <p:nvPr/>
         </p:nvPicPr>
@@ -16292,35 +16735,8 @@
         </p:blipFill>
         <p:spPr>
           <a:xfrm>
-            <a:off x="447038" y="1444150"/>
-            <a:ext cx="3286125" cy="952500"/>
-          </a:xfrm>
-          <a:prstGeom prst="rect">
-            <a:avLst/>
-          </a:prstGeom>
-          <a:noFill/>
-          <a:ln>
-            <a:noFill/>
-          </a:ln>
-        </p:spPr>
-      </p:pic>
-      <p:pic>
-        <p:nvPicPr>
-          <p:cNvPr id="326" name="Google Shape;326;p52"/>
-          <p:cNvPicPr preferRelativeResize="0"/>
-          <p:nvPr/>
-        </p:nvPicPr>
-        <p:blipFill rotWithShape="1">
-          <a:blip r:embed="rId4">
-            <a:alphaModFix/>
-          </a:blip>
-          <a:srcRect b="0" l="0" r="0" t="1960"/>
-          <a:stretch/>
-        </p:blipFill>
-        <p:spPr>
-          <a:xfrm>
-            <a:off x="4572000" y="1444150"/>
-            <a:ext cx="3495675" cy="952500"/>
+            <a:off x="1057900" y="1979778"/>
+            <a:ext cx="7131524" cy="2842425"/>
           </a:xfrm>
           <a:prstGeom prst="rect">
             <a:avLst/>
@@ -16344,7 +16760,7 @@
   <p:cSld>
     <p:spTree>
       <p:nvGrpSpPr>
-        <p:cNvPr id="330" name="Shape 330"/>
+        <p:cNvPr id="325" name="Shape 325"/>
         <p:cNvGrpSpPr/>
         <p:nvPr/>
       </p:nvGrpSpPr>
@@ -16358,7 +16774,7 @@
       </p:grpSpPr>
       <p:sp>
         <p:nvSpPr>
-          <p:cNvPr id="331" name="Google Shape;331;p53"/>
+          <p:cNvPr id="326" name="Google Shape;326;p53"/>
           <p:cNvSpPr txBox="1"/>
           <p:nvPr>
             <p:ph type="title"/>
@@ -16399,7 +16815,7 @@
       </p:sp>
       <p:sp>
         <p:nvSpPr>
-          <p:cNvPr id="332" name="Google Shape;332;p53"/>
+          <p:cNvPr id="327" name="Google Shape;327;p53"/>
           <p:cNvSpPr txBox="1"/>
           <p:nvPr>
             <p:ph idx="1" type="body"/>
@@ -16408,7 +16824,7 @@
         <p:spPr>
           <a:xfrm>
             <a:off x="311700" y="936600"/>
-            <a:ext cx="8520600" cy="3632400"/>
+            <a:ext cx="8520600" cy="3885600"/>
           </a:xfrm>
           <a:prstGeom prst="rect">
             <a:avLst/>
@@ -16421,28 +16837,22 @@
           <a:lstStyle/>
           <a:p>
             <a:pPr indent="0" lvl="0" marL="0" rtl="0" algn="l">
-              <a:lnSpc>
-                <a:spcPct val="100000"/>
-              </a:lnSpc>
-              <a:spcBef>
-                <a:spcPts val="0"/>
-              </a:spcBef>
-              <a:spcAft>
-                <a:spcPts val="0"/>
-              </a:spcAft>
-              <a:buNone/>
-            </a:pPr>
-            <a:r>
-              <a:rPr lang="en" sz="1600"/>
-              <a:t>Test metrics: OULU-NPU after 2 epochs</a:t>
-            </a:r>
-            <a:endParaRPr sz="1600"/>
-          </a:p>
-          <a:p>
-            <a:pPr indent="0" lvl="0" marL="0" rtl="0" algn="l">
-              <a:lnSpc>
-                <a:spcPct val="100000"/>
-              </a:lnSpc>
+              <a:spcBef>
+                <a:spcPts val="0"/>
+              </a:spcBef>
+              <a:spcAft>
+                <a:spcPts val="0"/>
+              </a:spcAft>
+              <a:buNone/>
+            </a:pPr>
+            <a:r>
+              <a:rPr lang="en" sz="1700"/>
+              <a:t>Loss function: Total loss denoted with a weighted average of the </a:t>
+            </a:r>
+            <a:endParaRPr sz="1700"/>
+          </a:p>
+          <a:p>
+            <a:pPr indent="0" lvl="0" marL="0" rtl="0" algn="l">
               <a:spcBef>
                 <a:spcPts val="1200"/>
               </a:spcBef>
@@ -16452,15 +16862,36 @@
               <a:buNone/>
             </a:pPr>
             <a:r>
+              <a:rPr lang="en" sz="1700"/>
+              <a:t>          </a:t>
+            </a:r>
+            <a:r>
+              <a:rPr lang="en" sz="1500"/>
+              <a:t>final binary classification loss (BCE loss) and pixel-wise binary supervision loss (BCE loss)</a:t>
+            </a:r>
+            <a:r>
+              <a:rPr lang="en" sz="1700"/>
+              <a:t> </a:t>
+            </a:r>
+            <a:endParaRPr sz="1700"/>
+          </a:p>
+          <a:p>
+            <a:pPr indent="0" lvl="0" marL="0" rtl="0" algn="l">
+              <a:spcBef>
+                <a:spcPts val="1200"/>
+              </a:spcBef>
+              <a:spcAft>
+                <a:spcPts val="0"/>
+              </a:spcAft>
+              <a:buNone/>
+            </a:pPr>
+            <a:r>
               <a:t/>
             </a:r>
-            <a:endParaRPr sz="1600"/>
-          </a:p>
-          <a:p>
-            <a:pPr indent="0" lvl="0" marL="0" rtl="0" algn="l">
-              <a:lnSpc>
-                <a:spcPct val="100000"/>
-              </a:lnSpc>
+            <a:endParaRPr sz="1700"/>
+          </a:p>
+          <a:p>
+            <a:pPr indent="0" lvl="0" marL="0" rtl="0" algn="l">
               <a:spcBef>
                 <a:spcPts val="1200"/>
               </a:spcBef>
@@ -16472,13 +16903,13 @@
             <a:r>
               <a:t/>
             </a:r>
-            <a:endParaRPr sz="1600"/>
+            <a:endParaRPr sz="1700"/>
           </a:p>
         </p:txBody>
       </p:sp>
       <p:pic>
         <p:nvPicPr>
-          <p:cNvPr id="333" name="Google Shape;333;p53"/>
+          <p:cNvPr id="328" name="Google Shape;328;p53"/>
           <p:cNvPicPr preferRelativeResize="0"/>
           <p:nvPr/>
         </p:nvPicPr>
@@ -16492,8 +16923,8 @@
         </p:blipFill>
         <p:spPr>
           <a:xfrm>
-            <a:off x="3548050" y="1543050"/>
-            <a:ext cx="2047875" cy="1028700"/>
+            <a:off x="804863" y="1853088"/>
+            <a:ext cx="7534275" cy="2924175"/>
           </a:xfrm>
           <a:prstGeom prst="rect">
             <a:avLst/>
@@ -16504,6 +16935,53 @@
           </a:ln>
         </p:spPr>
       </p:pic>
+      <p:sp>
+        <p:nvSpPr>
+          <p:cNvPr id="329" name="Google Shape;329;p53"/>
+          <p:cNvSpPr/>
+          <p:nvPr/>
+        </p:nvSpPr>
+        <p:spPr>
+          <a:xfrm>
+            <a:off x="804875" y="4373100"/>
+            <a:ext cx="5542500" cy="404100"/>
+          </a:xfrm>
+          <a:prstGeom prst="rect">
+            <a:avLst/>
+          </a:prstGeom>
+          <a:noFill/>
+          <a:ln cap="flat" cmpd="sng" w="38100">
+            <a:solidFill>
+              <a:srgbClr val="4A86E8"/>
+            </a:solidFill>
+            <a:prstDash val="solid"/>
+            <a:round/>
+            <a:headEnd len="sm" w="sm" type="none"/>
+            <a:tailEnd len="sm" w="sm" type="none"/>
+          </a:ln>
+        </p:spPr>
+        <p:txBody>
+          <a:bodyPr anchorCtr="0" anchor="ctr" bIns="91425" lIns="91425" spcFirstLastPara="1" rIns="91425" wrap="square" tIns="91425">
+            <a:noAutofit/>
+          </a:bodyPr>
+          <a:lstStyle/>
+          <a:p>
+            <a:pPr indent="0" lvl="0" marL="0" rtl="0" algn="ctr">
+              <a:spcBef>
+                <a:spcPts val="0"/>
+              </a:spcBef>
+              <a:spcAft>
+                <a:spcPts val="0"/>
+              </a:spcAft>
+              <a:buNone/>
+            </a:pPr>
+            <a:r>
+              <a:t/>
+            </a:r>
+            <a:endParaRPr/>
+          </a:p>
+        </p:txBody>
+      </p:sp>
     </p:spTree>
   </p:cSld>
   <p:clrMapOvr>
@@ -16517,7 +16995,7 @@
   <p:cSld>
     <p:spTree>
       <p:nvGrpSpPr>
-        <p:cNvPr id="337" name="Shape 337"/>
+        <p:cNvPr id="333" name="Shape 333"/>
         <p:cNvGrpSpPr/>
         <p:nvPr/>
       </p:nvGrpSpPr>
@@ -16531,7 +17009,7 @@
       </p:grpSpPr>
       <p:sp>
         <p:nvSpPr>
-          <p:cNvPr id="338" name="Google Shape;338;p54"/>
+          <p:cNvPr id="334" name="Google Shape;334;p54"/>
           <p:cNvSpPr txBox="1"/>
           <p:nvPr>
             <p:ph type="title"/>
@@ -16539,7 +17017,7 @@
         </p:nvSpPr>
         <p:spPr>
           <a:xfrm>
-            <a:off x="311700" y="197950"/>
+            <a:off x="311700" y="276550"/>
             <a:ext cx="8520600" cy="572700"/>
           </a:xfrm>
           <a:prstGeom prst="rect">
@@ -16564,6 +17042,631 @@
             </a:pPr>
             <a:r>
               <a:rPr lang="en" sz="1920"/>
+              <a:t>ViT(Deit) with Densenet backbone using Pixel wise binary supervision</a:t>
+            </a:r>
+            <a:endParaRPr sz="1920"/>
+          </a:p>
+        </p:txBody>
+      </p:sp>
+      <p:sp>
+        <p:nvSpPr>
+          <p:cNvPr id="335" name="Google Shape;335;p54"/>
+          <p:cNvSpPr txBox="1"/>
+          <p:nvPr>
+            <p:ph idx="1" type="body"/>
+          </p:nvPr>
+        </p:nvSpPr>
+        <p:spPr>
+          <a:xfrm>
+            <a:off x="311700" y="936600"/>
+            <a:ext cx="8520600" cy="3632400"/>
+          </a:xfrm>
+          <a:prstGeom prst="rect">
+            <a:avLst/>
+          </a:prstGeom>
+        </p:spPr>
+        <p:txBody>
+          <a:bodyPr anchorCtr="0" anchor="t" bIns="91425" lIns="91425" spcFirstLastPara="1" rIns="91425" wrap="square" tIns="91425">
+            <a:normAutofit/>
+          </a:bodyPr>
+          <a:lstStyle/>
+          <a:p>
+            <a:pPr indent="0" lvl="0" marL="0" rtl="0" algn="l">
+              <a:lnSpc>
+                <a:spcPct val="100000"/>
+              </a:lnSpc>
+              <a:spcBef>
+                <a:spcPts val="0"/>
+              </a:spcBef>
+              <a:spcAft>
+                <a:spcPts val="0"/>
+              </a:spcAft>
+              <a:buNone/>
+            </a:pPr>
+            <a:r>
+              <a:rPr lang="en" sz="1600"/>
+              <a:t>From Replay-attack</a:t>
+            </a:r>
+            <a:endParaRPr sz="1600"/>
+          </a:p>
+          <a:p>
+            <a:pPr indent="0" lvl="0" marL="0" rtl="0" algn="l">
+              <a:lnSpc>
+                <a:spcPct val="100000"/>
+              </a:lnSpc>
+              <a:spcBef>
+                <a:spcPts val="1200"/>
+              </a:spcBef>
+              <a:spcAft>
+                <a:spcPts val="0"/>
+              </a:spcAft>
+              <a:buNone/>
+            </a:pPr>
+            <a:r>
+              <a:rPr lang="en" sz="1600"/>
+              <a:t>Observed that using BCE loss for both losses was better converging as compared to using </a:t>
+            </a:r>
+            <a:endParaRPr sz="1100"/>
+          </a:p>
+          <a:p>
+            <a:pPr indent="0" lvl="0" marL="0" rtl="0" algn="l">
+              <a:spcBef>
+                <a:spcPts val="1200"/>
+              </a:spcBef>
+              <a:spcAft>
+                <a:spcPts val="0"/>
+              </a:spcAft>
+              <a:buNone/>
+            </a:pPr>
+            <a:r>
+              <a:rPr lang="en" sz="1700"/>
+              <a:t>MSE for Pixel wise binary supervision loss and </a:t>
+            </a:r>
+            <a:endParaRPr sz="1700"/>
+          </a:p>
+          <a:p>
+            <a:pPr indent="0" lvl="0" marL="0" rtl="0" algn="l">
+              <a:spcBef>
+                <a:spcPts val="1200"/>
+              </a:spcBef>
+              <a:spcAft>
+                <a:spcPts val="0"/>
+              </a:spcAft>
+              <a:buNone/>
+            </a:pPr>
+            <a:r>
+              <a:rPr lang="en" sz="1700"/>
+              <a:t>BCE for Classification loss</a:t>
+            </a:r>
+            <a:endParaRPr sz="1700"/>
+          </a:p>
+          <a:p>
+            <a:pPr indent="0" lvl="0" marL="0" rtl="0" algn="l">
+              <a:spcBef>
+                <a:spcPts val="1200"/>
+              </a:spcBef>
+              <a:spcAft>
+                <a:spcPts val="0"/>
+              </a:spcAft>
+              <a:buNone/>
+            </a:pPr>
+            <a:r>
+              <a:t/>
+            </a:r>
+            <a:endParaRPr sz="1700"/>
+          </a:p>
+          <a:p>
+            <a:pPr indent="0" lvl="0" marL="0" rtl="0" algn="l">
+              <a:spcBef>
+                <a:spcPts val="1200"/>
+              </a:spcBef>
+              <a:spcAft>
+                <a:spcPts val="1200"/>
+              </a:spcAft>
+              <a:buNone/>
+            </a:pPr>
+            <a:r>
+              <a:rPr lang="en" sz="1700"/>
+              <a:t>Theta of 0.3 was an optimal choice using Replay-attack</a:t>
+            </a:r>
+            <a:endParaRPr sz="1700"/>
+          </a:p>
+        </p:txBody>
+      </p:sp>
+    </p:spTree>
+  </p:cSld>
+  <p:clrMapOvr>
+    <a:masterClrMapping/>
+  </p:clrMapOvr>
+</p:sld>
+</file>
+
+<file path=ppt/slides/slide43.xml><?xml version="1.0" encoding="utf-8"?>
+<p:sld xmlns:a="http://schemas.openxmlformats.org/drawingml/2006/main" xmlns:r="http://schemas.openxmlformats.org/officeDocument/2006/relationships" xmlns:mc="http://schemas.openxmlformats.org/markup-compatibility/2006" xmlns:mv="urn:schemas-microsoft-com:mac:vml" xmlns:p="http://schemas.openxmlformats.org/presentationml/2006/main" xmlns:c="http://schemas.openxmlformats.org/drawingml/2006/chart" xmlns:dgm="http://schemas.openxmlformats.org/drawingml/2006/diagram" xmlns:o="urn:schemas-microsoft-com:office:office" xmlns:v="urn:schemas-microsoft-com:vml" xmlns:pvml="urn:schemas-microsoft-com:office:powerpoint" xmlns:com="http://schemas.openxmlformats.org/drawingml/2006/compatibility" xmlns:p14="http://schemas.microsoft.com/office/powerpoint/2010/main" xmlns:p15="http://schemas.microsoft.com/office/powerpoint/2012/main" xmlns:ahyp="http://schemas.microsoft.com/office/drawing/2018/hyperlinkcolor">
+  <p:cSld>
+    <p:spTree>
+      <p:nvGrpSpPr>
+        <p:cNvPr id="339" name="Shape 339"/>
+        <p:cNvGrpSpPr/>
+        <p:nvPr/>
+      </p:nvGrpSpPr>
+      <p:grpSpPr>
+        <a:xfrm>
+          <a:off x="0" y="0"/>
+          <a:ext cx="0" cy="0"/>
+          <a:chOff x="0" y="0"/>
+          <a:chExt cx="0" cy="0"/>
+        </a:xfrm>
+      </p:grpSpPr>
+      <p:sp>
+        <p:nvSpPr>
+          <p:cNvPr id="340" name="Google Shape;340;p55"/>
+          <p:cNvSpPr txBox="1"/>
+          <p:nvPr>
+            <p:ph type="title"/>
+          </p:nvPr>
+        </p:nvSpPr>
+        <p:spPr>
+          <a:xfrm>
+            <a:off x="311700" y="276550"/>
+            <a:ext cx="8520600" cy="572700"/>
+          </a:xfrm>
+          <a:prstGeom prst="rect">
+            <a:avLst/>
+          </a:prstGeom>
+        </p:spPr>
+        <p:txBody>
+          <a:bodyPr anchorCtr="0" anchor="t" bIns="91425" lIns="91425" spcFirstLastPara="1" rIns="91425" wrap="square" tIns="91425">
+            <a:noAutofit/>
+          </a:bodyPr>
+          <a:lstStyle/>
+          <a:p>
+            <a:pPr indent="0" lvl="0" marL="0" rtl="0" algn="l">
+              <a:spcBef>
+                <a:spcPts val="0"/>
+              </a:spcBef>
+              <a:spcAft>
+                <a:spcPts val="0"/>
+              </a:spcAft>
+              <a:buSzPts val="990"/>
+              <a:buNone/>
+            </a:pPr>
+            <a:r>
+              <a:rPr lang="en" sz="1920"/>
+              <a:t>ViT(Deit) with Densenet backbone using Pixel wise binary supervision</a:t>
+            </a:r>
+            <a:endParaRPr sz="1920"/>
+          </a:p>
+        </p:txBody>
+      </p:sp>
+      <p:sp>
+        <p:nvSpPr>
+          <p:cNvPr id="341" name="Google Shape;341;p55"/>
+          <p:cNvSpPr txBox="1"/>
+          <p:nvPr>
+            <p:ph idx="1" type="body"/>
+          </p:nvPr>
+        </p:nvSpPr>
+        <p:spPr>
+          <a:xfrm>
+            <a:off x="311700" y="936600"/>
+            <a:ext cx="8520600" cy="3632400"/>
+          </a:xfrm>
+          <a:prstGeom prst="rect">
+            <a:avLst/>
+          </a:prstGeom>
+        </p:spPr>
+        <p:txBody>
+          <a:bodyPr anchorCtr="0" anchor="t" bIns="91425" lIns="91425" spcFirstLastPara="1" rIns="91425" wrap="square" tIns="91425">
+            <a:normAutofit/>
+          </a:bodyPr>
+          <a:lstStyle/>
+          <a:p>
+            <a:pPr indent="0" lvl="0" marL="0" rtl="0" algn="l">
+              <a:lnSpc>
+                <a:spcPct val="100000"/>
+              </a:lnSpc>
+              <a:spcBef>
+                <a:spcPts val="0"/>
+              </a:spcBef>
+              <a:spcAft>
+                <a:spcPts val="0"/>
+              </a:spcAft>
+              <a:buNone/>
+            </a:pPr>
+            <a:r>
+              <a:rPr lang="en" sz="1600"/>
+              <a:t>Training loss and accuracy: OULU-NPU </a:t>
+            </a:r>
+            <a:endParaRPr sz="1600"/>
+          </a:p>
+          <a:p>
+            <a:pPr indent="0" lvl="0" marL="0" rtl="0" algn="l">
+              <a:lnSpc>
+                <a:spcPct val="100000"/>
+              </a:lnSpc>
+              <a:spcBef>
+                <a:spcPts val="1200"/>
+              </a:spcBef>
+              <a:spcAft>
+                <a:spcPts val="0"/>
+              </a:spcAft>
+              <a:buNone/>
+            </a:pPr>
+            <a:r>
+              <a:t/>
+            </a:r>
+            <a:endParaRPr sz="1600"/>
+          </a:p>
+          <a:p>
+            <a:pPr indent="0" lvl="0" marL="0" rtl="0" algn="l">
+              <a:lnSpc>
+                <a:spcPct val="100000"/>
+              </a:lnSpc>
+              <a:spcBef>
+                <a:spcPts val="1200"/>
+              </a:spcBef>
+              <a:spcAft>
+                <a:spcPts val="0"/>
+              </a:spcAft>
+              <a:buNone/>
+            </a:pPr>
+            <a:r>
+              <a:t/>
+            </a:r>
+            <a:endParaRPr sz="1600"/>
+          </a:p>
+          <a:p>
+            <a:pPr indent="0" lvl="0" marL="0" rtl="0" algn="l">
+              <a:lnSpc>
+                <a:spcPct val="100000"/>
+              </a:lnSpc>
+              <a:spcBef>
+                <a:spcPts val="1200"/>
+              </a:spcBef>
+              <a:spcAft>
+                <a:spcPts val="0"/>
+              </a:spcAft>
+              <a:buNone/>
+            </a:pPr>
+            <a:r>
+              <a:t/>
+            </a:r>
+            <a:endParaRPr sz="1600"/>
+          </a:p>
+          <a:p>
+            <a:pPr indent="0" lvl="0" marL="0" rtl="0" algn="l">
+              <a:lnSpc>
+                <a:spcPct val="100000"/>
+              </a:lnSpc>
+              <a:spcBef>
+                <a:spcPts val="1200"/>
+              </a:spcBef>
+              <a:spcAft>
+                <a:spcPts val="0"/>
+              </a:spcAft>
+              <a:buNone/>
+            </a:pPr>
+            <a:r>
+              <a:rPr lang="en" sz="1600"/>
+              <a:t>Tried to decay learning rate after 2 epochs by 0.1 but was starting to overfit even then</a:t>
+            </a:r>
+            <a:endParaRPr sz="1600"/>
+          </a:p>
+          <a:p>
+            <a:pPr indent="0" lvl="0" marL="0" rtl="0" algn="l">
+              <a:lnSpc>
+                <a:spcPct val="100000"/>
+              </a:lnSpc>
+              <a:spcBef>
+                <a:spcPts val="1200"/>
+              </a:spcBef>
+              <a:spcAft>
+                <a:spcPts val="1200"/>
+              </a:spcAft>
+              <a:buClr>
+                <a:schemeClr val="dk1"/>
+              </a:buClr>
+              <a:buSzPts val="1100"/>
+              <a:buFont typeface="Arial"/>
+              <a:buNone/>
+            </a:pPr>
+            <a:r>
+              <a:rPr lang="en" sz="1600"/>
+              <a:t>(More testing required)</a:t>
+            </a:r>
+            <a:endParaRPr sz="1600"/>
+          </a:p>
+        </p:txBody>
+      </p:sp>
+      <p:pic>
+        <p:nvPicPr>
+          <p:cNvPr id="342" name="Google Shape;342;p55"/>
+          <p:cNvPicPr preferRelativeResize="0"/>
+          <p:nvPr/>
+        </p:nvPicPr>
+        <p:blipFill>
+          <a:blip r:embed="rId3">
+            <a:alphaModFix/>
+          </a:blip>
+          <a:stretch>
+            <a:fillRect/>
+          </a:stretch>
+        </p:blipFill>
+        <p:spPr>
+          <a:xfrm>
+            <a:off x="447038" y="1444150"/>
+            <a:ext cx="3286125" cy="952500"/>
+          </a:xfrm>
+          <a:prstGeom prst="rect">
+            <a:avLst/>
+          </a:prstGeom>
+          <a:noFill/>
+          <a:ln>
+            <a:noFill/>
+          </a:ln>
+        </p:spPr>
+      </p:pic>
+      <p:pic>
+        <p:nvPicPr>
+          <p:cNvPr id="343" name="Google Shape;343;p55"/>
+          <p:cNvPicPr preferRelativeResize="0"/>
+          <p:nvPr/>
+        </p:nvPicPr>
+        <p:blipFill rotWithShape="1">
+          <a:blip r:embed="rId4">
+            <a:alphaModFix/>
+          </a:blip>
+          <a:srcRect b="0" l="0" r="0" t="1960"/>
+          <a:stretch/>
+        </p:blipFill>
+        <p:spPr>
+          <a:xfrm>
+            <a:off x="4572000" y="1444150"/>
+            <a:ext cx="3495675" cy="952500"/>
+          </a:xfrm>
+          <a:prstGeom prst="rect">
+            <a:avLst/>
+          </a:prstGeom>
+          <a:noFill/>
+          <a:ln>
+            <a:noFill/>
+          </a:ln>
+        </p:spPr>
+      </p:pic>
+    </p:spTree>
+  </p:cSld>
+  <p:clrMapOvr>
+    <a:masterClrMapping/>
+  </p:clrMapOvr>
+</p:sld>
+</file>
+
+<file path=ppt/slides/slide44.xml><?xml version="1.0" encoding="utf-8"?>
+<p:sld xmlns:a="http://schemas.openxmlformats.org/drawingml/2006/main" xmlns:r="http://schemas.openxmlformats.org/officeDocument/2006/relationships" xmlns:mc="http://schemas.openxmlformats.org/markup-compatibility/2006" xmlns:mv="urn:schemas-microsoft-com:mac:vml" xmlns:p="http://schemas.openxmlformats.org/presentationml/2006/main" xmlns:c="http://schemas.openxmlformats.org/drawingml/2006/chart" xmlns:dgm="http://schemas.openxmlformats.org/drawingml/2006/diagram" xmlns:o="urn:schemas-microsoft-com:office:office" xmlns:v="urn:schemas-microsoft-com:vml" xmlns:pvml="urn:schemas-microsoft-com:office:powerpoint" xmlns:com="http://schemas.openxmlformats.org/drawingml/2006/compatibility" xmlns:p14="http://schemas.microsoft.com/office/powerpoint/2010/main" xmlns:p15="http://schemas.microsoft.com/office/powerpoint/2012/main" xmlns:ahyp="http://schemas.microsoft.com/office/drawing/2018/hyperlinkcolor">
+  <p:cSld>
+    <p:spTree>
+      <p:nvGrpSpPr>
+        <p:cNvPr id="347" name="Shape 347"/>
+        <p:cNvGrpSpPr/>
+        <p:nvPr/>
+      </p:nvGrpSpPr>
+      <p:grpSpPr>
+        <a:xfrm>
+          <a:off x="0" y="0"/>
+          <a:ext cx="0" cy="0"/>
+          <a:chOff x="0" y="0"/>
+          <a:chExt cx="0" cy="0"/>
+        </a:xfrm>
+      </p:grpSpPr>
+      <p:sp>
+        <p:nvSpPr>
+          <p:cNvPr id="348" name="Google Shape;348;p56"/>
+          <p:cNvSpPr txBox="1"/>
+          <p:nvPr>
+            <p:ph type="title"/>
+          </p:nvPr>
+        </p:nvSpPr>
+        <p:spPr>
+          <a:xfrm>
+            <a:off x="311700" y="276550"/>
+            <a:ext cx="8520600" cy="572700"/>
+          </a:xfrm>
+          <a:prstGeom prst="rect">
+            <a:avLst/>
+          </a:prstGeom>
+        </p:spPr>
+        <p:txBody>
+          <a:bodyPr anchorCtr="0" anchor="t" bIns="91425" lIns="91425" spcFirstLastPara="1" rIns="91425" wrap="square" tIns="91425">
+            <a:noAutofit/>
+          </a:bodyPr>
+          <a:lstStyle/>
+          <a:p>
+            <a:pPr indent="0" lvl="0" marL="0" rtl="0" algn="l">
+              <a:spcBef>
+                <a:spcPts val="0"/>
+              </a:spcBef>
+              <a:spcAft>
+                <a:spcPts val="0"/>
+              </a:spcAft>
+              <a:buSzPts val="990"/>
+              <a:buNone/>
+            </a:pPr>
+            <a:r>
+              <a:rPr lang="en" sz="1920"/>
+              <a:t>ViT(Deit) with Densenet backbone using Pixel wise binary supervision</a:t>
+            </a:r>
+            <a:endParaRPr sz="1920"/>
+          </a:p>
+        </p:txBody>
+      </p:sp>
+      <p:sp>
+        <p:nvSpPr>
+          <p:cNvPr id="349" name="Google Shape;349;p56"/>
+          <p:cNvSpPr txBox="1"/>
+          <p:nvPr>
+            <p:ph idx="1" type="body"/>
+          </p:nvPr>
+        </p:nvSpPr>
+        <p:spPr>
+          <a:xfrm>
+            <a:off x="311700" y="936600"/>
+            <a:ext cx="8520600" cy="3632400"/>
+          </a:xfrm>
+          <a:prstGeom prst="rect">
+            <a:avLst/>
+          </a:prstGeom>
+        </p:spPr>
+        <p:txBody>
+          <a:bodyPr anchorCtr="0" anchor="t" bIns="91425" lIns="91425" spcFirstLastPara="1" rIns="91425" wrap="square" tIns="91425">
+            <a:normAutofit/>
+          </a:bodyPr>
+          <a:lstStyle/>
+          <a:p>
+            <a:pPr indent="0" lvl="0" marL="0" rtl="0" algn="l">
+              <a:lnSpc>
+                <a:spcPct val="100000"/>
+              </a:lnSpc>
+              <a:spcBef>
+                <a:spcPts val="0"/>
+              </a:spcBef>
+              <a:spcAft>
+                <a:spcPts val="0"/>
+              </a:spcAft>
+              <a:buNone/>
+            </a:pPr>
+            <a:r>
+              <a:rPr lang="en" sz="1600"/>
+              <a:t>Test metrics: OULU-NPU after 2 epochs</a:t>
+            </a:r>
+            <a:endParaRPr sz="1600"/>
+          </a:p>
+          <a:p>
+            <a:pPr indent="0" lvl="0" marL="0" rtl="0" algn="l">
+              <a:lnSpc>
+                <a:spcPct val="100000"/>
+              </a:lnSpc>
+              <a:spcBef>
+                <a:spcPts val="1200"/>
+              </a:spcBef>
+              <a:spcAft>
+                <a:spcPts val="0"/>
+              </a:spcAft>
+              <a:buNone/>
+            </a:pPr>
+            <a:r>
+              <a:t/>
+            </a:r>
+            <a:endParaRPr sz="1600"/>
+          </a:p>
+          <a:p>
+            <a:pPr indent="0" lvl="0" marL="0" rtl="0" algn="l">
+              <a:lnSpc>
+                <a:spcPct val="100000"/>
+              </a:lnSpc>
+              <a:spcBef>
+                <a:spcPts val="1200"/>
+              </a:spcBef>
+              <a:spcAft>
+                <a:spcPts val="1200"/>
+              </a:spcAft>
+              <a:buNone/>
+            </a:pPr>
+            <a:r>
+              <a:t/>
+            </a:r>
+            <a:endParaRPr sz="1600"/>
+          </a:p>
+        </p:txBody>
+      </p:sp>
+      <p:pic>
+        <p:nvPicPr>
+          <p:cNvPr id="350" name="Google Shape;350;p56"/>
+          <p:cNvPicPr preferRelativeResize="0"/>
+          <p:nvPr/>
+        </p:nvPicPr>
+        <p:blipFill>
+          <a:blip r:embed="rId3">
+            <a:alphaModFix/>
+          </a:blip>
+          <a:stretch>
+            <a:fillRect/>
+          </a:stretch>
+        </p:blipFill>
+        <p:spPr>
+          <a:xfrm>
+            <a:off x="3548050" y="1543050"/>
+            <a:ext cx="2047875" cy="1028700"/>
+          </a:xfrm>
+          <a:prstGeom prst="rect">
+            <a:avLst/>
+          </a:prstGeom>
+          <a:noFill/>
+          <a:ln>
+            <a:noFill/>
+          </a:ln>
+        </p:spPr>
+      </p:pic>
+    </p:spTree>
+  </p:cSld>
+  <p:clrMapOvr>
+    <a:masterClrMapping/>
+  </p:clrMapOvr>
+</p:sld>
+</file>
+
+<file path=ppt/slides/slide45.xml><?xml version="1.0" encoding="utf-8"?>
+<p:sld xmlns:a="http://schemas.openxmlformats.org/drawingml/2006/main" xmlns:r="http://schemas.openxmlformats.org/officeDocument/2006/relationships" xmlns:mc="http://schemas.openxmlformats.org/markup-compatibility/2006" xmlns:mv="urn:schemas-microsoft-com:mac:vml" xmlns:p="http://schemas.openxmlformats.org/presentationml/2006/main" xmlns:c="http://schemas.openxmlformats.org/drawingml/2006/chart" xmlns:dgm="http://schemas.openxmlformats.org/drawingml/2006/diagram" xmlns:o="urn:schemas-microsoft-com:office:office" xmlns:v="urn:schemas-microsoft-com:vml" xmlns:pvml="urn:schemas-microsoft-com:office:powerpoint" xmlns:com="http://schemas.openxmlformats.org/drawingml/2006/compatibility" xmlns:p14="http://schemas.microsoft.com/office/powerpoint/2010/main" xmlns:p15="http://schemas.microsoft.com/office/powerpoint/2012/main" xmlns:ahyp="http://schemas.microsoft.com/office/drawing/2018/hyperlinkcolor">
+  <p:cSld>
+    <p:spTree>
+      <p:nvGrpSpPr>
+        <p:cNvPr id="354" name="Shape 354"/>
+        <p:cNvGrpSpPr/>
+        <p:nvPr/>
+      </p:nvGrpSpPr>
+      <p:grpSpPr>
+        <a:xfrm>
+          <a:off x="0" y="0"/>
+          <a:ext cx="0" cy="0"/>
+          <a:chOff x="0" y="0"/>
+          <a:chExt cx="0" cy="0"/>
+        </a:xfrm>
+      </p:grpSpPr>
+      <p:sp>
+        <p:nvSpPr>
+          <p:cNvPr id="355" name="Google Shape;355;p57"/>
+          <p:cNvSpPr txBox="1"/>
+          <p:nvPr>
+            <p:ph type="title"/>
+          </p:nvPr>
+        </p:nvSpPr>
+        <p:spPr>
+          <a:xfrm>
+            <a:off x="311700" y="197950"/>
+            <a:ext cx="8520600" cy="572700"/>
+          </a:xfrm>
+          <a:prstGeom prst="rect">
+            <a:avLst/>
+          </a:prstGeom>
+        </p:spPr>
+        <p:txBody>
+          <a:bodyPr anchorCtr="0" anchor="t" bIns="91425" lIns="91425" spcFirstLastPara="1" rIns="91425" wrap="square" tIns="91425">
+            <a:noAutofit/>
+          </a:bodyPr>
+          <a:lstStyle/>
+          <a:p>
+            <a:pPr indent="0" lvl="0" marL="0" rtl="0" algn="l">
+              <a:spcBef>
+                <a:spcPts val="0"/>
+              </a:spcBef>
+              <a:spcAft>
+                <a:spcPts val="0"/>
+              </a:spcAft>
+              <a:buSzPts val="990"/>
+              <a:buNone/>
+            </a:pPr>
+            <a:r>
+              <a:rPr lang="en" sz="1920"/>
               <a:t>References</a:t>
             </a:r>
             <a:endParaRPr sz="1920"/>
@@ -16572,7 +17675,7 @@
       </p:sp>
       <p:sp>
         <p:nvSpPr>
-          <p:cNvPr id="339" name="Google Shape;339;p54"/>
+          <p:cNvPr id="356" name="Google Shape;356;p57"/>
           <p:cNvSpPr txBox="1"/>
           <p:nvPr>
             <p:ph idx="1" type="body"/>
@@ -16873,12 +17976,12 @@
 </p:sld>
 </file>
 
-<file path=ppt/slides/slide43.xml><?xml version="1.0" encoding="utf-8"?>
+<file path=ppt/slides/slide46.xml><?xml version="1.0" encoding="utf-8"?>
 <p:sld xmlns:a="http://schemas.openxmlformats.org/drawingml/2006/main" xmlns:r="http://schemas.openxmlformats.org/officeDocument/2006/relationships" xmlns:mc="http://schemas.openxmlformats.org/markup-compatibility/2006" xmlns:mv="urn:schemas-microsoft-com:mac:vml" xmlns:p="http://schemas.openxmlformats.org/presentationml/2006/main" xmlns:c="http://schemas.openxmlformats.org/drawingml/2006/chart" xmlns:dgm="http://schemas.openxmlformats.org/drawingml/2006/diagram" xmlns:o="urn:schemas-microsoft-com:office:office" xmlns:v="urn:schemas-microsoft-com:vml" xmlns:pvml="urn:schemas-microsoft-com:office:powerpoint" xmlns:com="http://schemas.openxmlformats.org/drawingml/2006/compatibility" xmlns:p14="http://schemas.microsoft.com/office/powerpoint/2010/main" xmlns:p15="http://schemas.microsoft.com/office/powerpoint/2012/main" xmlns:ahyp="http://schemas.microsoft.com/office/drawing/2018/hyperlinkcolor">
   <p:cSld>
     <p:spTree>
       <p:nvGrpSpPr>
-        <p:cNvPr id="343" name="Shape 343"/>
+        <p:cNvPr id="360" name="Shape 360"/>
         <p:cNvGrpSpPr/>
         <p:nvPr/>
       </p:nvGrpSpPr>
@@ -16892,7 +17995,7 @@
       </p:grpSpPr>
       <p:sp>
         <p:nvSpPr>
-          <p:cNvPr id="344" name="Google Shape;344;p55"/>
+          <p:cNvPr id="361" name="Google Shape;361;p58"/>
           <p:cNvSpPr txBox="1"/>
           <p:nvPr>
             <p:ph type="title"/>
@@ -16925,6 +18028,10 @@
             </a:pPr>
             <a:r>
               <a:rPr lang="en" sz="1920"/>
+              <a:t>Dataset </a:t>
+            </a:r>
+            <a:r>
+              <a:rPr lang="en" sz="1920"/>
               <a:t>References</a:t>
             </a:r>
             <a:endParaRPr sz="1920"/>
@@ -16933,7 +18040,194 @@
       </p:sp>
       <p:sp>
         <p:nvSpPr>
-          <p:cNvPr id="345" name="Google Shape;345;p55"/>
+          <p:cNvPr id="362" name="Google Shape;362;p58"/>
+          <p:cNvSpPr txBox="1"/>
+          <p:nvPr>
+            <p:ph idx="1" type="body"/>
+          </p:nvPr>
+        </p:nvSpPr>
+        <p:spPr>
+          <a:xfrm>
+            <a:off x="311700" y="770650"/>
+            <a:ext cx="8520600" cy="4141500"/>
+          </a:xfrm>
+          <a:prstGeom prst="rect">
+            <a:avLst/>
+          </a:prstGeom>
+        </p:spPr>
+        <p:txBody>
+          <a:bodyPr anchorCtr="0" anchor="t" bIns="91425" lIns="91425" spcFirstLastPara="1" rIns="91425" wrap="square" tIns="91425">
+            <a:normAutofit/>
+          </a:bodyPr>
+          <a:lstStyle/>
+          <a:p>
+            <a:pPr indent="0" lvl="0" marL="0" rtl="0" algn="l">
+              <a:lnSpc>
+                <a:spcPct val="100000"/>
+              </a:lnSpc>
+              <a:spcBef>
+                <a:spcPts val="0"/>
+              </a:spcBef>
+              <a:spcAft>
+                <a:spcPts val="0"/>
+              </a:spcAft>
+              <a:buNone/>
+            </a:pPr>
+            <a:r>
+              <a:rPr lang="en" sz="1600"/>
+              <a:t>Dataset Papers</a:t>
+            </a:r>
+            <a:endParaRPr sz="1600"/>
+          </a:p>
+          <a:p>
+            <a:pPr indent="-330200" lvl="0" marL="457200" rtl="0" algn="l">
+              <a:spcBef>
+                <a:spcPts val="1200"/>
+              </a:spcBef>
+              <a:spcAft>
+                <a:spcPts val="0"/>
+              </a:spcAft>
+              <a:buSzPts val="1600"/>
+              <a:buAutoNum type="arabicPeriod"/>
+            </a:pPr>
+            <a:r>
+              <a:rPr lang="en" sz="1700" u="sng">
+                <a:solidFill>
+                  <a:schemeClr val="hlink"/>
+                </a:solidFill>
+                <a:hlinkClick r:id="rId3"/>
+              </a:rPr>
+              <a:t>https://sites.google.com/site/oulunpudatabase/</a:t>
+            </a:r>
+            <a:endParaRPr sz="1700"/>
+          </a:p>
+          <a:p>
+            <a:pPr indent="-330200" lvl="0" marL="457200" rtl="0" algn="l">
+              <a:spcBef>
+                <a:spcPts val="0"/>
+              </a:spcBef>
+              <a:spcAft>
+                <a:spcPts val="0"/>
+              </a:spcAft>
+              <a:buSzPts val="1600"/>
+              <a:buAutoNum type="arabicPeriod"/>
+            </a:pPr>
+            <a:r>
+              <a:rPr lang="en" sz="1700"/>
+              <a:t>Z. Boulkenafet, J. Komulainen, L. Li, X. Feng and A. Hadid, "OULU-NPU: A Mobile Face Presentation Attack Database with Real-World Variations", 12th IEEE International Conference on Automatic Face &amp; Gesture Recognition (FG 2017), 2017, pp. 612-618, doi: 10.1109/FG.2017.77.</a:t>
+            </a:r>
+            <a:endParaRPr sz="1700"/>
+          </a:p>
+          <a:p>
+            <a:pPr indent="-336550" lvl="0" marL="457200" rtl="0" algn="l">
+              <a:spcBef>
+                <a:spcPts val="0"/>
+              </a:spcBef>
+              <a:spcAft>
+                <a:spcPts val="0"/>
+              </a:spcAft>
+              <a:buSzPts val="1700"/>
+              <a:buAutoNum type="arabicPeriod"/>
+            </a:pPr>
+            <a:r>
+              <a:rPr lang="en" sz="1700" u="sng">
+                <a:solidFill>
+                  <a:schemeClr val="hlink"/>
+                </a:solidFill>
+                <a:hlinkClick r:id="rId4"/>
+              </a:rPr>
+              <a:t>https://www.idiap.ch/en/dataset/replayattack</a:t>
+            </a:r>
+            <a:endParaRPr sz="1700"/>
+          </a:p>
+          <a:p>
+            <a:pPr indent="-336550" lvl="0" marL="457200" rtl="0" algn="l">
+              <a:spcBef>
+                <a:spcPts val="0"/>
+              </a:spcBef>
+              <a:spcAft>
+                <a:spcPts val="0"/>
+              </a:spcAft>
+              <a:buSzPts val="1700"/>
+              <a:buAutoNum type="arabicPeriod"/>
+            </a:pPr>
+            <a:r>
+              <a:rPr lang="en" sz="1700"/>
+              <a:t>Chingovska, A. Anjos, S. Marcel,"On the Effectiveness of Local Binary Patterns in Face Anti-spoofing"; IEEE BIOSIG, 2012.</a:t>
+            </a:r>
+            <a:endParaRPr sz="1700"/>
+          </a:p>
+        </p:txBody>
+      </p:sp>
+    </p:spTree>
+  </p:cSld>
+  <p:clrMapOvr>
+    <a:masterClrMapping/>
+  </p:clrMapOvr>
+</p:sld>
+</file>
+
+<file path=ppt/slides/slide47.xml><?xml version="1.0" encoding="utf-8"?>
+<p:sld xmlns:a="http://schemas.openxmlformats.org/drawingml/2006/main" xmlns:r="http://schemas.openxmlformats.org/officeDocument/2006/relationships" xmlns:mc="http://schemas.openxmlformats.org/markup-compatibility/2006" xmlns:mv="urn:schemas-microsoft-com:mac:vml" xmlns:p="http://schemas.openxmlformats.org/presentationml/2006/main" xmlns:c="http://schemas.openxmlformats.org/drawingml/2006/chart" xmlns:dgm="http://schemas.openxmlformats.org/drawingml/2006/diagram" xmlns:o="urn:schemas-microsoft-com:office:office" xmlns:v="urn:schemas-microsoft-com:vml" xmlns:pvml="urn:schemas-microsoft-com:office:powerpoint" xmlns:com="http://schemas.openxmlformats.org/drawingml/2006/compatibility" xmlns:p14="http://schemas.microsoft.com/office/powerpoint/2010/main" xmlns:p15="http://schemas.microsoft.com/office/powerpoint/2012/main" xmlns:ahyp="http://schemas.microsoft.com/office/drawing/2018/hyperlinkcolor">
+  <p:cSld>
+    <p:spTree>
+      <p:nvGrpSpPr>
+        <p:cNvPr id="366" name="Shape 366"/>
+        <p:cNvGrpSpPr/>
+        <p:nvPr/>
+      </p:nvGrpSpPr>
+      <p:grpSpPr>
+        <a:xfrm>
+          <a:off x="0" y="0"/>
+          <a:ext cx="0" cy="0"/>
+          <a:chOff x="0" y="0"/>
+          <a:chExt cx="0" cy="0"/>
+        </a:xfrm>
+      </p:grpSpPr>
+      <p:sp>
+        <p:nvSpPr>
+          <p:cNvPr id="367" name="Google Shape;367;p59"/>
+          <p:cNvSpPr txBox="1"/>
+          <p:nvPr>
+            <p:ph type="title"/>
+          </p:nvPr>
+        </p:nvSpPr>
+        <p:spPr>
+          <a:xfrm>
+            <a:off x="311700" y="197950"/>
+            <a:ext cx="8520600" cy="572700"/>
+          </a:xfrm>
+          <a:prstGeom prst="rect">
+            <a:avLst/>
+          </a:prstGeom>
+        </p:spPr>
+        <p:txBody>
+          <a:bodyPr anchorCtr="0" anchor="t" bIns="91425" lIns="91425" spcFirstLastPara="1" rIns="91425" wrap="square" tIns="91425">
+            <a:noAutofit/>
+          </a:bodyPr>
+          <a:lstStyle/>
+          <a:p>
+            <a:pPr indent="0" lvl="0" marL="0" rtl="0" algn="l">
+              <a:spcBef>
+                <a:spcPts val="0"/>
+              </a:spcBef>
+              <a:spcAft>
+                <a:spcPts val="0"/>
+              </a:spcAft>
+              <a:buSzPts val="990"/>
+              <a:buNone/>
+            </a:pPr>
+            <a:r>
+              <a:rPr lang="en" sz="1920"/>
+              <a:t>References</a:t>
+            </a:r>
+            <a:endParaRPr sz="1920"/>
+          </a:p>
+        </p:txBody>
+      </p:sp>
+      <p:sp>
+        <p:nvSpPr>
+          <p:cNvPr id="368" name="Google Shape;368;p59"/>
           <p:cNvSpPr txBox="1"/>
           <p:nvPr>
             <p:ph idx="1" type="body"/>

--- a/PPTs/Face Anti-Spoofing presentation - BTP work status pre-mid sem.pptx
+++ b/PPTs/Face Anti-Spoofing presentation - BTP work status pre-mid sem.pptx
@@ -55,6 +55,7 @@
     <p:sldId id="300" r:id="rId50"/>
     <p:sldId id="301" r:id="rId51"/>
     <p:sldId id="302" r:id="rId52"/>
+    <p:sldId id="303" r:id="rId53"/>
   </p:sldIdLst>
   <p:sldSz cy="5143500" cx="9144000"/>
   <p:notesSz cx="6858000" cy="9144000"/>
@@ -3127,7 +3128,7 @@
       </p:grpSpPr>
       <p:sp>
         <p:nvSpPr>
-          <p:cNvPr id="259" name="Google Shape;259;g24116355be2_0_26:notes"/>
+          <p:cNvPr id="259" name="Google Shape;259;g2867692f1c1_0_33:notes"/>
           <p:cNvSpPr/>
           <p:nvPr>
             <p:ph idx="2" type="sldImg"/>
@@ -3162,7 +3163,7 @@
       </p:sp>
       <p:sp>
         <p:nvSpPr>
-          <p:cNvPr id="260" name="Google Shape;260;g24116355be2_0_26:notes"/>
+          <p:cNvPr id="260" name="Google Shape;260;g2867692f1c1_0_33:notes"/>
           <p:cNvSpPr txBox="1"/>
           <p:nvPr>
             <p:ph idx="1" type="body"/>
@@ -3212,7 +3213,7 @@
   <p:cSld>
     <p:spTree>
       <p:nvGrpSpPr>
-        <p:cNvPr id="263" name="Shape 263"/>
+        <p:cNvPr id="265" name="Shape 265"/>
         <p:cNvGrpSpPr/>
         <p:nvPr/>
       </p:nvGrpSpPr>
@@ -3226,7 +3227,7 @@
       </p:grpSpPr>
       <p:sp>
         <p:nvSpPr>
-          <p:cNvPr id="264" name="Google Shape;264;g2867692f1c1_0_12:notes"/>
+          <p:cNvPr id="266" name="Google Shape;266;g24116355be2_0_26:notes"/>
           <p:cNvSpPr/>
           <p:nvPr>
             <p:ph idx="2" type="sldImg"/>
@@ -3261,7 +3262,7 @@
       </p:sp>
       <p:sp>
         <p:nvSpPr>
-          <p:cNvPr id="265" name="Google Shape;265;g2867692f1c1_0_12:notes"/>
+          <p:cNvPr id="267" name="Google Shape;267;g24116355be2_0_26:notes"/>
           <p:cNvSpPr txBox="1"/>
           <p:nvPr>
             <p:ph idx="1" type="body"/>
@@ -3311,7 +3312,7 @@
   <p:cSld>
     <p:spTree>
       <p:nvGrpSpPr>
-        <p:cNvPr id="268" name="Shape 268"/>
+        <p:cNvPr id="270" name="Shape 270"/>
         <p:cNvGrpSpPr/>
         <p:nvPr/>
       </p:nvGrpSpPr>
@@ -3325,7 +3326,7 @@
       </p:grpSpPr>
       <p:sp>
         <p:nvSpPr>
-          <p:cNvPr id="269" name="Google Shape;269;g24116355be2_0_38:notes"/>
+          <p:cNvPr id="271" name="Google Shape;271;g2867692f1c1_0_12:notes"/>
           <p:cNvSpPr/>
           <p:nvPr>
             <p:ph idx="2" type="sldImg"/>
@@ -3360,7 +3361,7 @@
       </p:sp>
       <p:sp>
         <p:nvSpPr>
-          <p:cNvPr id="270" name="Google Shape;270;g24116355be2_0_38:notes"/>
+          <p:cNvPr id="272" name="Google Shape;272;g2867692f1c1_0_12:notes"/>
           <p:cNvSpPr txBox="1"/>
           <p:nvPr>
             <p:ph idx="1" type="body"/>
@@ -3424,7 +3425,7 @@
       </p:grpSpPr>
       <p:sp>
         <p:nvSpPr>
-          <p:cNvPr id="276" name="Google Shape;276;g24116355be2_0_44:notes"/>
+          <p:cNvPr id="276" name="Google Shape;276;g24116355be2_0_38:notes"/>
           <p:cNvSpPr/>
           <p:nvPr>
             <p:ph idx="2" type="sldImg"/>
@@ -3459,7 +3460,7 @@
       </p:sp>
       <p:sp>
         <p:nvSpPr>
-          <p:cNvPr id="277" name="Google Shape;277;g24116355be2_0_44:notes"/>
+          <p:cNvPr id="277" name="Google Shape;277;g24116355be2_0_38:notes"/>
           <p:cNvSpPr txBox="1"/>
           <p:nvPr>
             <p:ph idx="1" type="body"/>
@@ -3523,7 +3524,7 @@
       </p:grpSpPr>
       <p:sp>
         <p:nvSpPr>
-          <p:cNvPr id="283" name="Google Shape;283;g249029ccb36_0_18:notes"/>
+          <p:cNvPr id="283" name="Google Shape;283;g24116355be2_0_44:notes"/>
           <p:cNvSpPr/>
           <p:nvPr>
             <p:ph idx="2" type="sldImg"/>
@@ -3558,7 +3559,7 @@
       </p:sp>
       <p:sp>
         <p:nvSpPr>
-          <p:cNvPr id="284" name="Google Shape;284;g249029ccb36_0_18:notes"/>
+          <p:cNvPr id="284" name="Google Shape;284;g24116355be2_0_44:notes"/>
           <p:cNvSpPr txBox="1"/>
           <p:nvPr>
             <p:ph idx="1" type="body"/>
@@ -3622,7 +3623,7 @@
       </p:grpSpPr>
       <p:sp>
         <p:nvSpPr>
-          <p:cNvPr id="290" name="Google Shape;290;g2867692f1c1_0_16:notes"/>
+          <p:cNvPr id="290" name="Google Shape;290;g249029ccb36_0_18:notes"/>
           <p:cNvSpPr/>
           <p:nvPr>
             <p:ph idx="2" type="sldImg"/>
@@ -3657,7 +3658,7 @@
       </p:sp>
       <p:sp>
         <p:nvSpPr>
-          <p:cNvPr id="291" name="Google Shape;291;g2867692f1c1_0_16:notes"/>
+          <p:cNvPr id="291" name="Google Shape;291;g249029ccb36_0_18:notes"/>
           <p:cNvSpPr txBox="1"/>
           <p:nvPr>
             <p:ph idx="1" type="body"/>
@@ -3707,7 +3708,7 @@
   <p:cSld>
     <p:spTree>
       <p:nvGrpSpPr>
-        <p:cNvPr id="294" name="Shape 294"/>
+        <p:cNvPr id="296" name="Shape 296"/>
         <p:cNvGrpSpPr/>
         <p:nvPr/>
       </p:nvGrpSpPr>
@@ -3721,7 +3722,7 @@
       </p:grpSpPr>
       <p:sp>
         <p:nvSpPr>
-          <p:cNvPr id="295" name="Google Shape;295;g24116355be2_0_81:notes"/>
+          <p:cNvPr id="297" name="Google Shape;297;g2867692f1c1_0_16:notes"/>
           <p:cNvSpPr/>
           <p:nvPr>
             <p:ph idx="2" type="sldImg"/>
@@ -3756,7 +3757,7 @@
       </p:sp>
       <p:sp>
         <p:nvSpPr>
-          <p:cNvPr id="296" name="Google Shape;296;g24116355be2_0_81:notes"/>
+          <p:cNvPr id="298" name="Google Shape;298;g2867692f1c1_0_16:notes"/>
           <p:cNvSpPr txBox="1"/>
           <p:nvPr>
             <p:ph idx="1" type="body"/>
@@ -3806,7 +3807,7 @@
   <p:cSld>
     <p:spTree>
       <p:nvGrpSpPr>
-        <p:cNvPr id="302" name="Shape 302"/>
+        <p:cNvPr id="301" name="Shape 301"/>
         <p:cNvGrpSpPr/>
         <p:nvPr/>
       </p:nvGrpSpPr>
@@ -3820,7 +3821,7 @@
       </p:grpSpPr>
       <p:sp>
         <p:nvSpPr>
-          <p:cNvPr id="303" name="Google Shape;303;g249029ccb36_0_48:notes"/>
+          <p:cNvPr id="302" name="Google Shape;302;g24116355be2_0_81:notes"/>
           <p:cNvSpPr/>
           <p:nvPr>
             <p:ph idx="2" type="sldImg"/>
@@ -3855,7 +3856,7 @@
       </p:sp>
       <p:sp>
         <p:nvSpPr>
-          <p:cNvPr id="304" name="Google Shape;304;g249029ccb36_0_48:notes"/>
+          <p:cNvPr id="303" name="Google Shape;303;g24116355be2_0_81:notes"/>
           <p:cNvSpPr txBox="1"/>
           <p:nvPr>
             <p:ph idx="1" type="body"/>
@@ -3905,7 +3906,7 @@
   <p:cSld>
     <p:spTree>
       <p:nvGrpSpPr>
-        <p:cNvPr id="308" name="Shape 308"/>
+        <p:cNvPr id="309" name="Shape 309"/>
         <p:cNvGrpSpPr/>
         <p:nvPr/>
       </p:nvGrpSpPr>
@@ -3919,7 +3920,7 @@
       </p:grpSpPr>
       <p:sp>
         <p:nvSpPr>
-          <p:cNvPr id="309" name="Google Shape;309;g24116355be2_0_57:notes"/>
+          <p:cNvPr id="310" name="Google Shape;310;g249029ccb36_0_48:notes"/>
           <p:cNvSpPr/>
           <p:nvPr>
             <p:ph idx="2" type="sldImg"/>
@@ -3954,7 +3955,7 @@
       </p:sp>
       <p:sp>
         <p:nvSpPr>
-          <p:cNvPr id="310" name="Google Shape;310;g24116355be2_0_57:notes"/>
+          <p:cNvPr id="311" name="Google Shape;311;g249029ccb36_0_48:notes"/>
           <p:cNvSpPr txBox="1"/>
           <p:nvPr>
             <p:ph idx="1" type="body"/>
@@ -4117,7 +4118,7 @@
       </p:grpSpPr>
       <p:sp>
         <p:nvSpPr>
-          <p:cNvPr id="316" name="Google Shape;316;g24116355be2_0_66:notes"/>
+          <p:cNvPr id="316" name="Google Shape;316;g24116355be2_0_57:notes"/>
           <p:cNvSpPr/>
           <p:nvPr>
             <p:ph idx="2" type="sldImg"/>
@@ -4152,7 +4153,7 @@
       </p:sp>
       <p:sp>
         <p:nvSpPr>
-          <p:cNvPr id="317" name="Google Shape;317;g24116355be2_0_66:notes"/>
+          <p:cNvPr id="317" name="Google Shape;317;g24116355be2_0_57:notes"/>
           <p:cNvSpPr txBox="1"/>
           <p:nvPr>
             <p:ph idx="1" type="body"/>
@@ -4216,7 +4217,7 @@
       </p:grpSpPr>
       <p:sp>
         <p:nvSpPr>
-          <p:cNvPr id="323" name="Google Shape;323;g24116355be2_0_73:notes"/>
+          <p:cNvPr id="323" name="Google Shape;323;g24116355be2_0_66:notes"/>
           <p:cNvSpPr/>
           <p:nvPr>
             <p:ph idx="2" type="sldImg"/>
@@ -4251,7 +4252,7 @@
       </p:sp>
       <p:sp>
         <p:nvSpPr>
-          <p:cNvPr id="324" name="Google Shape;324;g24116355be2_0_73:notes"/>
+          <p:cNvPr id="324" name="Google Shape;324;g24116355be2_0_66:notes"/>
           <p:cNvSpPr txBox="1"/>
           <p:nvPr>
             <p:ph idx="1" type="body"/>
@@ -4301,7 +4302,7 @@
   <p:cSld>
     <p:spTree>
       <p:nvGrpSpPr>
-        <p:cNvPr id="330" name="Shape 330"/>
+        <p:cNvPr id="329" name="Shape 329"/>
         <p:cNvGrpSpPr/>
         <p:nvPr/>
       </p:nvGrpSpPr>
@@ -4315,7 +4316,7 @@
       </p:grpSpPr>
       <p:sp>
         <p:nvSpPr>
-          <p:cNvPr id="331" name="Google Shape;331;g249029ccb36_0_25:notes"/>
+          <p:cNvPr id="330" name="Google Shape;330;g24116355be2_0_73:notes"/>
           <p:cNvSpPr/>
           <p:nvPr>
             <p:ph idx="2" type="sldImg"/>
@@ -4350,7 +4351,7 @@
       </p:sp>
       <p:sp>
         <p:nvSpPr>
-          <p:cNvPr id="332" name="Google Shape;332;g249029ccb36_0_25:notes"/>
+          <p:cNvPr id="331" name="Google Shape;331;g24116355be2_0_73:notes"/>
           <p:cNvSpPr txBox="1"/>
           <p:nvPr>
             <p:ph idx="1" type="body"/>
@@ -4400,7 +4401,7 @@
   <p:cSld>
     <p:spTree>
       <p:nvGrpSpPr>
-        <p:cNvPr id="336" name="Shape 336"/>
+        <p:cNvPr id="337" name="Shape 337"/>
         <p:cNvGrpSpPr/>
         <p:nvPr/>
       </p:nvGrpSpPr>
@@ -4414,7 +4415,7 @@
       </p:grpSpPr>
       <p:sp>
         <p:nvSpPr>
-          <p:cNvPr id="337" name="Google Shape;337;g249029ccb36_0_32:notes"/>
+          <p:cNvPr id="338" name="Google Shape;338;g249029ccb36_0_25:notes"/>
           <p:cNvSpPr/>
           <p:nvPr>
             <p:ph idx="2" type="sldImg"/>
@@ -4449,7 +4450,7 @@
       </p:sp>
       <p:sp>
         <p:nvSpPr>
-          <p:cNvPr id="338" name="Google Shape;338;g249029ccb36_0_32:notes"/>
+          <p:cNvPr id="339" name="Google Shape;339;g249029ccb36_0_25:notes"/>
           <p:cNvSpPr txBox="1"/>
           <p:nvPr>
             <p:ph idx="1" type="body"/>
@@ -4499,7 +4500,7 @@
   <p:cSld>
     <p:spTree>
       <p:nvGrpSpPr>
-        <p:cNvPr id="344" name="Shape 344"/>
+        <p:cNvPr id="343" name="Shape 343"/>
         <p:cNvGrpSpPr/>
         <p:nvPr/>
       </p:nvGrpSpPr>
@@ -4513,7 +4514,7 @@
       </p:grpSpPr>
       <p:sp>
         <p:nvSpPr>
-          <p:cNvPr id="345" name="Google Shape;345;g249029ccb36_0_39:notes"/>
+          <p:cNvPr id="344" name="Google Shape;344;g249029ccb36_0_32:notes"/>
           <p:cNvSpPr/>
           <p:nvPr>
             <p:ph idx="2" type="sldImg"/>
@@ -4548,7 +4549,7 @@
       </p:sp>
       <p:sp>
         <p:nvSpPr>
-          <p:cNvPr id="346" name="Google Shape;346;g249029ccb36_0_39:notes"/>
+          <p:cNvPr id="345" name="Google Shape;345;g249029ccb36_0_32:notes"/>
           <p:cNvSpPr txBox="1"/>
           <p:nvPr>
             <p:ph idx="1" type="body"/>
@@ -4612,7 +4613,7 @@
       </p:grpSpPr>
       <p:sp>
         <p:nvSpPr>
-          <p:cNvPr id="352" name="Google Shape;352;g26e03241cb5_0_164:notes"/>
+          <p:cNvPr id="352" name="Google Shape;352;g249029ccb36_0_39:notes"/>
           <p:cNvSpPr/>
           <p:nvPr>
             <p:ph idx="2" type="sldImg"/>
@@ -4647,7 +4648,7 @@
       </p:sp>
       <p:sp>
         <p:nvSpPr>
-          <p:cNvPr id="353" name="Google Shape;353;g26e03241cb5_0_164:notes"/>
+          <p:cNvPr id="353" name="Google Shape;353;g249029ccb36_0_39:notes"/>
           <p:cNvSpPr txBox="1"/>
           <p:nvPr>
             <p:ph idx="1" type="body"/>
@@ -4697,7 +4698,7 @@
   <p:cSld>
     <p:spTree>
       <p:nvGrpSpPr>
-        <p:cNvPr id="357" name="Shape 357"/>
+        <p:cNvPr id="358" name="Shape 358"/>
         <p:cNvGrpSpPr/>
         <p:nvPr/>
       </p:nvGrpSpPr>
@@ -4711,7 +4712,7 @@
       </p:grpSpPr>
       <p:sp>
         <p:nvSpPr>
-          <p:cNvPr id="358" name="Google Shape;358;g2867692f1c1_0_24:notes"/>
+          <p:cNvPr id="359" name="Google Shape;359;g26e03241cb5_0_164:notes"/>
           <p:cNvSpPr/>
           <p:nvPr>
             <p:ph idx="2" type="sldImg"/>
@@ -4746,7 +4747,7 @@
       </p:sp>
       <p:sp>
         <p:nvSpPr>
-          <p:cNvPr id="359" name="Google Shape;359;g2867692f1c1_0_24:notes"/>
+          <p:cNvPr id="360" name="Google Shape;360;g26e03241cb5_0_164:notes"/>
           <p:cNvSpPr txBox="1"/>
           <p:nvPr>
             <p:ph idx="1" type="body"/>
@@ -4796,7 +4797,7 @@
   <p:cSld>
     <p:spTree>
       <p:nvGrpSpPr>
-        <p:cNvPr id="363" name="Shape 363"/>
+        <p:cNvPr id="364" name="Shape 364"/>
         <p:cNvGrpSpPr/>
         <p:nvPr/>
       </p:nvGrpSpPr>
@@ -4810,7 +4811,7 @@
       </p:grpSpPr>
       <p:sp>
         <p:nvSpPr>
-          <p:cNvPr id="364" name="Google Shape;364;g26e03241cb5_0_173:notes"/>
+          <p:cNvPr id="365" name="Google Shape;365;g2867692f1c1_0_24:notes"/>
           <p:cNvSpPr/>
           <p:nvPr>
             <p:ph idx="2" type="sldImg"/>
@@ -4845,7 +4846,106 @@
       </p:sp>
       <p:sp>
         <p:nvSpPr>
-          <p:cNvPr id="365" name="Google Shape;365;g26e03241cb5_0_173:notes"/>
+          <p:cNvPr id="366" name="Google Shape;366;g2867692f1c1_0_24:notes"/>
+          <p:cNvSpPr txBox="1"/>
+          <p:nvPr>
+            <p:ph idx="1" type="body"/>
+          </p:nvPr>
+        </p:nvSpPr>
+        <p:spPr>
+          <a:xfrm>
+            <a:off x="685800" y="4343400"/>
+            <a:ext cx="5486400" cy="4114800"/>
+          </a:xfrm>
+          <a:prstGeom prst="rect">
+            <a:avLst/>
+          </a:prstGeom>
+        </p:spPr>
+        <p:txBody>
+          <a:bodyPr anchorCtr="0" anchor="t" bIns="91425" lIns="91425" spcFirstLastPara="1" rIns="91425" wrap="square" tIns="91425">
+            <a:noAutofit/>
+          </a:bodyPr>
+          <a:lstStyle/>
+          <a:p>
+            <a:pPr indent="0" lvl="0" marL="0" rtl="0" algn="l">
+              <a:spcBef>
+                <a:spcPts val="0"/>
+              </a:spcBef>
+              <a:spcAft>
+                <a:spcPts val="0"/>
+              </a:spcAft>
+              <a:buNone/>
+            </a:pPr>
+            <a:r>
+              <a:t/>
+            </a:r>
+            <a:endParaRPr/>
+          </a:p>
+        </p:txBody>
+      </p:sp>
+    </p:spTree>
+  </p:cSld>
+  <p:clrMapOvr>
+    <a:masterClrMapping/>
+  </p:clrMapOvr>
+</p:notes>
+</file>
+
+<file path=ppt/notesSlides/notesSlide48.xml><?xml version="1.0" encoding="utf-8"?>
+<p:notes xmlns:a="http://schemas.openxmlformats.org/drawingml/2006/main" xmlns:r="http://schemas.openxmlformats.org/officeDocument/2006/relationships" xmlns:mc="http://schemas.openxmlformats.org/markup-compatibility/2006" xmlns:mv="urn:schemas-microsoft-com:mac:vml" xmlns:p="http://schemas.openxmlformats.org/presentationml/2006/main" xmlns:c="http://schemas.openxmlformats.org/drawingml/2006/chart" xmlns:dgm="http://schemas.openxmlformats.org/drawingml/2006/diagram" xmlns:o="urn:schemas-microsoft-com:office:office" xmlns:v="urn:schemas-microsoft-com:vml" xmlns:pvml="urn:schemas-microsoft-com:office:powerpoint" xmlns:com="http://schemas.openxmlformats.org/drawingml/2006/compatibility" xmlns:p14="http://schemas.microsoft.com/office/powerpoint/2010/main" xmlns:p15="http://schemas.microsoft.com/office/powerpoint/2012/main" xmlns:ahyp="http://schemas.microsoft.com/office/drawing/2018/hyperlinkcolor" showMasterPhAnim="0" showMasterSp="0">
+  <p:cSld>
+    <p:spTree>
+      <p:nvGrpSpPr>
+        <p:cNvPr id="370" name="Shape 370"/>
+        <p:cNvGrpSpPr/>
+        <p:nvPr/>
+      </p:nvGrpSpPr>
+      <p:grpSpPr>
+        <a:xfrm>
+          <a:off x="0" y="0"/>
+          <a:ext cx="0" cy="0"/>
+          <a:chOff x="0" y="0"/>
+          <a:chExt cx="0" cy="0"/>
+        </a:xfrm>
+      </p:grpSpPr>
+      <p:sp>
+        <p:nvSpPr>
+          <p:cNvPr id="371" name="Google Shape;371;g26e03241cb5_0_173:notes"/>
+          <p:cNvSpPr/>
+          <p:nvPr>
+            <p:ph idx="2" type="sldImg"/>
+          </p:nvPr>
+        </p:nvSpPr>
+        <p:spPr>
+          <a:xfrm>
+            <a:off x="381300" y="685800"/>
+            <a:ext cx="6096000" cy="3429000"/>
+          </a:xfrm>
+          <a:custGeom>
+            <a:rect b="b" l="l" r="r" t="t"/>
+            <a:pathLst>
+              <a:path extrusionOk="0" h="120000" w="120000">
+                <a:moveTo>
+                  <a:pt x="0" y="0"/>
+                </a:moveTo>
+                <a:lnTo>
+                  <a:pt x="120000" y="0"/>
+                </a:lnTo>
+                <a:lnTo>
+                  <a:pt x="120000" y="120000"/>
+                </a:lnTo>
+                <a:lnTo>
+                  <a:pt x="0" y="120000"/>
+                </a:lnTo>
+                <a:close/>
+              </a:path>
+            </a:pathLst>
+          </a:custGeom>
+        </p:spPr>
+      </p:sp>
+      <p:sp>
+        <p:nvSpPr>
+          <p:cNvPr id="372" name="Google Shape;372;g26e03241cb5_0_173:notes"/>
           <p:cNvSpPr txBox="1"/>
           <p:nvPr>
             <p:ph idx="1" type="body"/>
@@ -15089,37 +15189,119 @@
         </p:nvSpPr>
         <p:spPr>
           <a:xfrm>
-            <a:off x="311700" y="2150850"/>
-            <a:ext cx="8520600" cy="841800"/>
+            <a:off x="311700" y="63175"/>
+            <a:ext cx="8641200" cy="401700"/>
           </a:xfrm>
           <a:prstGeom prst="rect">
             <a:avLst/>
           </a:prstGeom>
         </p:spPr>
         <p:txBody>
-          <a:bodyPr anchorCtr="0" anchor="ctr" bIns="91425" lIns="91425" spcFirstLastPara="1" rIns="91425" wrap="square" tIns="91425">
+          <a:bodyPr anchorCtr="0" anchor="t" bIns="91425" lIns="91425" spcFirstLastPara="1" rIns="91425" wrap="square" tIns="91425">
             <a:noAutofit/>
           </a:bodyPr>
           <a:lstStyle/>
           <a:p>
-            <a:pPr indent="0" lvl="0" marL="0" rtl="0" algn="ctr">
-              <a:spcBef>
-                <a:spcPts val="0"/>
-              </a:spcBef>
-              <a:spcAft>
-                <a:spcPts val="0"/>
-              </a:spcAft>
-              <a:buSzPts val="990"/>
-              <a:buNone/>
-            </a:pPr>
-            <a:r>
-              <a:rPr lang="en" sz="1920"/>
-              <a:t>New Models</a:t>
-            </a:r>
-            <a:endParaRPr sz="1920"/>
+            <a:pPr indent="0" lvl="0" marL="0" rtl="0" algn="l">
+              <a:spcBef>
+                <a:spcPts val="0"/>
+              </a:spcBef>
+              <a:spcAft>
+                <a:spcPts val="0"/>
+              </a:spcAft>
+              <a:buNone/>
+            </a:pPr>
+            <a:r>
+              <a:rPr lang="en" sz="1820"/>
+              <a:t>CDCN and Deep Pixel wise Binary Supervision(Densenet) metrics on OULU-NPU </a:t>
+            </a:r>
+            <a:endParaRPr sz="1820"/>
           </a:p>
         </p:txBody>
       </p:sp>
+      <p:sp>
+        <p:nvSpPr>
+          <p:cNvPr id="263" name="Google Shape;263;p43"/>
+          <p:cNvSpPr txBox="1"/>
+          <p:nvPr>
+            <p:ph idx="1" type="body"/>
+          </p:nvPr>
+        </p:nvSpPr>
+        <p:spPr>
+          <a:xfrm>
+            <a:off x="311700" y="583975"/>
+            <a:ext cx="8520600" cy="4453800"/>
+          </a:xfrm>
+          <a:prstGeom prst="rect">
+            <a:avLst/>
+          </a:prstGeom>
+        </p:spPr>
+        <p:txBody>
+          <a:bodyPr anchorCtr="0" anchor="t" bIns="91425" lIns="91425" spcFirstLastPara="1" rIns="91425" wrap="square" tIns="91425">
+            <a:normAutofit/>
+          </a:bodyPr>
+          <a:lstStyle/>
+          <a:p>
+            <a:pPr indent="0" lvl="0" marL="0" rtl="0" algn="l">
+              <a:spcBef>
+                <a:spcPts val="0"/>
+              </a:spcBef>
+              <a:spcAft>
+                <a:spcPts val="0"/>
+              </a:spcAft>
+              <a:buNone/>
+            </a:pPr>
+            <a:r>
+              <a:t/>
+            </a:r>
+            <a:endParaRPr sz="1700"/>
+          </a:p>
+          <a:p>
+            <a:pPr indent="0" lvl="0" marL="0" rtl="0" algn="l">
+              <a:spcBef>
+                <a:spcPts val="1200"/>
+              </a:spcBef>
+              <a:spcAft>
+                <a:spcPts val="1200"/>
+              </a:spcAft>
+              <a:buNone/>
+            </a:pPr>
+            <a:r>
+              <a:rPr lang="en" sz="1700"/>
+              <a:t>					</a:t>
+            </a:r>
+            <a:endParaRPr sz="1700"/>
+          </a:p>
+        </p:txBody>
+      </p:sp>
+      <p:pic>
+        <p:nvPicPr>
+          <p:cNvPr id="264" name="Google Shape;264;p43"/>
+          <p:cNvPicPr preferRelativeResize="0"/>
+          <p:nvPr/>
+        </p:nvPicPr>
+        <p:blipFill>
+          <a:blip r:embed="rId3">
+            <a:alphaModFix/>
+          </a:blip>
+          <a:stretch>
+            <a:fillRect/>
+          </a:stretch>
+        </p:blipFill>
+        <p:spPr>
+          <a:xfrm>
+            <a:off x="2395175" y="583975"/>
+            <a:ext cx="4042050" cy="4453675"/>
+          </a:xfrm>
+          <a:prstGeom prst="rect">
+            <a:avLst/>
+          </a:prstGeom>
+          <a:noFill/>
+          <a:ln>
+            <a:noFill/>
+          </a:ln>
+        </p:spPr>
+      </p:pic>
     </p:spTree>
   </p:cSld>
   <p:clrMapOvr>
@@ -15133,7 +15315,7 @@
   <p:cSld>
     <p:spTree>
       <p:nvGrpSpPr>
-        <p:cNvPr id="266" name="Shape 266"/>
+        <p:cNvPr id="268" name="Shape 268"/>
         <p:cNvGrpSpPr/>
         <p:nvPr/>
       </p:nvGrpSpPr>
@@ -15147,7 +15329,7 @@
       </p:grpSpPr>
       <p:sp>
         <p:nvSpPr>
-          <p:cNvPr id="267" name="Google Shape;267;p44"/>
+          <p:cNvPr id="269" name="Google Shape;269;p44"/>
           <p:cNvSpPr txBox="1"/>
           <p:nvPr>
             <p:ph type="title"/>
@@ -15180,7 +15362,7 @@
             </a:pPr>
             <a:r>
               <a:rPr lang="en" sz="1920"/>
-              <a:t>CDC-DenseNet</a:t>
+              <a:t>New Models</a:t>
             </a:r>
             <a:endParaRPr sz="1920"/>
           </a:p>
@@ -15199,7 +15381,7 @@
   <p:cSld>
     <p:spTree>
       <p:nvGrpSpPr>
-        <p:cNvPr id="271" name="Shape 271"/>
+        <p:cNvPr id="273" name="Shape 273"/>
         <p:cNvGrpSpPr/>
         <p:nvPr/>
       </p:nvGrpSpPr>
@@ -15213,7 +15395,7 @@
       </p:grpSpPr>
       <p:sp>
         <p:nvSpPr>
-          <p:cNvPr id="272" name="Google Shape;272;p45"/>
+          <p:cNvPr id="274" name="Google Shape;274;p45"/>
           <p:cNvSpPr txBox="1"/>
           <p:nvPr>
             <p:ph type="title"/>
@@ -15221,20 +15403,20 @@
         </p:nvSpPr>
         <p:spPr>
           <a:xfrm>
-            <a:off x="311700" y="276550"/>
-            <a:ext cx="8520600" cy="572700"/>
+            <a:off x="311700" y="2150850"/>
+            <a:ext cx="8520600" cy="841800"/>
           </a:xfrm>
           <a:prstGeom prst="rect">
             <a:avLst/>
           </a:prstGeom>
         </p:spPr>
         <p:txBody>
-          <a:bodyPr anchorCtr="0" anchor="t" bIns="91425" lIns="91425" spcFirstLastPara="1" rIns="91425" wrap="square" tIns="91425">
+          <a:bodyPr anchorCtr="0" anchor="ctr" bIns="91425" lIns="91425" spcFirstLastPara="1" rIns="91425" wrap="square" tIns="91425">
             <a:noAutofit/>
           </a:bodyPr>
           <a:lstStyle/>
           <a:p>
-            <a:pPr indent="0" lvl="0" marL="0" rtl="0" algn="l">
+            <a:pPr indent="0" lvl="0" marL="0" rtl="0" algn="ctr">
               <a:spcBef>
                 <a:spcPts val="0"/>
               </a:spcBef>
@@ -15246,186 +15428,12 @@
             </a:pPr>
             <a:r>
               <a:rPr lang="en" sz="1920"/>
-              <a:t>DenseNet with CDCN </a:t>
+              <a:t>CDC-DenseNet</a:t>
             </a:r>
             <a:endParaRPr sz="1920"/>
           </a:p>
         </p:txBody>
       </p:sp>
-      <p:sp>
-        <p:nvSpPr>
-          <p:cNvPr id="273" name="Google Shape;273;p45"/>
-          <p:cNvSpPr txBox="1"/>
-          <p:nvPr>
-            <p:ph idx="1" type="body"/>
-          </p:nvPr>
-        </p:nvSpPr>
-        <p:spPr>
-          <a:xfrm>
-            <a:off x="311700" y="936600"/>
-            <a:ext cx="8520600" cy="3632400"/>
-          </a:xfrm>
-          <a:prstGeom prst="rect">
-            <a:avLst/>
-          </a:prstGeom>
-        </p:spPr>
-        <p:txBody>
-          <a:bodyPr anchorCtr="0" anchor="t" bIns="91425" lIns="91425" spcFirstLastPara="1" rIns="91425" wrap="square" tIns="91425">
-            <a:normAutofit/>
-          </a:bodyPr>
-          <a:lstStyle/>
-          <a:p>
-            <a:pPr indent="0" lvl="0" marL="0" rtl="0" algn="l">
-              <a:spcBef>
-                <a:spcPts val="0"/>
-              </a:spcBef>
-              <a:spcAft>
-                <a:spcPts val="0"/>
-              </a:spcAft>
-              <a:buNone/>
-            </a:pPr>
-            <a:r>
-              <a:rPr lang="en" sz="1700"/>
-              <a:t>Replaced the 3x3 kernel nn.conv2D operation with CDC operator</a:t>
-            </a:r>
-            <a:endParaRPr sz="1700"/>
-          </a:p>
-          <a:p>
-            <a:pPr indent="0" lvl="0" marL="0" rtl="0" algn="l">
-              <a:spcBef>
-                <a:spcPts val="1200"/>
-              </a:spcBef>
-              <a:spcAft>
-                <a:spcPts val="0"/>
-              </a:spcAft>
-              <a:buNone/>
-            </a:pPr>
-            <a:r>
-              <a:rPr lang="en" sz="1700"/>
-              <a:t>While leaving the 1x1 kernel operations as normal.</a:t>
-            </a:r>
-            <a:endParaRPr sz="1700"/>
-          </a:p>
-          <a:p>
-            <a:pPr indent="0" lvl="0" marL="0" rtl="0" algn="l">
-              <a:spcBef>
-                <a:spcPts val="1200"/>
-              </a:spcBef>
-              <a:spcAft>
-                <a:spcPts val="0"/>
-              </a:spcAft>
-              <a:buNone/>
-            </a:pPr>
-            <a:r>
-              <a:t/>
-            </a:r>
-            <a:endParaRPr sz="1700"/>
-          </a:p>
-          <a:p>
-            <a:pPr indent="0" lvl="0" marL="0" rtl="0" algn="l">
-              <a:spcBef>
-                <a:spcPts val="1200"/>
-              </a:spcBef>
-              <a:spcAft>
-                <a:spcPts val="0"/>
-              </a:spcAft>
-              <a:buNone/>
-            </a:pPr>
-            <a:r>
-              <a:rPr lang="en" sz="1700"/>
-              <a:t>Modified the Densenet-161 architecture from Pytorch official Github page (</a:t>
-            </a:r>
-            <a:r>
-              <a:rPr lang="en" sz="1700" u="sng">
-                <a:solidFill>
-                  <a:schemeClr val="hlink"/>
-                </a:solidFill>
-                <a:hlinkClick r:id="rId3"/>
-              </a:rPr>
-              <a:t>https://github.com/pytorch/vision/blob/main/torchvision/models/densenet.py#L251</a:t>
-            </a:r>
-            <a:r>
-              <a:rPr lang="en" sz="1700"/>
-              <a:t>) </a:t>
-            </a:r>
-            <a:endParaRPr sz="1700"/>
-          </a:p>
-          <a:p>
-            <a:pPr indent="0" lvl="0" marL="0" rtl="0" algn="l">
-              <a:spcBef>
-                <a:spcPts val="1200"/>
-              </a:spcBef>
-              <a:spcAft>
-                <a:spcPts val="0"/>
-              </a:spcAft>
-              <a:buNone/>
-            </a:pPr>
-            <a:r>
-              <a:t/>
-            </a:r>
-            <a:endParaRPr sz="1700"/>
-          </a:p>
-          <a:p>
-            <a:pPr indent="0" lvl="0" marL="0" rtl="0" algn="l">
-              <a:spcBef>
-                <a:spcPts val="1200"/>
-              </a:spcBef>
-              <a:spcAft>
-                <a:spcPts val="0"/>
-              </a:spcAft>
-              <a:buNone/>
-            </a:pPr>
-            <a:r>
-              <a:t/>
-            </a:r>
-            <a:endParaRPr sz="1700"/>
-          </a:p>
-          <a:p>
-            <a:pPr indent="0" lvl="0" marL="0" rtl="0" algn="l">
-              <a:spcBef>
-                <a:spcPts val="1200"/>
-              </a:spcBef>
-              <a:spcAft>
-                <a:spcPts val="1200"/>
-              </a:spcAft>
-              <a:buNone/>
-            </a:pPr>
-            <a:r>
-              <a:rPr lang="en" sz="1700"/>
-              <a:t>Ran code by modifying and using the training code from CDCN code</a:t>
-            </a:r>
-            <a:endParaRPr sz="1700"/>
-          </a:p>
-        </p:txBody>
-      </p:sp>
-      <p:pic>
-        <p:nvPicPr>
-          <p:cNvPr id="274" name="Google Shape;274;p45"/>
-          <p:cNvPicPr preferRelativeResize="0"/>
-          <p:nvPr/>
-        </p:nvPicPr>
-        <p:blipFill>
-          <a:blip r:embed="rId4">
-            <a:alphaModFix/>
-          </a:blip>
-          <a:stretch>
-            <a:fillRect/>
-          </a:stretch>
-        </p:blipFill>
-        <p:spPr>
-          <a:xfrm>
-            <a:off x="795088" y="3196375"/>
-            <a:ext cx="6296025" cy="704850"/>
-          </a:xfrm>
-          <a:prstGeom prst="rect">
-            <a:avLst/>
-          </a:prstGeom>
-          <a:noFill/>
-          <a:ln>
-            <a:noFill/>
-          </a:ln>
-        </p:spPr>
-      </p:pic>
     </p:spTree>
   </p:cSld>
   <p:clrMapOvr>
@@ -15526,9 +15534,9 @@
             </a:pPr>
             <a:r>
               <a:rPr lang="en" sz="1700"/>
-              <a:t>Training loss and accuracy: OULU-NPU (best val accuracy after 8 epochs)</a:t>
-            </a:r>
-            <a:endParaRPr sz="1500"/>
+              <a:t>Replaced the 3x3 kernel nn.conv2D operation with CDC operator</a:t>
+            </a:r>
+            <a:endParaRPr sz="1700"/>
           </a:p>
           <a:p>
             <a:pPr indent="0" lvl="0" marL="0" rtl="0" algn="l">
@@ -15536,12 +15544,103 @@
                 <a:spcPts val="1200"/>
               </a:spcBef>
               <a:spcAft>
+                <a:spcPts val="0"/>
+              </a:spcAft>
+              <a:buNone/>
+            </a:pPr>
+            <a:r>
+              <a:rPr lang="en" sz="1700"/>
+              <a:t>While leaving the 1x1 kernel operations as normal.</a:t>
+            </a:r>
+            <a:endParaRPr sz="1700"/>
+          </a:p>
+          <a:p>
+            <a:pPr indent="0" lvl="0" marL="0" rtl="0" algn="l">
+              <a:spcBef>
                 <a:spcPts val="1200"/>
+              </a:spcBef>
+              <a:spcAft>
+                <a:spcPts val="0"/>
               </a:spcAft>
               <a:buNone/>
             </a:pPr>
             <a:r>
               <a:t/>
+            </a:r>
+            <a:endParaRPr sz="1700"/>
+          </a:p>
+          <a:p>
+            <a:pPr indent="0" lvl="0" marL="0" rtl="0" algn="l">
+              <a:spcBef>
+                <a:spcPts val="1200"/>
+              </a:spcBef>
+              <a:spcAft>
+                <a:spcPts val="0"/>
+              </a:spcAft>
+              <a:buNone/>
+            </a:pPr>
+            <a:r>
+              <a:rPr lang="en" sz="1700"/>
+              <a:t>Modified the Densenet-161 architecture from Pytorch official Github page (</a:t>
+            </a:r>
+            <a:r>
+              <a:rPr lang="en" sz="1700" u="sng">
+                <a:solidFill>
+                  <a:schemeClr val="hlink"/>
+                </a:solidFill>
+                <a:hlinkClick r:id="rId3"/>
+              </a:rPr>
+              <a:t>https://github.com/pytorch/vision/blob/main/torchvision/models/densenet.py#L251</a:t>
+            </a:r>
+            <a:r>
+              <a:rPr lang="en" sz="1700"/>
+              <a:t>) </a:t>
+            </a:r>
+            <a:endParaRPr sz="1700"/>
+          </a:p>
+          <a:p>
+            <a:pPr indent="0" lvl="0" marL="0" rtl="0" algn="l">
+              <a:spcBef>
+                <a:spcPts val="1200"/>
+              </a:spcBef>
+              <a:spcAft>
+                <a:spcPts val="0"/>
+              </a:spcAft>
+              <a:buNone/>
+            </a:pPr>
+            <a:r>
+              <a:t/>
+            </a:r>
+            <a:endParaRPr sz="1700"/>
+          </a:p>
+          <a:p>
+            <a:pPr indent="0" lvl="0" marL="0" rtl="0" algn="l">
+              <a:spcBef>
+                <a:spcPts val="1200"/>
+              </a:spcBef>
+              <a:spcAft>
+                <a:spcPts val="0"/>
+              </a:spcAft>
+              <a:buNone/>
+            </a:pPr>
+            <a:r>
+              <a:t/>
+            </a:r>
+            <a:endParaRPr sz="1700"/>
+          </a:p>
+          <a:p>
+            <a:pPr indent="0" lvl="0" marL="0" rtl="0" algn="l">
+              <a:spcBef>
+                <a:spcPts val="1200"/>
+              </a:spcBef>
+              <a:spcAft>
+                <a:spcPts val="1200"/>
+              </a:spcAft>
+              <a:buNone/>
+            </a:pPr>
+            <a:r>
+              <a:rPr lang="en" sz="1700"/>
+              <a:t>Ran code by modifying and using the training code from CDCN code</a:t>
             </a:r>
             <a:endParaRPr sz="1700"/>
           </a:p>
@@ -15554,7 +15653,7 @@
           <p:nvPr/>
         </p:nvPicPr>
         <p:blipFill>
-          <a:blip r:embed="rId3">
+          <a:blip r:embed="rId4">
             <a:alphaModFix/>
           </a:blip>
           <a:stretch>
@@ -15563,8 +15662,8 @@
         </p:blipFill>
         <p:spPr>
           <a:xfrm>
-            <a:off x="454950" y="1983601"/>
-            <a:ext cx="8234101" cy="1176300"/>
+            <a:off x="795088" y="3196375"/>
+            <a:ext cx="6296025" cy="704850"/>
           </a:xfrm>
           <a:prstGeom prst="rect">
             <a:avLst/>
@@ -15675,11 +15774,7 @@
             </a:pPr>
             <a:r>
               <a:rPr lang="en" sz="1700"/>
-              <a:t>Test metrics</a:t>
-            </a:r>
-            <a:r>
-              <a:rPr lang="en" sz="1700"/>
-              <a:t>: OULU-NPU after 8 epochs</a:t>
+              <a:t>Training loss and accuracy: OULU-NPU (best val accuracy after 8 epochs)</a:t>
             </a:r>
             <a:endParaRPr sz="1500"/>
           </a:p>
@@ -15716,8 +15811,8 @@
         </p:blipFill>
         <p:spPr>
           <a:xfrm>
-            <a:off x="2162175" y="2105025"/>
-            <a:ext cx="4819650" cy="933450"/>
+            <a:off x="454950" y="1983601"/>
+            <a:ext cx="8234101" cy="1176300"/>
           </a:xfrm>
           <a:prstGeom prst="rect">
             <a:avLst/>
@@ -15763,20 +15858,20 @@
         </p:nvSpPr>
         <p:spPr>
           <a:xfrm>
-            <a:off x="311700" y="2150850"/>
-            <a:ext cx="8520600" cy="841800"/>
+            <a:off x="311700" y="276550"/>
+            <a:ext cx="8520600" cy="572700"/>
           </a:xfrm>
           <a:prstGeom prst="rect">
             <a:avLst/>
           </a:prstGeom>
         </p:spPr>
         <p:txBody>
-          <a:bodyPr anchorCtr="0" anchor="ctr" bIns="91425" lIns="91425" spcFirstLastPara="1" rIns="91425" wrap="square" tIns="91425">
+          <a:bodyPr anchorCtr="0" anchor="t" bIns="91425" lIns="91425" spcFirstLastPara="1" rIns="91425" wrap="square" tIns="91425">
             <a:noAutofit/>
           </a:bodyPr>
           <a:lstStyle/>
           <a:p>
-            <a:pPr indent="0" lvl="0" marL="0" rtl="0" algn="ctr">
+            <a:pPr indent="0" lvl="0" marL="0" rtl="0" algn="l">
               <a:spcBef>
                 <a:spcPts val="0"/>
               </a:spcBef>
@@ -15788,12 +15883,99 @@
             </a:pPr>
             <a:r>
               <a:rPr lang="en" sz="1920"/>
-              <a:t>DenseNet-ViT with Pixel Wise Binary Supervision</a:t>
+              <a:t>DenseNet with CDCN </a:t>
             </a:r>
             <a:endParaRPr sz="1920"/>
           </a:p>
         </p:txBody>
       </p:sp>
+      <p:sp>
+        <p:nvSpPr>
+          <p:cNvPr id="294" name="Google Shape;294;p48"/>
+          <p:cNvSpPr txBox="1"/>
+          <p:nvPr>
+            <p:ph idx="1" type="body"/>
+          </p:nvPr>
+        </p:nvSpPr>
+        <p:spPr>
+          <a:xfrm>
+            <a:off x="311700" y="936600"/>
+            <a:ext cx="8520600" cy="3632400"/>
+          </a:xfrm>
+          <a:prstGeom prst="rect">
+            <a:avLst/>
+          </a:prstGeom>
+        </p:spPr>
+        <p:txBody>
+          <a:bodyPr anchorCtr="0" anchor="t" bIns="91425" lIns="91425" spcFirstLastPara="1" rIns="91425" wrap="square" tIns="91425">
+            <a:normAutofit/>
+          </a:bodyPr>
+          <a:lstStyle/>
+          <a:p>
+            <a:pPr indent="0" lvl="0" marL="0" rtl="0" algn="l">
+              <a:spcBef>
+                <a:spcPts val="0"/>
+              </a:spcBef>
+              <a:spcAft>
+                <a:spcPts val="0"/>
+              </a:spcAft>
+              <a:buNone/>
+            </a:pPr>
+            <a:r>
+              <a:rPr lang="en" sz="1700"/>
+              <a:t>Test metrics</a:t>
+            </a:r>
+            <a:r>
+              <a:rPr lang="en" sz="1700"/>
+              <a:t>: OULU-NPU after 8 epochs</a:t>
+            </a:r>
+            <a:endParaRPr sz="1500"/>
+          </a:p>
+          <a:p>
+            <a:pPr indent="0" lvl="0" marL="0" rtl="0" algn="l">
+              <a:spcBef>
+                <a:spcPts val="1200"/>
+              </a:spcBef>
+              <a:spcAft>
+                <a:spcPts val="1200"/>
+              </a:spcAft>
+              <a:buNone/>
+            </a:pPr>
+            <a:r>
+              <a:t/>
+            </a:r>
+            <a:endParaRPr sz="1700"/>
+          </a:p>
+        </p:txBody>
+      </p:sp>
+      <p:pic>
+        <p:nvPicPr>
+          <p:cNvPr id="295" name="Google Shape;295;p48"/>
+          <p:cNvPicPr preferRelativeResize="0"/>
+          <p:nvPr/>
+        </p:nvPicPr>
+        <p:blipFill>
+          <a:blip r:embed="rId3">
+            <a:alphaModFix/>
+          </a:blip>
+          <a:stretch>
+            <a:fillRect/>
+          </a:stretch>
+        </p:blipFill>
+        <p:spPr>
+          <a:xfrm>
+            <a:off x="2162175" y="2105025"/>
+            <a:ext cx="4819650" cy="933450"/>
+          </a:xfrm>
+          <a:prstGeom prst="rect">
+            <a:avLst/>
+          </a:prstGeom>
+          <a:noFill/>
+          <a:ln>
+            <a:noFill/>
+          </a:ln>
+        </p:spPr>
+      </p:pic>
     </p:spTree>
   </p:cSld>
   <p:clrMapOvr>
@@ -15807,7 +15989,7 @@
   <p:cSld>
     <p:spTree>
       <p:nvGrpSpPr>
-        <p:cNvPr id="297" name="Shape 297"/>
+        <p:cNvPr id="299" name="Shape 299"/>
         <p:cNvGrpSpPr/>
         <p:nvPr/>
       </p:nvGrpSpPr>
@@ -15821,7 +16003,7 @@
       </p:grpSpPr>
       <p:sp>
         <p:nvSpPr>
-          <p:cNvPr id="298" name="Google Shape;298;p49"/>
+          <p:cNvPr id="300" name="Google Shape;300;p49"/>
           <p:cNvSpPr txBox="1"/>
           <p:nvPr>
             <p:ph type="title"/>
@@ -15829,20 +16011,20 @@
         </p:nvSpPr>
         <p:spPr>
           <a:xfrm>
-            <a:off x="311700" y="276550"/>
-            <a:ext cx="8520600" cy="572700"/>
+            <a:off x="311700" y="2150850"/>
+            <a:ext cx="8520600" cy="841800"/>
           </a:xfrm>
           <a:prstGeom prst="rect">
             <a:avLst/>
           </a:prstGeom>
         </p:spPr>
         <p:txBody>
-          <a:bodyPr anchorCtr="0" anchor="t" bIns="91425" lIns="91425" spcFirstLastPara="1" rIns="91425" wrap="square" tIns="91425">
+          <a:bodyPr anchorCtr="0" anchor="ctr" bIns="91425" lIns="91425" spcFirstLastPara="1" rIns="91425" wrap="square" tIns="91425">
             <a:noAutofit/>
           </a:bodyPr>
           <a:lstStyle/>
           <a:p>
-            <a:pPr indent="0" lvl="0" marL="0" rtl="0" algn="l">
+            <a:pPr indent="0" lvl="0" marL="0" rtl="0" algn="ctr">
               <a:spcBef>
                 <a:spcPts val="0"/>
               </a:spcBef>
@@ -15854,149 +16036,9 @@
             </a:pPr>
             <a:r>
               <a:rPr lang="en" sz="1920"/>
-              <a:t>ViT(Deit) with Densenet backbone using Pixel wise binary supervision</a:t>
+              <a:t>DenseNet-ViT with Pixel Wise Binary Supervision</a:t>
             </a:r>
             <a:endParaRPr sz="1920"/>
-          </a:p>
-          <a:p>
-            <a:pPr indent="0" lvl="0" marL="0" rtl="0" algn="l">
-              <a:spcBef>
-                <a:spcPts val="0"/>
-              </a:spcBef>
-              <a:spcAft>
-                <a:spcPts val="0"/>
-              </a:spcAft>
-              <a:buSzPts val="990"/>
-              <a:buNone/>
-            </a:pPr>
-            <a:r>
-              <a:t/>
-            </a:r>
-            <a:endParaRPr sz="1920"/>
-          </a:p>
-        </p:txBody>
-      </p:sp>
-      <p:sp>
-        <p:nvSpPr>
-          <p:cNvPr id="299" name="Google Shape;299;p49"/>
-          <p:cNvSpPr txBox="1"/>
-          <p:nvPr>
-            <p:ph idx="1" type="body"/>
-          </p:nvPr>
-        </p:nvSpPr>
-        <p:spPr>
-          <a:xfrm>
-            <a:off x="311700" y="849250"/>
-            <a:ext cx="8520600" cy="3972900"/>
-          </a:xfrm>
-          <a:prstGeom prst="rect">
-            <a:avLst/>
-          </a:prstGeom>
-        </p:spPr>
-        <p:txBody>
-          <a:bodyPr anchorCtr="0" anchor="t" bIns="91425" lIns="91425" spcFirstLastPara="1" rIns="91425" wrap="square" tIns="91425">
-            <a:normAutofit/>
-          </a:bodyPr>
-          <a:lstStyle/>
-          <a:p>
-            <a:pPr indent="0" lvl="0" marL="0" rtl="0" algn="l">
-              <a:spcBef>
-                <a:spcPts val="0"/>
-              </a:spcBef>
-              <a:spcAft>
-                <a:spcPts val="0"/>
-              </a:spcAft>
-              <a:buNone/>
-            </a:pPr>
-            <a:r>
-              <a:rPr lang="en" sz="1700"/>
-              <a:t>Model Diagram</a:t>
-            </a:r>
-            <a:endParaRPr sz="1700"/>
-          </a:p>
-          <a:p>
-            <a:pPr indent="0" lvl="0" marL="0" rtl="0" algn="l">
-              <a:spcBef>
-                <a:spcPts val="1200"/>
-              </a:spcBef>
-              <a:spcAft>
-                <a:spcPts val="1200"/>
-              </a:spcAft>
-              <a:buNone/>
-            </a:pPr>
-            <a:r>
-              <a:t/>
-            </a:r>
-            <a:endParaRPr sz="1700"/>
-          </a:p>
-        </p:txBody>
-      </p:sp>
-      <p:pic>
-        <p:nvPicPr>
-          <p:cNvPr id="300" name="Google Shape;300;p49"/>
-          <p:cNvPicPr preferRelativeResize="0"/>
-          <p:nvPr/>
-        </p:nvPicPr>
-        <p:blipFill rotWithShape="1">
-          <a:blip r:embed="rId3">
-            <a:alphaModFix/>
-          </a:blip>
-          <a:srcRect b="0" l="0" r="0" t="15304"/>
-          <a:stretch/>
-        </p:blipFill>
-        <p:spPr>
-          <a:xfrm>
-            <a:off x="584100" y="1565525"/>
-            <a:ext cx="7975800" cy="3182574"/>
-          </a:xfrm>
-          <a:prstGeom prst="rect">
-            <a:avLst/>
-          </a:prstGeom>
-          <a:noFill/>
-          <a:ln>
-            <a:noFill/>
-          </a:ln>
-        </p:spPr>
-      </p:pic>
-      <p:sp>
-        <p:nvSpPr>
-          <p:cNvPr id="301" name="Google Shape;301;p49"/>
-          <p:cNvSpPr txBox="1"/>
-          <p:nvPr/>
-        </p:nvSpPr>
-        <p:spPr>
-          <a:xfrm>
-            <a:off x="1540800" y="1677800"/>
-            <a:ext cx="2526900" cy="258300"/>
-          </a:xfrm>
-          <a:prstGeom prst="rect">
-            <a:avLst/>
-          </a:prstGeom>
-          <a:noFill/>
-          <a:ln>
-            <a:noFill/>
-          </a:ln>
-        </p:spPr>
-        <p:txBody>
-          <a:bodyPr anchorCtr="0" anchor="t" bIns="91425" lIns="91425" spcFirstLastPara="1" rIns="91425" wrap="square" tIns="91425">
-            <a:noAutofit/>
-          </a:bodyPr>
-          <a:lstStyle/>
-          <a:p>
-            <a:pPr indent="0" lvl="0" marL="0" rtl="0" algn="l">
-              <a:spcBef>
-                <a:spcPts val="0"/>
-              </a:spcBef>
-              <a:spcAft>
-                <a:spcPts val="0"/>
-              </a:spcAft>
-              <a:buNone/>
-            </a:pPr>
-            <a:r>
-              <a:rPr lang="en"/>
-              <a:t>Densenet121 backbone</a:t>
-            </a:r>
-            <a:endParaRPr/>
           </a:p>
         </p:txBody>
       </p:sp>
@@ -16013,7 +16055,7 @@
   <p:cSld>
     <p:spTree>
       <p:nvGrpSpPr>
-        <p:cNvPr id="305" name="Shape 305"/>
+        <p:cNvPr id="304" name="Shape 304"/>
         <p:cNvGrpSpPr/>
         <p:nvPr/>
       </p:nvGrpSpPr>
@@ -16027,7 +16069,7 @@
       </p:grpSpPr>
       <p:sp>
         <p:nvSpPr>
-          <p:cNvPr id="306" name="Google Shape;306;p50"/>
+          <p:cNvPr id="305" name="Google Shape;305;p50"/>
           <p:cNvSpPr txBox="1"/>
           <p:nvPr>
             <p:ph type="title"/>
@@ -16084,7 +16126,7 @@
       </p:sp>
       <p:sp>
         <p:nvSpPr>
-          <p:cNvPr id="307" name="Google Shape;307;p50"/>
+          <p:cNvPr id="306" name="Google Shape;306;p50"/>
           <p:cNvSpPr txBox="1"/>
           <p:nvPr>
             <p:ph idx="1" type="body"/>
@@ -16116,7 +16158,7 @@
             </a:pPr>
             <a:r>
               <a:rPr lang="en" sz="1700"/>
-              <a:t>Why DeiT was chosen</a:t>
+              <a:t>Model Diagram</a:t>
             </a:r>
             <a:endParaRPr sz="1700"/>
           </a:p>
@@ -16126,79 +16168,83 @@
                 <a:spcPts val="1200"/>
               </a:spcBef>
               <a:spcAft>
-                <a:spcPts val="0"/>
-              </a:spcAft>
-              <a:buNone/>
-            </a:pPr>
-            <a:r>
-              <a:rPr lang="en" sz="1700"/>
-              <a:t>DeiT introduces a more efficient attention mechanism compared to the original ViT</a:t>
+                <a:spcPts val="1200"/>
+              </a:spcAft>
+              <a:buNone/>
+            </a:pPr>
+            <a:r>
+              <a:t/>
             </a:r>
             <a:endParaRPr sz="1700"/>
           </a:p>
-          <a:p>
-            <a:pPr indent="0" lvl="0" marL="0" rtl="0" algn="l">
-              <a:spcBef>
-                <a:spcPts val="1200"/>
-              </a:spcBef>
-              <a:spcAft>
-                <a:spcPts val="0"/>
-              </a:spcAft>
-              <a:buNone/>
-            </a:pPr>
-            <a:r>
-              <a:rPr lang="en" sz="1700"/>
-              <a:t>DeiT is specifically designed to be data-efficient. It demonstrates strong performance with fewer training samples compared to some other ViT models. </a:t>
-            </a:r>
-            <a:endParaRPr sz="1700"/>
-          </a:p>
-          <a:p>
-            <a:pPr indent="0" lvl="0" marL="0" rtl="0" algn="l">
-              <a:spcBef>
-                <a:spcPts val="1200"/>
-              </a:spcBef>
-              <a:spcAft>
-                <a:spcPts val="0"/>
-              </a:spcAft>
-              <a:buNone/>
-            </a:pPr>
-            <a:r>
-              <a:rPr lang="en" sz="1700"/>
-              <a:t>One of the main advantages of the DeiT (Data-efficient Image Transformer) architecture is its efficiency in terms of the number of parameters compared to some other ViT (Vision Transformer) models.</a:t>
-            </a:r>
-            <a:endParaRPr sz="1700"/>
-          </a:p>
-          <a:p>
-            <a:pPr indent="0" lvl="0" marL="0" rtl="0" algn="l">
-              <a:spcBef>
-                <a:spcPts val="1200"/>
-              </a:spcBef>
-              <a:spcAft>
-                <a:spcPts val="0"/>
-              </a:spcAft>
-              <a:buNone/>
-            </a:pPr>
-            <a:r>
-              <a:rPr lang="en" sz="1700"/>
-              <a:t>In tasks where computational resources, memory constraints, or training data availability are limited, the data efficiency of DeiT can be a significant advantage</a:t>
-            </a:r>
-            <a:endParaRPr sz="1700"/>
-          </a:p>
-          <a:p>
-            <a:pPr indent="0" lvl="0" marL="0" rtl="0" algn="l">
-              <a:spcBef>
-                <a:spcPts val="1200"/>
-              </a:spcBef>
-              <a:spcAft>
-                <a:spcPts val="1200"/>
-              </a:spcAft>
-              <a:buNone/>
-            </a:pPr>
-            <a:r>
-              <a:rPr lang="en" sz="1700"/>
-              <a:t>Also the availability and usability of the pretrained DeiT models was a large factor.</a:t>
-            </a:r>
-            <a:endParaRPr sz="1700"/>
+        </p:txBody>
+      </p:sp>
+      <p:pic>
+        <p:nvPicPr>
+          <p:cNvPr id="307" name="Google Shape;307;p50"/>
+          <p:cNvPicPr preferRelativeResize="0"/>
+          <p:nvPr/>
+        </p:nvPicPr>
+        <p:blipFill rotWithShape="1">
+          <a:blip r:embed="rId3">
+            <a:alphaModFix/>
+          </a:blip>
+          <a:srcRect b="0" l="0" r="0" t="15304"/>
+          <a:stretch/>
+        </p:blipFill>
+        <p:spPr>
+          <a:xfrm>
+            <a:off x="584100" y="1565525"/>
+            <a:ext cx="7975800" cy="3182574"/>
+          </a:xfrm>
+          <a:prstGeom prst="rect">
+            <a:avLst/>
+          </a:prstGeom>
+          <a:noFill/>
+          <a:ln>
+            <a:noFill/>
+          </a:ln>
+        </p:spPr>
+      </p:pic>
+      <p:sp>
+        <p:nvSpPr>
+          <p:cNvPr id="308" name="Google Shape;308;p50"/>
+          <p:cNvSpPr txBox="1"/>
+          <p:nvPr/>
+        </p:nvSpPr>
+        <p:spPr>
+          <a:xfrm>
+            <a:off x="1540800" y="1677800"/>
+            <a:ext cx="2526900" cy="258300"/>
+          </a:xfrm>
+          <a:prstGeom prst="rect">
+            <a:avLst/>
+          </a:prstGeom>
+          <a:noFill/>
+          <a:ln>
+            <a:noFill/>
+          </a:ln>
+        </p:spPr>
+        <p:txBody>
+          <a:bodyPr anchorCtr="0" anchor="t" bIns="91425" lIns="91425" spcFirstLastPara="1" rIns="91425" wrap="square" tIns="91425">
+            <a:noAutofit/>
+          </a:bodyPr>
+          <a:lstStyle/>
+          <a:p>
+            <a:pPr indent="0" lvl="0" marL="0" rtl="0" algn="l">
+              <a:spcBef>
+                <a:spcPts val="0"/>
+              </a:spcBef>
+              <a:spcAft>
+                <a:spcPts val="0"/>
+              </a:spcAft>
+              <a:buNone/>
+            </a:pPr>
+            <a:r>
+              <a:rPr lang="en"/>
+              <a:t>Densenet121 backbone</a:t>
+            </a:r>
+            <a:endParaRPr/>
           </a:p>
         </p:txBody>
       </p:sp>
@@ -16215,7 +16261,7 @@
   <p:cSld>
     <p:spTree>
       <p:nvGrpSpPr>
-        <p:cNvPr id="311" name="Shape 311"/>
+        <p:cNvPr id="312" name="Shape 312"/>
         <p:cNvGrpSpPr/>
         <p:nvPr/>
       </p:nvGrpSpPr>
@@ -16229,7 +16275,7 @@
       </p:grpSpPr>
       <p:sp>
         <p:nvSpPr>
-          <p:cNvPr id="312" name="Google Shape;312;p51"/>
+          <p:cNvPr id="313" name="Google Shape;313;p51"/>
           <p:cNvSpPr txBox="1"/>
           <p:nvPr>
             <p:ph type="title"/>
@@ -16286,7 +16332,7 @@
       </p:sp>
       <p:sp>
         <p:nvSpPr>
-          <p:cNvPr id="313" name="Google Shape;313;p51"/>
+          <p:cNvPr id="314" name="Google Shape;314;p51"/>
           <p:cNvSpPr txBox="1"/>
           <p:nvPr>
             <p:ph idx="1" type="body"/>
@@ -16294,8 +16340,8 @@
         </p:nvSpPr>
         <p:spPr>
           <a:xfrm>
-            <a:off x="311700" y="936600"/>
-            <a:ext cx="8520600" cy="3885600"/>
+            <a:off x="311700" y="849250"/>
+            <a:ext cx="8520600" cy="3972900"/>
           </a:xfrm>
           <a:prstGeom prst="rect">
             <a:avLst/>
@@ -16318,7 +16364,7 @@
             </a:pPr>
             <a:r>
               <a:rPr lang="en" sz="1700"/>
-              <a:t>We are using the pretrained Densenet121 and DeiT (Data-efficient Image Transformer) </a:t>
+              <a:t>Why DeiT was chosen</a:t>
             </a:r>
             <a:endParaRPr sz="1700"/>
           </a:p>
@@ -16334,7 +16380,7 @@
             </a:pPr>
             <a:r>
               <a:rPr lang="en" sz="1700"/>
-              <a:t>With the densenet being used as the backbone</a:t>
+              <a:t>DeiT introduces a more efficient attention mechanism compared to the original ViT</a:t>
             </a:r>
             <a:endParaRPr sz="1700"/>
           </a:p>
@@ -16344,45 +16390,66 @@
                 <a:spcPts val="1200"/>
               </a:spcBef>
               <a:spcAft>
+                <a:spcPts val="0"/>
+              </a:spcAft>
+              <a:buNone/>
+            </a:pPr>
+            <a:r>
+              <a:rPr lang="en" sz="1700"/>
+              <a:t>DeiT is specifically designed to be data-efficient. It demonstrates strong performance with fewer training samples compared to some other ViT models. </a:t>
+            </a:r>
+            <a:endParaRPr sz="1700"/>
+          </a:p>
+          <a:p>
+            <a:pPr indent="0" lvl="0" marL="0" rtl="0" algn="l">
+              <a:spcBef>
                 <a:spcPts val="1200"/>
-              </a:spcAft>
-              <a:buNone/>
-            </a:pPr>
-            <a:r>
-              <a:t/>
+              </a:spcBef>
+              <a:spcAft>
+                <a:spcPts val="0"/>
+              </a:spcAft>
+              <a:buNone/>
+            </a:pPr>
+            <a:r>
+              <a:rPr lang="en" sz="1700"/>
+              <a:t>One of the main advantages of the DeiT (Data-efficient Image Transformer) architecture is its efficiency in terms of the number of parameters compared to some other ViT (Vision Transformer) models.</a:t>
             </a:r>
             <a:endParaRPr sz="1700"/>
           </a:p>
+          <a:p>
+            <a:pPr indent="0" lvl="0" marL="0" rtl="0" algn="l">
+              <a:spcBef>
+                <a:spcPts val="1200"/>
+              </a:spcBef>
+              <a:spcAft>
+                <a:spcPts val="0"/>
+              </a:spcAft>
+              <a:buNone/>
+            </a:pPr>
+            <a:r>
+              <a:rPr lang="en" sz="1700"/>
+              <a:t>In tasks where computational resources, memory constraints, or training data availability are limited, the data efficiency of DeiT can be a significant advantage</a:t>
+            </a:r>
+            <a:endParaRPr sz="1700"/>
+          </a:p>
+          <a:p>
+            <a:pPr indent="0" lvl="0" marL="0" rtl="0" algn="l">
+              <a:spcBef>
+                <a:spcPts val="1200"/>
+              </a:spcBef>
+              <a:spcAft>
+                <a:spcPts val="1200"/>
+              </a:spcAft>
+              <a:buNone/>
+            </a:pPr>
+            <a:r>
+              <a:rPr lang="en" sz="1700"/>
+              <a:t>Also the availability and usability of the pretrained DeiT models was a large factor.</a:t>
+            </a:r>
+            <a:endParaRPr sz="1700"/>
+          </a:p>
         </p:txBody>
       </p:sp>
-      <p:pic>
-        <p:nvPicPr>
-          <p:cNvPr id="314" name="Google Shape;314;p51"/>
-          <p:cNvPicPr preferRelativeResize="0"/>
-          <p:nvPr/>
-        </p:nvPicPr>
-        <p:blipFill>
-          <a:blip r:embed="rId3">
-            <a:alphaModFix/>
-          </a:blip>
-          <a:stretch>
-            <a:fillRect/>
-          </a:stretch>
-        </p:blipFill>
-        <p:spPr>
-          <a:xfrm>
-            <a:off x="624412" y="2009076"/>
-            <a:ext cx="7895174" cy="2386375"/>
-          </a:xfrm>
-          <a:prstGeom prst="rect">
-            <a:avLst/>
-          </a:prstGeom>
-          <a:noFill/>
-          <a:ln>
-            <a:noFill/>
-          </a:ln>
-        </p:spPr>
-      </p:pic>
     </p:spTree>
   </p:cSld>
   <p:clrMapOvr>
@@ -16667,7 +16734,7 @@
             </a:pPr>
             <a:r>
               <a:rPr lang="en" sz="1700"/>
-              <a:t>The intermediate outputs from backbone are used for Pixel wise binary supervision</a:t>
+              <a:t>We are using the pretrained Densenet121 and DeiT (Data-efficient Image Transformer) </a:t>
             </a:r>
             <a:endParaRPr sz="1700"/>
           </a:p>
@@ -16683,22 +16750,7 @@
             </a:pPr>
             <a:r>
               <a:rPr lang="en" sz="1700"/>
-              <a:t>And the final output from the ViT is used for binary classification.</a:t>
-            </a:r>
-            <a:endParaRPr sz="1700"/>
-          </a:p>
-          <a:p>
-            <a:pPr indent="0" lvl="0" marL="0" rtl="0" algn="l">
-              <a:spcBef>
-                <a:spcPts val="1200"/>
-              </a:spcBef>
-              <a:spcAft>
-                <a:spcPts val="0"/>
-              </a:spcAft>
-              <a:buNone/>
-            </a:pPr>
-            <a:r>
-              <a:t/>
+              <a:t>With the densenet being used as the backbone</a:t>
             </a:r>
             <a:endParaRPr sz="1700"/>
           </a:p>
@@ -16735,8 +16787,8 @@
         </p:blipFill>
         <p:spPr>
           <a:xfrm>
-            <a:off x="1057900" y="1979778"/>
-            <a:ext cx="7131524" cy="2842425"/>
+            <a:off x="624412" y="2009076"/>
+            <a:ext cx="7895174" cy="2386375"/>
           </a:xfrm>
           <a:prstGeom prst="rect">
             <a:avLst/>
@@ -16811,6 +16863,22 @@
             </a:r>
             <a:endParaRPr sz="1920"/>
           </a:p>
+          <a:p>
+            <a:pPr indent="0" lvl="0" marL="0" rtl="0" algn="l">
+              <a:spcBef>
+                <a:spcPts val="0"/>
+              </a:spcBef>
+              <a:spcAft>
+                <a:spcPts val="0"/>
+              </a:spcAft>
+              <a:buSzPts val="990"/>
+              <a:buNone/>
+            </a:pPr>
+            <a:r>
+              <a:t/>
+            </a:r>
+            <a:endParaRPr sz="1920"/>
+          </a:p>
         </p:txBody>
       </p:sp>
       <p:sp>
@@ -16847,7 +16915,7 @@
             </a:pPr>
             <a:r>
               <a:rPr lang="en" sz="1700"/>
-              <a:t>Loss function: Total loss denoted with a weighted average of the </a:t>
+              <a:t>The intermediate outputs from backbone are used for Pixel wise binary supervision</a:t>
             </a:r>
             <a:endParaRPr sz="1700"/>
           </a:p>
@@ -16863,15 +16931,7 @@
             </a:pPr>
             <a:r>
               <a:rPr lang="en" sz="1700"/>
-              <a:t>          </a:t>
-            </a:r>
-            <a:r>
-              <a:rPr lang="en" sz="1500"/>
-              <a:t>final binary classification loss (BCE loss) and pixel-wise binary supervision loss (BCE loss)</a:t>
-            </a:r>
-            <a:r>
-              <a:rPr lang="en" sz="1700"/>
-              <a:t> </a:t>
+              <a:t>And the final output from the ViT is used for binary classification.</a:t>
             </a:r>
             <a:endParaRPr sz="1700"/>
           </a:p>
@@ -16923,8 +16983,8 @@
         </p:blipFill>
         <p:spPr>
           <a:xfrm>
-            <a:off x="804863" y="1853088"/>
-            <a:ext cx="7534275" cy="2924175"/>
+            <a:off x="1057900" y="1979778"/>
+            <a:ext cx="7131524" cy="2842425"/>
           </a:xfrm>
           <a:prstGeom prst="rect">
             <a:avLst/>
@@ -16935,53 +16995,6 @@
           </a:ln>
         </p:spPr>
       </p:pic>
-      <p:sp>
-        <p:nvSpPr>
-          <p:cNvPr id="329" name="Google Shape;329;p53"/>
-          <p:cNvSpPr/>
-          <p:nvPr/>
-        </p:nvSpPr>
-        <p:spPr>
-          <a:xfrm>
-            <a:off x="804875" y="4373100"/>
-            <a:ext cx="5542500" cy="404100"/>
-          </a:xfrm>
-          <a:prstGeom prst="rect">
-            <a:avLst/>
-          </a:prstGeom>
-          <a:noFill/>
-          <a:ln cap="flat" cmpd="sng" w="38100">
-            <a:solidFill>
-              <a:srgbClr val="4A86E8"/>
-            </a:solidFill>
-            <a:prstDash val="solid"/>
-            <a:round/>
-            <a:headEnd len="sm" w="sm" type="none"/>
-            <a:tailEnd len="sm" w="sm" type="none"/>
-          </a:ln>
-        </p:spPr>
-        <p:txBody>
-          <a:bodyPr anchorCtr="0" anchor="ctr" bIns="91425" lIns="91425" spcFirstLastPara="1" rIns="91425" wrap="square" tIns="91425">
-            <a:noAutofit/>
-          </a:bodyPr>
-          <a:lstStyle/>
-          <a:p>
-            <a:pPr indent="0" lvl="0" marL="0" rtl="0" algn="ctr">
-              <a:spcBef>
-                <a:spcPts val="0"/>
-              </a:spcBef>
-              <a:spcAft>
-                <a:spcPts val="0"/>
-              </a:spcAft>
-              <a:buNone/>
-            </a:pPr>
-            <a:r>
-              <a:t/>
-            </a:r>
-            <a:endParaRPr/>
-          </a:p>
-        </p:txBody>
-      </p:sp>
     </p:spTree>
   </p:cSld>
   <p:clrMapOvr>
@@ -16995,7 +17008,7 @@
   <p:cSld>
     <p:spTree>
       <p:nvGrpSpPr>
-        <p:cNvPr id="333" name="Shape 333"/>
+        <p:cNvPr id="332" name="Shape 332"/>
         <p:cNvGrpSpPr/>
         <p:nvPr/>
       </p:nvGrpSpPr>
@@ -17009,7 +17022,7 @@
       </p:grpSpPr>
       <p:sp>
         <p:nvSpPr>
-          <p:cNvPr id="334" name="Google Shape;334;p54"/>
+          <p:cNvPr id="333" name="Google Shape;333;p54"/>
           <p:cNvSpPr txBox="1"/>
           <p:nvPr>
             <p:ph type="title"/>
@@ -17050,7 +17063,7 @@
       </p:sp>
       <p:sp>
         <p:nvSpPr>
-          <p:cNvPr id="335" name="Google Shape;335;p54"/>
+          <p:cNvPr id="334" name="Google Shape;334;p54"/>
           <p:cNvSpPr txBox="1"/>
           <p:nvPr>
             <p:ph idx="1" type="body"/>
@@ -17059,7 +17072,7 @@
         <p:spPr>
           <a:xfrm>
             <a:off x="311700" y="936600"/>
-            <a:ext cx="8520600" cy="3632400"/>
+            <a:ext cx="8520600" cy="3885600"/>
           </a:xfrm>
           <a:prstGeom prst="rect">
             <a:avLst/>
@@ -17072,28 +17085,22 @@
           <a:lstStyle/>
           <a:p>
             <a:pPr indent="0" lvl="0" marL="0" rtl="0" algn="l">
-              <a:lnSpc>
-                <a:spcPct val="100000"/>
-              </a:lnSpc>
-              <a:spcBef>
-                <a:spcPts val="0"/>
-              </a:spcBef>
-              <a:spcAft>
-                <a:spcPts val="0"/>
-              </a:spcAft>
-              <a:buNone/>
-            </a:pPr>
-            <a:r>
-              <a:rPr lang="en" sz="1600"/>
-              <a:t>From Replay-attack</a:t>
-            </a:r>
-            <a:endParaRPr sz="1600"/>
-          </a:p>
-          <a:p>
-            <a:pPr indent="0" lvl="0" marL="0" rtl="0" algn="l">
-              <a:lnSpc>
-                <a:spcPct val="100000"/>
-              </a:lnSpc>
+              <a:spcBef>
+                <a:spcPts val="0"/>
+              </a:spcBef>
+              <a:spcAft>
+                <a:spcPts val="0"/>
+              </a:spcAft>
+              <a:buNone/>
+            </a:pPr>
+            <a:r>
+              <a:rPr lang="en" sz="1700"/>
+              <a:t>Loss function: Total loss denoted with a weighted average of the </a:t>
+            </a:r>
+            <a:endParaRPr sz="1700"/>
+          </a:p>
+          <a:p>
+            <a:pPr indent="0" lvl="0" marL="0" rtl="0" algn="l">
               <a:spcBef>
                 <a:spcPts val="1200"/>
               </a:spcBef>
@@ -17103,10 +17110,18 @@
               <a:buNone/>
             </a:pPr>
             <a:r>
-              <a:rPr lang="en" sz="1600"/>
-              <a:t>Observed that using BCE loss for both losses was better converging as compared to using </a:t>
-            </a:r>
-            <a:endParaRPr sz="1100"/>
+              <a:rPr lang="en" sz="1700"/>
+              <a:t>          </a:t>
+            </a:r>
+            <a:r>
+              <a:rPr lang="en" sz="1500"/>
+              <a:t>final binary classification loss (BCE loss) and pixel-wise binary supervision loss (BCE loss)</a:t>
+            </a:r>
+            <a:r>
+              <a:rPr lang="en" sz="1700"/>
+              <a:t> </a:t>
+            </a:r>
+            <a:endParaRPr sz="1700"/>
           </a:p>
           <a:p>
             <a:pPr indent="0" lvl="0" marL="0" rtl="0" algn="l">
@@ -17119,8 +17134,7 @@
               <a:buNone/>
             </a:pPr>
             <a:r>
-              <a:rPr lang="en" sz="1700"/>
-              <a:t>MSE for Pixel wise binary supervision loss and </a:t>
+              <a:t/>
             </a:r>
             <a:endParaRPr sz="1700"/>
           </a:p>
@@ -17130,20 +17144,79 @@
                 <a:spcPts val="1200"/>
               </a:spcBef>
               <a:spcAft>
-                <a:spcPts val="0"/>
-              </a:spcAft>
-              <a:buNone/>
-            </a:pPr>
-            <a:r>
-              <a:rPr lang="en" sz="1700"/>
-              <a:t>BCE for Classification loss</a:t>
+                <a:spcPts val="1200"/>
+              </a:spcAft>
+              <a:buNone/>
+            </a:pPr>
+            <a:r>
+              <a:t/>
             </a:r>
             <a:endParaRPr sz="1700"/>
           </a:p>
-          <a:p>
-            <a:pPr indent="0" lvl="0" marL="0" rtl="0" algn="l">
-              <a:spcBef>
-                <a:spcPts val="1200"/>
+        </p:txBody>
+      </p:sp>
+      <p:pic>
+        <p:nvPicPr>
+          <p:cNvPr id="335" name="Google Shape;335;p54"/>
+          <p:cNvPicPr preferRelativeResize="0"/>
+          <p:nvPr/>
+        </p:nvPicPr>
+        <p:blipFill>
+          <a:blip r:embed="rId3">
+            <a:alphaModFix/>
+          </a:blip>
+          <a:stretch>
+            <a:fillRect/>
+          </a:stretch>
+        </p:blipFill>
+        <p:spPr>
+          <a:xfrm>
+            <a:off x="804863" y="1853088"/>
+            <a:ext cx="7534275" cy="2924175"/>
+          </a:xfrm>
+          <a:prstGeom prst="rect">
+            <a:avLst/>
+          </a:prstGeom>
+          <a:noFill/>
+          <a:ln>
+            <a:noFill/>
+          </a:ln>
+        </p:spPr>
+      </p:pic>
+      <p:sp>
+        <p:nvSpPr>
+          <p:cNvPr id="336" name="Google Shape;336;p54"/>
+          <p:cNvSpPr/>
+          <p:nvPr/>
+        </p:nvSpPr>
+        <p:spPr>
+          <a:xfrm>
+            <a:off x="804875" y="4373100"/>
+            <a:ext cx="5542500" cy="404100"/>
+          </a:xfrm>
+          <a:prstGeom prst="rect">
+            <a:avLst/>
+          </a:prstGeom>
+          <a:noFill/>
+          <a:ln cap="flat" cmpd="sng" w="38100">
+            <a:solidFill>
+              <a:srgbClr val="4A86E8"/>
+            </a:solidFill>
+            <a:prstDash val="solid"/>
+            <a:round/>
+            <a:headEnd len="sm" w="sm" type="none"/>
+            <a:tailEnd len="sm" w="sm" type="none"/>
+          </a:ln>
+        </p:spPr>
+        <p:txBody>
+          <a:bodyPr anchorCtr="0" anchor="ctr" bIns="91425" lIns="91425" spcFirstLastPara="1" rIns="91425" wrap="square" tIns="91425">
+            <a:noAutofit/>
+          </a:bodyPr>
+          <a:lstStyle/>
+          <a:p>
+            <a:pPr indent="0" lvl="0" marL="0" rtl="0" algn="ctr">
+              <a:spcBef>
+                <a:spcPts val="0"/>
               </a:spcBef>
               <a:spcAft>
                 <a:spcPts val="0"/>
@@ -17153,23 +17226,7 @@
             <a:r>
               <a:t/>
             </a:r>
-            <a:endParaRPr sz="1700"/>
-          </a:p>
-          <a:p>
-            <a:pPr indent="0" lvl="0" marL="0" rtl="0" algn="l">
-              <a:spcBef>
-                <a:spcPts val="1200"/>
-              </a:spcBef>
-              <a:spcAft>
-                <a:spcPts val="1200"/>
-              </a:spcAft>
-              <a:buNone/>
-            </a:pPr>
-            <a:r>
-              <a:rPr lang="en" sz="1700"/>
-              <a:t>Theta of 0.3 was an optimal choice using Replay-attack</a:t>
-            </a:r>
-            <a:endParaRPr sz="1700"/>
+            <a:endParaRPr/>
           </a:p>
         </p:txBody>
       </p:sp>
@@ -17186,7 +17243,7 @@
   <p:cSld>
     <p:spTree>
       <p:nvGrpSpPr>
-        <p:cNvPr id="339" name="Shape 339"/>
+        <p:cNvPr id="340" name="Shape 340"/>
         <p:cNvGrpSpPr/>
         <p:nvPr/>
       </p:nvGrpSpPr>
@@ -17200,7 +17257,7 @@
       </p:grpSpPr>
       <p:sp>
         <p:nvSpPr>
-          <p:cNvPr id="340" name="Google Shape;340;p55"/>
+          <p:cNvPr id="341" name="Google Shape;341;p55"/>
           <p:cNvSpPr txBox="1"/>
           <p:nvPr>
             <p:ph type="title"/>
@@ -17241,7 +17298,7 @@
       </p:sp>
       <p:sp>
         <p:nvSpPr>
-          <p:cNvPr id="341" name="Google Shape;341;p55"/>
+          <p:cNvPr id="342" name="Google Shape;342;p55"/>
           <p:cNvSpPr txBox="1"/>
           <p:nvPr>
             <p:ph idx="1" type="body"/>
@@ -17276,7 +17333,7 @@
             </a:pPr>
             <a:r>
               <a:rPr lang="en" sz="1600"/>
-              <a:t>Training loss and accuracy: OULU-NPU </a:t>
+              <a:t>From Replay-attack</a:t>
             </a:r>
             <a:endParaRPr sz="1600"/>
           </a:p>
@@ -17294,146 +17351,76 @@
               <a:buNone/>
             </a:pPr>
             <a:r>
+              <a:rPr lang="en" sz="1600"/>
+              <a:t>Observed that using BCE loss for both losses was better converging as compared to using </a:t>
+            </a:r>
+            <a:endParaRPr sz="1100"/>
+          </a:p>
+          <a:p>
+            <a:pPr indent="0" lvl="0" marL="0" rtl="0" algn="l">
+              <a:spcBef>
+                <a:spcPts val="1200"/>
+              </a:spcBef>
+              <a:spcAft>
+                <a:spcPts val="0"/>
+              </a:spcAft>
+              <a:buNone/>
+            </a:pPr>
+            <a:r>
+              <a:rPr lang="en" sz="1700"/>
+              <a:t>MSE for Pixel wise binary supervision loss and </a:t>
+            </a:r>
+            <a:endParaRPr sz="1700"/>
+          </a:p>
+          <a:p>
+            <a:pPr indent="0" lvl="0" marL="0" rtl="0" algn="l">
+              <a:spcBef>
+                <a:spcPts val="1200"/>
+              </a:spcBef>
+              <a:spcAft>
+                <a:spcPts val="0"/>
+              </a:spcAft>
+              <a:buNone/>
+            </a:pPr>
+            <a:r>
+              <a:rPr lang="en" sz="1700"/>
+              <a:t>BCE for Classification loss</a:t>
+            </a:r>
+            <a:endParaRPr sz="1700"/>
+          </a:p>
+          <a:p>
+            <a:pPr indent="0" lvl="0" marL="0" rtl="0" algn="l">
+              <a:spcBef>
+                <a:spcPts val="1200"/>
+              </a:spcBef>
+              <a:spcAft>
+                <a:spcPts val="0"/>
+              </a:spcAft>
+              <a:buNone/>
+            </a:pPr>
+            <a:r>
               <a:t/>
             </a:r>
-            <a:endParaRPr sz="1600"/>
-          </a:p>
-          <a:p>
-            <a:pPr indent="0" lvl="0" marL="0" rtl="0" algn="l">
-              <a:lnSpc>
-                <a:spcPct val="100000"/>
-              </a:lnSpc>
+            <a:endParaRPr sz="1700"/>
+          </a:p>
+          <a:p>
+            <a:pPr indent="0" lvl="0" marL="0" rtl="0" algn="l">
               <a:spcBef>
                 <a:spcPts val="1200"/>
               </a:spcBef>
               <a:spcAft>
-                <a:spcPts val="0"/>
-              </a:spcAft>
-              <a:buNone/>
-            </a:pPr>
-            <a:r>
-              <a:t/>
-            </a:r>
-            <a:endParaRPr sz="1600"/>
-          </a:p>
-          <a:p>
-            <a:pPr indent="0" lvl="0" marL="0" rtl="0" algn="l">
-              <a:lnSpc>
-                <a:spcPct val="100000"/>
-              </a:lnSpc>
-              <a:spcBef>
                 <a:spcPts val="1200"/>
-              </a:spcBef>
-              <a:spcAft>
-                <a:spcPts val="0"/>
-              </a:spcAft>
-              <a:buNone/>
-            </a:pPr>
-            <a:r>
-              <a:t/>
-            </a:r>
-            <a:endParaRPr sz="1600"/>
-          </a:p>
-          <a:p>
-            <a:pPr indent="0" lvl="0" marL="0" rtl="0" algn="l">
-              <a:lnSpc>
-                <a:spcPct val="100000"/>
-              </a:lnSpc>
-              <a:spcBef>
-                <a:spcPts val="1200"/>
-              </a:spcBef>
-              <a:spcAft>
-                <a:spcPts val="0"/>
-              </a:spcAft>
-              <a:buNone/>
-            </a:pPr>
-            <a:r>
-              <a:rPr lang="en" sz="1600"/>
-              <a:t>Tried to decay learning rate after 2 epochs by 0.1 but was starting to overfit even then</a:t>
-            </a:r>
-            <a:endParaRPr sz="1600"/>
-          </a:p>
-          <a:p>
-            <a:pPr indent="0" lvl="0" marL="0" rtl="0" algn="l">
-              <a:lnSpc>
-                <a:spcPct val="100000"/>
-              </a:lnSpc>
-              <a:spcBef>
-                <a:spcPts val="1200"/>
-              </a:spcBef>
-              <a:spcAft>
-                <a:spcPts val="1200"/>
-              </a:spcAft>
-              <a:buClr>
-                <a:schemeClr val="dk1"/>
-              </a:buClr>
-              <a:buSzPts val="1100"/>
-              <a:buFont typeface="Arial"/>
-              <a:buNone/>
-            </a:pPr>
-            <a:r>
-              <a:rPr lang="en" sz="1600"/>
-              <a:t>(More testing required)</a:t>
-            </a:r>
-            <a:endParaRPr sz="1600"/>
+              </a:spcAft>
+              <a:buNone/>
+            </a:pPr>
+            <a:r>
+              <a:rPr lang="en" sz="1700"/>
+              <a:t>Theta of 0.3 was an optimal choice using Replay-attack</a:t>
+            </a:r>
+            <a:endParaRPr sz="1700"/>
           </a:p>
         </p:txBody>
       </p:sp>
-      <p:pic>
-        <p:nvPicPr>
-          <p:cNvPr id="342" name="Google Shape;342;p55"/>
-          <p:cNvPicPr preferRelativeResize="0"/>
-          <p:nvPr/>
-        </p:nvPicPr>
-        <p:blipFill>
-          <a:blip r:embed="rId3">
-            <a:alphaModFix/>
-          </a:blip>
-          <a:stretch>
-            <a:fillRect/>
-          </a:stretch>
-        </p:blipFill>
-        <p:spPr>
-          <a:xfrm>
-            <a:off x="447038" y="1444150"/>
-            <a:ext cx="3286125" cy="952500"/>
-          </a:xfrm>
-          <a:prstGeom prst="rect">
-            <a:avLst/>
-          </a:prstGeom>
-          <a:noFill/>
-          <a:ln>
-            <a:noFill/>
-          </a:ln>
-        </p:spPr>
-      </p:pic>
-      <p:pic>
-        <p:nvPicPr>
-          <p:cNvPr id="343" name="Google Shape;343;p55"/>
-          <p:cNvPicPr preferRelativeResize="0"/>
-          <p:nvPr/>
-        </p:nvPicPr>
-        <p:blipFill rotWithShape="1">
-          <a:blip r:embed="rId4">
-            <a:alphaModFix/>
-          </a:blip>
-          <a:srcRect b="0" l="0" r="0" t="1960"/>
-          <a:stretch/>
-        </p:blipFill>
-        <p:spPr>
-          <a:xfrm>
-            <a:off x="4572000" y="1444150"/>
-            <a:ext cx="3495675" cy="952500"/>
-          </a:xfrm>
-          <a:prstGeom prst="rect">
-            <a:avLst/>
-          </a:prstGeom>
-          <a:noFill/>
-          <a:ln>
-            <a:noFill/>
-          </a:ln>
-        </p:spPr>
-      </p:pic>
     </p:spTree>
   </p:cSld>
   <p:clrMapOvr>
@@ -17447,7 +17434,7 @@
   <p:cSld>
     <p:spTree>
       <p:nvGrpSpPr>
-        <p:cNvPr id="347" name="Shape 347"/>
+        <p:cNvPr id="346" name="Shape 346"/>
         <p:cNvGrpSpPr/>
         <p:nvPr/>
       </p:nvGrpSpPr>
@@ -17461,7 +17448,7 @@
       </p:grpSpPr>
       <p:sp>
         <p:nvSpPr>
-          <p:cNvPr id="348" name="Google Shape;348;p56"/>
+          <p:cNvPr id="347" name="Google Shape;347;p56"/>
           <p:cNvSpPr txBox="1"/>
           <p:nvPr>
             <p:ph type="title"/>
@@ -17502,7 +17489,7 @@
       </p:sp>
       <p:sp>
         <p:nvSpPr>
-          <p:cNvPr id="349" name="Google Shape;349;p56"/>
+          <p:cNvPr id="348" name="Google Shape;348;p56"/>
           <p:cNvSpPr txBox="1"/>
           <p:nvPr>
             <p:ph idx="1" type="body"/>
@@ -17537,7 +17524,7 @@
             </a:pPr>
             <a:r>
               <a:rPr lang="en" sz="1600"/>
-              <a:t>Test metrics: OULU-NPU after 2 epochs</a:t>
+              <a:t>Training loss and accuracy: OULU-NPU </a:t>
             </a:r>
             <a:endParaRPr sz="1600"/>
           </a:p>
@@ -17568,12 +17555,73 @@
                 <a:spcPts val="1200"/>
               </a:spcBef>
               <a:spcAft>
+                <a:spcPts val="0"/>
+              </a:spcAft>
+              <a:buNone/>
+            </a:pPr>
+            <a:r>
+              <a:t/>
+            </a:r>
+            <a:endParaRPr sz="1600"/>
+          </a:p>
+          <a:p>
+            <a:pPr indent="0" lvl="0" marL="0" rtl="0" algn="l">
+              <a:lnSpc>
+                <a:spcPct val="100000"/>
+              </a:lnSpc>
+              <a:spcBef>
                 <a:spcPts val="1200"/>
+              </a:spcBef>
+              <a:spcAft>
+                <a:spcPts val="0"/>
               </a:spcAft>
               <a:buNone/>
             </a:pPr>
             <a:r>
               <a:t/>
+            </a:r>
+            <a:endParaRPr sz="1600"/>
+          </a:p>
+          <a:p>
+            <a:pPr indent="0" lvl="0" marL="0" rtl="0" algn="l">
+              <a:lnSpc>
+                <a:spcPct val="100000"/>
+              </a:lnSpc>
+              <a:spcBef>
+                <a:spcPts val="1200"/>
+              </a:spcBef>
+              <a:spcAft>
+                <a:spcPts val="0"/>
+              </a:spcAft>
+              <a:buNone/>
+            </a:pPr>
+            <a:r>
+              <a:rPr lang="en" sz="1600"/>
+              <a:t>Tried to decay learning rate after 2 epochs by 0.1 but was starting to overfit even then</a:t>
+            </a:r>
+            <a:endParaRPr sz="1600"/>
+          </a:p>
+          <a:p>
+            <a:pPr indent="0" lvl="0" marL="0" rtl="0" algn="l">
+              <a:lnSpc>
+                <a:spcPct val="100000"/>
+              </a:lnSpc>
+              <a:spcBef>
+                <a:spcPts val="1200"/>
+              </a:spcBef>
+              <a:spcAft>
+                <a:spcPts val="1200"/>
+              </a:spcAft>
+              <a:buClr>
+                <a:schemeClr val="dk1"/>
+              </a:buClr>
+              <a:buSzPts val="1100"/>
+              <a:buFont typeface="Arial"/>
+              <a:buNone/>
+            </a:pPr>
+            <a:r>
+              <a:rPr lang="en" sz="1600"/>
+              <a:t>(More testing required)</a:t>
             </a:r>
             <a:endParaRPr sz="1600"/>
           </a:p>
@@ -17581,7 +17629,7 @@
       </p:sp>
       <p:pic>
         <p:nvPicPr>
-          <p:cNvPr id="350" name="Google Shape;350;p56"/>
+          <p:cNvPr id="349" name="Google Shape;349;p56"/>
           <p:cNvPicPr preferRelativeResize="0"/>
           <p:nvPr/>
         </p:nvPicPr>
@@ -17595,8 +17643,35 @@
         </p:blipFill>
         <p:spPr>
           <a:xfrm>
-            <a:off x="3548050" y="1543050"/>
-            <a:ext cx="2047875" cy="1028700"/>
+            <a:off x="447038" y="1444150"/>
+            <a:ext cx="3286125" cy="952500"/>
+          </a:xfrm>
+          <a:prstGeom prst="rect">
+            <a:avLst/>
+          </a:prstGeom>
+          <a:noFill/>
+          <a:ln>
+            <a:noFill/>
+          </a:ln>
+        </p:spPr>
+      </p:pic>
+      <p:pic>
+        <p:nvPicPr>
+          <p:cNvPr id="350" name="Google Shape;350;p56"/>
+          <p:cNvPicPr preferRelativeResize="0"/>
+          <p:nvPr/>
+        </p:nvPicPr>
+        <p:blipFill rotWithShape="1">
+          <a:blip r:embed="rId4">
+            <a:alphaModFix/>
+          </a:blip>
+          <a:srcRect b="0" l="0" r="0" t="1960"/>
+          <a:stretch/>
+        </p:blipFill>
+        <p:spPr>
+          <a:xfrm>
+            <a:off x="4572000" y="1444150"/>
+            <a:ext cx="3495675" cy="952500"/>
           </a:xfrm>
           <a:prstGeom prst="rect">
             <a:avLst/>
@@ -17642,7 +17717,7 @@
         </p:nvSpPr>
         <p:spPr>
           <a:xfrm>
-            <a:off x="311700" y="197950"/>
+            <a:off x="311700" y="276550"/>
             <a:ext cx="8520600" cy="572700"/>
           </a:xfrm>
           <a:prstGeom prst="rect">
@@ -17667,6 +17742,179 @@
             </a:pPr>
             <a:r>
               <a:rPr lang="en" sz="1920"/>
+              <a:t>ViT(Deit) with Densenet backbone using Pixel wise binary supervision</a:t>
+            </a:r>
+            <a:endParaRPr sz="1920"/>
+          </a:p>
+        </p:txBody>
+      </p:sp>
+      <p:sp>
+        <p:nvSpPr>
+          <p:cNvPr id="356" name="Google Shape;356;p57"/>
+          <p:cNvSpPr txBox="1"/>
+          <p:nvPr>
+            <p:ph idx="1" type="body"/>
+          </p:nvPr>
+        </p:nvSpPr>
+        <p:spPr>
+          <a:xfrm>
+            <a:off x="311700" y="936600"/>
+            <a:ext cx="8520600" cy="3632400"/>
+          </a:xfrm>
+          <a:prstGeom prst="rect">
+            <a:avLst/>
+          </a:prstGeom>
+        </p:spPr>
+        <p:txBody>
+          <a:bodyPr anchorCtr="0" anchor="t" bIns="91425" lIns="91425" spcFirstLastPara="1" rIns="91425" wrap="square" tIns="91425">
+            <a:normAutofit/>
+          </a:bodyPr>
+          <a:lstStyle/>
+          <a:p>
+            <a:pPr indent="0" lvl="0" marL="0" rtl="0" algn="l">
+              <a:lnSpc>
+                <a:spcPct val="100000"/>
+              </a:lnSpc>
+              <a:spcBef>
+                <a:spcPts val="0"/>
+              </a:spcBef>
+              <a:spcAft>
+                <a:spcPts val="0"/>
+              </a:spcAft>
+              <a:buNone/>
+            </a:pPr>
+            <a:r>
+              <a:rPr lang="en" sz="1600"/>
+              <a:t>Test metrics: OULU-NPU after 2 epochs</a:t>
+            </a:r>
+            <a:endParaRPr sz="1600"/>
+          </a:p>
+          <a:p>
+            <a:pPr indent="0" lvl="0" marL="0" rtl="0" algn="l">
+              <a:lnSpc>
+                <a:spcPct val="100000"/>
+              </a:lnSpc>
+              <a:spcBef>
+                <a:spcPts val="1200"/>
+              </a:spcBef>
+              <a:spcAft>
+                <a:spcPts val="0"/>
+              </a:spcAft>
+              <a:buNone/>
+            </a:pPr>
+            <a:r>
+              <a:t/>
+            </a:r>
+            <a:endParaRPr sz="1600"/>
+          </a:p>
+          <a:p>
+            <a:pPr indent="0" lvl="0" marL="0" rtl="0" algn="l">
+              <a:lnSpc>
+                <a:spcPct val="100000"/>
+              </a:lnSpc>
+              <a:spcBef>
+                <a:spcPts val="1200"/>
+              </a:spcBef>
+              <a:spcAft>
+                <a:spcPts val="1200"/>
+              </a:spcAft>
+              <a:buNone/>
+            </a:pPr>
+            <a:r>
+              <a:t/>
+            </a:r>
+            <a:endParaRPr sz="1600"/>
+          </a:p>
+        </p:txBody>
+      </p:sp>
+      <p:pic>
+        <p:nvPicPr>
+          <p:cNvPr id="357" name="Google Shape;357;p57"/>
+          <p:cNvPicPr preferRelativeResize="0"/>
+          <p:nvPr/>
+        </p:nvPicPr>
+        <p:blipFill>
+          <a:blip r:embed="rId3">
+            <a:alphaModFix/>
+          </a:blip>
+          <a:stretch>
+            <a:fillRect/>
+          </a:stretch>
+        </p:blipFill>
+        <p:spPr>
+          <a:xfrm>
+            <a:off x="3548050" y="1543050"/>
+            <a:ext cx="2047875" cy="1028700"/>
+          </a:xfrm>
+          <a:prstGeom prst="rect">
+            <a:avLst/>
+          </a:prstGeom>
+          <a:noFill/>
+          <a:ln>
+            <a:noFill/>
+          </a:ln>
+        </p:spPr>
+      </p:pic>
+    </p:spTree>
+  </p:cSld>
+  <p:clrMapOvr>
+    <a:masterClrMapping/>
+  </p:clrMapOvr>
+</p:sld>
+</file>
+
+<file path=ppt/slides/slide46.xml><?xml version="1.0" encoding="utf-8"?>
+<p:sld xmlns:a="http://schemas.openxmlformats.org/drawingml/2006/main" xmlns:r="http://schemas.openxmlformats.org/officeDocument/2006/relationships" xmlns:mc="http://schemas.openxmlformats.org/markup-compatibility/2006" xmlns:mv="urn:schemas-microsoft-com:mac:vml" xmlns:p="http://schemas.openxmlformats.org/presentationml/2006/main" xmlns:c="http://schemas.openxmlformats.org/drawingml/2006/chart" xmlns:dgm="http://schemas.openxmlformats.org/drawingml/2006/diagram" xmlns:o="urn:schemas-microsoft-com:office:office" xmlns:v="urn:schemas-microsoft-com:vml" xmlns:pvml="urn:schemas-microsoft-com:office:powerpoint" xmlns:com="http://schemas.openxmlformats.org/drawingml/2006/compatibility" xmlns:p14="http://schemas.microsoft.com/office/powerpoint/2010/main" xmlns:p15="http://schemas.microsoft.com/office/powerpoint/2012/main" xmlns:ahyp="http://schemas.microsoft.com/office/drawing/2018/hyperlinkcolor">
+  <p:cSld>
+    <p:spTree>
+      <p:nvGrpSpPr>
+        <p:cNvPr id="361" name="Shape 361"/>
+        <p:cNvGrpSpPr/>
+        <p:nvPr/>
+      </p:nvGrpSpPr>
+      <p:grpSpPr>
+        <a:xfrm>
+          <a:off x="0" y="0"/>
+          <a:ext cx="0" cy="0"/>
+          <a:chOff x="0" y="0"/>
+          <a:chExt cx="0" cy="0"/>
+        </a:xfrm>
+      </p:grpSpPr>
+      <p:sp>
+        <p:nvSpPr>
+          <p:cNvPr id="362" name="Google Shape;362;p58"/>
+          <p:cNvSpPr txBox="1"/>
+          <p:nvPr>
+            <p:ph type="title"/>
+          </p:nvPr>
+        </p:nvSpPr>
+        <p:spPr>
+          <a:xfrm>
+            <a:off x="311700" y="197950"/>
+            <a:ext cx="8520600" cy="572700"/>
+          </a:xfrm>
+          <a:prstGeom prst="rect">
+            <a:avLst/>
+          </a:prstGeom>
+        </p:spPr>
+        <p:txBody>
+          <a:bodyPr anchorCtr="0" anchor="t" bIns="91425" lIns="91425" spcFirstLastPara="1" rIns="91425" wrap="square" tIns="91425">
+            <a:noAutofit/>
+          </a:bodyPr>
+          <a:lstStyle/>
+          <a:p>
+            <a:pPr indent="0" lvl="0" marL="0" rtl="0" algn="l">
+              <a:spcBef>
+                <a:spcPts val="0"/>
+              </a:spcBef>
+              <a:spcAft>
+                <a:spcPts val="0"/>
+              </a:spcAft>
+              <a:buSzPts val="990"/>
+              <a:buNone/>
+            </a:pPr>
+            <a:r>
+              <a:rPr lang="en" sz="1920"/>
               <a:t>References</a:t>
             </a:r>
             <a:endParaRPr sz="1920"/>
@@ -17675,7 +17923,7 @@
       </p:sp>
       <p:sp>
         <p:nvSpPr>
-          <p:cNvPr id="356" name="Google Shape;356;p57"/>
+          <p:cNvPr id="363" name="Google Shape;363;p58"/>
           <p:cNvSpPr txBox="1"/>
           <p:nvPr>
             <p:ph idx="1" type="body"/>
@@ -17976,12 +18224,12 @@
 </p:sld>
 </file>
 
-<file path=ppt/slides/slide46.xml><?xml version="1.0" encoding="utf-8"?>
+<file path=ppt/slides/slide47.xml><?xml version="1.0" encoding="utf-8"?>
 <p:sld xmlns:a="http://schemas.openxmlformats.org/drawingml/2006/main" xmlns:r="http://schemas.openxmlformats.org/officeDocument/2006/relationships" xmlns:mc="http://schemas.openxmlformats.org/markup-compatibility/2006" xmlns:mv="urn:schemas-microsoft-com:mac:vml" xmlns:p="http://schemas.openxmlformats.org/presentationml/2006/main" xmlns:c="http://schemas.openxmlformats.org/drawingml/2006/chart" xmlns:dgm="http://schemas.openxmlformats.org/drawingml/2006/diagram" xmlns:o="urn:schemas-microsoft-com:office:office" xmlns:v="urn:schemas-microsoft-com:vml" xmlns:pvml="urn:schemas-microsoft-com:office:powerpoint" xmlns:com="http://schemas.openxmlformats.org/drawingml/2006/compatibility" xmlns:p14="http://schemas.microsoft.com/office/powerpoint/2010/main" xmlns:p15="http://schemas.microsoft.com/office/powerpoint/2012/main" xmlns:ahyp="http://schemas.microsoft.com/office/drawing/2018/hyperlinkcolor">
   <p:cSld>
     <p:spTree>
       <p:nvGrpSpPr>
-        <p:cNvPr id="360" name="Shape 360"/>
+        <p:cNvPr id="367" name="Shape 367"/>
         <p:cNvGrpSpPr/>
         <p:nvPr/>
       </p:nvGrpSpPr>
@@ -17995,7 +18243,7 @@
       </p:grpSpPr>
       <p:sp>
         <p:nvSpPr>
-          <p:cNvPr id="361" name="Google Shape;361;p58"/>
+          <p:cNvPr id="368" name="Google Shape;368;p59"/>
           <p:cNvSpPr txBox="1"/>
           <p:nvPr>
             <p:ph type="title"/>
@@ -18040,7 +18288,7 @@
       </p:sp>
       <p:sp>
         <p:nvSpPr>
-          <p:cNvPr id="362" name="Google Shape;362;p58"/>
+          <p:cNvPr id="369" name="Google Shape;369;p59"/>
           <p:cNvSpPr txBox="1"/>
           <p:nvPr>
             <p:ph idx="1" type="body"/>
@@ -18167,12 +18415,12 @@
 </p:sld>
 </file>
 
-<file path=ppt/slides/slide47.xml><?xml version="1.0" encoding="utf-8"?>
+<file path=ppt/slides/slide48.xml><?xml version="1.0" encoding="utf-8"?>
 <p:sld xmlns:a="http://schemas.openxmlformats.org/drawingml/2006/main" xmlns:r="http://schemas.openxmlformats.org/officeDocument/2006/relationships" xmlns:mc="http://schemas.openxmlformats.org/markup-compatibility/2006" xmlns:mv="urn:schemas-microsoft-com:mac:vml" xmlns:p="http://schemas.openxmlformats.org/presentationml/2006/main" xmlns:c="http://schemas.openxmlformats.org/drawingml/2006/chart" xmlns:dgm="http://schemas.openxmlformats.org/drawingml/2006/diagram" xmlns:o="urn:schemas-microsoft-com:office:office" xmlns:v="urn:schemas-microsoft-com:vml" xmlns:pvml="urn:schemas-microsoft-com:office:powerpoint" xmlns:com="http://schemas.openxmlformats.org/drawingml/2006/compatibility" xmlns:p14="http://schemas.microsoft.com/office/powerpoint/2010/main" xmlns:p15="http://schemas.microsoft.com/office/powerpoint/2012/main" xmlns:ahyp="http://schemas.microsoft.com/office/drawing/2018/hyperlinkcolor">
   <p:cSld>
     <p:spTree>
       <p:nvGrpSpPr>
-        <p:cNvPr id="366" name="Shape 366"/>
+        <p:cNvPr id="373" name="Shape 373"/>
         <p:cNvGrpSpPr/>
         <p:nvPr/>
       </p:nvGrpSpPr>
@@ -18186,7 +18434,7 @@
       </p:grpSpPr>
       <p:sp>
         <p:nvSpPr>
-          <p:cNvPr id="367" name="Google Shape;367;p59"/>
+          <p:cNvPr id="374" name="Google Shape;374;p60"/>
           <p:cNvSpPr txBox="1"/>
           <p:nvPr>
             <p:ph type="title"/>
@@ -18227,7 +18475,7 @@
       </p:sp>
       <p:sp>
         <p:nvSpPr>
-          <p:cNvPr id="368" name="Google Shape;368;p59"/>
+          <p:cNvPr id="375" name="Google Shape;375;p60"/>
           <p:cNvSpPr txBox="1"/>
           <p:nvPr>
             <p:ph idx="1" type="body"/>
@@ -19717,6 +19965,285 @@
 </file>
 
 <file path=ppt/theme/theme1.xml><?xml version="1.0" encoding="utf-8"?>
+<a:theme xmlns:a="http://schemas.openxmlformats.org/drawingml/2006/main" xmlns:r="http://schemas.openxmlformats.org/officeDocument/2006/relationships">
+  <a:themeElements>
+    <a:clrScheme name="Default">
+      <a:dk1>
+        <a:srgbClr val="000000"/>
+      </a:dk1>
+      <a:lt1>
+        <a:srgbClr val="FFFFFF"/>
+      </a:lt1>
+      <a:dk2>
+        <a:srgbClr val="158158"/>
+      </a:dk2>
+      <a:lt2>
+        <a:srgbClr val="F3F3F3"/>
+      </a:lt2>
+      <a:accent1>
+        <a:srgbClr val="058DC7"/>
+      </a:accent1>
+      <a:accent2>
+        <a:srgbClr val="50B432"/>
+      </a:accent2>
+      <a:accent3>
+        <a:srgbClr val="ED561B"/>
+      </a:accent3>
+      <a:accent4>
+        <a:srgbClr val="EDEF00"/>
+      </a:accent4>
+      <a:accent5>
+        <a:srgbClr val="24CBE5"/>
+      </a:accent5>
+      <a:accent6>
+        <a:srgbClr val="64E572"/>
+      </a:accent6>
+      <a:hlink>
+        <a:srgbClr val="2200CC"/>
+      </a:hlink>
+      <a:folHlink>
+        <a:srgbClr val="551A8B"/>
+      </a:folHlink>
+    </a:clrScheme>
+    <a:fontScheme name="Office">
+      <a:majorFont>
+        <a:latin typeface="Arial"/>
+        <a:ea typeface=""/>
+        <a:cs typeface=""/>
+        <a:font script="Jpan" typeface="ＭＳ Ｐゴシック"/>
+        <a:font script="Hang" typeface="맑은 고딕"/>
+        <a:font script="Hans" typeface="宋体"/>
+        <a:font script="Hant" typeface="新細明體"/>
+        <a:font script="Arab" typeface="Times New Roman"/>
+        <a:font script="Hebr" typeface="Times New Roman"/>
+        <a:font script="Thai" typeface="Angsana New"/>
+        <a:font script="Ethi" typeface="Nyala"/>
+        <a:font script="Beng" typeface="Vrinda"/>
+        <a:font script="Gujr" typeface="Shruti"/>
+        <a:font script="Khmr" typeface="MoolBoran"/>
+        <a:font script="Knda" typeface="Tunga"/>
+        <a:font script="Guru" typeface="Raavi"/>
+        <a:font script="Cans" typeface="Euphemia"/>
+        <a:font script="Cher" typeface="Plantagenet Cherokee"/>
+        <a:font script="Yiii" typeface="Microsoft Yi Baiti"/>
+        <a:font script="Tibt" typeface="Microsoft Himalaya"/>
+        <a:font script="Thaa" typeface="MV Boli"/>
+        <a:font script="Deva" typeface="Mangal"/>
+        <a:font script="Telu" typeface="Gautami"/>
+        <a:font script="Taml" typeface="Latha"/>
+        <a:font script="Syrc" typeface="Estrangelo Edessa"/>
+        <a:font script="Orya" typeface="Kalinga"/>
+        <a:font script="Mlym" typeface="Kartika"/>
+        <a:font script="Laoo" typeface="DokChampa"/>
+        <a:font script="Sinh" typeface="Iskoola Pota"/>
+        <a:font script="Mong" typeface="Mongolian Baiti"/>
+        <a:font script="Viet" typeface="Times New Roman"/>
+        <a:font script="Uigh" typeface="Microsoft Uighur"/>
+        <a:font script="Geor" typeface="Sylfaen"/>
+      </a:majorFont>
+      <a:minorFont>
+        <a:latin typeface="Arial"/>
+        <a:ea typeface=""/>
+        <a:cs typeface=""/>
+        <a:font script="Jpan" typeface="ＭＳ Ｐゴシック"/>
+        <a:font script="Hang" typeface="맑은 고딕"/>
+        <a:font script="Hans" typeface="宋体"/>
+        <a:font script="Hant" typeface="新細明體"/>
+        <a:font script="Arab" typeface="Arial"/>
+        <a:font script="Hebr" typeface="Arial"/>
+        <a:font script="Thai" typeface="Cordia New"/>
+        <a:font script="Ethi" typeface="Nyala"/>
+        <a:font script="Beng" typeface="Vrinda"/>
+        <a:font script="Gujr" typeface="Shruti"/>
+        <a:font script="Khmr" typeface="DaunPenh"/>
+        <a:font script="Knda" typeface="Tunga"/>
+        <a:font script="Guru" typeface="Raavi"/>
+        <a:font script="Cans" typeface="Euphemia"/>
+        <a:font script="Cher" typeface="Plantagenet Cherokee"/>
+        <a:font script="Yiii" typeface="Microsoft Yi Baiti"/>
+        <a:font script="Tibt" typeface="Microsoft Himalaya"/>
+        <a:font script="Thaa" typeface="MV Boli"/>
+        <a:font script="Deva" typeface="Mangal"/>
+        <a:font script="Telu" typeface="Gautami"/>
+        <a:font script="Taml" typeface="Latha"/>
+        <a:font script="Syrc" typeface="Estrangelo Edessa"/>
+        <a:font script="Orya" typeface="Kalinga"/>
+        <a:font script="Mlym" typeface="Kartika"/>
+        <a:font script="Laoo" typeface="DokChampa"/>
+        <a:font script="Sinh" typeface="Iskoola Pota"/>
+        <a:font script="Mong" typeface="Mongolian Baiti"/>
+        <a:font script="Viet" typeface="Arial"/>
+        <a:font script="Uigh" typeface="Microsoft Uighur"/>
+        <a:font script="Geor" typeface="Sylfaen"/>
+      </a:minorFont>
+    </a:fontScheme>
+    <a:fmtScheme name="Office">
+      <a:fillStyleLst>
+        <a:solidFill>
+          <a:schemeClr val="phClr"/>
+        </a:solidFill>
+        <a:gradFill rotWithShape="1">
+          <a:gsLst>
+            <a:gs pos="0">
+              <a:schemeClr val="phClr">
+                <a:tint val="50000"/>
+                <a:satMod val="300000"/>
+              </a:schemeClr>
+            </a:gs>
+            <a:gs pos="35000">
+              <a:schemeClr val="phClr">
+                <a:tint val="37000"/>
+                <a:satMod val="300000"/>
+              </a:schemeClr>
+            </a:gs>
+            <a:gs pos="100000">
+              <a:schemeClr val="phClr">
+                <a:tint val="15000"/>
+                <a:satMod val="350000"/>
+              </a:schemeClr>
+            </a:gs>
+          </a:gsLst>
+          <a:lin ang="16200000" scaled="1"/>
+        </a:gradFill>
+        <a:gradFill rotWithShape="1">
+          <a:gsLst>
+            <a:gs pos="0">
+              <a:schemeClr val="phClr">
+                <a:tint val="100000"/>
+                <a:shade val="100000"/>
+                <a:satMod val="130000"/>
+              </a:schemeClr>
+            </a:gs>
+            <a:gs pos="100000">
+              <a:schemeClr val="phClr">
+                <a:tint val="50000"/>
+                <a:shade val="100000"/>
+                <a:satMod val="350000"/>
+              </a:schemeClr>
+            </a:gs>
+          </a:gsLst>
+          <a:lin ang="16200000" scaled="0"/>
+        </a:gradFill>
+      </a:fillStyleLst>
+      <a:lnStyleLst>
+        <a:ln w="9525" cap="flat" cmpd="sng" algn="ctr">
+          <a:solidFill>
+            <a:schemeClr val="phClr">
+              <a:shade val="95000"/>
+              <a:satMod val="105000"/>
+            </a:schemeClr>
+          </a:solidFill>
+          <a:prstDash val="solid"/>
+        </a:ln>
+        <a:ln w="25400" cap="flat" cmpd="sng" algn="ctr">
+          <a:solidFill>
+            <a:schemeClr val="phClr"/>
+          </a:solidFill>
+          <a:prstDash val="solid"/>
+        </a:ln>
+        <a:ln w="38100" cap="flat" cmpd="sng" algn="ctr">
+          <a:solidFill>
+            <a:schemeClr val="phClr"/>
+          </a:solidFill>
+          <a:prstDash val="solid"/>
+        </a:ln>
+      </a:lnStyleLst>
+      <a:effectStyleLst>
+        <a:effectStyle>
+          <a:effectLst>
+            <a:outerShdw blurRad="40000" dist="20000" dir="5400000" rotWithShape="0">
+              <a:srgbClr val="000000">
+                <a:alpha val="38000"/>
+              </a:srgbClr>
+            </a:outerShdw>
+          </a:effectLst>
+        </a:effectStyle>
+        <a:effectStyle>
+          <a:effectLst>
+            <a:outerShdw blurRad="40000" dist="23000" dir="5400000" rotWithShape="0">
+              <a:srgbClr val="000000">
+                <a:alpha val="35000"/>
+              </a:srgbClr>
+            </a:outerShdw>
+          </a:effectLst>
+        </a:effectStyle>
+        <a:effectStyle>
+          <a:effectLst>
+            <a:outerShdw blurRad="40000" dist="23000" dir="5400000" rotWithShape="0">
+              <a:srgbClr val="000000">
+                <a:alpha val="35000"/>
+              </a:srgbClr>
+            </a:outerShdw>
+          </a:effectLst>
+          <a:scene3d>
+            <a:camera prst="orthographicFront">
+              <a:rot lat="0" lon="0" rev="0"/>
+            </a:camera>
+            <a:lightRig rig="threePt" dir="t">
+              <a:rot lat="0" lon="0" rev="1200000"/>
+            </a:lightRig>
+          </a:scene3d>
+          <a:sp3d>
+            <a:bevelT w="63500" h="25400"/>
+          </a:sp3d>
+        </a:effectStyle>
+      </a:effectStyleLst>
+      <a:bgFillStyleLst>
+        <a:solidFill>
+          <a:schemeClr val="phClr"/>
+        </a:solidFill>
+        <a:gradFill rotWithShape="1">
+          <a:gsLst>
+            <a:gs pos="0">
+              <a:schemeClr val="phClr">
+                <a:tint val="40000"/>
+                <a:satMod val="350000"/>
+              </a:schemeClr>
+            </a:gs>
+            <a:gs pos="40000">
+              <a:schemeClr val="phClr">
+                <a:tint val="45000"/>
+                <a:shade val="99000"/>
+                <a:satMod val="350000"/>
+              </a:schemeClr>
+            </a:gs>
+            <a:gs pos="100000">
+              <a:schemeClr val="phClr">
+                <a:shade val="20000"/>
+                <a:satMod val="255000"/>
+              </a:schemeClr>
+            </a:gs>
+          </a:gsLst>
+          <a:path path="circle">
+            <a:fillToRect l="50000" t="-80000" r="50000" b="180000"/>
+          </a:path>
+        </a:gradFill>
+        <a:gradFill rotWithShape="1">
+          <a:gsLst>
+            <a:gs pos="0">
+              <a:schemeClr val="phClr">
+                <a:tint val="80000"/>
+                <a:satMod val="300000"/>
+              </a:schemeClr>
+            </a:gs>
+            <a:gs pos="100000">
+              <a:schemeClr val="phClr">
+                <a:shade val="30000"/>
+                <a:satMod val="200000"/>
+              </a:schemeClr>
+            </a:gs>
+          </a:gsLst>
+          <a:path path="circle">
+            <a:fillToRect l="50000" t="50000" r="50000" b="50000"/>
+          </a:path>
+        </a:gradFill>
+      </a:bgFillStyleLst>
+    </a:fmtScheme>
+  </a:themeElements>
+</a:theme>
+</file>
+
+<file path=ppt/theme/theme2.xml><?xml version="1.0" encoding="utf-8"?>
 <a:theme xmlns:a="http://schemas.openxmlformats.org/drawingml/2006/main" xmlns:r="http://schemas.openxmlformats.org/officeDocument/2006/relationships" name="Simple Light">
   <a:themeElements>
     <a:clrScheme name="Simple Light">
@@ -19993,283 +20520,4 @@
     </a:fmtScheme>
   </a:themeElements>
 </a:theme>
-</file>
-
-<file path=ppt/theme/theme2.xml><?xml version="1.0" encoding="utf-8"?>
-<a:theme xmlns:a="http://schemas.openxmlformats.org/drawingml/2006/main" xmlns:r="http://schemas.openxmlformats.org/officeDocument/2006/relationships">
-  <a:themeElements>
-    <a:clrScheme name="Default">
-      <a:dk1>
-        <a:srgbClr val="000000"/>
-      </a:dk1>
-      <a:lt1>
-        <a:srgbClr val="FFFFFF"/>
-      </a:lt1>
-      <a:dk2>
-        <a:srgbClr val="158158"/>
-      </a:dk2>
-      <a:lt2>
-        <a:srgbClr val="F3F3F3"/>
-      </a:lt2>
-      <a:accent1>
-        <a:srgbClr val="058DC7"/>
-      </a:accent1>
-      <a:accent2>
-        <a:srgbClr val="50B432"/>
-      </a:accent2>
-      <a:accent3>
-        <a:srgbClr val="ED561B"/>
-      </a:accent3>
-      <a:accent4>
-        <a:srgbClr val="EDEF00"/>
-      </a:accent4>
-      <a:accent5>
-        <a:srgbClr val="24CBE5"/>
-      </a:accent5>
-      <a:accent6>
-        <a:srgbClr val="64E572"/>
-      </a:accent6>
-      <a:hlink>
-        <a:srgbClr val="2200CC"/>
-      </a:hlink>
-      <a:folHlink>
-        <a:srgbClr val="551A8B"/>
-      </a:folHlink>
-    </a:clrScheme>
-    <a:fontScheme name="Office">
-      <a:majorFont>
-        <a:latin typeface="Arial"/>
-        <a:ea typeface=""/>
-        <a:cs typeface=""/>
-        <a:font script="Jpan" typeface="ＭＳ Ｐゴシック"/>
-        <a:font script="Hang" typeface="맑은 고딕"/>
-        <a:font script="Hans" typeface="宋体"/>
-        <a:font script="Hant" typeface="新細明體"/>
-        <a:font script="Arab" typeface="Times New Roman"/>
-        <a:font script="Hebr" typeface="Times New Roman"/>
-        <a:font script="Thai" typeface="Angsana New"/>
-        <a:font script="Ethi" typeface="Nyala"/>
-        <a:font script="Beng" typeface="Vrinda"/>
-        <a:font script="Gujr" typeface="Shruti"/>
-        <a:font script="Khmr" typeface="MoolBoran"/>
-        <a:font script="Knda" typeface="Tunga"/>
-        <a:font script="Guru" typeface="Raavi"/>
-        <a:font script="Cans" typeface="Euphemia"/>
-        <a:font script="Cher" typeface="Plantagenet Cherokee"/>
-        <a:font script="Yiii" typeface="Microsoft Yi Baiti"/>
-        <a:font script="Tibt" typeface="Microsoft Himalaya"/>
-        <a:font script="Thaa" typeface="MV Boli"/>
-        <a:font script="Deva" typeface="Mangal"/>
-        <a:font script="Telu" typeface="Gautami"/>
-        <a:font script="Taml" typeface="Latha"/>
-        <a:font script="Syrc" typeface="Estrangelo Edessa"/>
-        <a:font script="Orya" typeface="Kalinga"/>
-        <a:font script="Mlym" typeface="Kartika"/>
-        <a:font script="Laoo" typeface="DokChampa"/>
-        <a:font script="Sinh" typeface="Iskoola Pota"/>
-        <a:font script="Mong" typeface="Mongolian Baiti"/>
-        <a:font script="Viet" typeface="Times New Roman"/>
-        <a:font script="Uigh" typeface="Microsoft Uighur"/>
-        <a:font script="Geor" typeface="Sylfaen"/>
-      </a:majorFont>
-      <a:minorFont>
-        <a:latin typeface="Arial"/>
-        <a:ea typeface=""/>
-        <a:cs typeface=""/>
-        <a:font script="Jpan" typeface="ＭＳ Ｐゴシック"/>
-        <a:font script="Hang" typeface="맑은 고딕"/>
-        <a:font script="Hans" typeface="宋体"/>
-        <a:font script="Hant" typeface="新細明體"/>
-        <a:font script="Arab" typeface="Arial"/>
-        <a:font script="Hebr" typeface="Arial"/>
-        <a:font script="Thai" typeface="Cordia New"/>
-        <a:font script="Ethi" typeface="Nyala"/>
-        <a:font script="Beng" typeface="Vrinda"/>
-        <a:font script="Gujr" typeface="Shruti"/>
-        <a:font script="Khmr" typeface="DaunPenh"/>
-        <a:font script="Knda" typeface="Tunga"/>
-        <a:font script="Guru" typeface="Raavi"/>
-        <a:font script="Cans" typeface="Euphemia"/>
-        <a:font script="Cher" typeface="Plantagenet Cherokee"/>
-        <a:font script="Yiii" typeface="Microsoft Yi Baiti"/>
-        <a:font script="Tibt" typeface="Microsoft Himalaya"/>
-        <a:font script="Thaa" typeface="MV Boli"/>
-        <a:font script="Deva" typeface="Mangal"/>
-        <a:font script="Telu" typeface="Gautami"/>
-        <a:font script="Taml" typeface="Latha"/>
-        <a:font script="Syrc" typeface="Estrangelo Edessa"/>
-        <a:font script="Orya" typeface="Kalinga"/>
-        <a:font script="Mlym" typeface="Kartika"/>
-        <a:font script="Laoo" typeface="DokChampa"/>
-        <a:font script="Sinh" typeface="Iskoola Pota"/>
-        <a:font script="Mong" typeface="Mongolian Baiti"/>
-        <a:font script="Viet" typeface="Arial"/>
-        <a:font script="Uigh" typeface="Microsoft Uighur"/>
-        <a:font script="Geor" typeface="Sylfaen"/>
-      </a:minorFont>
-    </a:fontScheme>
-    <a:fmtScheme name="Office">
-      <a:fillStyleLst>
-        <a:solidFill>
-          <a:schemeClr val="phClr"/>
-        </a:solidFill>
-        <a:gradFill rotWithShape="1">
-          <a:gsLst>
-            <a:gs pos="0">
-              <a:schemeClr val="phClr">
-                <a:tint val="50000"/>
-                <a:satMod val="300000"/>
-              </a:schemeClr>
-            </a:gs>
-            <a:gs pos="35000">
-              <a:schemeClr val="phClr">
-                <a:tint val="37000"/>
-                <a:satMod val="300000"/>
-              </a:schemeClr>
-            </a:gs>
-            <a:gs pos="100000">
-              <a:schemeClr val="phClr">
-                <a:tint val="15000"/>
-                <a:satMod val="350000"/>
-              </a:schemeClr>
-            </a:gs>
-          </a:gsLst>
-          <a:lin ang="16200000" scaled="1"/>
-        </a:gradFill>
-        <a:gradFill rotWithShape="1">
-          <a:gsLst>
-            <a:gs pos="0">
-              <a:schemeClr val="phClr">
-                <a:tint val="100000"/>
-                <a:shade val="100000"/>
-                <a:satMod val="130000"/>
-              </a:schemeClr>
-            </a:gs>
-            <a:gs pos="100000">
-              <a:schemeClr val="phClr">
-                <a:tint val="50000"/>
-                <a:shade val="100000"/>
-                <a:satMod val="350000"/>
-              </a:schemeClr>
-            </a:gs>
-          </a:gsLst>
-          <a:lin ang="16200000" scaled="0"/>
-        </a:gradFill>
-      </a:fillStyleLst>
-      <a:lnStyleLst>
-        <a:ln w="9525" cap="flat" cmpd="sng" algn="ctr">
-          <a:solidFill>
-            <a:schemeClr val="phClr">
-              <a:shade val="95000"/>
-              <a:satMod val="105000"/>
-            </a:schemeClr>
-          </a:solidFill>
-          <a:prstDash val="solid"/>
-        </a:ln>
-        <a:ln w="25400" cap="flat" cmpd="sng" algn="ctr">
-          <a:solidFill>
-            <a:schemeClr val="phClr"/>
-          </a:solidFill>
-          <a:prstDash val="solid"/>
-        </a:ln>
-        <a:ln w="38100" cap="flat" cmpd="sng" algn="ctr">
-          <a:solidFill>
-            <a:schemeClr val="phClr"/>
-          </a:solidFill>
-          <a:prstDash val="solid"/>
-        </a:ln>
-      </a:lnStyleLst>
-      <a:effectStyleLst>
-        <a:effectStyle>
-          <a:effectLst>
-            <a:outerShdw blurRad="40000" dist="20000" dir="5400000" rotWithShape="0">
-              <a:srgbClr val="000000">
-                <a:alpha val="38000"/>
-              </a:srgbClr>
-            </a:outerShdw>
-          </a:effectLst>
-        </a:effectStyle>
-        <a:effectStyle>
-          <a:effectLst>
-            <a:outerShdw blurRad="40000" dist="23000" dir="5400000" rotWithShape="0">
-              <a:srgbClr val="000000">
-                <a:alpha val="35000"/>
-              </a:srgbClr>
-            </a:outerShdw>
-          </a:effectLst>
-        </a:effectStyle>
-        <a:effectStyle>
-          <a:effectLst>
-            <a:outerShdw blurRad="40000" dist="23000" dir="5400000" rotWithShape="0">
-              <a:srgbClr val="000000">
-                <a:alpha val="35000"/>
-              </a:srgbClr>
-            </a:outerShdw>
-          </a:effectLst>
-          <a:scene3d>
-            <a:camera prst="orthographicFront">
-              <a:rot lat="0" lon="0" rev="0"/>
-            </a:camera>
-            <a:lightRig rig="threePt" dir="t">
-              <a:rot lat="0" lon="0" rev="1200000"/>
-            </a:lightRig>
-          </a:scene3d>
-          <a:sp3d>
-            <a:bevelT w="63500" h="25400"/>
-          </a:sp3d>
-        </a:effectStyle>
-      </a:effectStyleLst>
-      <a:bgFillStyleLst>
-        <a:solidFill>
-          <a:schemeClr val="phClr"/>
-        </a:solidFill>
-        <a:gradFill rotWithShape="1">
-          <a:gsLst>
-            <a:gs pos="0">
-              <a:schemeClr val="phClr">
-                <a:tint val="40000"/>
-                <a:satMod val="350000"/>
-              </a:schemeClr>
-            </a:gs>
-            <a:gs pos="40000">
-              <a:schemeClr val="phClr">
-                <a:tint val="45000"/>
-                <a:shade val="99000"/>
-                <a:satMod val="350000"/>
-              </a:schemeClr>
-            </a:gs>
-            <a:gs pos="100000">
-              <a:schemeClr val="phClr">
-                <a:shade val="20000"/>
-                <a:satMod val="255000"/>
-              </a:schemeClr>
-            </a:gs>
-          </a:gsLst>
-          <a:path path="circle">
-            <a:fillToRect l="50000" t="-80000" r="50000" b="180000"/>
-          </a:path>
-        </a:gradFill>
-        <a:gradFill rotWithShape="1">
-          <a:gsLst>
-            <a:gs pos="0">
-              <a:schemeClr val="phClr">
-                <a:tint val="80000"/>
-                <a:satMod val="300000"/>
-              </a:schemeClr>
-            </a:gs>
-            <a:gs pos="100000">
-              <a:schemeClr val="phClr">
-                <a:shade val="30000"/>
-                <a:satMod val="200000"/>
-              </a:schemeClr>
-            </a:gs>
-          </a:gsLst>
-          <a:path path="circle">
-            <a:fillToRect l="50000" t="50000" r="50000" b="50000"/>
-          </a:path>
-        </a:gradFill>
-      </a:bgFillStyleLst>
-    </a:fmtScheme>
-  </a:themeElements>
-</a:theme>
 </file>